--- a/docs/ミーティング/発表資料/25_0725_進捗.pptx
+++ b/docs/ミーティング/発表資料/25_0725_進捗.pptx
@@ -5,27 +5,29 @@
     <p:sldMasterId id="2147483648" r:id="rId1"/>
   </p:sldMasterIdLst>
   <p:notesMasterIdLst>
-    <p:notesMasterId r:id="rId7"/>
+    <p:notesMasterId r:id="rId9"/>
   </p:notesMasterIdLst>
   <p:sldIdLst>
     <p:sldId id="256" r:id="rId2"/>
     <p:sldId id="293" r:id="rId3"/>
     <p:sldId id="302" r:id="rId4"/>
-    <p:sldId id="303" r:id="rId5"/>
-    <p:sldId id="288" r:id="rId6"/>
+    <p:sldId id="304" r:id="rId5"/>
+    <p:sldId id="305" r:id="rId6"/>
+    <p:sldId id="306" r:id="rId7"/>
+    <p:sldId id="307" r:id="rId8"/>
   </p:sldIdLst>
   <p:sldSz cx="18288000" cy="10287000"/>
   <p:notesSz cx="6858000" cy="9144000"/>
   <p:embeddedFontLst>
     <p:embeddedFont>
       <p:font typeface="游ゴシック" panose="020B0400000000000000" pitchFamily="34" charset="-128"/>
-      <p:regular r:id="rId8"/>
-      <p:bold r:id="rId9"/>
+      <p:regular r:id="rId10"/>
+      <p:bold r:id="rId11"/>
     </p:embeddedFont>
     <p:embeddedFont>
       <p:font typeface="游ゴシック" panose="020B0400000000000000" pitchFamily="34" charset="-128"/>
-      <p:regular r:id="rId8"/>
-      <p:bold r:id="rId9"/>
+      <p:regular r:id="rId10"/>
+      <p:bold r:id="rId11"/>
     </p:embeddedFont>
   </p:embeddedFontLst>
   <p:defaultTextStyle>
@@ -224,7 +226,7 @@
           <a:p>
             <a:fld id="{5315D7B3-D8F9-DB42-9752-C640A49B89F2}" type="datetimeFigureOut">
               <a:rPr kumimoji="1" lang="ja-JP" altLang="en-US" smtClean="0"/>
-              <a:t>2025/7/14</a:t>
+              <a:t>2025/7/21</a:t>
             </a:fld>
             <a:endParaRPr kumimoji="1" lang="ja-JP" altLang="en-US"/>
           </a:p>
@@ -753,7 +755,7 @@
         <p:cNvPr id="1" name="">
           <a:extLst>
             <a:ext uri="{FF2B5EF4-FFF2-40B4-BE49-F238E27FC236}">
-              <a16:creationId xmlns:a16="http://schemas.microsoft.com/office/drawing/2014/main" id="{FE755880-4982-8CDA-DE6D-9F45A6AC6B48}"/>
+              <a16:creationId xmlns:a16="http://schemas.microsoft.com/office/drawing/2014/main" id="{E17BBA2D-B130-9243-38B4-B9813AD5B9EF}"/>
             </a:ext>
           </a:extLst>
         </p:cNvPr>
@@ -773,7 +775,7 @@
           <p:cNvPr id="2" name="スライド イメージ プレースホルダー 1">
             <a:extLst>
               <a:ext uri="{FF2B5EF4-FFF2-40B4-BE49-F238E27FC236}">
-                <a16:creationId xmlns:a16="http://schemas.microsoft.com/office/drawing/2014/main" id="{9922B172-B6B8-01DB-F702-F85982541166}"/>
+                <a16:creationId xmlns:a16="http://schemas.microsoft.com/office/drawing/2014/main" id="{F342A31A-92CB-2DBA-C4FF-76E75D94E256}"/>
               </a:ext>
             </a:extLst>
           </p:cNvPr>
@@ -791,7 +793,7 @@
           <p:cNvPr id="3" name="ノート プレースホルダー 2">
             <a:extLst>
               <a:ext uri="{FF2B5EF4-FFF2-40B4-BE49-F238E27FC236}">
-                <a16:creationId xmlns:a16="http://schemas.microsoft.com/office/drawing/2014/main" id="{CD6B5EC7-6EF9-C1D0-1E20-8EC85D7DB9F8}"/>
+                <a16:creationId xmlns:a16="http://schemas.microsoft.com/office/drawing/2014/main" id="{1525FB05-A1F8-23AF-2C7B-B688F5EBA8B7}"/>
               </a:ext>
             </a:extLst>
           </p:cNvPr>
@@ -807,245 +809,9 @@
           <a:bodyPr/>
           <a:lstStyle/>
           <a:p>
-            <a:endParaRPr lang="en-US" altLang="ja-JP" b="1" dirty="0">
-              <a:effectLst/>
-            </a:endParaRPr>
-          </a:p>
-          <a:p>
-            <a:r>
-              <a:rPr lang="ja-JP" altLang="en-US" b="1">
-                <a:effectLst/>
-              </a:rPr>
-              <a:t>＝＝＝＝＝</a:t>
-            </a:r>
-            <a:br>
-              <a:rPr lang="en-US" altLang="ja-JP" b="1" dirty="0">
-                <a:effectLst/>
-              </a:rPr>
-            </a:br>
-            <a:r>
-              <a:rPr lang="ja-JP" altLang="en-US" b="1">
-                <a:effectLst/>
-              </a:rPr>
-              <a:t>🎯 グループ権限（</a:t>
-            </a:r>
-            <a:r>
-              <a:rPr lang="en-US" altLang="ja-JP" b="1" dirty="0" err="1">
-                <a:effectLst/>
-              </a:rPr>
-              <a:t>accounts_user_groups</a:t>
-            </a:r>
-            <a:r>
-              <a:rPr lang="ja-JP" altLang="en-US" b="1">
-                <a:effectLst/>
-              </a:rPr>
-              <a:t>）</a:t>
-            </a:r>
-          </a:p>
-          <a:p>
-            <a:r>
-              <a:rPr lang="ja-JP" altLang="en-US" b="1">
-                <a:effectLst/>
-              </a:rPr>
-              <a:t>役職・立場ベース</a:t>
-            </a:r>
-            <a:r>
-              <a:rPr lang="ja-JP" altLang="en-US">
-                <a:effectLst/>
-              </a:rPr>
-              <a:t>の権限</a:t>
-            </a:r>
-          </a:p>
-          <a:p>
-            <a:r>
-              <a:rPr lang="ja-JP" altLang="en-US">
-                <a:effectLst/>
-              </a:rPr>
-              <a:t>複数人が同じ権限セットを持つ場合</a:t>
-            </a:r>
-          </a:p>
-          <a:p>
-            <a:r>
-              <a:rPr lang="ja-JP" altLang="en-US">
-                <a:effectLst/>
-              </a:rPr>
-              <a:t>権限変更時は</a:t>
-            </a:r>
-            <a:r>
-              <a:rPr lang="ja-JP" altLang="en-US" b="1">
-                <a:effectLst/>
-              </a:rPr>
-              <a:t>グループを修正するだけ</a:t>
-            </a:r>
-            <a:r>
-              <a:rPr lang="ja-JP" altLang="en-US">
-                <a:effectLst/>
-              </a:rPr>
-              <a:t>で全員に反映</a:t>
-            </a:r>
-          </a:p>
-          <a:p>
-            <a:r>
-              <a:rPr lang="ja-JP" altLang="en-US" b="1">
-                <a:effectLst/>
-              </a:rPr>
-              <a:t>例：</a:t>
-            </a:r>
-            <a:r>
-              <a:rPr lang="ja-JP" altLang="en-US">
-                <a:effectLst/>
-              </a:rPr>
-              <a:t>管理者グループ </a:t>
-            </a:r>
-            <a:r>
-              <a:rPr lang="en-US" altLang="ja-JP" dirty="0">
-                <a:effectLst/>
-              </a:rPr>
-              <a:t>- </a:t>
-            </a:r>
-            <a:r>
-              <a:rPr lang="ja-JP" altLang="en-US">
-                <a:effectLst/>
-              </a:rPr>
-              <a:t>システム全体の管理</a:t>
-            </a:r>
-          </a:p>
-          <a:p>
-            <a:r>
-              <a:rPr lang="ja-JP" altLang="en-US">
-                <a:effectLst/>
-              </a:rPr>
-              <a:t>分析者グループ </a:t>
-            </a:r>
-            <a:r>
-              <a:rPr lang="en-US" altLang="ja-JP" dirty="0">
-                <a:effectLst/>
-              </a:rPr>
-              <a:t>- </a:t>
-            </a:r>
-            <a:r>
-              <a:rPr lang="ja-JP" altLang="en-US">
-                <a:effectLst/>
-              </a:rPr>
-              <a:t>データ分析機能のみ</a:t>
-            </a:r>
-          </a:p>
-          <a:p>
-            <a:r>
-              <a:rPr lang="ja-JP" altLang="en-US">
-                <a:effectLst/>
-              </a:rPr>
-              <a:t>一般ユーザーグループ </a:t>
-            </a:r>
-            <a:r>
-              <a:rPr lang="en-US" altLang="ja-JP" dirty="0">
-                <a:effectLst/>
-              </a:rPr>
-              <a:t>- </a:t>
-            </a:r>
-            <a:r>
-              <a:rPr lang="ja-JP" altLang="en-US">
-                <a:effectLst/>
-              </a:rPr>
-              <a:t>基本機能のみ</a:t>
-            </a:r>
-            <a:endParaRPr lang="en-US" altLang="ja-JP" dirty="0">
-              <a:effectLst/>
-            </a:endParaRPr>
-          </a:p>
-          <a:p>
             <a:endParaRPr lang="ja-JP" altLang="en-US">
               <a:effectLst/>
             </a:endParaRPr>
-          </a:p>
-          <a:p>
-            <a:r>
-              <a:rPr lang="ja-JP" altLang="en-US" b="1">
-                <a:effectLst/>
-              </a:rPr>
-              <a:t>🎯 個人権限（</a:t>
-            </a:r>
-            <a:r>
-              <a:rPr lang="en-US" altLang="ja-JP" b="1" dirty="0" err="1">
-                <a:effectLst/>
-              </a:rPr>
-              <a:t>accounts_user_user_permissions</a:t>
-            </a:r>
-            <a:r>
-              <a:rPr lang="ja-JP" altLang="en-US" b="1">
-                <a:effectLst/>
-              </a:rPr>
-              <a:t>）</a:t>
-            </a:r>
-          </a:p>
-          <a:p>
-            <a:r>
-              <a:rPr lang="ja-JP" altLang="en-US" b="1">
-                <a:effectLst/>
-              </a:rPr>
-              <a:t>例外的・特別な権限</a:t>
-            </a:r>
-            <a:endParaRPr lang="ja-JP" altLang="en-US">
-              <a:effectLst/>
-            </a:endParaRPr>
-          </a:p>
-          <a:p>
-            <a:r>
-              <a:rPr lang="ja-JP" altLang="en-US">
-                <a:effectLst/>
-              </a:rPr>
-              <a:t>その人だけに特別に付与したい場合</a:t>
-            </a:r>
-          </a:p>
-          <a:p>
-            <a:r>
-              <a:rPr lang="ja-JP" altLang="en-US">
-                <a:effectLst/>
-              </a:rPr>
-              <a:t>一時的な権限付与</a:t>
-            </a:r>
-          </a:p>
-          <a:p>
-            <a:r>
-              <a:rPr lang="ja-JP" altLang="en-US" b="1">
-                <a:effectLst/>
-              </a:rPr>
-              <a:t>例：</a:t>
-            </a:r>
-            <a:r>
-              <a:rPr lang="ja-JP" altLang="en-US">
-                <a:effectLst/>
-              </a:rPr>
-              <a:t>テストユーザーのみ「ベータ機能使用権限」</a:t>
-            </a:r>
-          </a:p>
-          <a:p>
-            <a:r>
-              <a:rPr lang="ja-JP" altLang="en-US">
-                <a:effectLst/>
-              </a:rPr>
-              <a:t>特定の研究者のみ「生データエクスポート権限」</a:t>
-            </a:r>
-          </a:p>
-          <a:p>
-            <a:r>
-              <a:rPr lang="ja-JP" altLang="en-US">
-                <a:effectLst/>
-              </a:rPr>
-              <a:t>期間限定で「外部連携</a:t>
-            </a:r>
-            <a:r>
-              <a:rPr lang="en-US" altLang="ja-JP" dirty="0">
-                <a:effectLst/>
-              </a:rPr>
-              <a:t>API</a:t>
-            </a:r>
-            <a:r>
-              <a:rPr lang="ja-JP" altLang="en-US">
-                <a:effectLst/>
-              </a:rPr>
-              <a:t>使用権限」</a:t>
-            </a:r>
           </a:p>
         </p:txBody>
       </p:sp>
@@ -1054,7 +820,7 @@
           <p:cNvPr id="4" name="スライド番号プレースホルダー 3">
             <a:extLst>
               <a:ext uri="{FF2B5EF4-FFF2-40B4-BE49-F238E27FC236}">
-                <a16:creationId xmlns:a16="http://schemas.microsoft.com/office/drawing/2014/main" id="{EC2FC1C1-9E7A-B1A9-9BD3-7617CFBAAA25}"/>
+                <a16:creationId xmlns:a16="http://schemas.microsoft.com/office/drawing/2014/main" id="{A10FA42A-1B2E-3A53-C88E-7B4F95726A12}"/>
               </a:ext>
             </a:extLst>
           </p:cNvPr>
@@ -1081,7 +847,7 @@
     </p:spTree>
     <p:extLst>
       <p:ext uri="{BB962C8B-B14F-4D97-AF65-F5344CB8AC3E}">
-        <p14:creationId xmlns:p14="http://schemas.microsoft.com/office/powerpoint/2010/main" val="2244709836"/>
+        <p14:creationId xmlns:p14="http://schemas.microsoft.com/office/powerpoint/2010/main" val="1897289902"/>
       </p:ext>
     </p:extLst>
   </p:cSld>
@@ -1096,7 +862,13 @@
   <p:cSld>
     <p:spTree>
       <p:nvGrpSpPr>
-        <p:cNvPr id="1" name=""/>
+        <p:cNvPr id="1" name="">
+          <a:extLst>
+            <a:ext uri="{FF2B5EF4-FFF2-40B4-BE49-F238E27FC236}">
+              <a16:creationId xmlns:a16="http://schemas.microsoft.com/office/drawing/2014/main" id="{F7801AE4-9599-F9EB-4C0C-3FB1E5364D23}"/>
+            </a:ext>
+          </a:extLst>
+        </p:cNvPr>
         <p:cNvGrpSpPr/>
         <p:nvPr/>
       </p:nvGrpSpPr>
@@ -1110,7 +882,13 @@
       </p:grpSpPr>
       <p:sp>
         <p:nvSpPr>
-          <p:cNvPr id="2" name="スライド イメージ プレースホルダー 1"/>
+          <p:cNvPr id="2" name="スライド イメージ プレースホルダー 1">
+            <a:extLst>
+              <a:ext uri="{FF2B5EF4-FFF2-40B4-BE49-F238E27FC236}">
+                <a16:creationId xmlns:a16="http://schemas.microsoft.com/office/drawing/2014/main" id="{6C943F0E-4D86-D25D-8355-1EC1B7695D4C}"/>
+              </a:ext>
+            </a:extLst>
+          </p:cNvPr>
           <p:cNvSpPr>
             <a:spLocks noGrp="1" noRot="1" noChangeAspect="1"/>
           </p:cNvSpPr>
@@ -1122,7 +900,13 @@
       </p:sp>
       <p:sp>
         <p:nvSpPr>
-          <p:cNvPr id="3" name="ノート プレースホルダー 2"/>
+          <p:cNvPr id="3" name="ノート プレースホルダー 2">
+            <a:extLst>
+              <a:ext uri="{FF2B5EF4-FFF2-40B4-BE49-F238E27FC236}">
+                <a16:creationId xmlns:a16="http://schemas.microsoft.com/office/drawing/2014/main" id="{56F557B3-D6D5-C5F0-B87B-D78B69291FDF}"/>
+              </a:ext>
+            </a:extLst>
+          </p:cNvPr>
           <p:cNvSpPr>
             <a:spLocks noGrp="1"/>
           </p:cNvSpPr>
@@ -1135,31 +919,21 @@
           <a:bodyPr/>
           <a:lstStyle/>
           <a:p>
-            <a:r>
-              <a:rPr kumimoji="1" lang="ja-JP" altLang="en-US"/>
-              <a:t>テーブル　個人情報，興味関心の</a:t>
-            </a:r>
-            <a:r>
-              <a:rPr kumimoji="1" lang="en-US" altLang="ja-JP" dirty="0"/>
-              <a:t>2</a:t>
-            </a:r>
-            <a:r>
-              <a:rPr kumimoji="1" lang="ja-JP" altLang="en-US"/>
-              <a:t>つ</a:t>
-            </a:r>
-            <a:endParaRPr kumimoji="1" lang="en-US" altLang="ja-JP" dirty="0"/>
-          </a:p>
-          <a:p>
-            <a:r>
-              <a:rPr kumimoji="1" lang="ja-JP" altLang="en-US"/>
-              <a:t>マッチングの仕方を考える，ユーザーを作ってみる</a:t>
-            </a:r>
+            <a:endParaRPr lang="ja-JP" altLang="en-US">
+              <a:effectLst/>
+            </a:endParaRPr>
           </a:p>
         </p:txBody>
       </p:sp>
       <p:sp>
         <p:nvSpPr>
-          <p:cNvPr id="4" name="スライド番号プレースホルダー 3"/>
+          <p:cNvPr id="4" name="スライド番号プレースホルダー 3">
+            <a:extLst>
+              <a:ext uri="{FF2B5EF4-FFF2-40B4-BE49-F238E27FC236}">
+                <a16:creationId xmlns:a16="http://schemas.microsoft.com/office/drawing/2014/main" id="{FF5205A2-2654-F824-C559-591A20DFE3CF}"/>
+              </a:ext>
+            </a:extLst>
+          </p:cNvPr>
           <p:cNvSpPr>
             <a:spLocks noGrp="1"/>
           </p:cNvSpPr>
@@ -1183,7 +957,227 @@
     </p:spTree>
     <p:extLst>
       <p:ext uri="{BB962C8B-B14F-4D97-AF65-F5344CB8AC3E}">
-        <p14:creationId xmlns:p14="http://schemas.microsoft.com/office/powerpoint/2010/main" val="2766784093"/>
+        <p14:creationId xmlns:p14="http://schemas.microsoft.com/office/powerpoint/2010/main" val="1299176647"/>
+      </p:ext>
+    </p:extLst>
+  </p:cSld>
+  <p:clrMapOvr>
+    <a:masterClrMapping/>
+  </p:clrMapOvr>
+</p:notes>
+</file>
+
+<file path=ppt/notesSlides/notesSlide5.xml><?xml version="1.0" encoding="utf-8"?>
+<p:notes xmlns:a="http://schemas.openxmlformats.org/drawingml/2006/main" xmlns:r="http://schemas.openxmlformats.org/officeDocument/2006/relationships" xmlns:p="http://schemas.openxmlformats.org/presentationml/2006/main">
+  <p:cSld>
+    <p:spTree>
+      <p:nvGrpSpPr>
+        <p:cNvPr id="1" name="">
+          <a:extLst>
+            <a:ext uri="{FF2B5EF4-FFF2-40B4-BE49-F238E27FC236}">
+              <a16:creationId xmlns:a16="http://schemas.microsoft.com/office/drawing/2014/main" id="{62DE9656-0CB5-5EFF-B5D4-0C5317A8FD19}"/>
+            </a:ext>
+          </a:extLst>
+        </p:cNvPr>
+        <p:cNvGrpSpPr/>
+        <p:nvPr/>
+      </p:nvGrpSpPr>
+      <p:grpSpPr>
+        <a:xfrm>
+          <a:off x="0" y="0"/>
+          <a:ext cx="0" cy="0"/>
+          <a:chOff x="0" y="0"/>
+          <a:chExt cx="0" cy="0"/>
+        </a:xfrm>
+      </p:grpSpPr>
+      <p:sp>
+        <p:nvSpPr>
+          <p:cNvPr id="2" name="スライド イメージ プレースホルダー 1">
+            <a:extLst>
+              <a:ext uri="{FF2B5EF4-FFF2-40B4-BE49-F238E27FC236}">
+                <a16:creationId xmlns:a16="http://schemas.microsoft.com/office/drawing/2014/main" id="{3F9E3708-409D-A420-6B36-895298A83225}"/>
+              </a:ext>
+            </a:extLst>
+          </p:cNvPr>
+          <p:cNvSpPr>
+            <a:spLocks noGrp="1" noRot="1" noChangeAspect="1"/>
+          </p:cNvSpPr>
+          <p:nvPr>
+            <p:ph type="sldImg"/>
+          </p:nvPr>
+        </p:nvSpPr>
+        <p:spPr/>
+      </p:sp>
+      <p:sp>
+        <p:nvSpPr>
+          <p:cNvPr id="3" name="ノート プレースホルダー 2">
+            <a:extLst>
+              <a:ext uri="{FF2B5EF4-FFF2-40B4-BE49-F238E27FC236}">
+                <a16:creationId xmlns:a16="http://schemas.microsoft.com/office/drawing/2014/main" id="{1A37DBF2-13AB-113E-39DA-6162FEA0414F}"/>
+              </a:ext>
+            </a:extLst>
+          </p:cNvPr>
+          <p:cNvSpPr>
+            <a:spLocks noGrp="1"/>
+          </p:cNvSpPr>
+          <p:nvPr>
+            <p:ph type="body" idx="1"/>
+          </p:nvPr>
+        </p:nvSpPr>
+        <p:spPr/>
+        <p:txBody>
+          <a:bodyPr/>
+          <a:lstStyle/>
+          <a:p>
+            <a:endParaRPr lang="ja-JP" altLang="en-US">
+              <a:effectLst/>
+            </a:endParaRPr>
+          </a:p>
+        </p:txBody>
+      </p:sp>
+      <p:sp>
+        <p:nvSpPr>
+          <p:cNvPr id="4" name="スライド番号プレースホルダー 3">
+            <a:extLst>
+              <a:ext uri="{FF2B5EF4-FFF2-40B4-BE49-F238E27FC236}">
+                <a16:creationId xmlns:a16="http://schemas.microsoft.com/office/drawing/2014/main" id="{56F7B8E7-3E84-144B-090E-038EA384E8F0}"/>
+              </a:ext>
+            </a:extLst>
+          </p:cNvPr>
+          <p:cNvSpPr>
+            <a:spLocks noGrp="1"/>
+          </p:cNvSpPr>
+          <p:nvPr>
+            <p:ph type="sldNum" sz="quarter" idx="5"/>
+          </p:nvPr>
+        </p:nvSpPr>
+        <p:spPr/>
+        <p:txBody>
+          <a:bodyPr/>
+          <a:lstStyle/>
+          <a:p>
+            <a:fld id="{423E85BE-9FAD-764D-B84A-7C70829A20A9}" type="slidenum">
+              <a:rPr kumimoji="1" lang="ja-JP" altLang="en-US" smtClean="0"/>
+              <a:t>6</a:t>
+            </a:fld>
+            <a:endParaRPr kumimoji="1" lang="ja-JP" altLang="en-US"/>
+          </a:p>
+        </p:txBody>
+      </p:sp>
+    </p:spTree>
+    <p:extLst>
+      <p:ext uri="{BB962C8B-B14F-4D97-AF65-F5344CB8AC3E}">
+        <p14:creationId xmlns:p14="http://schemas.microsoft.com/office/powerpoint/2010/main" val="1991656455"/>
+      </p:ext>
+    </p:extLst>
+  </p:cSld>
+  <p:clrMapOvr>
+    <a:masterClrMapping/>
+  </p:clrMapOvr>
+</p:notes>
+</file>
+
+<file path=ppt/notesSlides/notesSlide6.xml><?xml version="1.0" encoding="utf-8"?>
+<p:notes xmlns:a="http://schemas.openxmlformats.org/drawingml/2006/main" xmlns:r="http://schemas.openxmlformats.org/officeDocument/2006/relationships" xmlns:p="http://schemas.openxmlformats.org/presentationml/2006/main">
+  <p:cSld>
+    <p:spTree>
+      <p:nvGrpSpPr>
+        <p:cNvPr id="1" name="">
+          <a:extLst>
+            <a:ext uri="{FF2B5EF4-FFF2-40B4-BE49-F238E27FC236}">
+              <a16:creationId xmlns:a16="http://schemas.microsoft.com/office/drawing/2014/main" id="{7CC3A886-A44A-7147-A1D4-0759394AFAEC}"/>
+            </a:ext>
+          </a:extLst>
+        </p:cNvPr>
+        <p:cNvGrpSpPr/>
+        <p:nvPr/>
+      </p:nvGrpSpPr>
+      <p:grpSpPr>
+        <a:xfrm>
+          <a:off x="0" y="0"/>
+          <a:ext cx="0" cy="0"/>
+          <a:chOff x="0" y="0"/>
+          <a:chExt cx="0" cy="0"/>
+        </a:xfrm>
+      </p:grpSpPr>
+      <p:sp>
+        <p:nvSpPr>
+          <p:cNvPr id="2" name="スライド イメージ プレースホルダー 1">
+            <a:extLst>
+              <a:ext uri="{FF2B5EF4-FFF2-40B4-BE49-F238E27FC236}">
+                <a16:creationId xmlns:a16="http://schemas.microsoft.com/office/drawing/2014/main" id="{F92B4848-3863-EE23-5589-83DAC98714F9}"/>
+              </a:ext>
+            </a:extLst>
+          </p:cNvPr>
+          <p:cNvSpPr>
+            <a:spLocks noGrp="1" noRot="1" noChangeAspect="1"/>
+          </p:cNvSpPr>
+          <p:nvPr>
+            <p:ph type="sldImg"/>
+          </p:nvPr>
+        </p:nvSpPr>
+        <p:spPr/>
+      </p:sp>
+      <p:sp>
+        <p:nvSpPr>
+          <p:cNvPr id="3" name="ノート プレースホルダー 2">
+            <a:extLst>
+              <a:ext uri="{FF2B5EF4-FFF2-40B4-BE49-F238E27FC236}">
+                <a16:creationId xmlns:a16="http://schemas.microsoft.com/office/drawing/2014/main" id="{3A1F8F12-D6F5-5920-394E-B09750FD5EE0}"/>
+              </a:ext>
+            </a:extLst>
+          </p:cNvPr>
+          <p:cNvSpPr>
+            <a:spLocks noGrp="1"/>
+          </p:cNvSpPr>
+          <p:nvPr>
+            <p:ph type="body" idx="1"/>
+          </p:nvPr>
+        </p:nvSpPr>
+        <p:spPr/>
+        <p:txBody>
+          <a:bodyPr/>
+          <a:lstStyle/>
+          <a:p>
+            <a:endParaRPr lang="ja-JP" altLang="en-US">
+              <a:effectLst/>
+            </a:endParaRPr>
+          </a:p>
+        </p:txBody>
+      </p:sp>
+      <p:sp>
+        <p:nvSpPr>
+          <p:cNvPr id="4" name="スライド番号プレースホルダー 3">
+            <a:extLst>
+              <a:ext uri="{FF2B5EF4-FFF2-40B4-BE49-F238E27FC236}">
+                <a16:creationId xmlns:a16="http://schemas.microsoft.com/office/drawing/2014/main" id="{161D3A13-4AFC-18F1-4649-0EC0DA3C6A20}"/>
+              </a:ext>
+            </a:extLst>
+          </p:cNvPr>
+          <p:cNvSpPr>
+            <a:spLocks noGrp="1"/>
+          </p:cNvSpPr>
+          <p:nvPr>
+            <p:ph type="sldNum" sz="quarter" idx="5"/>
+          </p:nvPr>
+        </p:nvSpPr>
+        <p:spPr/>
+        <p:txBody>
+          <a:bodyPr/>
+          <a:lstStyle/>
+          <a:p>
+            <a:fld id="{423E85BE-9FAD-764D-B84A-7C70829A20A9}" type="slidenum">
+              <a:rPr kumimoji="1" lang="ja-JP" altLang="en-US" smtClean="0"/>
+              <a:t>7</a:t>
+            </a:fld>
+            <a:endParaRPr kumimoji="1" lang="ja-JP" altLang="en-US"/>
+          </a:p>
+        </p:txBody>
+      </p:sp>
+    </p:spTree>
+    <p:extLst>
+      <p:ext uri="{BB962C8B-B14F-4D97-AF65-F5344CB8AC3E}">
+        <p14:creationId xmlns:p14="http://schemas.microsoft.com/office/powerpoint/2010/main" val="504557220"/>
       </p:ext>
     </p:extLst>
   </p:cSld>
@@ -1373,7 +1367,7 @@
             <a:fld id="{1D8BD707-D9CF-40AE-B4C6-C98DA3205C09}" type="datetimeFigureOut">
               <a:rPr lang="en-US" smtClean="0"/>
               <a:pPr/>
-              <a:t>7/14/25</a:t>
+              <a:t>7/21/25</a:t>
             </a:fld>
             <a:endParaRPr lang="en-US"/>
           </a:p>
@@ -1538,7 +1532,7 @@
             <a:fld id="{1D8BD707-D9CF-40AE-B4C6-C98DA3205C09}" type="datetimeFigureOut">
               <a:rPr lang="en-US" smtClean="0"/>
               <a:pPr/>
-              <a:t>7/14/25</a:t>
+              <a:t>7/21/25</a:t>
             </a:fld>
             <a:endParaRPr lang="en-US"/>
           </a:p>
@@ -1713,7 +1707,7 @@
             <a:fld id="{1D8BD707-D9CF-40AE-B4C6-C98DA3205C09}" type="datetimeFigureOut">
               <a:rPr lang="en-US" smtClean="0"/>
               <a:pPr/>
-              <a:t>7/14/25</a:t>
+              <a:t>7/21/25</a:t>
             </a:fld>
             <a:endParaRPr lang="en-US"/>
           </a:p>
@@ -1878,7 +1872,7 @@
             <a:fld id="{1D8BD707-D9CF-40AE-B4C6-C98DA3205C09}" type="datetimeFigureOut">
               <a:rPr lang="en-US" smtClean="0"/>
               <a:pPr/>
-              <a:t>7/14/25</a:t>
+              <a:t>7/21/25</a:t>
             </a:fld>
             <a:endParaRPr lang="en-US"/>
           </a:p>
@@ -2120,7 +2114,7 @@
             <a:fld id="{1D8BD707-D9CF-40AE-B4C6-C98DA3205C09}" type="datetimeFigureOut">
               <a:rPr lang="en-US" smtClean="0"/>
               <a:pPr/>
-              <a:t>7/14/25</a:t>
+              <a:t>7/21/25</a:t>
             </a:fld>
             <a:endParaRPr lang="en-US"/>
           </a:p>
@@ -2402,7 +2396,7 @@
             <a:fld id="{1D8BD707-D9CF-40AE-B4C6-C98DA3205C09}" type="datetimeFigureOut">
               <a:rPr lang="en-US" smtClean="0"/>
               <a:pPr/>
-              <a:t>7/14/25</a:t>
+              <a:t>7/21/25</a:t>
             </a:fld>
             <a:endParaRPr lang="en-US"/>
           </a:p>
@@ -2818,7 +2812,7 @@
             <a:fld id="{1D8BD707-D9CF-40AE-B4C6-C98DA3205C09}" type="datetimeFigureOut">
               <a:rPr lang="en-US" smtClean="0"/>
               <a:pPr/>
-              <a:t>7/14/25</a:t>
+              <a:t>7/21/25</a:t>
             </a:fld>
             <a:endParaRPr lang="en-US"/>
           </a:p>
@@ -2932,7 +2926,7 @@
             <a:fld id="{1D8BD707-D9CF-40AE-B4C6-C98DA3205C09}" type="datetimeFigureOut">
               <a:rPr lang="en-US" smtClean="0"/>
               <a:pPr/>
-              <a:t>7/14/25</a:t>
+              <a:t>7/21/25</a:t>
             </a:fld>
             <a:endParaRPr lang="en-US"/>
           </a:p>
@@ -3024,7 +3018,7 @@
             <a:fld id="{1D8BD707-D9CF-40AE-B4C6-C98DA3205C09}" type="datetimeFigureOut">
               <a:rPr lang="en-US" smtClean="0"/>
               <a:pPr/>
-              <a:t>7/14/25</a:t>
+              <a:t>7/21/25</a:t>
             </a:fld>
             <a:endParaRPr lang="en-US"/>
           </a:p>
@@ -3296,7 +3290,7 @@
             <a:fld id="{1D8BD707-D9CF-40AE-B4C6-C98DA3205C09}" type="datetimeFigureOut">
               <a:rPr lang="en-US" smtClean="0"/>
               <a:pPr/>
-              <a:t>7/14/25</a:t>
+              <a:t>7/21/25</a:t>
             </a:fld>
             <a:endParaRPr lang="en-US"/>
           </a:p>
@@ -3545,7 +3539,7 @@
             <a:fld id="{1D8BD707-D9CF-40AE-B4C6-C98DA3205C09}" type="datetimeFigureOut">
               <a:rPr lang="en-US" smtClean="0"/>
               <a:pPr/>
-              <a:t>7/14/25</a:t>
+              <a:t>7/21/25</a:t>
             </a:fld>
             <a:endParaRPr lang="en-US"/>
           </a:p>
@@ -3753,7 +3747,7 @@
             <a:fld id="{1D8BD707-D9CF-40AE-B4C6-C98DA3205C09}" type="datetimeFigureOut">
               <a:rPr lang="en-US" smtClean="0"/>
               <a:pPr/>
-              <a:t>7/14/25</a:t>
+              <a:t>7/21/25</a:t>
             </a:fld>
             <a:endParaRPr lang="en-US"/>
           </a:p>
@@ -4401,7 +4395,7 @@
                 <a:cs typeface="Noto Sans JP Heavy"/>
                 <a:sym typeface="Noto Sans JP Heavy"/>
               </a:rPr>
-              <a:t>2025/07/11進捗報告</a:t>
+              <a:t>2025/07/25進捗報告</a:t>
             </a:r>
           </a:p>
           <a:p>
@@ -4420,7 +4414,31 @@
                 <a:cs typeface="Noto Sans JP Heavy"/>
                 <a:sym typeface="Noto Sans JP Heavy"/>
               </a:rPr>
-              <a:t>- タスクを言語化するのが1番難しい -</a:t>
+              <a:t>- Task is </a:t>
+            </a:r>
+            <a:r>
+              <a:rPr lang="en-US" sz="4000" b="1" spc="399" dirty="0" err="1">
+                <a:solidFill>
+                  <a:srgbClr val="1B1B1B"/>
+                </a:solidFill>
+                <a:latin typeface="Yu Gothic" panose="020B0400000000000000" pitchFamily="34" charset="-128"/>
+                <a:ea typeface="Yu Gothic" panose="020B0400000000000000" pitchFamily="34" charset="-128"/>
+                <a:cs typeface="Noto Sans JP Heavy"/>
+                <a:sym typeface="Noto Sans JP Heavy"/>
+              </a:rPr>
+              <a:t>overでdeath寸前</a:t>
+            </a:r>
+            <a:r>
+              <a:rPr lang="en-US" sz="4000" b="1" spc="399" dirty="0">
+                <a:solidFill>
+                  <a:srgbClr val="1B1B1B"/>
+                </a:solidFill>
+                <a:latin typeface="Yu Gothic" panose="020B0400000000000000" pitchFamily="34" charset="-128"/>
+                <a:ea typeface="Yu Gothic" panose="020B0400000000000000" pitchFamily="34" charset="-128"/>
+                <a:cs typeface="Noto Sans JP Heavy"/>
+                <a:sym typeface="Noto Sans JP Heavy"/>
+              </a:rPr>
+              <a:t>！-</a:t>
             </a:r>
           </a:p>
         </p:txBody>
@@ -9512,7 +9530,7 @@
           </a:prstGeom>
           <a:ln w="57150">
             <a:solidFill>
-              <a:schemeClr val="tx1"/>
+              <a:srgbClr val="BFBFBF"/>
             </a:solidFill>
             <a:tailEnd type="triangle"/>
           </a:ln>
@@ -9692,7 +9710,7 @@
           </a:prstGeom>
           <a:ln w="57150">
             <a:solidFill>
-              <a:schemeClr val="tx1"/>
+              <a:srgbClr val="BFBFBF"/>
             </a:solidFill>
             <a:tailEnd type="triangle"/>
           </a:ln>
@@ -9830,7 +9848,7 @@
           </a:prstGeom>
           <a:ln w="57150">
             <a:solidFill>
-              <a:schemeClr val="tx1"/>
+              <a:srgbClr val="BFBFBF"/>
             </a:solidFill>
             <a:tailEnd type="triangle"/>
           </a:ln>
@@ -9947,7 +9965,7 @@
           </a:prstGeom>
           <a:ln w="57150">
             <a:solidFill>
-              <a:schemeClr val="tx1"/>
+              <a:srgbClr val="BFBFBF"/>
             </a:solidFill>
             <a:tailEnd type="triangle"/>
           </a:ln>
@@ -9991,7 +10009,7 @@
           </a:prstGeom>
           <a:ln w="57150">
             <a:solidFill>
-              <a:schemeClr val="tx1"/>
+              <a:srgbClr val="BFBFBF"/>
             </a:solidFill>
             <a:headEnd type="none" w="med" len="med"/>
             <a:tailEnd type="none" w="med" len="med"/>
@@ -10036,7 +10054,7 @@
           </a:prstGeom>
           <a:ln w="57150">
             <a:solidFill>
-              <a:schemeClr val="tx1"/>
+              <a:srgbClr val="BFBFBF"/>
             </a:solidFill>
             <a:headEnd type="none" w="med" len="med"/>
             <a:tailEnd type="none" w="med" len="med"/>
@@ -10690,10 +10708,10 @@
             <p:nvPr/>
           </p:nvPicPr>
           <p:blipFill>
-            <a:blip r:embed="rId19">
+            <a:blip r:embed="rId31">
               <a:extLst>
                 <a:ext uri="{96DAC541-7B7A-43D3-8B79-37D633B846F1}">
-                  <asvg:svgBlip xmlns:asvg="http://schemas.microsoft.com/office/drawing/2016/SVG/main" r:embed="rId31"/>
+                  <asvg:svgBlip xmlns:asvg="http://schemas.microsoft.com/office/drawing/2016/SVG/main" r:embed="rId32"/>
                 </a:ext>
               </a:extLst>
             </a:blip>
@@ -10726,10 +10744,10 @@
             <p:nvPr/>
           </p:nvPicPr>
           <p:blipFill>
-            <a:blip r:embed="rId32">
+            <a:blip r:embed="rId33">
               <a:extLst>
                 <a:ext uri="{96DAC541-7B7A-43D3-8B79-37D633B846F1}">
-                  <asvg:svgBlip xmlns:asvg="http://schemas.microsoft.com/office/drawing/2016/SVG/main" r:embed="rId33"/>
+                  <asvg:svgBlip xmlns:asvg="http://schemas.microsoft.com/office/drawing/2016/SVG/main" r:embed="rId34"/>
                 </a:ext>
               </a:extLst>
             </a:blip>
@@ -10762,10 +10780,10 @@
             <p:nvPr/>
           </p:nvPicPr>
           <p:blipFill>
-            <a:blip r:embed="rId34">
+            <a:blip r:embed="rId35">
               <a:extLst>
                 <a:ext uri="{96DAC541-7B7A-43D3-8B79-37D633B846F1}">
-                  <asvg:svgBlip xmlns:asvg="http://schemas.microsoft.com/office/drawing/2016/SVG/main" r:embed="rId35"/>
+                  <asvg:svgBlip xmlns:asvg="http://schemas.microsoft.com/office/drawing/2016/SVG/main" r:embed="rId36"/>
                 </a:ext>
               </a:extLst>
             </a:blip>
@@ -11069,7 +11087,7 @@
           <a:blip r:embed="rId13">
             <a:extLst>
               <a:ext uri="{96DAC541-7B7A-43D3-8B79-37D633B846F1}">
-                <asvg:svgBlip xmlns:asvg="http://schemas.microsoft.com/office/drawing/2016/SVG/main" r:embed="rId36"/>
+                <asvg:svgBlip xmlns:asvg="http://schemas.microsoft.com/office/drawing/2016/SVG/main" r:embed="rId37"/>
               </a:ext>
             </a:extLst>
           </a:blip>
@@ -11196,10 +11214,10 @@
           <p:nvPr/>
         </p:nvPicPr>
         <p:blipFill>
-          <a:blip r:embed="rId37">
+          <a:blip r:embed="rId38">
             <a:extLst>
               <a:ext uri="{96DAC541-7B7A-43D3-8B79-37D633B846F1}">
-                <asvg:svgBlip xmlns:asvg="http://schemas.microsoft.com/office/drawing/2016/SVG/main" r:embed="rId38"/>
+                <asvg:svgBlip xmlns:asvg="http://schemas.microsoft.com/office/drawing/2016/SVG/main" r:embed="rId39"/>
               </a:ext>
             </a:extLst>
           </a:blip>
@@ -11232,10 +11250,10 @@
           <p:nvPr/>
         </p:nvPicPr>
         <p:blipFill>
-          <a:blip r:embed="rId37">
+          <a:blip r:embed="rId38">
             <a:extLst>
               <a:ext uri="{96DAC541-7B7A-43D3-8B79-37D633B846F1}">
-                <asvg:svgBlip xmlns:asvg="http://schemas.microsoft.com/office/drawing/2016/SVG/main" r:embed="rId38"/>
+                <asvg:svgBlip xmlns:asvg="http://schemas.microsoft.com/office/drawing/2016/SVG/main" r:embed="rId39"/>
               </a:ext>
             </a:extLst>
           </a:blip>
@@ -11353,10 +11371,10 @@
           <p:nvPr/>
         </p:nvPicPr>
         <p:blipFill>
-          <a:blip r:embed="rId39">
+          <a:blip r:embed="rId13">
             <a:extLst>
               <a:ext uri="{96DAC541-7B7A-43D3-8B79-37D633B846F1}">
-                <asvg:svgBlip xmlns:asvg="http://schemas.microsoft.com/office/drawing/2016/SVG/main" r:embed="rId40"/>
+                <asvg:svgBlip xmlns:asvg="http://schemas.microsoft.com/office/drawing/2016/SVG/main" r:embed="rId37"/>
               </a:ext>
             </a:extLst>
           </a:blip>
@@ -11427,8 +11445,8 @@
         </p:nvSpPr>
         <p:spPr>
           <a:xfrm>
-            <a:off x="7587323" y="190005"/>
-            <a:ext cx="3113353" cy="584775"/>
+            <a:off x="7087994" y="190005"/>
+            <a:ext cx="4112023" cy="584775"/>
           </a:xfrm>
           <a:prstGeom prst="rect">
             <a:avLst/>
@@ -11450,7 +11468,7 @@
                   </a:schemeClr>
                 </a:solidFill>
               </a:rPr>
-              <a:t>現状未実装の所</a:t>
+              <a:t>今週取り組んできた所</a:t>
             </a:r>
           </a:p>
         </p:txBody>
@@ -11476,7 +11494,7 @@
         <p:cNvPr id="1" name="">
           <a:extLst>
             <a:ext uri="{FF2B5EF4-FFF2-40B4-BE49-F238E27FC236}">
-              <a16:creationId xmlns:a16="http://schemas.microsoft.com/office/drawing/2014/main" id="{7DB3BFD8-A306-F231-7381-576F06C58980}"/>
+              <a16:creationId xmlns:a16="http://schemas.microsoft.com/office/drawing/2014/main" id="{70F23327-0902-37DC-48D0-F1C75B281F6C}"/>
             </a:ext>
           </a:extLst>
         </p:cNvPr>
@@ -11496,7 +11514,7 @@
           <p:cNvPr id="2" name="AutoShape 2">
             <a:extLst>
               <a:ext uri="{FF2B5EF4-FFF2-40B4-BE49-F238E27FC236}">
-                <a16:creationId xmlns:a16="http://schemas.microsoft.com/office/drawing/2014/main" id="{C3F2BBB6-25B5-19D0-2948-1762EF91B7C1}"/>
+                <a16:creationId xmlns:a16="http://schemas.microsoft.com/office/drawing/2014/main" id="{B1884A6C-D8F0-3DE4-001C-96698BEF634D}"/>
               </a:ext>
             </a:extLst>
           </p:cNvPr>
@@ -11536,7 +11554,7 @@
           <p:cNvPr id="3" name="AutoShape 3">
             <a:extLst>
               <a:ext uri="{FF2B5EF4-FFF2-40B4-BE49-F238E27FC236}">
-                <a16:creationId xmlns:a16="http://schemas.microsoft.com/office/drawing/2014/main" id="{AEC17144-2875-CC27-C2BD-EB595F825EA0}"/>
+                <a16:creationId xmlns:a16="http://schemas.microsoft.com/office/drawing/2014/main" id="{A296319C-7E62-CB3B-3FF9-2BBEBDA48871}"/>
               </a:ext>
             </a:extLst>
           </p:cNvPr>
@@ -11576,7 +11594,7 @@
           <p:cNvPr id="4" name="AutoShape 4">
             <a:extLst>
               <a:ext uri="{FF2B5EF4-FFF2-40B4-BE49-F238E27FC236}">
-                <a16:creationId xmlns:a16="http://schemas.microsoft.com/office/drawing/2014/main" id="{B5E3116E-1EB5-F489-C2D4-1C2923CC07F6}"/>
+                <a16:creationId xmlns:a16="http://schemas.microsoft.com/office/drawing/2014/main" id="{7F0E8804-5925-474D-E727-0F73679DFFC0}"/>
               </a:ext>
             </a:extLst>
           </p:cNvPr>
@@ -11616,7 +11634,7 @@
           <p:cNvPr id="5" name="AutoShape 5">
             <a:extLst>
               <a:ext uri="{FF2B5EF4-FFF2-40B4-BE49-F238E27FC236}">
-                <a16:creationId xmlns:a16="http://schemas.microsoft.com/office/drawing/2014/main" id="{688E5015-31B2-A87C-F0DC-887FB7718AFE}"/>
+                <a16:creationId xmlns:a16="http://schemas.microsoft.com/office/drawing/2014/main" id="{4E520975-8DC7-39B9-E3CA-BD4D1A2EE094}"/>
               </a:ext>
             </a:extLst>
           </p:cNvPr>
@@ -11656,7 +11674,7 @@
           <p:cNvPr id="6" name="AutoShape 6">
             <a:extLst>
               <a:ext uri="{FF2B5EF4-FFF2-40B4-BE49-F238E27FC236}">
-                <a16:creationId xmlns:a16="http://schemas.microsoft.com/office/drawing/2014/main" id="{082D1832-899B-02F2-E8F1-A143AC777205}"/>
+                <a16:creationId xmlns:a16="http://schemas.microsoft.com/office/drawing/2014/main" id="{B63AE808-3524-6BFF-29BA-93FAB427D481}"/>
               </a:ext>
             </a:extLst>
           </p:cNvPr>
@@ -11696,7 +11714,7 @@
           <p:cNvPr id="7" name="Group 7">
             <a:extLst>
               <a:ext uri="{FF2B5EF4-FFF2-40B4-BE49-F238E27FC236}">
-                <a16:creationId xmlns:a16="http://schemas.microsoft.com/office/drawing/2014/main" id="{70C1012D-1763-833F-A6D8-BCA19A6C8383}"/>
+                <a16:creationId xmlns:a16="http://schemas.microsoft.com/office/drawing/2014/main" id="{3ECD0E5F-3958-CDD6-9045-B41CEECA9E61}"/>
               </a:ext>
             </a:extLst>
           </p:cNvPr>
@@ -11716,7 +11734,7 @@
             <p:cNvPr id="8" name="Freeform 8">
               <a:extLst>
                 <a:ext uri="{FF2B5EF4-FFF2-40B4-BE49-F238E27FC236}">
-                  <a16:creationId xmlns:a16="http://schemas.microsoft.com/office/drawing/2014/main" id="{3502A607-F9FB-CBA7-E23B-DB3CD2083067}"/>
+                  <a16:creationId xmlns:a16="http://schemas.microsoft.com/office/drawing/2014/main" id="{C0FF5659-6597-5EE0-B36F-05571B689247}"/>
                 </a:ext>
               </a:extLst>
             </p:cNvPr>
@@ -11772,7 +11790,7 @@
             <p:cNvPr id="9" name="TextBox 9">
               <a:extLst>
                 <a:ext uri="{FF2B5EF4-FFF2-40B4-BE49-F238E27FC236}">
-                  <a16:creationId xmlns:a16="http://schemas.microsoft.com/office/drawing/2014/main" id="{A3B2D0F0-CCDE-5903-B9A1-E235D0AFD011}"/>
+                  <a16:creationId xmlns:a16="http://schemas.microsoft.com/office/drawing/2014/main" id="{6FFE7FBC-F94E-190B-1F0B-DDD4AE9BB284}"/>
                 </a:ext>
               </a:extLst>
             </p:cNvPr>
@@ -11810,7 +11828,7 @@
           <p:cNvPr id="12" name="TextBox 12">
             <a:extLst>
               <a:ext uri="{FF2B5EF4-FFF2-40B4-BE49-F238E27FC236}">
-                <a16:creationId xmlns:a16="http://schemas.microsoft.com/office/drawing/2014/main" id="{CDA70848-9E10-316A-E1BE-E6288D121467}"/>
+                <a16:creationId xmlns:a16="http://schemas.microsoft.com/office/drawing/2014/main" id="{7FFF9524-5852-CE08-F7F5-7A35F0CE1019}"/>
               </a:ext>
             </a:extLst>
           </p:cNvPr>
@@ -11837,6 +11855,18 @@
                 <a:spcPts val="4900"/>
               </a:lnSpc>
             </a:pPr>
+            <a:r>
+              <a:rPr lang="en-US" altLang="ja-JP" sz="3500" b="1" spc="175" dirty="0">
+                <a:solidFill>
+                  <a:srgbClr val="1B1B1B"/>
+                </a:solidFill>
+                <a:latin typeface="Yu Gothic" panose="020B0400000000000000" pitchFamily="34" charset="-128"/>
+                <a:ea typeface="Yu Gothic" panose="020B0400000000000000" pitchFamily="34" charset="-128"/>
+                <a:cs typeface="Noto Sans JP Heavy"/>
+                <a:sym typeface="Noto Sans JP Heavy"/>
+              </a:rPr>
+              <a:t>zero-shot learning</a:t>
+            </a:r>
             <a:r>
               <a:rPr lang="ja-JP" altLang="en-US" sz="3500" b="1" spc="175">
                 <a:solidFill>
@@ -11847,7 +11877,7 @@
                 <a:cs typeface="Noto Sans JP Heavy"/>
                 <a:sym typeface="Noto Sans JP Heavy"/>
               </a:rPr>
-              <a:t>データベースの構造</a:t>
+              <a:t>のスコア低すぎ問題の解決</a:t>
             </a:r>
             <a:endParaRPr lang="en-US" sz="3500" b="1" spc="175" dirty="0">
               <a:solidFill>
@@ -11866,7 +11896,7 @@
           <p:cNvPr id="13" name="TextBox 13">
             <a:extLst>
               <a:ext uri="{FF2B5EF4-FFF2-40B4-BE49-F238E27FC236}">
-                <a16:creationId xmlns:a16="http://schemas.microsoft.com/office/drawing/2014/main" id="{D10BDF59-6BF5-ABB8-706D-B44598275D40}"/>
+                <a16:creationId xmlns:a16="http://schemas.microsoft.com/office/drawing/2014/main" id="{B9C4ACE0-86E0-FEDB-FB35-1892C498735A}"/>
               </a:ext>
             </a:extLst>
           </p:cNvPr>
@@ -11911,122 +11941,111 @@
           </a:p>
         </p:txBody>
       </p:sp>
-      <p:grpSp>
-        <p:nvGrpSpPr>
-          <p:cNvPr id="11" name="グループ化 10">
-            <a:extLst>
-              <a:ext uri="{FF2B5EF4-FFF2-40B4-BE49-F238E27FC236}">
-                <a16:creationId xmlns:a16="http://schemas.microsoft.com/office/drawing/2014/main" id="{EB2A1FE3-7DC1-679C-3866-74DF049A703C}"/>
-              </a:ext>
-            </a:extLst>
-          </p:cNvPr>
-          <p:cNvGrpSpPr>
-            <a:grpSpLocks noChangeAspect="1"/>
-          </p:cNvGrpSpPr>
+      <p:pic>
+        <p:nvPicPr>
+          <p:cNvPr id="14" name="図 13" descr="グラフィカル ユーザー インターフェイス, テーブル&#10;&#10;AI 生成コンテンツは誤りを含む可能性があります。">
+            <a:extLst>
+              <a:ext uri="{FF2B5EF4-FFF2-40B4-BE49-F238E27FC236}">
+                <a16:creationId xmlns:a16="http://schemas.microsoft.com/office/drawing/2014/main" id="{FEF2C4A3-1CE8-30CC-2E64-2CA7F5F6CBDB}"/>
+              </a:ext>
+            </a:extLst>
+          </p:cNvPr>
+          <p:cNvPicPr>
+            <a:picLocks noChangeAspect="1"/>
+          </p:cNvPicPr>
           <p:nvPr/>
-        </p:nvGrpSpPr>
-        <p:grpSpPr>
-          <a:xfrm>
-            <a:off x="7239000" y="1104900"/>
-            <a:ext cx="862736" cy="1189692"/>
-            <a:chOff x="7152209" y="6753785"/>
-            <a:chExt cx="1467851" cy="2024131"/>
-          </a:xfrm>
-        </p:grpSpPr>
-        <p:pic>
-          <p:nvPicPr>
-            <p:cNvPr id="15" name="グラフィックス 14" descr="データベース 枠線">
-              <a:extLst>
-                <a:ext uri="{FF2B5EF4-FFF2-40B4-BE49-F238E27FC236}">
-                  <a16:creationId xmlns:a16="http://schemas.microsoft.com/office/drawing/2014/main" id="{DE6DA289-C676-CCEB-7541-6855AEF53FE6}"/>
-                </a:ext>
-              </a:extLst>
-            </p:cNvPr>
-            <p:cNvPicPr>
-              <a:picLocks noChangeAspect="1"/>
-            </p:cNvPicPr>
-            <p:nvPr/>
-          </p:nvPicPr>
-          <p:blipFill>
-            <a:blip r:embed="rId3">
-              <a:extLst>
-                <a:ext uri="{96DAC541-7B7A-43D3-8B79-37D633B846F1}">
-                  <asvg:svgBlip xmlns:asvg="http://schemas.microsoft.com/office/drawing/2016/SVG/main" r:embed="rId4"/>
-                </a:ext>
-              </a:extLst>
-            </a:blip>
-            <a:stretch>
-              <a:fillRect/>
-            </a:stretch>
-          </p:blipFill>
-          <p:spPr>
-            <a:xfrm>
-              <a:off x="7173083" y="6753785"/>
-              <a:ext cx="1426106" cy="1426106"/>
-            </a:xfrm>
-            <a:prstGeom prst="rect">
-              <a:avLst/>
-            </a:prstGeom>
-          </p:spPr>
-        </p:pic>
-        <p:sp>
-          <p:nvSpPr>
-            <p:cNvPr id="17" name="テキスト ボックス 16">
-              <a:extLst>
-                <a:ext uri="{FF2B5EF4-FFF2-40B4-BE49-F238E27FC236}">
-                  <a16:creationId xmlns:a16="http://schemas.microsoft.com/office/drawing/2014/main" id="{C699B4EB-B9A9-EC77-7FF9-B3226E82A2E1}"/>
-                </a:ext>
-              </a:extLst>
-            </p:cNvPr>
-            <p:cNvSpPr txBox="1"/>
-            <p:nvPr/>
-          </p:nvSpPr>
-          <p:spPr>
-            <a:xfrm>
-              <a:off x="7152209" y="8201903"/>
-              <a:ext cx="1467851" cy="576013"/>
-            </a:xfrm>
-            <a:prstGeom prst="rect">
-              <a:avLst/>
-            </a:prstGeom>
-            <a:noFill/>
-          </p:spPr>
-          <p:txBody>
-            <a:bodyPr wrap="none" rtlCol="0">
-              <a:spAutoFit/>
-            </a:bodyPr>
-            <a:lstStyle/>
-            <a:p>
-              <a:pPr algn="ctr"/>
-              <a:r>
-                <a:rPr kumimoji="1" lang="en-US" altLang="ja-JP" sz="1600" b="1" dirty="0">
-                  <a:solidFill>
-                    <a:schemeClr val="tx2">
-                      <a:lumMod val="75000"/>
-                    </a:schemeClr>
-                  </a:solidFill>
-                  <a:latin typeface="Yu Gothic" panose="020B0400000000000000" pitchFamily="34" charset="-128"/>
-                  <a:ea typeface="Yu Gothic" panose="020B0400000000000000" pitchFamily="34" charset="-128"/>
-                </a:rPr>
-                <a:t>SQLite</a:t>
-              </a:r>
-              <a:endParaRPr kumimoji="1" lang="ja-JP" altLang="en-US" sz="1600" b="1">
+        </p:nvPicPr>
+        <p:blipFill>
+          <a:blip r:embed="rId3">
+            <a:extLst>
+              <a:ext uri="{28A0092B-C50C-407E-A947-70E740481C1C}">
+                <a14:useLocalDpi xmlns:a14="http://schemas.microsoft.com/office/drawing/2010/main" val="0"/>
+              </a:ext>
+            </a:extLst>
+          </a:blip>
+          <a:stretch>
+            <a:fillRect/>
+          </a:stretch>
+        </p:blipFill>
+        <p:spPr>
+          <a:xfrm>
+            <a:off x="10522065" y="2600307"/>
+            <a:ext cx="6934200" cy="6226981"/>
+          </a:xfrm>
+          <a:prstGeom prst="rect">
+            <a:avLst/>
+          </a:prstGeom>
+          <a:ln>
+            <a:solidFill>
+              <a:schemeClr val="tx1"/>
+            </a:solidFill>
+          </a:ln>
+        </p:spPr>
+      </p:pic>
+      <p:sp>
+        <p:nvSpPr>
+          <p:cNvPr id="16" name="テキスト ボックス 15">
+            <a:extLst>
+              <a:ext uri="{FF2B5EF4-FFF2-40B4-BE49-F238E27FC236}">
+                <a16:creationId xmlns:a16="http://schemas.microsoft.com/office/drawing/2014/main" id="{80E177DD-B64F-B3FD-5110-646840DE075F}"/>
+              </a:ext>
+            </a:extLst>
+          </p:cNvPr>
+          <p:cNvSpPr txBox="1"/>
+          <p:nvPr/>
+        </p:nvSpPr>
+        <p:spPr>
+          <a:xfrm>
+            <a:off x="2496086" y="3907796"/>
+            <a:ext cx="7239482" cy="2554545"/>
+          </a:xfrm>
+          <a:prstGeom prst="rect">
+            <a:avLst/>
+          </a:prstGeom>
+          <a:noFill/>
+        </p:spPr>
+        <p:txBody>
+          <a:bodyPr wrap="none" rtlCol="0">
+            <a:spAutoFit/>
+          </a:bodyPr>
+          <a:lstStyle/>
+          <a:p>
+            <a:r>
+              <a:rPr kumimoji="1" lang="ja-JP" altLang="en-US" sz="3200">
                 <a:solidFill>
-                  <a:schemeClr val="tx2">
-                    <a:lumMod val="75000"/>
-                  </a:schemeClr>
+                  <a:srgbClr val="C00000"/>
                 </a:solidFill>
-                <a:latin typeface="Yu Gothic" panose="020B0400000000000000" pitchFamily="34" charset="-128"/>
-                <a:ea typeface="Yu Gothic" panose="020B0400000000000000" pitchFamily="34" charset="-128"/>
-              </a:endParaRPr>
-            </a:p>
-          </p:txBody>
-        </p:sp>
-      </p:grpSp>
+              </a:rPr>
+              <a:t>英語用のモデルに日本語を入力していた</a:t>
+            </a:r>
+            <a:endParaRPr kumimoji="1" lang="en-US" altLang="ja-JP" sz="3200" dirty="0"/>
+          </a:p>
+          <a:p>
+            <a:endParaRPr kumimoji="1" lang="en-US" altLang="ja-JP" sz="3200" dirty="0"/>
+          </a:p>
+          <a:p>
+            <a:endParaRPr kumimoji="1" lang="en-US" altLang="ja-JP" sz="3200" dirty="0"/>
+          </a:p>
+          <a:p>
+            <a:r>
+              <a:rPr kumimoji="1" lang="ja-JP" altLang="en-US" sz="3200"/>
+              <a:t>日本語に対応したモデルに変更後は</a:t>
+            </a:r>
+            <a:endParaRPr kumimoji="1" lang="en-US" altLang="ja-JP" sz="3200" dirty="0"/>
+          </a:p>
+          <a:p>
+            <a:r>
+              <a:rPr kumimoji="1" lang="ja-JP" altLang="en-US" sz="3200"/>
+              <a:t>問題なくスコアを計算できた！！！</a:t>
+            </a:r>
+            <a:endParaRPr kumimoji="1" lang="en-US" altLang="ja-JP" sz="3200" dirty="0"/>
+          </a:p>
+        </p:txBody>
+      </p:sp>
     </p:spTree>
     <p:extLst>
       <p:ext uri="{BB962C8B-B14F-4D97-AF65-F5344CB8AC3E}">
-        <p14:creationId xmlns:p14="http://schemas.microsoft.com/office/powerpoint/2010/main" val="744075682"/>
+        <p14:creationId xmlns:p14="http://schemas.microsoft.com/office/powerpoint/2010/main" val="2098540912"/>
       </p:ext>
     </p:extLst>
   </p:cSld>
@@ -12037,14 +12056,14 @@
 </file>
 
 <file path=ppt/slides/slide5.xml><?xml version="1.0" encoding="utf-8"?>
-<p:sld xmlns:a="http://schemas.openxmlformats.org/drawingml/2006/main" xmlns:r="http://schemas.openxmlformats.org/officeDocument/2006/relationships" xmlns:p="http://schemas.openxmlformats.org/presentationml/2006/main" show="0">
+<p:sld xmlns:a="http://schemas.openxmlformats.org/drawingml/2006/main" xmlns:r="http://schemas.openxmlformats.org/officeDocument/2006/relationships" xmlns:p="http://schemas.openxmlformats.org/presentationml/2006/main">
   <p:cSld>
     <p:spTree>
       <p:nvGrpSpPr>
         <p:cNvPr id="1" name="">
           <a:extLst>
             <a:ext uri="{FF2B5EF4-FFF2-40B4-BE49-F238E27FC236}">
-              <a16:creationId xmlns:a16="http://schemas.microsoft.com/office/drawing/2014/main" id="{B5C3BDE5-03A8-6C95-D679-D2A538C136E8}"/>
+              <a16:creationId xmlns:a16="http://schemas.microsoft.com/office/drawing/2014/main" id="{3A16916D-D6B2-BF55-63EC-2479FBBA086E}"/>
             </a:ext>
           </a:extLst>
         </p:cNvPr>
@@ -12064,7 +12083,7 @@
           <p:cNvPr id="2" name="AutoShape 2">
             <a:extLst>
               <a:ext uri="{FF2B5EF4-FFF2-40B4-BE49-F238E27FC236}">
-                <a16:creationId xmlns:a16="http://schemas.microsoft.com/office/drawing/2014/main" id="{B49E2E48-AF92-216A-1002-DEA3E5A9E681}"/>
+                <a16:creationId xmlns:a16="http://schemas.microsoft.com/office/drawing/2014/main" id="{D01C45BE-9E30-7B91-B378-0CCF4C12758F}"/>
               </a:ext>
             </a:extLst>
           </p:cNvPr>
@@ -12104,7 +12123,7 @@
           <p:cNvPr id="3" name="AutoShape 3">
             <a:extLst>
               <a:ext uri="{FF2B5EF4-FFF2-40B4-BE49-F238E27FC236}">
-                <a16:creationId xmlns:a16="http://schemas.microsoft.com/office/drawing/2014/main" id="{D7447D6A-BFDC-3745-CF2C-34904286CA5D}"/>
+                <a16:creationId xmlns:a16="http://schemas.microsoft.com/office/drawing/2014/main" id="{6C2D5DF0-C64F-5F3E-0C0A-2F44BC5844FE}"/>
               </a:ext>
             </a:extLst>
           </p:cNvPr>
@@ -12144,7 +12163,7 @@
           <p:cNvPr id="4" name="AutoShape 4">
             <a:extLst>
               <a:ext uri="{FF2B5EF4-FFF2-40B4-BE49-F238E27FC236}">
-                <a16:creationId xmlns:a16="http://schemas.microsoft.com/office/drawing/2014/main" id="{C4C651D9-1EE6-1C7D-2CC7-882C9FB9CCDC}"/>
+                <a16:creationId xmlns:a16="http://schemas.microsoft.com/office/drawing/2014/main" id="{E225DA87-32B9-06DA-2071-A1F08403CB76}"/>
               </a:ext>
             </a:extLst>
           </p:cNvPr>
@@ -12184,7 +12203,7 @@
           <p:cNvPr id="5" name="AutoShape 5">
             <a:extLst>
               <a:ext uri="{FF2B5EF4-FFF2-40B4-BE49-F238E27FC236}">
-                <a16:creationId xmlns:a16="http://schemas.microsoft.com/office/drawing/2014/main" id="{BA204C76-E99B-5105-57AD-276FBC2E2BA9}"/>
+                <a16:creationId xmlns:a16="http://schemas.microsoft.com/office/drawing/2014/main" id="{4F9A0BC7-9BD6-B2E6-D792-786EB3FAFC91}"/>
               </a:ext>
             </a:extLst>
           </p:cNvPr>
@@ -12224,7 +12243,7 @@
           <p:cNvPr id="6" name="AutoShape 6">
             <a:extLst>
               <a:ext uri="{FF2B5EF4-FFF2-40B4-BE49-F238E27FC236}">
-                <a16:creationId xmlns:a16="http://schemas.microsoft.com/office/drawing/2014/main" id="{8E0B9951-ED97-3CC3-AB3F-A74BEF52AFF0}"/>
+                <a16:creationId xmlns:a16="http://schemas.microsoft.com/office/drawing/2014/main" id="{395362EA-79B4-FF78-618E-54C9A2C1ACF3}"/>
               </a:ext>
             </a:extLst>
           </p:cNvPr>
@@ -12264,7 +12283,7 @@
           <p:cNvPr id="7" name="Group 7">
             <a:extLst>
               <a:ext uri="{FF2B5EF4-FFF2-40B4-BE49-F238E27FC236}">
-                <a16:creationId xmlns:a16="http://schemas.microsoft.com/office/drawing/2014/main" id="{EFA54D60-D1DF-C503-E758-A1725B7F1E9D}"/>
+                <a16:creationId xmlns:a16="http://schemas.microsoft.com/office/drawing/2014/main" id="{7BC5F0F2-4C59-4FF7-6CFF-77D419248D2F}"/>
               </a:ext>
             </a:extLst>
           </p:cNvPr>
@@ -12284,7 +12303,7 @@
             <p:cNvPr id="8" name="Freeform 8">
               <a:extLst>
                 <a:ext uri="{FF2B5EF4-FFF2-40B4-BE49-F238E27FC236}">
-                  <a16:creationId xmlns:a16="http://schemas.microsoft.com/office/drawing/2014/main" id="{FE72C7E5-654D-DF39-59DB-24874AF2E09F}"/>
+                  <a16:creationId xmlns:a16="http://schemas.microsoft.com/office/drawing/2014/main" id="{3EDCC788-D962-4B72-B753-1C943C37C1C8}"/>
                 </a:ext>
               </a:extLst>
             </p:cNvPr>
@@ -12340,7 +12359,7 @@
             <p:cNvPr id="9" name="TextBox 9">
               <a:extLst>
                 <a:ext uri="{FF2B5EF4-FFF2-40B4-BE49-F238E27FC236}">
-                  <a16:creationId xmlns:a16="http://schemas.microsoft.com/office/drawing/2014/main" id="{69194DF2-DB27-739C-6E37-96485FF3B90B}"/>
+                  <a16:creationId xmlns:a16="http://schemas.microsoft.com/office/drawing/2014/main" id="{1B815BD7-2F30-E573-46B5-D3146DC3FDEF}"/>
                 </a:ext>
               </a:extLst>
             </p:cNvPr>
@@ -12378,7 +12397,7 @@
           <p:cNvPr id="12" name="TextBox 12">
             <a:extLst>
               <a:ext uri="{FF2B5EF4-FFF2-40B4-BE49-F238E27FC236}">
-                <a16:creationId xmlns:a16="http://schemas.microsoft.com/office/drawing/2014/main" id="{79381A37-1F11-39F9-EF48-75AAA5BA2057}"/>
+                <a16:creationId xmlns:a16="http://schemas.microsoft.com/office/drawing/2014/main" id="{632D3770-2A0D-F337-8102-94FABDEC5403}"/>
               </a:ext>
             </a:extLst>
           </p:cNvPr>
@@ -12405,18 +12424,6 @@
                 <a:spcPts val="4900"/>
               </a:lnSpc>
             </a:pPr>
-            <a:r>
-              <a:rPr lang="en-US" sz="3500" b="1" spc="175" dirty="0" err="1">
-                <a:solidFill>
-                  <a:srgbClr val="1B1B1B"/>
-                </a:solidFill>
-                <a:latin typeface="Yu Gothic" panose="020B0400000000000000" pitchFamily="34" charset="-128"/>
-                <a:ea typeface="Yu Gothic" panose="020B0400000000000000" pitchFamily="34" charset="-128"/>
-                <a:cs typeface="Noto Sans JP Heavy"/>
-                <a:sym typeface="Noto Sans JP Heavy"/>
-              </a:rPr>
-              <a:t>今後実装する部分</a:t>
-            </a:r>
             <a:r>
               <a:rPr lang="ja-JP" altLang="en-US" sz="3500" b="1" spc="175">
                 <a:solidFill>
@@ -12427,19 +12434,7 @@
                 <a:cs typeface="Noto Sans JP Heavy"/>
                 <a:sym typeface="Noto Sans JP Heavy"/>
               </a:rPr>
-              <a:t>　</a:t>
-            </a:r>
-            <a:r>
-              <a:rPr lang="en-US" sz="3500" b="1" spc="175" dirty="0" err="1">
-                <a:solidFill>
-                  <a:srgbClr val="1B1B1B"/>
-                </a:solidFill>
-                <a:latin typeface="Yu Gothic" panose="020B0400000000000000" pitchFamily="34" charset="-128"/>
-                <a:ea typeface="Yu Gothic" panose="020B0400000000000000" pitchFamily="34" charset="-128"/>
-                <a:cs typeface="Noto Sans JP Heavy"/>
-                <a:sym typeface="Noto Sans JP Heavy"/>
-              </a:rPr>
-              <a:t>データ管理</a:t>
+              <a:t>マッチングシステムの仕組み</a:t>
             </a:r>
             <a:endParaRPr lang="en-US" sz="3500" b="1" spc="175" dirty="0">
               <a:solidFill>
@@ -12458,7 +12453,7 @@
           <p:cNvPr id="13" name="TextBox 13">
             <a:extLst>
               <a:ext uri="{FF2B5EF4-FFF2-40B4-BE49-F238E27FC236}">
-                <a16:creationId xmlns:a16="http://schemas.microsoft.com/office/drawing/2014/main" id="{4064EC89-5EA3-CF77-5FE7-3A3D5E46BF75}"/>
+                <a16:creationId xmlns:a16="http://schemas.microsoft.com/office/drawing/2014/main" id="{B1FFBD72-2EC3-6939-01B5-6CAC9C01B440}"/>
               </a:ext>
             </a:extLst>
           </p:cNvPr>
@@ -12498,434 +12493,17 @@
                 <a:cs typeface="Open Sans Bold"/>
                 <a:sym typeface="Open Sans Bold"/>
               </a:rPr>
-              <a:t>02</a:t>
+              <a:t>03</a:t>
             </a:r>
           </a:p>
         </p:txBody>
       </p:sp>
-      <p:graphicFrame>
-        <p:nvGraphicFramePr>
-          <p:cNvPr id="10" name="表 9">
-            <a:extLst>
-              <a:ext uri="{FF2B5EF4-FFF2-40B4-BE49-F238E27FC236}">
-                <a16:creationId xmlns:a16="http://schemas.microsoft.com/office/drawing/2014/main" id="{449E536C-E48E-DABD-3BE9-1BA02607793D}"/>
-              </a:ext>
-            </a:extLst>
-          </p:cNvPr>
-          <p:cNvGraphicFramePr>
-            <a:graphicFrameLocks noGrp="1"/>
-          </p:cNvGraphicFramePr>
-          <p:nvPr>
-            <p:extLst>
-              <p:ext uri="{D42A27DB-BD31-4B8C-83A1-F6EECF244321}">
-                <p14:modId xmlns:p14="http://schemas.microsoft.com/office/powerpoint/2010/main" val="1540402065"/>
-              </p:ext>
-            </p:extLst>
-          </p:nvPr>
-        </p:nvGraphicFramePr>
-        <p:xfrm>
-          <a:off x="7772400" y="2694232"/>
-          <a:ext cx="9066992" cy="2748984"/>
-        </p:xfrm>
-        <a:graphic>
-          <a:graphicData uri="http://schemas.openxmlformats.org/drawingml/2006/table">
-            <a:tbl>
-              <a:tblPr firstRow="1" bandRow="1">
-                <a:tableStyleId>{0505E3EF-67EA-436B-97B2-0124C06EBD24}</a:tableStyleId>
-              </a:tblPr>
-              <a:tblGrid>
-                <a:gridCol w="2040073">
-                  <a:extLst>
-                    <a:ext uri="{9D8B030D-6E8A-4147-A177-3AD203B41FA5}">
-                      <a16:colId xmlns:a16="http://schemas.microsoft.com/office/drawing/2014/main" val="151083142"/>
-                    </a:ext>
-                  </a:extLst>
-                </a:gridCol>
-                <a:gridCol w="7026919">
-                  <a:extLst>
-                    <a:ext uri="{9D8B030D-6E8A-4147-A177-3AD203B41FA5}">
-                      <a16:colId xmlns:a16="http://schemas.microsoft.com/office/drawing/2014/main" val="3451232418"/>
-                    </a:ext>
-                  </a:extLst>
-                </a:gridCol>
-              </a:tblGrid>
-              <a:tr h="1374492">
-                <a:tc>
-                  <a:txBody>
-                    <a:bodyPr/>
-                    <a:lstStyle/>
-                    <a:p>
-                      <a:pPr algn="ctr"/>
-                      <a:r>
-                        <a:rPr kumimoji="1" lang="ja-JP" altLang="en-US" sz="2800" b="1">
-                          <a:latin typeface="Yu Gothic" panose="020B0400000000000000" pitchFamily="34" charset="-128"/>
-                          <a:ea typeface="Yu Gothic" panose="020B0400000000000000" pitchFamily="34" charset="-128"/>
-                        </a:rPr>
-                        <a:t>目的</a:t>
-                      </a:r>
-                    </a:p>
-                  </a:txBody>
-                  <a:tcPr anchor="ctr"/>
-                </a:tc>
-                <a:tc>
-                  <a:txBody>
-                    <a:bodyPr/>
-                    <a:lstStyle/>
-                    <a:p>
-                      <a:r>
-                        <a:rPr kumimoji="1" lang="ja-JP" altLang="en-US" sz="2800" b="0">
-                          <a:latin typeface="Yu Gothic" panose="020B0400000000000000" pitchFamily="34" charset="-128"/>
-                          <a:ea typeface="Yu Gothic" panose="020B0400000000000000" pitchFamily="34" charset="-128"/>
-                        </a:rPr>
-                        <a:t>興味関心，マッチングの分析結果を</a:t>
-                      </a:r>
-                      <a:endParaRPr kumimoji="1" lang="en-US" altLang="ja-JP" sz="2800" b="0" dirty="0">
-                        <a:latin typeface="Yu Gothic" panose="020B0400000000000000" pitchFamily="34" charset="-128"/>
-                        <a:ea typeface="Yu Gothic" panose="020B0400000000000000" pitchFamily="34" charset="-128"/>
-                      </a:endParaRPr>
-                    </a:p>
-                    <a:p>
-                      <a:pPr marL="0" marR="0" indent="0" algn="l" defTabSz="914400" rtl="0" eaLnBrk="1" fontAlgn="auto" latinLnBrk="0" hangingPunct="1">
-                        <a:lnSpc>
-                          <a:spcPct val="100000"/>
-                        </a:lnSpc>
-                        <a:spcBef>
-                          <a:spcPts val="0"/>
-                        </a:spcBef>
-                        <a:spcAft>
-                          <a:spcPts val="0"/>
-                        </a:spcAft>
-                        <a:buClrTx/>
-                        <a:buSzTx/>
-                        <a:buFontTx/>
-                        <a:buNone/>
-                        <a:tabLst/>
-                        <a:defRPr/>
-                      </a:pPr>
-                      <a:r>
-                        <a:rPr kumimoji="1" lang="en-US" altLang="ja-JP" sz="2800" b="1" dirty="0">
-                          <a:solidFill>
-                            <a:srgbClr val="C00000"/>
-                          </a:solidFill>
-                          <a:latin typeface="Yu Gothic" panose="020B0400000000000000" pitchFamily="34" charset="-128"/>
-                          <a:ea typeface="Yu Gothic" panose="020B0400000000000000" pitchFamily="34" charset="-128"/>
-                        </a:rPr>
-                        <a:t>SQLite</a:t>
-                      </a:r>
-                      <a:r>
-                        <a:rPr kumimoji="1" lang="ja-JP" altLang="en-US" sz="2800" b="1">
-                          <a:solidFill>
-                            <a:srgbClr val="C00000"/>
-                          </a:solidFill>
-                          <a:latin typeface="Yu Gothic" panose="020B0400000000000000" pitchFamily="34" charset="-128"/>
-                          <a:ea typeface="Yu Gothic" panose="020B0400000000000000" pitchFamily="34" charset="-128"/>
-                        </a:rPr>
-                        <a:t>に保存</a:t>
-                      </a:r>
-                      <a:r>
-                        <a:rPr kumimoji="1" lang="ja-JP" altLang="en-US" sz="2800" b="0" u="none" strike="noStrike" kern="1200" cap="none" spc="0" normalizeH="0" baseline="0" noProof="0">
-                          <a:ln>
-                            <a:noFill/>
-                          </a:ln>
-                          <a:solidFill>
-                            <a:prstClr val="black"/>
-                          </a:solidFill>
-                          <a:effectLst/>
-                          <a:uLnTx/>
-                          <a:uFillTx/>
-                          <a:latin typeface="Yu Gothic" panose="020B0400000000000000" pitchFamily="34" charset="-128"/>
-                          <a:ea typeface="Yu Gothic" panose="020B0400000000000000" pitchFamily="34" charset="-128"/>
-                        </a:rPr>
-                        <a:t>する</a:t>
-                      </a:r>
-                      <a:endParaRPr kumimoji="1" lang="en-US" altLang="ja-JP" sz="2800" b="0" kern="1200" dirty="0">
-                        <a:solidFill>
-                          <a:schemeClr val="dk1"/>
-                        </a:solidFill>
-                        <a:latin typeface="Yu Gothic" panose="020B0400000000000000" pitchFamily="34" charset="-128"/>
-                        <a:ea typeface="Yu Gothic" panose="020B0400000000000000" pitchFamily="34" charset="-128"/>
-                        <a:cs typeface="+mn-cs"/>
-                      </a:endParaRPr>
-                    </a:p>
-                  </a:txBody>
-                  <a:tcPr anchor="ctr"/>
-                </a:tc>
-                <a:extLst>
-                  <a:ext uri="{0D108BD9-81ED-4DB2-BD59-A6C34878D82A}">
-                    <a16:rowId xmlns:a16="http://schemas.microsoft.com/office/drawing/2014/main" val="637943959"/>
-                  </a:ext>
-                </a:extLst>
-              </a:tr>
-              <a:tr h="1374492">
-                <a:tc>
-                  <a:txBody>
-                    <a:bodyPr/>
-                    <a:lstStyle/>
-                    <a:p>
-                      <a:pPr algn="ctr"/>
-                      <a:r>
-                        <a:rPr kumimoji="1" lang="ja-JP" altLang="en-US" sz="2800" b="1">
-                          <a:latin typeface="Yu Gothic" panose="020B0400000000000000" pitchFamily="34" charset="-128"/>
-                          <a:ea typeface="Yu Gothic" panose="020B0400000000000000" pitchFamily="34" charset="-128"/>
-                        </a:rPr>
-                        <a:t>技術要素</a:t>
-                      </a:r>
-                    </a:p>
-                  </a:txBody>
-                  <a:tcPr anchor="ctr"/>
-                </a:tc>
-                <a:tc>
-                  <a:txBody>
-                    <a:bodyPr/>
-                    <a:lstStyle/>
-                    <a:p>
-                      <a:r>
-                        <a:rPr kumimoji="1" lang="en-US" altLang="ja-JP" sz="2800" b="0" dirty="0">
-                          <a:latin typeface="Yu Gothic" panose="020B0400000000000000" pitchFamily="34" charset="-128"/>
-                          <a:ea typeface="Yu Gothic" panose="020B0400000000000000" pitchFamily="34" charset="-128"/>
-                        </a:rPr>
-                        <a:t>Django</a:t>
-                      </a:r>
-                      <a:r>
-                        <a:rPr kumimoji="1" lang="ja-JP" altLang="en-US" sz="2800" b="0">
-                          <a:latin typeface="Yu Gothic" panose="020B0400000000000000" pitchFamily="34" charset="-128"/>
-                          <a:ea typeface="Yu Gothic" panose="020B0400000000000000" pitchFamily="34" charset="-128"/>
-                        </a:rPr>
-                        <a:t>と同様のデータベースに繋げる</a:t>
-                      </a:r>
-                      <a:r>
-                        <a:rPr kumimoji="1" lang="en-US" altLang="ja-JP" sz="2800" b="0" dirty="0">
-                          <a:latin typeface="Yu Gothic" panose="020B0400000000000000" pitchFamily="34" charset="-128"/>
-                          <a:ea typeface="Yu Gothic" panose="020B0400000000000000" pitchFamily="34" charset="-128"/>
-                        </a:rPr>
-                        <a:t>(</a:t>
-                      </a:r>
-                      <a:r>
-                        <a:rPr kumimoji="1" lang="ja-JP" altLang="en-US" sz="2800" b="0">
-                          <a:latin typeface="Yu Gothic" panose="020B0400000000000000" pitchFamily="34" charset="-128"/>
-                          <a:ea typeface="Yu Gothic" panose="020B0400000000000000" pitchFamily="34" charset="-128"/>
-                        </a:rPr>
-                        <a:t>？</a:t>
-                      </a:r>
-                      <a:r>
-                        <a:rPr kumimoji="1" lang="en-US" altLang="ja-JP" sz="2800" b="0" dirty="0">
-                          <a:latin typeface="Yu Gothic" panose="020B0400000000000000" pitchFamily="34" charset="-128"/>
-                          <a:ea typeface="Yu Gothic" panose="020B0400000000000000" pitchFamily="34" charset="-128"/>
-                        </a:rPr>
-                        <a:t>)</a:t>
-                      </a:r>
-                      <a:endParaRPr kumimoji="1" lang="en-US" altLang="ja-JP" sz="1100" b="0" dirty="0">
-                        <a:latin typeface="Yu Gothic" panose="020B0400000000000000" pitchFamily="34" charset="-128"/>
-                        <a:ea typeface="Yu Gothic" panose="020B0400000000000000" pitchFamily="34" charset="-128"/>
-                      </a:endParaRPr>
-                    </a:p>
-                  </a:txBody>
-                  <a:tcPr anchor="ctr"/>
-                </a:tc>
-                <a:extLst>
-                  <a:ext uri="{0D108BD9-81ED-4DB2-BD59-A6C34878D82A}">
-                    <a16:rowId xmlns:a16="http://schemas.microsoft.com/office/drawing/2014/main" val="2822937220"/>
-                  </a:ext>
-                </a:extLst>
-              </a:tr>
-            </a:tbl>
-          </a:graphicData>
-        </a:graphic>
-      </p:graphicFrame>
-      <p:graphicFrame>
-        <p:nvGraphicFramePr>
-          <p:cNvPr id="14" name="表 13">
-            <a:extLst>
-              <a:ext uri="{FF2B5EF4-FFF2-40B4-BE49-F238E27FC236}">
-                <a16:creationId xmlns:a16="http://schemas.microsoft.com/office/drawing/2014/main" id="{2CD41FB1-EFD5-1397-77AA-B96564880A25}"/>
-              </a:ext>
-            </a:extLst>
-          </p:cNvPr>
-          <p:cNvGraphicFramePr>
-            <a:graphicFrameLocks noGrp="1"/>
-          </p:cNvGraphicFramePr>
-          <p:nvPr>
-            <p:extLst>
-              <p:ext uri="{D42A27DB-BD31-4B8C-83A1-F6EECF244321}">
-                <p14:modId xmlns:p14="http://schemas.microsoft.com/office/powerpoint/2010/main" val="2666335547"/>
-              </p:ext>
-            </p:extLst>
-          </p:nvPr>
-        </p:nvGraphicFramePr>
-        <p:xfrm>
-          <a:off x="7772400" y="5976899"/>
-          <a:ext cx="9066992" cy="2748984"/>
-        </p:xfrm>
-        <a:graphic>
-          <a:graphicData uri="http://schemas.openxmlformats.org/drawingml/2006/table">
-            <a:tbl>
-              <a:tblPr firstRow="1" bandRow="1">
-                <a:tableStyleId>{0505E3EF-67EA-436B-97B2-0124C06EBD24}</a:tableStyleId>
-              </a:tblPr>
-              <a:tblGrid>
-                <a:gridCol w="2040073">
-                  <a:extLst>
-                    <a:ext uri="{9D8B030D-6E8A-4147-A177-3AD203B41FA5}">
-                      <a16:colId xmlns:a16="http://schemas.microsoft.com/office/drawing/2014/main" val="151083142"/>
-                    </a:ext>
-                  </a:extLst>
-                </a:gridCol>
-                <a:gridCol w="7026919">
-                  <a:extLst>
-                    <a:ext uri="{9D8B030D-6E8A-4147-A177-3AD203B41FA5}">
-                      <a16:colId xmlns:a16="http://schemas.microsoft.com/office/drawing/2014/main" val="3451232418"/>
-                    </a:ext>
-                  </a:extLst>
-                </a:gridCol>
-              </a:tblGrid>
-              <a:tr h="1374492">
-                <a:tc>
-                  <a:txBody>
-                    <a:bodyPr/>
-                    <a:lstStyle/>
-                    <a:p>
-                      <a:pPr algn="ctr"/>
-                      <a:r>
-                        <a:rPr kumimoji="1" lang="ja-JP" altLang="en-US" sz="2800" b="1">
-                          <a:latin typeface="Yu Gothic" panose="020B0400000000000000" pitchFamily="34" charset="-128"/>
-                          <a:ea typeface="Yu Gothic" panose="020B0400000000000000" pitchFamily="34" charset="-128"/>
-                        </a:rPr>
-                        <a:t>目的</a:t>
-                      </a:r>
-                    </a:p>
-                  </a:txBody>
-                  <a:tcPr anchor="ctr"/>
-                </a:tc>
-                <a:tc>
-                  <a:txBody>
-                    <a:bodyPr/>
-                    <a:lstStyle/>
-                    <a:p>
-                      <a:pPr marL="0" marR="0" lvl="0" indent="0" algn="l" defTabSz="914400" rtl="0" eaLnBrk="1" fontAlgn="auto" latinLnBrk="0" hangingPunct="1">
-                        <a:lnSpc>
-                          <a:spcPct val="100000"/>
-                        </a:lnSpc>
-                        <a:spcBef>
-                          <a:spcPts val="0"/>
-                        </a:spcBef>
-                        <a:spcAft>
-                          <a:spcPts val="0"/>
-                        </a:spcAft>
-                        <a:buClrTx/>
-                        <a:buSzTx/>
-                        <a:buFontTx/>
-                        <a:buNone/>
-                        <a:tabLst/>
-                        <a:defRPr/>
-                      </a:pPr>
-                      <a:r>
-                        <a:rPr kumimoji="1" lang="ja-JP" altLang="en-US" sz="2800" b="0">
-                          <a:latin typeface="Yu Gothic" panose="020B0400000000000000" pitchFamily="34" charset="-128"/>
-                          <a:ea typeface="Yu Gothic" panose="020B0400000000000000" pitchFamily="34" charset="-128"/>
-                        </a:rPr>
-                        <a:t>興味関心，マッチングの分析結果を</a:t>
-                      </a:r>
-                      <a:endParaRPr kumimoji="1" lang="en-US" altLang="ja-JP" sz="2800" b="0" dirty="0">
-                        <a:latin typeface="Yu Gothic" panose="020B0400000000000000" pitchFamily="34" charset="-128"/>
-                        <a:ea typeface="Yu Gothic" panose="020B0400000000000000" pitchFamily="34" charset="-128"/>
-                      </a:endParaRPr>
-                    </a:p>
-                    <a:p>
-                      <a:r>
-                        <a:rPr kumimoji="1" lang="ja-JP" altLang="en-US" sz="2800" b="1">
-                          <a:solidFill>
-                            <a:srgbClr val="C00000"/>
-                          </a:solidFill>
-                          <a:latin typeface="Yu Gothic" panose="020B0400000000000000" pitchFamily="34" charset="-128"/>
-                          <a:ea typeface="Yu Gothic" panose="020B0400000000000000" pitchFamily="34" charset="-128"/>
-                        </a:rPr>
-                        <a:t>ユーザーに表示する</a:t>
-                      </a:r>
-                    </a:p>
-                  </a:txBody>
-                  <a:tcPr anchor="ctr"/>
-                </a:tc>
-                <a:extLst>
-                  <a:ext uri="{0D108BD9-81ED-4DB2-BD59-A6C34878D82A}">
-                    <a16:rowId xmlns:a16="http://schemas.microsoft.com/office/drawing/2014/main" val="637943959"/>
-                  </a:ext>
-                </a:extLst>
-              </a:tr>
-              <a:tr h="1374492">
-                <a:tc>
-                  <a:txBody>
-                    <a:bodyPr/>
-                    <a:lstStyle/>
-                    <a:p>
-                      <a:pPr algn="ctr"/>
-                      <a:r>
-                        <a:rPr kumimoji="1" lang="ja-JP" altLang="en-US" sz="2800" b="1">
-                          <a:latin typeface="Yu Gothic" panose="020B0400000000000000" pitchFamily="34" charset="-128"/>
-                          <a:ea typeface="Yu Gothic" panose="020B0400000000000000" pitchFamily="34" charset="-128"/>
-                        </a:rPr>
-                        <a:t>技術要素</a:t>
-                      </a:r>
-                    </a:p>
-                  </a:txBody>
-                  <a:tcPr anchor="ctr"/>
-                </a:tc>
-                <a:tc>
-                  <a:txBody>
-                    <a:bodyPr/>
-                    <a:lstStyle/>
-                    <a:p>
-                      <a:r>
-                        <a:rPr kumimoji="1" lang="en-US" altLang="ja-JP" sz="2800" b="0" dirty="0" err="1">
-                          <a:latin typeface="Yu Gothic" panose="020B0400000000000000" pitchFamily="34" charset="-128"/>
-                          <a:ea typeface="Yu Gothic" panose="020B0400000000000000" pitchFamily="34" charset="-128"/>
-                        </a:rPr>
-                        <a:t>Transcript.objects</a:t>
-                      </a:r>
-                      <a:r>
-                        <a:rPr kumimoji="1" lang="ja-JP" altLang="en-US" sz="2800" b="0">
-                          <a:latin typeface="Yu Gothic" panose="020B0400000000000000" pitchFamily="34" charset="-128"/>
-                          <a:ea typeface="Yu Gothic" panose="020B0400000000000000" pitchFamily="34" charset="-128"/>
-                        </a:rPr>
-                        <a:t>を使えばすぐ実装可能</a:t>
-                      </a:r>
-                      <a:endParaRPr kumimoji="1" lang="en-US" altLang="ja-JP" sz="2800" b="0" dirty="0">
-                        <a:latin typeface="Yu Gothic" panose="020B0400000000000000" pitchFamily="34" charset="-128"/>
-                        <a:ea typeface="Yu Gothic" panose="020B0400000000000000" pitchFamily="34" charset="-128"/>
-                      </a:endParaRPr>
-                    </a:p>
-                    <a:p>
-                      <a:pPr algn="r"/>
-                      <a:r>
-                        <a:rPr kumimoji="1" lang="ja-JP" altLang="en-US" sz="1800" b="0">
-                          <a:latin typeface="Yu Gothic" panose="020B0400000000000000" pitchFamily="34" charset="-128"/>
-                          <a:ea typeface="Yu Gothic" panose="020B0400000000000000" pitchFamily="34" charset="-128"/>
-                        </a:rPr>
-                        <a:t>っぽいです</a:t>
-                      </a:r>
-                      <a:endParaRPr kumimoji="1" lang="en-US" altLang="ja-JP" sz="1800" b="0" dirty="0">
-                        <a:latin typeface="Yu Gothic" panose="020B0400000000000000" pitchFamily="34" charset="-128"/>
-                        <a:ea typeface="Yu Gothic" panose="020B0400000000000000" pitchFamily="34" charset="-128"/>
-                      </a:endParaRPr>
-                    </a:p>
-                  </a:txBody>
-                  <a:tcPr anchor="ctr"/>
-                </a:tc>
-                <a:extLst>
-                  <a:ext uri="{0D108BD9-81ED-4DB2-BD59-A6C34878D82A}">
-                    <a16:rowId xmlns:a16="http://schemas.microsoft.com/office/drawing/2014/main" val="2822937220"/>
-                  </a:ext>
-                </a:extLst>
-              </a:tr>
-            </a:tbl>
-          </a:graphicData>
-        </a:graphic>
-      </p:graphicFrame>
       <p:grpSp>
         <p:nvGrpSpPr>
-          <p:cNvPr id="11" name="グループ化 10">
-            <a:extLst>
-              <a:ext uri="{FF2B5EF4-FFF2-40B4-BE49-F238E27FC236}">
-                <a16:creationId xmlns:a16="http://schemas.microsoft.com/office/drawing/2014/main" id="{2E267013-1DA3-68D7-4223-E1883A6C7627}"/>
+          <p:cNvPr id="19" name="グループ化 18">
+            <a:extLst>
+              <a:ext uri="{FF2B5EF4-FFF2-40B4-BE49-F238E27FC236}">
+                <a16:creationId xmlns:a16="http://schemas.microsoft.com/office/drawing/2014/main" id="{E10A907A-AED5-A0A0-4BEE-7BB0B91A3A1D}"/>
               </a:ext>
             </a:extLst>
           </p:cNvPr>
@@ -12934,54 +12512,1421 @@
         </p:nvGrpSpPr>
         <p:grpSpPr>
           <a:xfrm>
-            <a:off x="5335892" y="3104658"/>
-            <a:ext cx="1426106" cy="1909783"/>
-            <a:chOff x="7173083" y="6753785"/>
-            <a:chExt cx="1426106" cy="1909783"/>
+            <a:off x="1903296" y="2751573"/>
+            <a:ext cx="14481366" cy="5897127"/>
+            <a:chOff x="2892234" y="2923257"/>
+            <a:chExt cx="14481366" cy="5897127"/>
           </a:xfrm>
         </p:grpSpPr>
-        <p:pic>
-          <p:nvPicPr>
-            <p:cNvPr id="15" name="グラフィックス 14" descr="データベース 枠線">
+        <p:sp>
+          <p:nvSpPr>
+            <p:cNvPr id="10" name="正方形/長方形 9">
               <a:extLst>
                 <a:ext uri="{FF2B5EF4-FFF2-40B4-BE49-F238E27FC236}">
-                  <a16:creationId xmlns:a16="http://schemas.microsoft.com/office/drawing/2014/main" id="{778D5D55-CE0E-F400-3189-B8508308BEA5}"/>
+                  <a16:creationId xmlns:a16="http://schemas.microsoft.com/office/drawing/2014/main" id="{5CE1C6B3-5D70-5965-829D-796BC591F135}"/>
                 </a:ext>
               </a:extLst>
             </p:cNvPr>
-            <p:cNvPicPr>
-              <a:picLocks noChangeAspect="1"/>
-            </p:cNvPicPr>
+            <p:cNvSpPr/>
             <p:nvPr/>
-          </p:nvPicPr>
-          <p:blipFill>
-            <a:blip r:embed="rId3">
-              <a:extLst>
-                <a:ext uri="{96DAC541-7B7A-43D3-8B79-37D633B846F1}">
-                  <asvg:svgBlip xmlns:asvg="http://schemas.microsoft.com/office/drawing/2016/SVG/main" r:embed="rId4"/>
-                </a:ext>
-              </a:extLst>
-            </a:blip>
-            <a:stretch>
-              <a:fillRect/>
-            </a:stretch>
-          </p:blipFill>
+          </p:nvSpPr>
           <p:spPr>
             <a:xfrm>
-              <a:off x="7173083" y="6753785"/>
-              <a:ext cx="1426106" cy="1426106"/>
+              <a:off x="7467600" y="3924300"/>
+              <a:ext cx="2743200" cy="685800"/>
             </a:xfrm>
             <a:prstGeom prst="rect">
               <a:avLst/>
             </a:prstGeom>
+            <a:solidFill>
+              <a:schemeClr val="accent6">
+                <a:lumMod val="20000"/>
+                <a:lumOff val="80000"/>
+              </a:schemeClr>
+            </a:solidFill>
+            <a:ln>
+              <a:solidFill>
+                <a:schemeClr val="accent6">
+                  <a:lumMod val="60000"/>
+                  <a:lumOff val="40000"/>
+                </a:schemeClr>
+              </a:solidFill>
+            </a:ln>
           </p:spPr>
-        </p:pic>
+          <p:style>
+            <a:lnRef idx="2">
+              <a:schemeClr val="accent1">
+                <a:shade val="15000"/>
+              </a:schemeClr>
+            </a:lnRef>
+            <a:fillRef idx="1">
+              <a:schemeClr val="accent1"/>
+            </a:fillRef>
+            <a:effectRef idx="0">
+              <a:schemeClr val="accent1"/>
+            </a:effectRef>
+            <a:fontRef idx="minor">
+              <a:schemeClr val="lt1"/>
+            </a:fontRef>
+          </p:style>
+          <p:txBody>
+            <a:bodyPr rtlCol="0" anchor="ctr"/>
+            <a:lstStyle/>
+            <a:p>
+              <a:pPr algn="ctr"/>
+              <a:endParaRPr kumimoji="1" lang="ja-JP" altLang="en-US"/>
+            </a:p>
+          </p:txBody>
+        </p:sp>
         <p:sp>
           <p:nvSpPr>
-            <p:cNvPr id="17" name="テキスト ボックス 16">
+            <p:cNvPr id="11" name="正方形/長方形 10">
               <a:extLst>
                 <a:ext uri="{FF2B5EF4-FFF2-40B4-BE49-F238E27FC236}">
-                  <a16:creationId xmlns:a16="http://schemas.microsoft.com/office/drawing/2014/main" id="{CBC8DBA3-11C2-1B62-EA18-F386D12076D1}"/>
+                  <a16:creationId xmlns:a16="http://schemas.microsoft.com/office/drawing/2014/main" id="{C5029986-38F6-41CD-4FA2-482E51098B36}"/>
+                </a:ext>
+              </a:extLst>
+            </p:cNvPr>
+            <p:cNvSpPr/>
+            <p:nvPr/>
+          </p:nvSpPr>
+          <p:spPr>
+            <a:xfrm>
+              <a:off x="10668000" y="3924300"/>
+              <a:ext cx="3048000" cy="685800"/>
+            </a:xfrm>
+            <a:prstGeom prst="rect">
+              <a:avLst/>
+            </a:prstGeom>
+            <a:solidFill>
+              <a:schemeClr val="accent5">
+                <a:lumMod val="20000"/>
+                <a:lumOff val="80000"/>
+              </a:schemeClr>
+            </a:solidFill>
+            <a:ln>
+              <a:solidFill>
+                <a:schemeClr val="accent5">
+                  <a:lumMod val="60000"/>
+                  <a:lumOff val="40000"/>
+                </a:schemeClr>
+              </a:solidFill>
+            </a:ln>
+          </p:spPr>
+          <p:style>
+            <a:lnRef idx="2">
+              <a:schemeClr val="accent1">
+                <a:shade val="15000"/>
+              </a:schemeClr>
+            </a:lnRef>
+            <a:fillRef idx="1">
+              <a:schemeClr val="accent1"/>
+            </a:fillRef>
+            <a:effectRef idx="0">
+              <a:schemeClr val="accent1"/>
+            </a:effectRef>
+            <a:fontRef idx="minor">
+              <a:schemeClr val="lt1"/>
+            </a:fontRef>
+          </p:style>
+          <p:txBody>
+            <a:bodyPr rtlCol="0" anchor="ctr"/>
+            <a:lstStyle/>
+            <a:p>
+              <a:pPr algn="ctr"/>
+              <a:endParaRPr kumimoji="1" lang="ja-JP" altLang="en-US"/>
+            </a:p>
+          </p:txBody>
+        </p:sp>
+        <mc:AlternateContent xmlns:mc="http://schemas.openxmlformats.org/markup-compatibility/2006">
+          <mc:Choice xmlns:a14="http://schemas.microsoft.com/office/drawing/2010/main" Requires="a14">
+            <p:sp>
+              <p:nvSpPr>
+                <p:cNvPr id="16" name="テキスト ボックス 15">
+                  <a:extLst>
+                    <a:ext uri="{FF2B5EF4-FFF2-40B4-BE49-F238E27FC236}">
+                      <a16:creationId xmlns:a16="http://schemas.microsoft.com/office/drawing/2014/main" id="{E6CCAF0C-9AE1-8C8D-4B8D-C549AE34D068}"/>
+                    </a:ext>
+                  </a:extLst>
+                </p:cNvPr>
+                <p:cNvSpPr txBox="1"/>
+                <p:nvPr/>
+              </p:nvSpPr>
+              <p:spPr>
+                <a:xfrm>
+                  <a:off x="2892234" y="2923257"/>
+                  <a:ext cx="14481366" cy="5897127"/>
+                </a:xfrm>
+                <a:prstGeom prst="rect">
+                  <a:avLst/>
+                </a:prstGeom>
+                <a:noFill/>
+              </p:spPr>
+              <p:txBody>
+                <a:bodyPr wrap="square" rtlCol="0">
+                  <a:spAutoFit/>
+                </a:bodyPr>
+                <a:lstStyle/>
+                <a:p>
+                  <a:endParaRPr kumimoji="1" lang="en-US" altLang="ja-JP" sz="3200" b="1" dirty="0">
+                    <a:solidFill>
+                      <a:srgbClr val="C00000"/>
+                    </a:solidFill>
+                    <a:latin typeface="+mn-ea"/>
+                  </a:endParaRPr>
+                </a:p>
+                <a:p>
+                  <a:endParaRPr kumimoji="1" lang="en-US" altLang="ja-JP" sz="3200" b="1" dirty="0">
+                    <a:solidFill>
+                      <a:srgbClr val="C00000"/>
+                    </a:solidFill>
+                    <a:latin typeface="+mn-ea"/>
+                  </a:endParaRPr>
+                </a:p>
+                <a:p>
+                  <a14:m>
+                    <m:oMathPara xmlns:m="http://schemas.openxmlformats.org/officeDocument/2006/math">
+                      <m:oMathParaPr>
+                        <m:jc m:val="centerGroup"/>
+                      </m:oMathParaPr>
+                      <m:oMath xmlns:m="http://schemas.openxmlformats.org/officeDocument/2006/math">
+                        <m:func>
+                          <m:funcPr>
+                            <m:ctrlPr>
+                              <a:rPr kumimoji="1" lang="en-US" altLang="ja-JP" sz="3600" i="1" smtClean="0">
+                                <a:latin typeface="+mn-ea"/>
+                              </a:rPr>
+                            </m:ctrlPr>
+                          </m:funcPr>
+                          <m:fName>
+                            <m:limLow>
+                              <m:limLowPr>
+                                <m:ctrlPr>
+                                  <a:rPr kumimoji="1" lang="en-US" altLang="ja-JP" sz="3600" i="1" smtClean="0">
+                                    <a:latin typeface="+mn-ea"/>
+                                  </a:rPr>
+                                </m:ctrlPr>
+                              </m:limLowPr>
+                              <m:e>
+                                <m:r>
+                                  <m:rPr>
+                                    <m:sty m:val="p"/>
+                                  </m:rPr>
+                                  <a:rPr kumimoji="1" lang="en-US" altLang="ja-JP" sz="3600" i="0" smtClean="0">
+                                    <a:latin typeface="+mn-ea"/>
+                                  </a:rPr>
+                                  <m:t>max</m:t>
+                                </m:r>
+                              </m:e>
+                              <m:lim>
+                                <m:r>
+                                  <a:rPr kumimoji="1" lang="en-US" altLang="ja-JP" sz="3600" b="0" i="1" smtClean="0">
+                                    <a:latin typeface="+mn-ea"/>
+                                  </a:rPr>
+                                  <m:t>𝑖</m:t>
+                                </m:r>
+                                <m:r>
+                                  <a:rPr kumimoji="1" lang="en-US" altLang="ja-JP" sz="3600" b="0" i="1" smtClean="0">
+                                    <a:latin typeface="+mn-ea"/>
+                                  </a:rPr>
+                                  <m:t>,</m:t>
+                                </m:r>
+                                <m:r>
+                                  <a:rPr kumimoji="1" lang="en-US" altLang="ja-JP" sz="3600" b="0" i="1" smtClean="0">
+                                    <a:latin typeface="+mn-ea"/>
+                                  </a:rPr>
+                                  <m:t>𝑗</m:t>
+                                </m:r>
+                              </m:lim>
+                            </m:limLow>
+                          </m:fName>
+                          <m:e>
+                            <m:sSub>
+                              <m:sSubPr>
+                                <m:ctrlPr>
+                                  <a:rPr kumimoji="1" lang="en-US" altLang="ja-JP" sz="3600" i="1">
+                                    <a:latin typeface="+mn-ea"/>
+                                  </a:rPr>
+                                </m:ctrlPr>
+                              </m:sSubPr>
+                              <m:e>
+                                <m:r>
+                                  <a:rPr kumimoji="1" lang="en-US" altLang="ja-JP" sz="3600" b="0" i="1" smtClean="0">
+                                    <a:latin typeface="+mn-ea"/>
+                                  </a:rPr>
+                                  <m:t> </m:t>
+                                </m:r>
+                                <m:r>
+                                  <m:rPr>
+                                    <m:sty m:val="p"/>
+                                  </m:rPr>
+                                  <a:rPr kumimoji="1" lang="el-GR" altLang="ja-JP" sz="3600" i="1">
+                                    <a:latin typeface="+mn-ea"/>
+                                  </a:rPr>
+                                  <m:t>Σ</m:t>
+                                </m:r>
+                              </m:e>
+                              <m:sub>
+                                <m:r>
+                                  <a:rPr kumimoji="1" lang="en-US" altLang="ja-JP" sz="3600" i="1">
+                                    <a:latin typeface="+mn-ea"/>
+                                  </a:rPr>
+                                  <m:t>𝑖</m:t>
+                                </m:r>
+                                <m:r>
+                                  <a:rPr kumimoji="1" lang="en-US" altLang="ja-JP" sz="3600" i="1">
+                                    <a:latin typeface="+mn-ea"/>
+                                  </a:rPr>
+                                  <m:t>,</m:t>
+                                </m:r>
+                                <m:r>
+                                  <a:rPr kumimoji="1" lang="en-US" altLang="ja-JP" sz="3600" i="1">
+                                    <a:latin typeface="+mn-ea"/>
+                                  </a:rPr>
+                                  <m:t>𝑗</m:t>
+                                </m:r>
+                              </m:sub>
+                            </m:sSub>
+                            <m:sSub>
+                              <m:sSubPr>
+                                <m:ctrlPr>
+                                  <a:rPr kumimoji="1" lang="en-US" altLang="ja-JP" sz="3600" i="1">
+                                    <a:latin typeface="+mn-ea"/>
+                                  </a:rPr>
+                                </m:ctrlPr>
+                              </m:sSubPr>
+                              <m:e>
+                                <m:r>
+                                  <m:rPr>
+                                    <m:sty m:val="p"/>
+                                  </m:rPr>
+                                  <a:rPr kumimoji="1" lang="en-US" altLang="ja-JP" sz="3600" i="1">
+                                    <a:latin typeface="+mn-ea"/>
+                                  </a:rPr>
+                                  <m:t>Σ</m:t>
+                                </m:r>
+                              </m:e>
+                              <m:sub>
+                                <m:r>
+                                  <a:rPr kumimoji="1" lang="en-US" altLang="ja-JP" sz="3600" i="1">
+                                    <a:latin typeface="+mn-ea"/>
+                                  </a:rPr>
+                                  <m:t>𝑙</m:t>
+                                </m:r>
+                              </m:sub>
+                            </m:sSub>
+                            <m:sSub>
+                              <m:sSubPr>
+                                <m:ctrlPr>
+                                  <a:rPr kumimoji="1" lang="en-US" altLang="ja-JP" sz="3600" i="1">
+                                    <a:latin typeface="+mn-ea"/>
+                                  </a:rPr>
+                                </m:ctrlPr>
+                              </m:sSubPr>
+                              <m:e>
+                                <m:r>
+                                  <a:rPr kumimoji="1" lang="en-US" altLang="ja-JP" sz="3600" i="1">
+                                    <a:latin typeface="+mn-ea"/>
+                                  </a:rPr>
+                                  <m:t>𝑄</m:t>
+                                </m:r>
+                              </m:e>
+                              <m:sub>
+                                <m:r>
+                                  <a:rPr kumimoji="1" lang="en-US" altLang="ja-JP" sz="3600" i="1">
+                                    <a:latin typeface="+mn-ea"/>
+                                  </a:rPr>
+                                  <m:t>𝑖𝑗</m:t>
+                                </m:r>
+                              </m:sub>
+                            </m:sSub>
+                            <m:sSub>
+                              <m:sSubPr>
+                                <m:ctrlPr>
+                                  <a:rPr kumimoji="1" lang="en-US" altLang="ja-JP" sz="3600" i="1">
+                                    <a:latin typeface="+mn-ea"/>
+                                  </a:rPr>
+                                </m:ctrlPr>
+                              </m:sSubPr>
+                              <m:e>
+                                <m:r>
+                                  <a:rPr kumimoji="1" lang="en-US" altLang="ja-JP" sz="3600" i="1">
+                                    <a:latin typeface="+mn-ea"/>
+                                  </a:rPr>
+                                  <m:t>𝑥</m:t>
+                                </m:r>
+                              </m:e>
+                              <m:sub>
+                                <m:r>
+                                  <a:rPr kumimoji="1" lang="en-US" altLang="ja-JP" sz="3600" i="1">
+                                    <a:latin typeface="+mn-ea"/>
+                                  </a:rPr>
+                                  <m:t>𝑖𝑙</m:t>
+                                </m:r>
+                              </m:sub>
+                            </m:sSub>
+                            <m:sSub>
+                              <m:sSubPr>
+                                <m:ctrlPr>
+                                  <a:rPr kumimoji="1" lang="en-US" altLang="ja-JP" sz="3600" i="1">
+                                    <a:latin typeface="+mn-ea"/>
+                                  </a:rPr>
+                                </m:ctrlPr>
+                              </m:sSubPr>
+                              <m:e>
+                                <m:r>
+                                  <a:rPr kumimoji="1" lang="en-US" altLang="ja-JP" sz="3600" i="1">
+                                    <a:latin typeface="+mn-ea"/>
+                                  </a:rPr>
+                                  <m:t>𝑥</m:t>
+                                </m:r>
+                              </m:e>
+                              <m:sub>
+                                <m:r>
+                                  <a:rPr kumimoji="1" lang="en-US" altLang="ja-JP" sz="3600" i="1">
+                                    <a:latin typeface="+mn-ea"/>
+                                  </a:rPr>
+                                  <m:t>𝑗𝑙</m:t>
+                                </m:r>
+                              </m:sub>
+                            </m:sSub>
+                            <m:r>
+                              <a:rPr kumimoji="1" lang="en-US" altLang="ja-JP" sz="3600">
+                                <a:latin typeface="+mn-ea"/>
+                              </a:rPr>
+                              <m:t>−</m:t>
+                            </m:r>
+                            <m:r>
+                              <a:rPr kumimoji="1" lang="en-US" altLang="ja-JP" sz="3600" i="1">
+                                <a:latin typeface="+mn-ea"/>
+                              </a:rPr>
+                              <m:t>𝜆</m:t>
+                            </m:r>
+                            <m:sSub>
+                              <m:sSubPr>
+                                <m:ctrlPr>
+                                  <a:rPr kumimoji="1" lang="en-US" altLang="ja-JP" sz="3600" i="1">
+                                    <a:latin typeface="+mn-ea"/>
+                                  </a:rPr>
+                                </m:ctrlPr>
+                              </m:sSubPr>
+                              <m:e>
+                                <m:r>
+                                  <m:rPr>
+                                    <m:sty m:val="p"/>
+                                  </m:rPr>
+                                  <a:rPr kumimoji="1" lang="el-GR" altLang="ja-JP" sz="3600" i="1">
+                                    <a:latin typeface="+mn-ea"/>
+                                  </a:rPr>
+                                  <m:t>Σ</m:t>
+                                </m:r>
+                              </m:e>
+                              <m:sub>
+                                <m:r>
+                                  <a:rPr kumimoji="1" lang="en-US" altLang="ja-JP" sz="3600" i="1">
+                                    <a:latin typeface="+mn-ea"/>
+                                  </a:rPr>
+                                  <m:t>𝑖</m:t>
+                                </m:r>
+                              </m:sub>
+                            </m:sSub>
+                            <m:sSup>
+                              <m:sSupPr>
+                                <m:ctrlPr>
+                                  <a:rPr kumimoji="1" lang="en-US" altLang="ja-JP" sz="3600" i="1">
+                                    <a:latin typeface="+mn-ea"/>
+                                  </a:rPr>
+                                </m:ctrlPr>
+                              </m:sSupPr>
+                              <m:e>
+                                <m:r>
+                                  <a:rPr kumimoji="1" lang="en-US" altLang="ja-JP" sz="3600" i="1">
+                                    <a:latin typeface="+mn-ea"/>
+                                  </a:rPr>
+                                  <m:t>(</m:t>
+                                </m:r>
+                                <m:sSub>
+                                  <m:sSubPr>
+                                    <m:ctrlPr>
+                                      <a:rPr kumimoji="1" lang="en-US" altLang="ja-JP" sz="3600" i="1">
+                                        <a:latin typeface="+mn-ea"/>
+                                      </a:rPr>
+                                    </m:ctrlPr>
+                                  </m:sSubPr>
+                                  <m:e>
+                                    <m:r>
+                                      <m:rPr>
+                                        <m:sty m:val="p"/>
+                                      </m:rPr>
+                                      <a:rPr kumimoji="1" lang="el-GR" altLang="ja-JP" sz="3600" i="1">
+                                        <a:latin typeface="+mn-ea"/>
+                                      </a:rPr>
+                                      <m:t>Σ</m:t>
+                                    </m:r>
+                                  </m:e>
+                                  <m:sub>
+                                    <m:r>
+                                      <a:rPr kumimoji="1" lang="en-US" altLang="ja-JP" sz="3600" i="1">
+                                        <a:latin typeface="+mn-ea"/>
+                                      </a:rPr>
+                                      <m:t>𝑙</m:t>
+                                    </m:r>
+                                  </m:sub>
+                                </m:sSub>
+                                <m:sSub>
+                                  <m:sSubPr>
+                                    <m:ctrlPr>
+                                      <a:rPr kumimoji="1" lang="en-US" altLang="ja-JP" sz="3600" i="1">
+                                        <a:latin typeface="+mn-ea"/>
+                                      </a:rPr>
+                                    </m:ctrlPr>
+                                  </m:sSubPr>
+                                  <m:e>
+                                    <m:r>
+                                      <a:rPr kumimoji="1" lang="en-US" altLang="ja-JP" sz="3600" i="1">
+                                        <a:latin typeface="+mn-ea"/>
+                                      </a:rPr>
+                                      <m:t>𝑥</m:t>
+                                    </m:r>
+                                  </m:e>
+                                  <m:sub>
+                                    <m:r>
+                                      <a:rPr kumimoji="1" lang="en-US" altLang="ja-JP" sz="3600" i="1">
+                                        <a:latin typeface="+mn-ea"/>
+                                      </a:rPr>
+                                      <m:t>𝑖𝑙</m:t>
+                                    </m:r>
+                                  </m:sub>
+                                </m:sSub>
+                                <m:r>
+                                  <a:rPr kumimoji="1" lang="en-US" altLang="ja-JP" sz="3600" i="1">
+                                    <a:latin typeface="+mn-ea"/>
+                                  </a:rPr>
+                                  <m:t>−1)</m:t>
+                                </m:r>
+                              </m:e>
+                              <m:sup>
+                                <m:r>
+                                  <a:rPr kumimoji="1" lang="en-US" altLang="ja-JP" sz="3600" i="1">
+                                    <a:latin typeface="+mn-ea"/>
+                                  </a:rPr>
+                                  <m:t>2</m:t>
+                                </m:r>
+                              </m:sup>
+                            </m:sSup>
+                          </m:e>
+                        </m:func>
+                      </m:oMath>
+                    </m:oMathPara>
+                  </a14:m>
+                  <a:endParaRPr kumimoji="1" lang="en-US" altLang="ja-JP" sz="3600" b="1" dirty="0">
+                    <a:solidFill>
+                      <a:srgbClr val="C00000"/>
+                    </a:solidFill>
+                    <a:latin typeface="+mn-ea"/>
+                  </a:endParaRPr>
+                </a:p>
+                <a:p>
+                  <a:pPr>
+                    <a:lnSpc>
+                      <a:spcPct val="150000"/>
+                    </a:lnSpc>
+                  </a:pPr>
+                  <a:endParaRPr kumimoji="1" lang="en-US" altLang="ja-JP" sz="3200" dirty="0">
+                    <a:latin typeface="+mn-ea"/>
+                  </a:endParaRPr>
+                </a:p>
+                <a:p>
+                  <a:pPr>
+                    <a:lnSpc>
+                      <a:spcPct val="150000"/>
+                    </a:lnSpc>
+                  </a:pPr>
+                  <a:r>
+                    <a:rPr kumimoji="1" lang="en-US" altLang="ja-JP" sz="3200" dirty="0">
+                      <a:latin typeface="+mn-ea"/>
+                    </a:rPr>
+                    <a:t>		</a:t>
+                  </a:r>
+                  <a14:m>
+                    <m:oMath xmlns:m="http://schemas.openxmlformats.org/officeDocument/2006/math">
+                      <m:sSub>
+                        <m:sSubPr>
+                          <m:ctrlPr>
+                            <a:rPr kumimoji="1" lang="en-US" altLang="ja-JP" sz="2800" i="1" smtClean="0">
+                              <a:latin typeface="+mn-ea"/>
+                            </a:rPr>
+                          </m:ctrlPr>
+                        </m:sSubPr>
+                        <m:e>
+                          <m:r>
+                            <a:rPr kumimoji="1" lang="en-US" altLang="ja-JP" sz="2800" b="0" i="1" smtClean="0">
+                              <a:latin typeface="+mn-ea"/>
+                            </a:rPr>
+                            <m:t>𝑄</m:t>
+                          </m:r>
+                        </m:e>
+                        <m:sub>
+                          <m:r>
+                            <a:rPr kumimoji="1" lang="en-US" altLang="ja-JP" sz="2800" b="0" i="1" smtClean="0">
+                              <a:latin typeface="+mn-ea"/>
+                            </a:rPr>
+                            <m:t>𝑖𝑗</m:t>
+                          </m:r>
+                        </m:sub>
+                      </m:sSub>
+                      <m:r>
+                        <a:rPr kumimoji="1" lang="en-US" altLang="ja-JP" sz="2800" b="0" i="1" smtClean="0">
+                          <a:latin typeface="+mn-ea"/>
+                        </a:rPr>
+                        <m:t>=</m:t>
+                      </m:r>
+                      <m:sSub>
+                        <m:sSubPr>
+                          <m:ctrlPr>
+                            <a:rPr kumimoji="1" lang="el-GR" altLang="ja-JP" sz="2800" b="0" i="1" smtClean="0">
+                              <a:latin typeface="+mn-ea"/>
+                            </a:rPr>
+                          </m:ctrlPr>
+                        </m:sSubPr>
+                        <m:e>
+                          <m:r>
+                            <m:rPr>
+                              <m:sty m:val="p"/>
+                            </m:rPr>
+                            <a:rPr kumimoji="1" lang="el-GR" altLang="ja-JP" sz="2800" i="1">
+                              <a:latin typeface="+mn-ea"/>
+                            </a:rPr>
+                            <m:t>Σ</m:t>
+                          </m:r>
+                        </m:e>
+                        <m:sub>
+                          <m:r>
+                            <a:rPr kumimoji="1" lang="en-US" altLang="ja-JP" sz="2800" b="0" i="1" smtClean="0">
+                              <a:latin typeface="+mn-ea"/>
+                            </a:rPr>
+                            <m:t>𝑘</m:t>
+                          </m:r>
+                        </m:sub>
+                      </m:sSub>
+                      <m:sSub>
+                        <m:sSubPr>
+                          <m:ctrlPr>
+                            <a:rPr kumimoji="1" lang="el-GR" altLang="ja-JP" sz="2800" b="0" i="1" smtClean="0">
+                              <a:latin typeface="+mn-ea"/>
+                            </a:rPr>
+                          </m:ctrlPr>
+                        </m:sSubPr>
+                        <m:e>
+                          <m:r>
+                            <a:rPr kumimoji="1" lang="en-US" altLang="ja-JP" sz="2800" b="0" i="1" smtClean="0">
+                              <a:latin typeface="+mn-ea"/>
+                            </a:rPr>
+                            <m:t>𝑍</m:t>
+                          </m:r>
+                        </m:e>
+                        <m:sub>
+                          <m:r>
+                            <a:rPr kumimoji="1" lang="en-US" altLang="ja-JP" sz="2800" b="0" i="1" smtClean="0">
+                              <a:latin typeface="+mn-ea"/>
+                            </a:rPr>
+                            <m:t>𝑖𝑘</m:t>
+                          </m:r>
+                        </m:sub>
+                      </m:sSub>
+                      <m:sSub>
+                        <m:sSubPr>
+                          <m:ctrlPr>
+                            <a:rPr kumimoji="1" lang="el-GR" altLang="ja-JP" sz="2800" b="0" i="1" smtClean="0">
+                              <a:latin typeface="+mn-ea"/>
+                            </a:rPr>
+                          </m:ctrlPr>
+                        </m:sSubPr>
+                        <m:e>
+                          <m:r>
+                            <a:rPr kumimoji="1" lang="en-US" altLang="ja-JP" sz="2800" b="0" i="1" smtClean="0">
+                              <a:latin typeface="+mn-ea"/>
+                            </a:rPr>
+                            <m:t>𝑍</m:t>
+                          </m:r>
+                        </m:e>
+                        <m:sub>
+                          <m:r>
+                            <a:rPr kumimoji="1" lang="en-US" altLang="ja-JP" sz="2800" b="0" i="1" smtClean="0">
+                              <a:latin typeface="+mn-ea"/>
+                            </a:rPr>
+                            <m:t>𝑗𝑘</m:t>
+                          </m:r>
+                        </m:sub>
+                      </m:sSub>
+                    </m:oMath>
+                  </a14:m>
+                  <a:r>
+                    <a:rPr kumimoji="1" lang="en-US" altLang="ja-JP" sz="2800" dirty="0">
+                      <a:latin typeface="+mn-ea"/>
+                    </a:rPr>
+                    <a:t>			</a:t>
+                  </a:r>
+                  <a14:m>
+                    <m:oMath xmlns:m="http://schemas.openxmlformats.org/officeDocument/2006/math">
+                      <m:sSub>
+                        <m:sSubPr>
+                          <m:ctrlPr>
+                            <a:rPr kumimoji="1" lang="en-US" altLang="ja-JP" sz="2000" i="1" smtClean="0">
+                              <a:latin typeface="+mn-ea"/>
+                            </a:rPr>
+                          </m:ctrlPr>
+                        </m:sSubPr>
+                        <m:e>
+                          <m:r>
+                            <m:rPr>
+                              <m:sty m:val="p"/>
+                            </m:rPr>
+                            <a:rPr kumimoji="1" lang="en-US" altLang="ja-JP" sz="2000" i="1">
+                              <a:latin typeface="+mn-ea"/>
+                            </a:rPr>
+                            <m:t>Z</m:t>
+                          </m:r>
+                        </m:e>
+                        <m:sub>
+                          <m:r>
+                            <a:rPr kumimoji="1" lang="en-US" altLang="ja-JP" sz="2000" b="0" i="1" smtClean="0">
+                              <a:latin typeface="+mn-ea"/>
+                            </a:rPr>
+                            <m:t>∗</m:t>
+                          </m:r>
+                          <m:r>
+                            <a:rPr kumimoji="1" lang="en-US" altLang="ja-JP" sz="2000" b="0" i="1" smtClean="0">
+                              <a:latin typeface="+mn-ea"/>
+                            </a:rPr>
+                            <m:t>𝑘</m:t>
+                          </m:r>
+                        </m:sub>
+                      </m:sSub>
+                    </m:oMath>
+                  </a14:m>
+                  <a:r>
+                    <a:rPr kumimoji="1" lang="en-US" altLang="ja-JP" sz="2000" dirty="0">
+                      <a:latin typeface="+mn-ea"/>
+                    </a:rPr>
+                    <a:t>:</a:t>
+                  </a:r>
+                  <a:r>
+                    <a:rPr kumimoji="1" lang="ja-JP" altLang="en-US" sz="2000">
+                      <a:latin typeface="+mn-ea"/>
+                    </a:rPr>
+                    <a:t>ユーザー＊のトピック</a:t>
+                  </a:r>
+                  <a:r>
+                    <a:rPr kumimoji="1" lang="en-US" altLang="ja-JP" sz="2000" dirty="0">
+                      <a:latin typeface="+mn-ea"/>
+                    </a:rPr>
+                    <a:t>k</a:t>
+                  </a:r>
+                  <a:r>
+                    <a:rPr kumimoji="1" lang="ja-JP" altLang="en-US" sz="2000">
+                      <a:latin typeface="+mn-ea"/>
+                    </a:rPr>
+                    <a:t>に対する関心度合い</a:t>
+                  </a:r>
+                  <a:endParaRPr kumimoji="1" lang="en-US" altLang="ja-JP" sz="2800" dirty="0">
+                    <a:latin typeface="+mn-ea"/>
+                  </a:endParaRPr>
+                </a:p>
+                <a:p>
+                  <a:pPr>
+                    <a:lnSpc>
+                      <a:spcPct val="150000"/>
+                    </a:lnSpc>
+                  </a:pPr>
+                  <a:r>
+                    <a:rPr kumimoji="1" lang="en-US" altLang="ja-JP" sz="2800" dirty="0">
+                      <a:latin typeface="+mn-ea"/>
+                    </a:rPr>
+                    <a:t>		</a:t>
+                  </a:r>
+                  <a14:m>
+                    <m:oMath xmlns:m="http://schemas.openxmlformats.org/officeDocument/2006/math">
+                      <m:sSub>
+                        <m:sSubPr>
+                          <m:ctrlPr>
+                            <a:rPr kumimoji="1" lang="en-US" altLang="ja-JP" sz="2800" i="1" smtClean="0">
+                              <a:latin typeface="+mn-ea"/>
+                            </a:rPr>
+                          </m:ctrlPr>
+                        </m:sSubPr>
+                        <m:e>
+                          <m:r>
+                            <m:rPr>
+                              <m:sty m:val="p"/>
+                            </m:rPr>
+                            <a:rPr kumimoji="1" lang="en-US" altLang="ja-JP" sz="2800" i="1">
+                              <a:latin typeface="+mn-ea"/>
+                            </a:rPr>
+                            <m:t>Σ</m:t>
+                          </m:r>
+                        </m:e>
+                        <m:sub>
+                          <m:r>
+                            <a:rPr kumimoji="1" lang="en-US" altLang="ja-JP" sz="2800" b="0" i="1" smtClean="0">
+                              <a:latin typeface="+mn-ea"/>
+                            </a:rPr>
+                            <m:t>𝑙</m:t>
+                          </m:r>
+                        </m:sub>
+                      </m:sSub>
+                      <m:sSub>
+                        <m:sSubPr>
+                          <m:ctrlPr>
+                            <a:rPr kumimoji="1" lang="en-US" altLang="ja-JP" sz="2800" i="1" smtClean="0">
+                              <a:latin typeface="+mn-ea"/>
+                            </a:rPr>
+                          </m:ctrlPr>
+                        </m:sSubPr>
+                        <m:e>
+                          <m:r>
+                            <a:rPr kumimoji="1" lang="en-US" altLang="ja-JP" sz="2800" b="0" i="1" smtClean="0">
+                              <a:latin typeface="+mn-ea"/>
+                            </a:rPr>
+                            <m:t>𝑄</m:t>
+                          </m:r>
+                        </m:e>
+                        <m:sub>
+                          <m:r>
+                            <a:rPr kumimoji="1" lang="en-US" altLang="ja-JP" sz="2800" b="0" i="1" smtClean="0">
+                              <a:latin typeface="+mn-ea"/>
+                            </a:rPr>
+                            <m:t>𝑖𝑗</m:t>
+                          </m:r>
+                        </m:sub>
+                      </m:sSub>
+                      <m:sSub>
+                        <m:sSubPr>
+                          <m:ctrlPr>
+                            <a:rPr kumimoji="1" lang="en-US" altLang="ja-JP" sz="2800" i="1" smtClean="0">
+                              <a:latin typeface="+mn-ea"/>
+                            </a:rPr>
+                          </m:ctrlPr>
+                        </m:sSubPr>
+                        <m:e>
+                          <m:r>
+                            <a:rPr kumimoji="1" lang="en-US" altLang="ja-JP" sz="2800" b="0" i="1" smtClean="0">
+                              <a:latin typeface="+mn-ea"/>
+                            </a:rPr>
+                            <m:t>𝑥</m:t>
+                          </m:r>
+                        </m:e>
+                        <m:sub>
+                          <m:r>
+                            <a:rPr kumimoji="1" lang="en-US" altLang="ja-JP" sz="2800" b="0" i="1" smtClean="0">
+                              <a:latin typeface="+mn-ea"/>
+                            </a:rPr>
+                            <m:t>𝑖𝑙</m:t>
+                          </m:r>
+                        </m:sub>
+                      </m:sSub>
+                      <m:sSub>
+                        <m:sSubPr>
+                          <m:ctrlPr>
+                            <a:rPr kumimoji="1" lang="en-US" altLang="ja-JP" sz="2800" i="1" smtClean="0">
+                              <a:latin typeface="+mn-ea"/>
+                            </a:rPr>
+                          </m:ctrlPr>
+                        </m:sSubPr>
+                        <m:e>
+                          <m:r>
+                            <a:rPr kumimoji="1" lang="en-US" altLang="ja-JP" sz="2800" b="0" i="1" smtClean="0">
+                              <a:latin typeface="+mn-ea"/>
+                            </a:rPr>
+                            <m:t>𝑥</m:t>
+                          </m:r>
+                        </m:e>
+                        <m:sub>
+                          <m:r>
+                            <a:rPr kumimoji="1" lang="en-US" altLang="ja-JP" sz="2800" b="0" i="1" smtClean="0">
+                              <a:latin typeface="+mn-ea"/>
+                            </a:rPr>
+                            <m:t>𝑗𝑙</m:t>
+                          </m:r>
+                        </m:sub>
+                      </m:sSub>
+                    </m:oMath>
+                  </a14:m>
+                  <a:r>
+                    <a:rPr kumimoji="1" lang="ja-JP" altLang="en-US" sz="2800" dirty="0">
+                      <a:latin typeface="+mn-ea"/>
+                    </a:rPr>
+                    <a:t>　</a:t>
+                  </a:r>
+                  <a:r>
+                    <a:rPr kumimoji="1" lang="en-US" altLang="ja-JP" sz="2800" dirty="0">
+                      <a:latin typeface="+mn-ea"/>
+                    </a:rPr>
+                    <a:t>				</a:t>
+                  </a:r>
+                  <a14:m>
+                    <m:oMath xmlns:m="http://schemas.openxmlformats.org/officeDocument/2006/math">
+                      <m:sSub>
+                        <m:sSubPr>
+                          <m:ctrlPr>
+                            <a:rPr kumimoji="1" lang="en-US" altLang="ja-JP" sz="2000" i="1" smtClean="0">
+                              <a:latin typeface="+mn-ea"/>
+                            </a:rPr>
+                          </m:ctrlPr>
+                        </m:sSubPr>
+                        <m:e>
+                          <m:r>
+                            <a:rPr kumimoji="1" lang="en-US" altLang="ja-JP" sz="2000" b="0" i="1" smtClean="0">
+                              <a:latin typeface="+mn-ea"/>
+                            </a:rPr>
+                            <m:t>𝑥</m:t>
+                          </m:r>
+                        </m:e>
+                        <m:sub>
+                          <m:r>
+                            <a:rPr kumimoji="1" lang="en-US" altLang="ja-JP" sz="2000" b="0" i="1" smtClean="0">
+                              <a:latin typeface="+mn-ea"/>
+                            </a:rPr>
+                            <m:t>∗</m:t>
+                          </m:r>
+                          <m:r>
+                            <a:rPr kumimoji="1" lang="en-US" altLang="ja-JP" sz="2000" b="0" i="1" smtClean="0">
+                              <a:latin typeface="+mn-ea"/>
+                            </a:rPr>
+                            <m:t>𝑙</m:t>
+                          </m:r>
+                        </m:sub>
+                      </m:sSub>
+                      <m:r>
+                        <a:rPr kumimoji="1" lang="en-US" altLang="ja-JP" sz="2000" b="0" i="0" smtClean="0">
+                          <a:latin typeface="+mn-ea"/>
+                        </a:rPr>
+                        <m:t>:</m:t>
+                      </m:r>
+                    </m:oMath>
+                  </a14:m>
+                  <a:r>
+                    <a:rPr kumimoji="1" lang="ja-JP" altLang="en-US" sz="2000">
+                      <a:latin typeface="+mn-ea"/>
+                    </a:rPr>
+                    <a:t>ユーザー＊がクラス</a:t>
+                  </a:r>
+                  <a14:m>
+                    <m:oMath xmlns:m="http://schemas.openxmlformats.org/officeDocument/2006/math">
+                      <m:r>
+                        <a:rPr kumimoji="1" lang="en-US" altLang="ja-JP" sz="2000" b="0" i="1" smtClean="0">
+                          <a:latin typeface="+mn-ea"/>
+                        </a:rPr>
+                        <m:t>𝑙</m:t>
+                      </m:r>
+                    </m:oMath>
+                  </a14:m>
+                  <a:r>
+                    <a:rPr kumimoji="1" lang="ja-JP" altLang="en-US" sz="2000">
+                      <a:latin typeface="+mn-ea"/>
+                    </a:rPr>
+                    <a:t>に属する時は</a:t>
+                  </a:r>
+                  <a:r>
+                    <a:rPr kumimoji="1" lang="en-US" altLang="ja-JP" sz="2000" dirty="0">
+                      <a:latin typeface="+mn-ea"/>
+                    </a:rPr>
+                    <a:t>1,</a:t>
+                  </a:r>
+                  <a:r>
+                    <a:rPr kumimoji="1" lang="ja-JP" altLang="en-US" sz="2000">
+                      <a:latin typeface="+mn-ea"/>
+                    </a:rPr>
+                    <a:t>属さない時は</a:t>
+                  </a:r>
+                  <a:r>
+                    <a:rPr kumimoji="1" lang="en-US" altLang="ja-JP" sz="2000" dirty="0">
+                      <a:latin typeface="+mn-ea"/>
+                    </a:rPr>
+                    <a:t>0</a:t>
+                  </a:r>
+                </a:p>
+                <a:p>
+                  <a:pPr>
+                    <a:lnSpc>
+                      <a:spcPct val="150000"/>
+                    </a:lnSpc>
+                  </a:pPr>
+                  <a:r>
+                    <a:rPr kumimoji="1" lang="en-US" altLang="ja-JP" sz="2800" dirty="0">
+                      <a:latin typeface="+mn-ea"/>
+                    </a:rPr>
+                    <a:t>		</a:t>
+                  </a:r>
+                  <a14:m>
+                    <m:oMath xmlns:m="http://schemas.openxmlformats.org/officeDocument/2006/math">
+                      <m:sSub>
+                        <m:sSubPr>
+                          <m:ctrlPr>
+                            <a:rPr kumimoji="1" lang="en-US" altLang="ja-JP" sz="2800" i="1" smtClean="0">
+                              <a:latin typeface="+mn-ea"/>
+                            </a:rPr>
+                          </m:ctrlPr>
+                        </m:sSubPr>
+                        <m:e>
+                          <m:r>
+                            <m:rPr>
+                              <m:sty m:val="p"/>
+                            </m:rPr>
+                            <a:rPr kumimoji="1" lang="el-GR" altLang="ja-JP" sz="2800" i="1" smtClean="0">
+                              <a:latin typeface="+mn-ea"/>
+                            </a:rPr>
+                            <m:t>Σ</m:t>
+                          </m:r>
+                        </m:e>
+                        <m:sub>
+                          <m:r>
+                            <a:rPr kumimoji="1" lang="en-US" altLang="ja-JP" sz="2800" b="0" i="1" smtClean="0">
+                              <a:latin typeface="+mn-ea"/>
+                            </a:rPr>
+                            <m:t>𝑖</m:t>
+                          </m:r>
+                          <m:r>
+                            <a:rPr kumimoji="1" lang="en-US" altLang="ja-JP" sz="2800" b="0" i="1" smtClean="0">
+                              <a:latin typeface="+mn-ea"/>
+                            </a:rPr>
+                            <m:t>,</m:t>
+                          </m:r>
+                          <m:r>
+                            <a:rPr kumimoji="1" lang="en-US" altLang="ja-JP" sz="2800" b="0" i="1" smtClean="0">
+                              <a:latin typeface="+mn-ea"/>
+                            </a:rPr>
+                            <m:t>𝑗</m:t>
+                          </m:r>
+                        </m:sub>
+                      </m:sSub>
+                      <m:sSub>
+                        <m:sSubPr>
+                          <m:ctrlPr>
+                            <a:rPr kumimoji="1" lang="en-US" altLang="ja-JP" sz="2800" i="1">
+                              <a:latin typeface="+mn-ea"/>
+                            </a:rPr>
+                          </m:ctrlPr>
+                        </m:sSubPr>
+                        <m:e>
+                          <m:r>
+                            <m:rPr>
+                              <m:sty m:val="p"/>
+                            </m:rPr>
+                            <a:rPr kumimoji="1" lang="en-US" altLang="ja-JP" sz="2800" i="1">
+                              <a:latin typeface="+mn-ea"/>
+                            </a:rPr>
+                            <m:t>Σ</m:t>
+                          </m:r>
+                        </m:e>
+                        <m:sub>
+                          <m:r>
+                            <a:rPr kumimoji="1" lang="en-US" altLang="ja-JP" sz="2800" i="1">
+                              <a:latin typeface="+mn-ea"/>
+                            </a:rPr>
+                            <m:t>𝑙</m:t>
+                          </m:r>
+                        </m:sub>
+                      </m:sSub>
+                      <m:sSub>
+                        <m:sSubPr>
+                          <m:ctrlPr>
+                            <a:rPr kumimoji="1" lang="en-US" altLang="ja-JP" sz="2800" i="1">
+                              <a:latin typeface="+mn-ea"/>
+                            </a:rPr>
+                          </m:ctrlPr>
+                        </m:sSubPr>
+                        <m:e>
+                          <m:r>
+                            <a:rPr kumimoji="1" lang="en-US" altLang="ja-JP" sz="2800" i="1">
+                              <a:latin typeface="+mn-ea"/>
+                            </a:rPr>
+                            <m:t>𝑄</m:t>
+                          </m:r>
+                        </m:e>
+                        <m:sub>
+                          <m:r>
+                            <a:rPr kumimoji="1" lang="en-US" altLang="ja-JP" sz="2800" i="1">
+                              <a:latin typeface="+mn-ea"/>
+                            </a:rPr>
+                            <m:t>𝑖𝑗</m:t>
+                          </m:r>
+                        </m:sub>
+                      </m:sSub>
+                      <m:sSub>
+                        <m:sSubPr>
+                          <m:ctrlPr>
+                            <a:rPr kumimoji="1" lang="en-US" altLang="ja-JP" sz="2800" i="1">
+                              <a:latin typeface="+mn-ea"/>
+                            </a:rPr>
+                          </m:ctrlPr>
+                        </m:sSubPr>
+                        <m:e>
+                          <m:r>
+                            <a:rPr kumimoji="1" lang="en-US" altLang="ja-JP" sz="2800" i="1">
+                              <a:latin typeface="+mn-ea"/>
+                            </a:rPr>
+                            <m:t>𝑥</m:t>
+                          </m:r>
+                        </m:e>
+                        <m:sub>
+                          <m:r>
+                            <a:rPr kumimoji="1" lang="en-US" altLang="ja-JP" sz="2800" i="1">
+                              <a:latin typeface="+mn-ea"/>
+                            </a:rPr>
+                            <m:t>𝑖𝑙</m:t>
+                          </m:r>
+                        </m:sub>
+                      </m:sSub>
+                      <m:sSub>
+                        <m:sSubPr>
+                          <m:ctrlPr>
+                            <a:rPr kumimoji="1" lang="en-US" altLang="ja-JP" sz="2800" i="1">
+                              <a:latin typeface="+mn-ea"/>
+                            </a:rPr>
+                          </m:ctrlPr>
+                        </m:sSubPr>
+                        <m:e>
+                          <m:r>
+                            <a:rPr kumimoji="1" lang="en-US" altLang="ja-JP" sz="2800" i="1">
+                              <a:latin typeface="+mn-ea"/>
+                            </a:rPr>
+                            <m:t>𝑥</m:t>
+                          </m:r>
+                        </m:e>
+                        <m:sub>
+                          <m:r>
+                            <a:rPr kumimoji="1" lang="en-US" altLang="ja-JP" sz="2800" i="1">
+                              <a:latin typeface="+mn-ea"/>
+                            </a:rPr>
+                            <m:t>𝑗𝑙</m:t>
+                          </m:r>
+                        </m:sub>
+                      </m:sSub>
+                    </m:oMath>
+                  </a14:m>
+                  <a:r>
+                    <a:rPr kumimoji="1" lang="ja-JP" altLang="en-US" sz="2800" dirty="0">
+                      <a:latin typeface="+mn-ea"/>
+                    </a:rPr>
+                    <a:t>　</a:t>
+                  </a:r>
+                  <a:r>
+                    <a:rPr kumimoji="1" lang="en-US" altLang="ja-JP" sz="2800" dirty="0">
+                      <a:latin typeface="+mn-ea"/>
+                    </a:rPr>
+                    <a:t>			</a:t>
+                  </a:r>
+                  <a:r>
+                    <a:rPr kumimoji="1" lang="ja-JP" altLang="en-US" sz="2000">
+                      <a:latin typeface="+mn-ea"/>
+                    </a:rPr>
+                    <a:t>和が最大を取るよう</a:t>
+                  </a:r>
+                  <a14:m>
+                    <m:oMath xmlns:m="http://schemas.openxmlformats.org/officeDocument/2006/math">
+                      <m:r>
+                        <a:rPr kumimoji="1" lang="en-US" altLang="ja-JP" sz="2000" b="0" i="1" smtClean="0">
+                          <a:latin typeface="+mn-ea"/>
+                        </a:rPr>
+                        <m:t>𝑖</m:t>
+                      </m:r>
+                      <m:r>
+                        <a:rPr kumimoji="1" lang="en-US" altLang="ja-JP" sz="2000" b="0" i="1" smtClean="0">
+                          <a:latin typeface="+mn-ea"/>
+                        </a:rPr>
+                        <m:t>,</m:t>
+                      </m:r>
+                      <m:r>
+                        <a:rPr kumimoji="1" lang="en-US" altLang="ja-JP" sz="2000" b="0" i="1" smtClean="0">
+                          <a:latin typeface="+mn-ea"/>
+                        </a:rPr>
+                        <m:t>𝑗</m:t>
+                      </m:r>
+                    </m:oMath>
+                  </a14:m>
+                  <a:r>
+                    <a:rPr kumimoji="1" lang="ja-JP" altLang="en-US" sz="2000" dirty="0">
+                      <a:latin typeface="+mn-ea"/>
+                    </a:rPr>
+                    <a:t>を</a:t>
+                  </a:r>
+                  <a14:m>
+                    <m:oMath xmlns:m="http://schemas.openxmlformats.org/officeDocument/2006/math">
+                      <m:r>
+                        <a:rPr kumimoji="1" lang="en-US" altLang="ja-JP" sz="2000" b="0" i="1" dirty="0" smtClean="0">
+                          <a:latin typeface="+mn-ea"/>
+                        </a:rPr>
+                        <m:t>𝑙</m:t>
+                      </m:r>
+                    </m:oMath>
+                  </a14:m>
+                  <a:r>
+                    <a:rPr kumimoji="1" lang="ja-JP" altLang="en-US" sz="2000">
+                      <a:latin typeface="+mn-ea"/>
+                    </a:rPr>
+                    <a:t>に割り当てる</a:t>
+                  </a:r>
+                  <a:endParaRPr kumimoji="1" lang="en-US" altLang="ja-JP" sz="2800" dirty="0">
+                    <a:latin typeface="+mn-ea"/>
+                  </a:endParaRPr>
+                </a:p>
+                <a:p>
+                  <a:pPr>
+                    <a:lnSpc>
+                      <a:spcPct val="150000"/>
+                    </a:lnSpc>
+                  </a:pPr>
+                  <a:r>
+                    <a:rPr kumimoji="1" lang="en-US" altLang="ja-JP" sz="2800" dirty="0">
+                      <a:latin typeface="+mn-ea"/>
+                    </a:rPr>
+                    <a:t>		</a:t>
+                  </a:r>
+                  <a14:m>
+                    <m:oMath xmlns:m="http://schemas.openxmlformats.org/officeDocument/2006/math">
+                      <m:r>
+                        <a:rPr kumimoji="1" lang="en-US" altLang="ja-JP" sz="2800" i="1" smtClean="0">
+                          <a:latin typeface="+mn-ea"/>
+                        </a:rPr>
+                        <m:t>𝜆</m:t>
+                      </m:r>
+                      <m:sSub>
+                        <m:sSubPr>
+                          <m:ctrlPr>
+                            <a:rPr kumimoji="1" lang="en-US" altLang="ja-JP" sz="2800" i="1" smtClean="0">
+                              <a:latin typeface="+mn-ea"/>
+                            </a:rPr>
+                          </m:ctrlPr>
+                        </m:sSubPr>
+                        <m:e>
+                          <m:r>
+                            <m:rPr>
+                              <m:sty m:val="p"/>
+                            </m:rPr>
+                            <a:rPr kumimoji="1" lang="el-GR" altLang="ja-JP" sz="2800" i="1" smtClean="0">
+                              <a:latin typeface="+mn-ea"/>
+                            </a:rPr>
+                            <m:t>Σ</m:t>
+                          </m:r>
+                        </m:e>
+                        <m:sub>
+                          <m:r>
+                            <a:rPr kumimoji="1" lang="en-US" altLang="ja-JP" sz="2800" b="0" i="1" smtClean="0">
+                              <a:latin typeface="+mn-ea"/>
+                            </a:rPr>
+                            <m:t>𝑖</m:t>
+                          </m:r>
+                        </m:sub>
+                      </m:sSub>
+                      <m:sSup>
+                        <m:sSupPr>
+                          <m:ctrlPr>
+                            <a:rPr kumimoji="1" lang="en-US" altLang="ja-JP" sz="2800" i="1" smtClean="0">
+                              <a:latin typeface="+mn-ea"/>
+                            </a:rPr>
+                          </m:ctrlPr>
+                        </m:sSupPr>
+                        <m:e>
+                          <m:r>
+                            <a:rPr kumimoji="1" lang="en-US" altLang="ja-JP" sz="2800" i="1">
+                              <a:latin typeface="+mn-ea"/>
+                            </a:rPr>
+                            <m:t>(</m:t>
+                          </m:r>
+                          <m:sSub>
+                            <m:sSubPr>
+                              <m:ctrlPr>
+                                <a:rPr kumimoji="1" lang="en-US" altLang="ja-JP" sz="2800" i="1">
+                                  <a:latin typeface="+mn-ea"/>
+                                </a:rPr>
+                              </m:ctrlPr>
+                            </m:sSubPr>
+                            <m:e>
+                              <m:r>
+                                <m:rPr>
+                                  <m:sty m:val="p"/>
+                                </m:rPr>
+                                <a:rPr kumimoji="1" lang="el-GR" altLang="ja-JP" sz="2800" i="1">
+                                  <a:latin typeface="+mn-ea"/>
+                                </a:rPr>
+                                <m:t>Σ</m:t>
+                              </m:r>
+                            </m:e>
+                            <m:sub>
+                              <m:r>
+                                <a:rPr kumimoji="1" lang="en-US" altLang="ja-JP" sz="2800" i="1">
+                                  <a:latin typeface="+mn-ea"/>
+                                </a:rPr>
+                                <m:t>𝑙</m:t>
+                              </m:r>
+                            </m:sub>
+                          </m:sSub>
+                          <m:sSub>
+                            <m:sSubPr>
+                              <m:ctrlPr>
+                                <a:rPr kumimoji="1" lang="en-US" altLang="ja-JP" sz="2800" i="1">
+                                  <a:latin typeface="+mn-ea"/>
+                                </a:rPr>
+                              </m:ctrlPr>
+                            </m:sSubPr>
+                            <m:e>
+                              <m:r>
+                                <a:rPr kumimoji="1" lang="en-US" altLang="ja-JP" sz="2800" i="1">
+                                  <a:latin typeface="+mn-ea"/>
+                                </a:rPr>
+                                <m:t>𝑥</m:t>
+                              </m:r>
+                            </m:e>
+                            <m:sub>
+                              <m:r>
+                                <a:rPr kumimoji="1" lang="en-US" altLang="ja-JP" sz="2800" i="1">
+                                  <a:latin typeface="+mn-ea"/>
+                                </a:rPr>
+                                <m:t>𝑖𝑙</m:t>
+                              </m:r>
+                            </m:sub>
+                          </m:sSub>
+                          <m:r>
+                            <a:rPr kumimoji="1" lang="en-US" altLang="ja-JP" sz="2800" i="1">
+                              <a:latin typeface="+mn-ea"/>
+                            </a:rPr>
+                            <m:t>−1)</m:t>
+                          </m:r>
+                        </m:e>
+                        <m:sup>
+                          <m:r>
+                            <a:rPr kumimoji="1" lang="en-US" altLang="ja-JP" sz="2800" b="0" i="1" smtClean="0">
+                              <a:latin typeface="+mn-ea"/>
+                            </a:rPr>
+                            <m:t>2</m:t>
+                          </m:r>
+                        </m:sup>
+                      </m:sSup>
+                    </m:oMath>
+                  </a14:m>
+                  <a:r>
+                    <a:rPr kumimoji="1" lang="en-US" altLang="ja-JP" sz="2800" dirty="0">
+                      <a:latin typeface="+mn-ea"/>
+                    </a:rPr>
+                    <a:t>			</a:t>
+                  </a:r>
+                  <a:r>
+                    <a:rPr kumimoji="1" lang="ja-JP" altLang="en-US" sz="2000">
+                      <a:latin typeface="+mn-ea"/>
+                    </a:rPr>
+                    <a:t>制約条件</a:t>
+                  </a:r>
+                  <a:r>
+                    <a:rPr kumimoji="1" lang="en-US" altLang="ja-JP" sz="2000" dirty="0">
+                      <a:latin typeface="+mn-ea"/>
+                    </a:rPr>
+                    <a:t> </a:t>
+                  </a:r>
+                  <a:r>
+                    <a:rPr kumimoji="1" lang="ja-JP" altLang="en-US" sz="2000">
+                      <a:latin typeface="+mn-ea"/>
+                    </a:rPr>
+                    <a:t>全ユーザーがどこかのグループに</a:t>
+                  </a:r>
+                  <a:r>
+                    <a:rPr kumimoji="1" lang="en-US" altLang="ja-JP" sz="2000" dirty="0">
+                      <a:latin typeface="+mn-ea"/>
+                    </a:rPr>
+                    <a:t>1</a:t>
+                  </a:r>
+                  <a:r>
+                    <a:rPr kumimoji="1" lang="ja-JP" altLang="en-US" sz="2000">
+                      <a:latin typeface="+mn-ea"/>
+                    </a:rPr>
+                    <a:t>回属す</a:t>
+                  </a:r>
+                  <a:r>
+                    <a:rPr kumimoji="1" lang="en-US" altLang="ja-JP" sz="2000" dirty="0">
+                      <a:latin typeface="+mn-ea"/>
+                    </a:rPr>
+                    <a:t>(</a:t>
+                  </a:r>
+                  <a:r>
+                    <a:rPr kumimoji="1" lang="ja-JP" altLang="en-US" sz="2000">
+                      <a:latin typeface="+mn-ea"/>
+                    </a:rPr>
+                    <a:t>可能な限り</a:t>
+                  </a:r>
+                  <a:r>
+                    <a:rPr kumimoji="1" lang="en-US" altLang="ja-JP" sz="2000" dirty="0">
+                      <a:latin typeface="+mn-ea"/>
+                    </a:rPr>
+                    <a:t>)</a:t>
+                  </a:r>
+                </a:p>
+                <a:p>
+                  <a:pPr algn="ctr">
+                    <a:lnSpc>
+                      <a:spcPct val="150000"/>
+                    </a:lnSpc>
+                  </a:pPr>
+                  <a:r>
+                    <a:rPr kumimoji="1" lang="en-US" altLang="ja-JP" sz="2400" dirty="0">
+                      <a:latin typeface="+mn-ea"/>
+                    </a:rPr>
+                    <a:t>	</a:t>
+                  </a:r>
+                </a:p>
+              </p:txBody>
+            </p:sp>
+          </mc:Choice>
+          <mc:Fallback>
+            <p:sp>
+              <p:nvSpPr>
+                <p:cNvPr id="16" name="テキスト ボックス 15">
+                  <a:extLst>
+                    <a:ext uri="{FF2B5EF4-FFF2-40B4-BE49-F238E27FC236}">
+                      <a16:creationId xmlns:a16="http://schemas.microsoft.com/office/drawing/2014/main" id="{E6CCAF0C-9AE1-8C8D-4B8D-C549AE34D068}"/>
+                    </a:ext>
+                  </a:extLst>
+                </p:cNvPr>
+                <p:cNvSpPr txBox="1">
+                  <a:spLocks noRot="1" noChangeAspect="1" noMove="1" noResize="1" noEditPoints="1" noAdjustHandles="1" noChangeArrowheads="1" noChangeShapeType="1" noTextEdit="1"/>
+                </p:cNvSpPr>
+                <p:nvPr/>
+              </p:nvSpPr>
+              <p:spPr>
+                <a:xfrm>
+                  <a:off x="2892234" y="2923257"/>
+                  <a:ext cx="14481366" cy="5897127"/>
+                </a:xfrm>
+                <a:prstGeom prst="rect">
+                  <a:avLst/>
+                </a:prstGeom>
+                <a:blipFill>
+                  <a:blip r:embed="rId3"/>
+                  <a:stretch>
+                    <a:fillRect/>
+                  </a:stretch>
+                </a:blipFill>
+              </p:spPr>
+              <p:txBody>
+                <a:bodyPr/>
+                <a:lstStyle/>
+                <a:p>
+                  <a:r>
+                    <a:rPr lang="ja-JP" altLang="en-US">
+                      <a:noFill/>
+                    </a:rPr>
+                    <a:t> </a:t>
+                  </a:r>
+                </a:p>
+              </p:txBody>
+            </p:sp>
+          </mc:Fallback>
+        </mc:AlternateContent>
+        <p:sp>
+          <p:nvSpPr>
+            <p:cNvPr id="14" name="テキスト ボックス 13">
+              <a:extLst>
+                <a:ext uri="{FF2B5EF4-FFF2-40B4-BE49-F238E27FC236}">
+                  <a16:creationId xmlns:a16="http://schemas.microsoft.com/office/drawing/2014/main" id="{DF66EA36-D877-AE03-ADF7-84E65AED80B5}"/>
                 </a:ext>
               </a:extLst>
             </p:cNvPr>
@@ -12990,8 +13935,8 @@
           </p:nvSpPr>
           <p:spPr>
             <a:xfrm>
-              <a:off x="7284849" y="8201903"/>
-              <a:ext cx="1202573" cy="461665"/>
+              <a:off x="8066392" y="4702496"/>
+              <a:ext cx="1545616" cy="369332"/>
             </a:xfrm>
             <a:prstGeom prst="rect">
               <a:avLst/>
@@ -13005,121 +13950,18 @@
             <a:lstStyle/>
             <a:p>
               <a:r>
-                <a:rPr kumimoji="1" lang="en-US" altLang="ja-JP" sz="2400" b="1" dirty="0">
-                  <a:solidFill>
-                    <a:schemeClr val="tx2">
-                      <a:lumMod val="75000"/>
-                    </a:schemeClr>
-                  </a:solidFill>
-                  <a:latin typeface="Yu Gothic" panose="020B0400000000000000" pitchFamily="34" charset="-128"/>
-                  <a:ea typeface="Yu Gothic" panose="020B0400000000000000" pitchFamily="34" charset="-128"/>
-                </a:rPr>
-                <a:t>SQLite</a:t>
+                <a:rPr kumimoji="1" lang="ja-JP" altLang="en-US"/>
+                <a:t>値をより大きく</a:t>
               </a:r>
-              <a:endParaRPr kumimoji="1" lang="ja-JP" altLang="en-US" sz="2400" b="1">
-                <a:solidFill>
-                  <a:schemeClr val="tx2">
-                    <a:lumMod val="75000"/>
-                  </a:schemeClr>
-                </a:solidFill>
-                <a:latin typeface="Yu Gothic" panose="020B0400000000000000" pitchFamily="34" charset="-128"/>
-                <a:ea typeface="Yu Gothic" panose="020B0400000000000000" pitchFamily="34" charset="-128"/>
-              </a:endParaRPr>
-            </a:p>
-          </p:txBody>
-        </p:sp>
-      </p:grpSp>
-      <p:grpSp>
-        <p:nvGrpSpPr>
-          <p:cNvPr id="18" name="グループ化 17">
-            <a:extLst>
-              <a:ext uri="{FF2B5EF4-FFF2-40B4-BE49-F238E27FC236}">
-                <a16:creationId xmlns:a16="http://schemas.microsoft.com/office/drawing/2014/main" id="{17DA34DF-146F-C9A0-E9B7-8ED419B0DB69}"/>
-              </a:ext>
-            </a:extLst>
-          </p:cNvPr>
-          <p:cNvGrpSpPr/>
-          <p:nvPr/>
-        </p:nvGrpSpPr>
-        <p:grpSpPr>
-          <a:xfrm>
-            <a:off x="1170950" y="2884197"/>
-            <a:ext cx="2113079" cy="2604998"/>
-            <a:chOff x="2728937" y="6122140"/>
-            <a:chExt cx="2113079" cy="2604998"/>
-          </a:xfrm>
-        </p:grpSpPr>
-        <p:sp>
-          <p:nvSpPr>
-            <p:cNvPr id="19" name="Freeform 7">
-              <a:extLst>
-                <a:ext uri="{FF2B5EF4-FFF2-40B4-BE49-F238E27FC236}">
-                  <a16:creationId xmlns:a16="http://schemas.microsoft.com/office/drawing/2014/main" id="{A2215DF6-67D0-F733-98B0-99DF11F5726C}"/>
-                </a:ext>
-              </a:extLst>
-            </p:cNvPr>
-            <p:cNvSpPr/>
-            <p:nvPr/>
-          </p:nvSpPr>
-          <p:spPr>
-            <a:xfrm>
-              <a:off x="2874802" y="6122140"/>
-              <a:ext cx="1821353" cy="1498063"/>
-            </a:xfrm>
-            <a:custGeom>
-              <a:avLst/>
-              <a:gdLst/>
-              <a:ahLst/>
-              <a:cxnLst/>
-              <a:rect l="l" t="t" r="r" b="b"/>
-              <a:pathLst>
-                <a:path w="1821353" h="1498063">
-                  <a:moveTo>
-                    <a:pt x="0" y="0"/>
-                  </a:moveTo>
-                  <a:lnTo>
-                    <a:pt x="1821353" y="0"/>
-                  </a:lnTo>
-                  <a:lnTo>
-                    <a:pt x="1821353" y="1498063"/>
-                  </a:lnTo>
-                  <a:lnTo>
-                    <a:pt x="0" y="1498063"/>
-                  </a:lnTo>
-                  <a:lnTo>
-                    <a:pt x="0" y="0"/>
-                  </a:lnTo>
-                  <a:close/>
-                </a:path>
-              </a:pathLst>
-            </a:custGeom>
-            <a:blipFill>
-              <a:blip r:embed="rId5">
-                <a:extLst>
-                  <a:ext uri="{96DAC541-7B7A-43D3-8B79-37D633B846F1}">
-                    <asvg:svgBlip xmlns:asvg="http://schemas.microsoft.com/office/drawing/2016/SVG/main" r:embed="rId6"/>
-                  </a:ext>
-                </a:extLst>
-              </a:blip>
-              <a:stretch>
-                <a:fillRect/>
-              </a:stretch>
-            </a:blipFill>
-          </p:spPr>
-          <p:txBody>
-            <a:bodyPr/>
-            <a:lstStyle/>
-            <a:p>
-              <a:endParaRPr lang="ja-JP" altLang="en-US"/>
             </a:p>
           </p:txBody>
         </p:sp>
         <p:sp>
           <p:nvSpPr>
-            <p:cNvPr id="20" name="テキスト ボックス 19">
+            <p:cNvPr id="15" name="テキスト ボックス 14">
               <a:extLst>
                 <a:ext uri="{FF2B5EF4-FFF2-40B4-BE49-F238E27FC236}">
-                  <a16:creationId xmlns:a16="http://schemas.microsoft.com/office/drawing/2014/main" id="{26F4537C-5863-7DFA-7264-89E965F64122}"/>
+                  <a16:creationId xmlns:a16="http://schemas.microsoft.com/office/drawing/2014/main" id="{145CF545-678C-73DC-3BF1-025879D17343}"/>
                 </a:ext>
               </a:extLst>
             </p:cNvPr>
@@ -13128,8 +13970,8 @@
           </p:nvSpPr>
           <p:spPr>
             <a:xfrm>
-              <a:off x="2728937" y="7773031"/>
-              <a:ext cx="2113079" cy="954107"/>
+              <a:off x="11428810" y="4702496"/>
+              <a:ext cx="1526380" cy="369332"/>
             </a:xfrm>
             <a:prstGeom prst="rect">
               <a:avLst/>
@@ -13142,85 +13984,1598 @@
             </a:bodyPr>
             <a:lstStyle/>
             <a:p>
-              <a:pPr algn="ctr"/>
               <a:r>
-                <a:rPr kumimoji="1" lang="ja-JP" altLang="en-US" sz="2400" b="1">
-                  <a:solidFill>
-                    <a:schemeClr val="tx2">
-                      <a:lumMod val="75000"/>
-                    </a:schemeClr>
-                  </a:solidFill>
-                  <a:latin typeface="Yu Gothic" panose="020B0400000000000000" pitchFamily="34" charset="-128"/>
-                  <a:ea typeface="Yu Gothic" panose="020B0400000000000000" pitchFamily="34" charset="-128"/>
-                </a:rPr>
-                <a:t>分析</a:t>
-              </a:r>
-              <a:endParaRPr kumimoji="1" lang="en-US" altLang="ja-JP" sz="2400" b="1" dirty="0">
-                <a:solidFill>
-                  <a:schemeClr val="tx2">
-                    <a:lumMod val="75000"/>
-                  </a:schemeClr>
-                </a:solidFill>
-                <a:latin typeface="Yu Gothic" panose="020B0400000000000000" pitchFamily="34" charset="-128"/>
-                <a:ea typeface="Yu Gothic" panose="020B0400000000000000" pitchFamily="34" charset="-128"/>
-              </a:endParaRPr>
-            </a:p>
-            <a:p>
-              <a:pPr algn="ctr"/>
-              <a:r>
-                <a:rPr kumimoji="1" lang="en-US" altLang="ja-JP" sz="1600" b="1" dirty="0">
-                  <a:solidFill>
-                    <a:schemeClr val="tx2">
-                      <a:lumMod val="75000"/>
-                    </a:schemeClr>
-                  </a:solidFill>
-                  <a:latin typeface="Yu Gothic" panose="020B0400000000000000" pitchFamily="34" charset="-128"/>
-                  <a:ea typeface="Yu Gothic" panose="020B0400000000000000" pitchFamily="34" charset="-128"/>
-                </a:rPr>
-                <a:t>Zero-shot-learning</a:t>
-              </a:r>
-            </a:p>
-            <a:p>
-              <a:pPr algn="ctr"/>
-              <a:r>
-                <a:rPr kumimoji="1" lang="ja-JP" altLang="en-US" sz="1600" b="1">
-                  <a:solidFill>
-                    <a:schemeClr val="tx2">
-                      <a:lumMod val="75000"/>
-                    </a:schemeClr>
-                  </a:solidFill>
-                  <a:latin typeface="Yu Gothic" panose="020B0400000000000000" pitchFamily="34" charset="-128"/>
-                  <a:ea typeface="Yu Gothic" panose="020B0400000000000000" pitchFamily="34" charset="-128"/>
-                </a:rPr>
-                <a:t>マッチングシステム</a:t>
+                <a:rPr kumimoji="1" lang="ja-JP" altLang="en-US"/>
+                <a:t>値をより小さく</a:t>
               </a:r>
             </a:p>
           </p:txBody>
         </p:sp>
       </p:grpSp>
+      <p:sp>
+        <p:nvSpPr>
+          <p:cNvPr id="18" name="テキスト ボックス 17">
+            <a:extLst>
+              <a:ext uri="{FF2B5EF4-FFF2-40B4-BE49-F238E27FC236}">
+                <a16:creationId xmlns:a16="http://schemas.microsoft.com/office/drawing/2014/main" id="{2DEACBBE-0F6C-632D-712E-6413062410A1}"/>
+              </a:ext>
+            </a:extLst>
+          </p:cNvPr>
+          <p:cNvSpPr txBox="1"/>
+          <p:nvPr/>
+        </p:nvSpPr>
+        <p:spPr>
+          <a:xfrm>
+            <a:off x="2949343" y="2491549"/>
+            <a:ext cx="11353800" cy="523220"/>
+          </a:xfrm>
+          <a:prstGeom prst="rect">
+            <a:avLst/>
+          </a:prstGeom>
+          <a:noFill/>
+        </p:spPr>
+        <p:txBody>
+          <a:bodyPr wrap="square">
+            <a:spAutoFit/>
+          </a:bodyPr>
+          <a:lstStyle/>
+          <a:p>
+            <a:r>
+              <a:rPr kumimoji="1" lang="en-US" altLang="ja-JP" sz="2800" b="1" dirty="0">
+                <a:solidFill>
+                  <a:srgbClr val="C00000"/>
+                </a:solidFill>
+                <a:latin typeface="Yu Gothic" panose="020B0400000000000000" pitchFamily="34" charset="-128"/>
+                <a:ea typeface="Yu Gothic" panose="020B0400000000000000" pitchFamily="34" charset="-128"/>
+              </a:rPr>
+              <a:t>QUBO</a:t>
+            </a:r>
+            <a:r>
+              <a:rPr kumimoji="1" lang="en-US" altLang="ja-JP" sz="1800" b="1" dirty="0">
+                <a:solidFill>
+                  <a:srgbClr val="C00000"/>
+                </a:solidFill>
+                <a:latin typeface="Yu Gothic" panose="020B0400000000000000" pitchFamily="34" charset="-128"/>
+                <a:ea typeface="Yu Gothic" panose="020B0400000000000000" pitchFamily="34" charset="-128"/>
+              </a:rPr>
+              <a:t>(=Quadratic Unconstrained Binary Optimization)</a:t>
+            </a:r>
+            <a:r>
+              <a:rPr kumimoji="1" lang="ja-JP" altLang="en-US" sz="2800" b="1">
+                <a:solidFill>
+                  <a:srgbClr val="C00000"/>
+                </a:solidFill>
+                <a:latin typeface="Yu Gothic" panose="020B0400000000000000" pitchFamily="34" charset="-128"/>
+                <a:ea typeface="Yu Gothic" panose="020B0400000000000000" pitchFamily="34" charset="-128"/>
+              </a:rPr>
+              <a:t>で組み合わせ最適化</a:t>
+            </a:r>
+            <a:endParaRPr kumimoji="1" lang="en-US" altLang="ja-JP" sz="2800" b="1" dirty="0">
+              <a:solidFill>
+                <a:srgbClr val="C00000"/>
+              </a:solidFill>
+              <a:latin typeface="Yu Gothic" panose="020B0400000000000000" pitchFamily="34" charset="-128"/>
+              <a:ea typeface="Yu Gothic" panose="020B0400000000000000" pitchFamily="34" charset="-128"/>
+            </a:endParaRPr>
+          </a:p>
+        </p:txBody>
+      </p:sp>
+    </p:spTree>
+    <p:extLst>
+      <p:ext uri="{BB962C8B-B14F-4D97-AF65-F5344CB8AC3E}">
+        <p14:creationId xmlns:p14="http://schemas.microsoft.com/office/powerpoint/2010/main" val="2694071503"/>
+      </p:ext>
+    </p:extLst>
+  </p:cSld>
+  <p:clrMapOvr>
+    <a:masterClrMapping/>
+  </p:clrMapOvr>
+</p:sld>
+</file>
+
+<file path=ppt/slides/slide6.xml><?xml version="1.0" encoding="utf-8"?>
+<p:sld xmlns:a="http://schemas.openxmlformats.org/drawingml/2006/main" xmlns:r="http://schemas.openxmlformats.org/officeDocument/2006/relationships" xmlns:p="http://schemas.openxmlformats.org/presentationml/2006/main">
+  <p:cSld>
+    <p:spTree>
+      <p:nvGrpSpPr>
+        <p:cNvPr id="1" name="">
+          <a:extLst>
+            <a:ext uri="{FF2B5EF4-FFF2-40B4-BE49-F238E27FC236}">
+              <a16:creationId xmlns:a16="http://schemas.microsoft.com/office/drawing/2014/main" id="{FD5891FF-5866-6299-6DDD-D720216644C9}"/>
+            </a:ext>
+          </a:extLst>
+        </p:cNvPr>
+        <p:cNvGrpSpPr/>
+        <p:nvPr/>
+      </p:nvGrpSpPr>
+      <p:grpSpPr>
+        <a:xfrm>
+          <a:off x="0" y="0"/>
+          <a:ext cx="0" cy="0"/>
+          <a:chOff x="0" y="0"/>
+          <a:chExt cx="0" cy="0"/>
+        </a:xfrm>
+      </p:grpSpPr>
+      <p:sp>
+        <p:nvSpPr>
+          <p:cNvPr id="2" name="AutoShape 2">
+            <a:extLst>
+              <a:ext uri="{FF2B5EF4-FFF2-40B4-BE49-F238E27FC236}">
+                <a16:creationId xmlns:a16="http://schemas.microsoft.com/office/drawing/2014/main" id="{BD6C82D5-8C5C-20A4-6DE0-2BFE8EC7643C}"/>
+              </a:ext>
+            </a:extLst>
+          </p:cNvPr>
+          <p:cNvSpPr/>
+          <p:nvPr/>
+        </p:nvSpPr>
+        <p:spPr>
+          <a:xfrm>
+            <a:off x="857250" y="2361305"/>
+            <a:ext cx="16573500" cy="0"/>
+          </a:xfrm>
+          <a:prstGeom prst="line">
+            <a:avLst/>
+          </a:prstGeom>
+          <a:ln w="19050" cap="flat">
+            <a:solidFill>
+              <a:srgbClr val="1B1B1B"/>
+            </a:solidFill>
+            <a:prstDash val="solid"/>
+            <a:headEnd type="none" w="sm" len="sm"/>
+            <a:tailEnd type="none" w="sm" len="sm"/>
+          </a:ln>
+        </p:spPr>
+        <p:txBody>
+          <a:bodyPr/>
+          <a:lstStyle/>
+          <a:p>
+            <a:endParaRPr lang="ja-JP" altLang="en-US">
+              <a:latin typeface="Yu Gothic" panose="020B0400000000000000" pitchFamily="34" charset="-128"/>
+              <a:ea typeface="Yu Gothic" panose="020B0400000000000000" pitchFamily="34" charset="-128"/>
+            </a:endParaRPr>
+          </a:p>
+        </p:txBody>
+      </p:sp>
+      <p:sp>
+        <p:nvSpPr>
+          <p:cNvPr id="3" name="AutoShape 3">
+            <a:extLst>
+              <a:ext uri="{FF2B5EF4-FFF2-40B4-BE49-F238E27FC236}">
+                <a16:creationId xmlns:a16="http://schemas.microsoft.com/office/drawing/2014/main" id="{A7452E47-124A-D5F0-CE1C-0366DD0D5EA0}"/>
+              </a:ext>
+            </a:extLst>
+          </p:cNvPr>
+          <p:cNvSpPr/>
+          <p:nvPr/>
+        </p:nvSpPr>
+        <p:spPr>
+          <a:xfrm>
+            <a:off x="857250" y="1047750"/>
+            <a:ext cx="16573459" cy="0"/>
+          </a:xfrm>
+          <a:prstGeom prst="line">
+            <a:avLst/>
+          </a:prstGeom>
+          <a:ln w="19050" cap="flat">
+            <a:solidFill>
+              <a:srgbClr val="1B1B1B"/>
+            </a:solidFill>
+            <a:prstDash val="solid"/>
+            <a:headEnd type="none" w="sm" len="sm"/>
+            <a:tailEnd type="none" w="sm" len="sm"/>
+          </a:ln>
+        </p:spPr>
+        <p:txBody>
+          <a:bodyPr/>
+          <a:lstStyle/>
+          <a:p>
+            <a:endParaRPr lang="ja-JP" altLang="en-US">
+              <a:latin typeface="Yu Gothic" panose="020B0400000000000000" pitchFamily="34" charset="-128"/>
+              <a:ea typeface="Yu Gothic" panose="020B0400000000000000" pitchFamily="34" charset="-128"/>
+            </a:endParaRPr>
+          </a:p>
+        </p:txBody>
+      </p:sp>
+      <p:sp>
+        <p:nvSpPr>
+          <p:cNvPr id="4" name="AutoShape 4">
+            <a:extLst>
+              <a:ext uri="{FF2B5EF4-FFF2-40B4-BE49-F238E27FC236}">
+                <a16:creationId xmlns:a16="http://schemas.microsoft.com/office/drawing/2014/main" id="{BE931CFB-B526-B416-6C43-8A9D95FEE0BC}"/>
+              </a:ext>
+            </a:extLst>
+          </p:cNvPr>
+          <p:cNvSpPr/>
+          <p:nvPr/>
+        </p:nvSpPr>
+        <p:spPr>
+          <a:xfrm flipV="1">
+            <a:off x="856856" y="904405"/>
+            <a:ext cx="16574288" cy="0"/>
+          </a:xfrm>
+          <a:prstGeom prst="line">
+            <a:avLst/>
+          </a:prstGeom>
+          <a:ln w="57150" cap="flat">
+            <a:solidFill>
+              <a:srgbClr val="1B1B1B"/>
+            </a:solidFill>
+            <a:prstDash val="solid"/>
+            <a:headEnd type="none" w="sm" len="sm"/>
+            <a:tailEnd type="none" w="sm" len="sm"/>
+          </a:ln>
+        </p:spPr>
+        <p:txBody>
+          <a:bodyPr/>
+          <a:lstStyle/>
+          <a:p>
+            <a:endParaRPr lang="ja-JP" altLang="en-US">
+              <a:latin typeface="Yu Gothic" panose="020B0400000000000000" pitchFamily="34" charset="-128"/>
+              <a:ea typeface="Yu Gothic" panose="020B0400000000000000" pitchFamily="34" charset="-128"/>
+            </a:endParaRPr>
+          </a:p>
+        </p:txBody>
+      </p:sp>
+      <p:sp>
+        <p:nvSpPr>
+          <p:cNvPr id="5" name="AutoShape 5">
+            <a:extLst>
+              <a:ext uri="{FF2B5EF4-FFF2-40B4-BE49-F238E27FC236}">
+                <a16:creationId xmlns:a16="http://schemas.microsoft.com/office/drawing/2014/main" id="{137934B2-67B4-2D33-DB69-1E7DE3EB3159}"/>
+              </a:ext>
+            </a:extLst>
+          </p:cNvPr>
+          <p:cNvSpPr/>
+          <p:nvPr/>
+        </p:nvSpPr>
+        <p:spPr>
+          <a:xfrm>
+            <a:off x="857250" y="9382595"/>
+            <a:ext cx="16573500" cy="0"/>
+          </a:xfrm>
+          <a:prstGeom prst="line">
+            <a:avLst/>
+          </a:prstGeom>
+          <a:ln w="57150" cap="flat">
+            <a:solidFill>
+              <a:srgbClr val="1B1B1B"/>
+            </a:solidFill>
+            <a:prstDash val="solid"/>
+            <a:headEnd type="none" w="sm" len="sm"/>
+            <a:tailEnd type="none" w="sm" len="sm"/>
+          </a:ln>
+        </p:spPr>
+        <p:txBody>
+          <a:bodyPr/>
+          <a:lstStyle/>
+          <a:p>
+            <a:endParaRPr lang="ja-JP" altLang="en-US">
+              <a:latin typeface="Yu Gothic" panose="020B0400000000000000" pitchFamily="34" charset="-128"/>
+              <a:ea typeface="Yu Gothic" panose="020B0400000000000000" pitchFamily="34" charset="-128"/>
+            </a:endParaRPr>
+          </a:p>
+        </p:txBody>
+      </p:sp>
+      <p:sp>
+        <p:nvSpPr>
+          <p:cNvPr id="6" name="AutoShape 6">
+            <a:extLst>
+              <a:ext uri="{FF2B5EF4-FFF2-40B4-BE49-F238E27FC236}">
+                <a16:creationId xmlns:a16="http://schemas.microsoft.com/office/drawing/2014/main" id="{56F18E94-4A95-1434-5FD9-91C9244C99C5}"/>
+              </a:ext>
+            </a:extLst>
+          </p:cNvPr>
+          <p:cNvSpPr/>
+          <p:nvPr/>
+        </p:nvSpPr>
+        <p:spPr>
+          <a:xfrm>
+            <a:off x="857250" y="9239250"/>
+            <a:ext cx="16573500" cy="0"/>
+          </a:xfrm>
+          <a:prstGeom prst="line">
+            <a:avLst/>
+          </a:prstGeom>
+          <a:ln w="19050" cap="flat">
+            <a:solidFill>
+              <a:srgbClr val="1B1B1B"/>
+            </a:solidFill>
+            <a:prstDash val="solid"/>
+            <a:headEnd type="none" w="sm" len="sm"/>
+            <a:tailEnd type="none" w="sm" len="sm"/>
+          </a:ln>
+        </p:spPr>
+        <p:txBody>
+          <a:bodyPr/>
+          <a:lstStyle/>
+          <a:p>
+            <a:endParaRPr lang="ja-JP" altLang="en-US">
+              <a:latin typeface="Yu Gothic" panose="020B0400000000000000" pitchFamily="34" charset="-128"/>
+              <a:ea typeface="Yu Gothic" panose="020B0400000000000000" pitchFamily="34" charset="-128"/>
+            </a:endParaRPr>
+          </a:p>
+        </p:txBody>
+      </p:sp>
+      <p:grpSp>
+        <p:nvGrpSpPr>
+          <p:cNvPr id="7" name="Group 7">
+            <a:extLst>
+              <a:ext uri="{FF2B5EF4-FFF2-40B4-BE49-F238E27FC236}">
+                <a16:creationId xmlns:a16="http://schemas.microsoft.com/office/drawing/2014/main" id="{FA1F6B92-0446-59D0-CF7B-26E7C664BB01}"/>
+              </a:ext>
+            </a:extLst>
+          </p:cNvPr>
+          <p:cNvGrpSpPr/>
+          <p:nvPr/>
+        </p:nvGrpSpPr>
+        <p:grpSpPr>
+          <a:xfrm>
+            <a:off x="1282599" y="650625"/>
+            <a:ext cx="1213487" cy="1720205"/>
+            <a:chOff x="0" y="0"/>
+            <a:chExt cx="319601" cy="453058"/>
+          </a:xfrm>
+        </p:grpSpPr>
+        <p:sp>
+          <p:nvSpPr>
+            <p:cNvPr id="8" name="Freeform 8">
+              <a:extLst>
+                <a:ext uri="{FF2B5EF4-FFF2-40B4-BE49-F238E27FC236}">
+                  <a16:creationId xmlns:a16="http://schemas.microsoft.com/office/drawing/2014/main" id="{6895D817-783A-134A-FF98-2414D9C20E69}"/>
+                </a:ext>
+              </a:extLst>
+            </p:cNvPr>
+            <p:cNvSpPr/>
+            <p:nvPr/>
+          </p:nvSpPr>
+          <p:spPr>
+            <a:xfrm>
+              <a:off x="0" y="0"/>
+              <a:ext cx="319601" cy="453058"/>
+            </a:xfrm>
+            <a:custGeom>
+              <a:avLst/>
+              <a:gdLst/>
+              <a:ahLst/>
+              <a:cxnLst/>
+              <a:rect l="l" t="t" r="r" b="b"/>
+              <a:pathLst>
+                <a:path w="319601" h="453058">
+                  <a:moveTo>
+                    <a:pt x="0" y="0"/>
+                  </a:moveTo>
+                  <a:lnTo>
+                    <a:pt x="319601" y="0"/>
+                  </a:lnTo>
+                  <a:lnTo>
+                    <a:pt x="319601" y="453058"/>
+                  </a:lnTo>
+                  <a:lnTo>
+                    <a:pt x="0" y="453058"/>
+                  </a:lnTo>
+                  <a:close/>
+                </a:path>
+              </a:pathLst>
+            </a:custGeom>
+            <a:solidFill>
+              <a:srgbClr val="1B1B1B"/>
+            </a:solidFill>
+          </p:spPr>
+          <p:txBody>
+            <a:bodyPr/>
+            <a:lstStyle/>
+            <a:p>
+              <a:endParaRPr lang="ja-JP" altLang="en-US">
+                <a:latin typeface="Yu Gothic" panose="020B0400000000000000" pitchFamily="34" charset="-128"/>
+                <a:ea typeface="Yu Gothic" panose="020B0400000000000000" pitchFamily="34" charset="-128"/>
+              </a:endParaRPr>
+            </a:p>
+          </p:txBody>
+        </p:sp>
+        <p:sp>
+          <p:nvSpPr>
+            <p:cNvPr id="9" name="TextBox 9">
+              <a:extLst>
+                <a:ext uri="{FF2B5EF4-FFF2-40B4-BE49-F238E27FC236}">
+                  <a16:creationId xmlns:a16="http://schemas.microsoft.com/office/drawing/2014/main" id="{BA81D070-1858-B24C-F7DC-4D675B0E4FDA}"/>
+                </a:ext>
+              </a:extLst>
+            </p:cNvPr>
+            <p:cNvSpPr txBox="1"/>
+            <p:nvPr/>
+          </p:nvSpPr>
+          <p:spPr>
+            <a:xfrm>
+              <a:off x="0" y="-47625"/>
+              <a:ext cx="319601" cy="500683"/>
+            </a:xfrm>
+            <a:prstGeom prst="rect">
+              <a:avLst/>
+            </a:prstGeom>
+          </p:spPr>
+          <p:txBody>
+            <a:bodyPr lIns="50800" tIns="50800" rIns="50800" bIns="50800" rtlCol="0" anchor="ctr"/>
+            <a:lstStyle/>
+            <a:p>
+              <a:pPr algn="ctr">
+                <a:lnSpc>
+                  <a:spcPts val="3359"/>
+                </a:lnSpc>
+              </a:pPr>
+              <a:endParaRPr>
+                <a:latin typeface="Yu Gothic" panose="020B0400000000000000" pitchFamily="34" charset="-128"/>
+                <a:ea typeface="Yu Gothic" panose="020B0400000000000000" pitchFamily="34" charset="-128"/>
+              </a:endParaRPr>
+            </a:p>
+          </p:txBody>
+        </p:sp>
+      </p:grpSp>
+      <p:sp>
+        <p:nvSpPr>
+          <p:cNvPr id="12" name="TextBox 12">
+            <a:extLst>
+              <a:ext uri="{FF2B5EF4-FFF2-40B4-BE49-F238E27FC236}">
+                <a16:creationId xmlns:a16="http://schemas.microsoft.com/office/drawing/2014/main" id="{B1824D78-0DD3-2CFA-FF91-AFC0713ED34C}"/>
+              </a:ext>
+            </a:extLst>
+          </p:cNvPr>
+          <p:cNvSpPr txBox="1"/>
+          <p:nvPr/>
+        </p:nvSpPr>
+        <p:spPr>
+          <a:xfrm>
+            <a:off x="2949343" y="1371153"/>
+            <a:ext cx="14309957" cy="596317"/>
+          </a:xfrm>
+          <a:prstGeom prst="rect">
+            <a:avLst/>
+          </a:prstGeom>
+        </p:spPr>
+        <p:txBody>
+          <a:bodyPr lIns="0" tIns="0" rIns="0" bIns="0" rtlCol="0" anchor="t">
+            <a:spAutoFit/>
+          </a:bodyPr>
+          <a:lstStyle/>
+          <a:p>
+            <a:pPr algn="l">
+              <a:lnSpc>
+                <a:spcPts val="4900"/>
+              </a:lnSpc>
+            </a:pPr>
+            <a:r>
+              <a:rPr lang="ja-JP" altLang="en-US" sz="3500" b="1" spc="175">
+                <a:solidFill>
+                  <a:srgbClr val="1B1B1B"/>
+                </a:solidFill>
+                <a:latin typeface="Yu Gothic" panose="020B0400000000000000" pitchFamily="34" charset="-128"/>
+                <a:ea typeface="Yu Gothic" panose="020B0400000000000000" pitchFamily="34" charset="-128"/>
+                <a:cs typeface="Noto Sans JP Heavy"/>
+                <a:sym typeface="Noto Sans JP Heavy"/>
+              </a:rPr>
+              <a:t>ユーザーアクション</a:t>
+            </a:r>
+            <a:r>
+              <a:rPr lang="en-US" altLang="ja-JP" sz="3500" b="1" spc="175" dirty="0">
+                <a:solidFill>
+                  <a:srgbClr val="1B1B1B"/>
+                </a:solidFill>
+                <a:latin typeface="Yu Gothic" panose="020B0400000000000000" pitchFamily="34" charset="-128"/>
+                <a:ea typeface="Yu Gothic" panose="020B0400000000000000" pitchFamily="34" charset="-128"/>
+                <a:cs typeface="Noto Sans JP Heavy"/>
+                <a:sym typeface="Noto Sans JP Heavy"/>
+              </a:rPr>
+              <a:t> – </a:t>
+            </a:r>
+            <a:r>
+              <a:rPr lang="ja-JP" altLang="en-US" sz="3500" b="1" spc="175">
+                <a:solidFill>
+                  <a:srgbClr val="1B1B1B"/>
+                </a:solidFill>
+                <a:latin typeface="Yu Gothic" panose="020B0400000000000000" pitchFamily="34" charset="-128"/>
+                <a:ea typeface="Yu Gothic" panose="020B0400000000000000" pitchFamily="34" charset="-128"/>
+                <a:cs typeface="Noto Sans JP Heavy"/>
+                <a:sym typeface="Noto Sans JP Heavy"/>
+              </a:rPr>
+              <a:t>アカウント作成・ログイン</a:t>
+            </a:r>
+            <a:endParaRPr lang="en-US" sz="3500" b="1" spc="175" dirty="0">
+              <a:solidFill>
+                <a:srgbClr val="1B1B1B"/>
+              </a:solidFill>
+              <a:latin typeface="Yu Gothic" panose="020B0400000000000000" pitchFamily="34" charset="-128"/>
+              <a:ea typeface="Yu Gothic" panose="020B0400000000000000" pitchFamily="34" charset="-128"/>
+              <a:cs typeface="Noto Sans JP Heavy"/>
+              <a:sym typeface="Noto Sans JP Heavy"/>
+            </a:endParaRPr>
+          </a:p>
+        </p:txBody>
+      </p:sp>
+      <p:sp>
+        <p:nvSpPr>
+          <p:cNvPr id="13" name="TextBox 13">
+            <a:extLst>
+              <a:ext uri="{FF2B5EF4-FFF2-40B4-BE49-F238E27FC236}">
+                <a16:creationId xmlns:a16="http://schemas.microsoft.com/office/drawing/2014/main" id="{70AF47E0-22D5-F1D7-AE25-77F145284C4F}"/>
+              </a:ext>
+            </a:extLst>
+          </p:cNvPr>
+          <p:cNvSpPr txBox="1"/>
+          <p:nvPr/>
+        </p:nvSpPr>
+        <p:spPr>
+          <a:xfrm>
+            <a:off x="1461953" y="1228278"/>
+            <a:ext cx="854779" cy="733425"/>
+          </a:xfrm>
+          <a:prstGeom prst="rect">
+            <a:avLst/>
+          </a:prstGeom>
+        </p:spPr>
+        <p:txBody>
+          <a:bodyPr lIns="0" tIns="0" rIns="0" bIns="0" rtlCol="0" anchor="t">
+            <a:spAutoFit/>
+          </a:bodyPr>
+          <a:lstStyle/>
+          <a:p>
+            <a:pPr marL="0" lvl="0" indent="0" algn="ctr">
+              <a:lnSpc>
+                <a:spcPts val="6300"/>
+              </a:lnSpc>
+              <a:spcBef>
+                <a:spcPct val="0"/>
+              </a:spcBef>
+            </a:pPr>
+            <a:r>
+              <a:rPr lang="en-US" sz="3500" b="1" u="none" strike="noStrike" dirty="0">
+                <a:solidFill>
+                  <a:srgbClr val="FAFAFA"/>
+                </a:solidFill>
+                <a:latin typeface="Yu Gothic" panose="020B0400000000000000" pitchFamily="34" charset="-128"/>
+                <a:ea typeface="Yu Gothic" panose="020B0400000000000000" pitchFamily="34" charset="-128"/>
+                <a:cs typeface="Open Sans Bold"/>
+                <a:sym typeface="Open Sans Bold"/>
+              </a:rPr>
+              <a:t>04</a:t>
+            </a:r>
+          </a:p>
+        </p:txBody>
+      </p:sp>
+      <p:sp>
+        <p:nvSpPr>
+          <p:cNvPr id="47" name="右矢印 46">
+            <a:extLst>
+              <a:ext uri="{FF2B5EF4-FFF2-40B4-BE49-F238E27FC236}">
+                <a16:creationId xmlns:a16="http://schemas.microsoft.com/office/drawing/2014/main" id="{331266CA-75C3-4838-C9DD-CBCE2F48091E}"/>
+              </a:ext>
+            </a:extLst>
+          </p:cNvPr>
+          <p:cNvSpPr/>
+          <p:nvPr/>
+        </p:nvSpPr>
+        <p:spPr>
+          <a:xfrm>
+            <a:off x="6687436" y="4013338"/>
+            <a:ext cx="6237398" cy="1393104"/>
+          </a:xfrm>
+          <a:prstGeom prst="rightArrow">
+            <a:avLst>
+              <a:gd name="adj1" fmla="val 50000"/>
+              <a:gd name="adj2" fmla="val 44620"/>
+            </a:avLst>
+          </a:prstGeom>
+          <a:solidFill>
+            <a:srgbClr val="C0D8C3"/>
+          </a:solidFill>
+          <a:ln>
+            <a:solidFill>
+              <a:schemeClr val="accent3">
+                <a:lumMod val="50000"/>
+              </a:schemeClr>
+            </a:solidFill>
+          </a:ln>
+        </p:spPr>
+        <p:style>
+          <a:lnRef idx="2">
+            <a:schemeClr val="accent1">
+              <a:shade val="15000"/>
+            </a:schemeClr>
+          </a:lnRef>
+          <a:fillRef idx="1">
+            <a:schemeClr val="accent1"/>
+          </a:fillRef>
+          <a:effectRef idx="0">
+            <a:schemeClr val="accent1"/>
+          </a:effectRef>
+          <a:fontRef idx="minor">
+            <a:schemeClr val="lt1"/>
+          </a:fontRef>
+        </p:style>
+        <p:txBody>
+          <a:bodyPr rtlCol="0" anchor="ctr"/>
+          <a:lstStyle/>
+          <a:p>
+            <a:pPr algn="ctr"/>
+            <a:endParaRPr kumimoji="1" lang="ja-JP" altLang="en-US"/>
+          </a:p>
+        </p:txBody>
+      </p:sp>
+      <p:pic>
+        <p:nvPicPr>
+          <p:cNvPr id="21" name="図 20" descr="グラフィカル ユーザー インターフェイス, アプリケーション&#10;&#10;AI 生成コンテンツは誤りを含む可能性があります。">
+            <a:extLst>
+              <a:ext uri="{FF2B5EF4-FFF2-40B4-BE49-F238E27FC236}">
+                <a16:creationId xmlns:a16="http://schemas.microsoft.com/office/drawing/2014/main" id="{CCA6F439-C5BB-F39A-2F47-FD70234E1C22}"/>
+              </a:ext>
+            </a:extLst>
+          </p:cNvPr>
+          <p:cNvPicPr>
+            <a:picLocks noChangeAspect="1"/>
+          </p:cNvPicPr>
+          <p:nvPr/>
+        </p:nvPicPr>
+        <p:blipFill>
+          <a:blip r:embed="rId3">
+            <a:extLst>
+              <a:ext uri="{28A0092B-C50C-407E-A947-70E740481C1C}">
+                <a14:useLocalDpi xmlns:a14="http://schemas.microsoft.com/office/drawing/2010/main" val="0"/>
+              </a:ext>
+            </a:extLst>
+          </a:blip>
+          <a:srcRect l="26095" t="5613" r="26095" b="33250"/>
+          <a:stretch>
+            <a:fillRect/>
+          </a:stretch>
+        </p:blipFill>
+        <p:spPr>
+          <a:xfrm>
+            <a:off x="7657952" y="2559105"/>
+            <a:ext cx="3747600" cy="2857563"/>
+          </a:xfrm>
+          <a:prstGeom prst="rect">
+            <a:avLst/>
+          </a:prstGeom>
+          <a:ln>
+            <a:solidFill>
+              <a:schemeClr val="tx1"/>
+            </a:solidFill>
+          </a:ln>
+        </p:spPr>
+      </p:pic>
+      <p:pic>
+        <p:nvPicPr>
+          <p:cNvPr id="23" name="図 22" descr="グラフィカル ユーザー インターフェイス, アプリケーション&#10;&#10;AI 生成コンテンツは誤りを含む可能性があります。">
+            <a:extLst>
+              <a:ext uri="{FF2B5EF4-FFF2-40B4-BE49-F238E27FC236}">
+                <a16:creationId xmlns:a16="http://schemas.microsoft.com/office/drawing/2014/main" id="{7DF70B79-6AD4-C642-4F78-35D09A076C78}"/>
+              </a:ext>
+            </a:extLst>
+          </p:cNvPr>
+          <p:cNvPicPr>
+            <a:picLocks noChangeAspect="1"/>
+          </p:cNvPicPr>
+          <p:nvPr/>
+        </p:nvPicPr>
+        <p:blipFill>
+          <a:blip r:embed="rId4">
+            <a:extLst>
+              <a:ext uri="{28A0092B-C50C-407E-A947-70E740481C1C}">
+                <a14:useLocalDpi xmlns:a14="http://schemas.microsoft.com/office/drawing/2010/main" val="0"/>
+              </a:ext>
+            </a:extLst>
+          </a:blip>
+          <a:srcRect l="25582" r="26866" b="35953"/>
+          <a:stretch>
+            <a:fillRect/>
+          </a:stretch>
+        </p:blipFill>
+        <p:spPr>
+          <a:xfrm>
+            <a:off x="12954000" y="4013338"/>
+            <a:ext cx="4296366" cy="3276285"/>
+          </a:xfrm>
+          <a:prstGeom prst="rect">
+            <a:avLst/>
+          </a:prstGeom>
+          <a:ln>
+            <a:solidFill>
+              <a:schemeClr val="tx1"/>
+            </a:solidFill>
+          </a:ln>
+        </p:spPr>
+      </p:pic>
+      <p:pic>
+        <p:nvPicPr>
+          <p:cNvPr id="25" name="図 24" descr="グラフィカル ユーザー インターフェイス, アプリケーション&#10;&#10;AI 生成コンテンツは誤りを含む可能性があります。">
+            <a:extLst>
+              <a:ext uri="{FF2B5EF4-FFF2-40B4-BE49-F238E27FC236}">
+                <a16:creationId xmlns:a16="http://schemas.microsoft.com/office/drawing/2014/main" id="{94834A43-9E96-B395-B381-893BB8E651A9}"/>
+              </a:ext>
+            </a:extLst>
+          </p:cNvPr>
+          <p:cNvPicPr>
+            <a:picLocks noChangeAspect="1"/>
+          </p:cNvPicPr>
+          <p:nvPr/>
+        </p:nvPicPr>
+        <p:blipFill>
+          <a:blip r:embed="rId5">
+            <a:extLst>
+              <a:ext uri="{28A0092B-C50C-407E-A947-70E740481C1C}">
+                <a14:useLocalDpi xmlns:a14="http://schemas.microsoft.com/office/drawing/2010/main" val="0"/>
+              </a:ext>
+            </a:extLst>
+          </a:blip>
+          <a:srcRect l="26874" r="25228" b="45325"/>
+          <a:stretch>
+            <a:fillRect/>
+          </a:stretch>
+        </p:blipFill>
+        <p:spPr>
+          <a:xfrm>
+            <a:off x="1579892" y="4013338"/>
+            <a:ext cx="5107544" cy="3276000"/>
+          </a:xfrm>
+          <a:prstGeom prst="rect">
+            <a:avLst/>
+          </a:prstGeom>
+          <a:ln>
+            <a:solidFill>
+              <a:schemeClr val="tx1"/>
+            </a:solidFill>
+          </a:ln>
+        </p:spPr>
+      </p:pic>
+      <p:sp>
+        <p:nvSpPr>
+          <p:cNvPr id="49" name="右矢印 48">
+            <a:extLst>
+              <a:ext uri="{FF2B5EF4-FFF2-40B4-BE49-F238E27FC236}">
+                <a16:creationId xmlns:a16="http://schemas.microsoft.com/office/drawing/2014/main" id="{46149983-3E69-8699-AB25-0A2B28E25A81}"/>
+              </a:ext>
+            </a:extLst>
+          </p:cNvPr>
+          <p:cNvSpPr/>
+          <p:nvPr/>
+        </p:nvSpPr>
+        <p:spPr>
+          <a:xfrm>
+            <a:off x="6687436" y="6039578"/>
+            <a:ext cx="6237398" cy="1393104"/>
+          </a:xfrm>
+          <a:prstGeom prst="rightArrow">
+            <a:avLst>
+              <a:gd name="adj1" fmla="val 50000"/>
+              <a:gd name="adj2" fmla="val 44620"/>
+            </a:avLst>
+          </a:prstGeom>
+          <a:solidFill>
+            <a:srgbClr val="AFC5D9"/>
+          </a:solidFill>
+          <a:ln>
+            <a:solidFill>
+              <a:schemeClr val="tx2">
+                <a:lumMod val="50000"/>
+              </a:schemeClr>
+            </a:solidFill>
+          </a:ln>
+        </p:spPr>
+        <p:style>
+          <a:lnRef idx="2">
+            <a:schemeClr val="accent1">
+              <a:shade val="15000"/>
+            </a:schemeClr>
+          </a:lnRef>
+          <a:fillRef idx="1">
+            <a:schemeClr val="accent1"/>
+          </a:fillRef>
+          <a:effectRef idx="0">
+            <a:schemeClr val="accent1"/>
+          </a:effectRef>
+          <a:fontRef idx="minor">
+            <a:schemeClr val="lt1"/>
+          </a:fontRef>
+        </p:style>
+        <p:txBody>
+          <a:bodyPr rtlCol="0" anchor="ctr"/>
+          <a:lstStyle/>
+          <a:p>
+            <a:pPr algn="ctr"/>
+            <a:endParaRPr kumimoji="1" lang="ja-JP" altLang="en-US"/>
+          </a:p>
+        </p:txBody>
+      </p:sp>
+      <p:pic>
+        <p:nvPicPr>
+          <p:cNvPr id="48" name="図 47" descr="グラフィカル ユーザー インターフェイス, アプリケーション&#10;&#10;AI 生成コンテンツは誤りを含む可能性があります。">
+            <a:extLst>
+              <a:ext uri="{FF2B5EF4-FFF2-40B4-BE49-F238E27FC236}">
+                <a16:creationId xmlns:a16="http://schemas.microsoft.com/office/drawing/2014/main" id="{D1B97C1D-68D4-F239-DBFE-D1327F997049}"/>
+              </a:ext>
+            </a:extLst>
+          </p:cNvPr>
+          <p:cNvPicPr>
+            <a:picLocks noChangeAspect="1"/>
+          </p:cNvPicPr>
+          <p:nvPr/>
+        </p:nvPicPr>
+        <p:blipFill>
+          <a:blip r:embed="rId6">
+            <a:extLst>
+              <a:ext uri="{28A0092B-C50C-407E-A947-70E740481C1C}">
+                <a14:useLocalDpi xmlns:a14="http://schemas.microsoft.com/office/drawing/2010/main" val="0"/>
+              </a:ext>
+            </a:extLst>
+          </a:blip>
+          <a:srcRect l="24492" r="24875" b="25072"/>
+          <a:stretch>
+            <a:fillRect/>
+          </a:stretch>
+        </p:blipFill>
+        <p:spPr>
+          <a:xfrm>
+            <a:off x="7657148" y="5933043"/>
+            <a:ext cx="3748404" cy="3120570"/>
+          </a:xfrm>
+          <a:prstGeom prst="rect">
+            <a:avLst/>
+          </a:prstGeom>
+          <a:ln>
+            <a:solidFill>
+              <a:schemeClr val="tx1"/>
+            </a:solidFill>
+          </a:ln>
+        </p:spPr>
+      </p:pic>
+      <p:sp>
+        <p:nvSpPr>
+          <p:cNvPr id="50" name="テキスト ボックス 49">
+            <a:extLst>
+              <a:ext uri="{FF2B5EF4-FFF2-40B4-BE49-F238E27FC236}">
+                <a16:creationId xmlns:a16="http://schemas.microsoft.com/office/drawing/2014/main" id="{49EF1D6B-ABD7-2545-1533-5CA8A920FDC2}"/>
+              </a:ext>
+            </a:extLst>
+          </p:cNvPr>
+          <p:cNvSpPr txBox="1"/>
+          <p:nvPr/>
+        </p:nvSpPr>
+        <p:spPr>
+          <a:xfrm>
+            <a:off x="5029200" y="3380202"/>
+            <a:ext cx="2563522" cy="523220"/>
+          </a:xfrm>
+          <a:prstGeom prst="rect">
+            <a:avLst/>
+          </a:prstGeom>
+          <a:noFill/>
+        </p:spPr>
+        <p:txBody>
+          <a:bodyPr wrap="none" rtlCol="0">
+            <a:spAutoFit/>
+          </a:bodyPr>
+          <a:lstStyle/>
+          <a:p>
+            <a:r>
+              <a:rPr kumimoji="1" lang="ja-JP" altLang="en-US" sz="2800">
+                <a:highlight>
+                  <a:srgbClr val="C0D8C3"/>
+                </a:highlight>
+              </a:rPr>
+              <a:t>初回：新規登録</a:t>
+            </a:r>
+          </a:p>
+        </p:txBody>
+      </p:sp>
+      <p:sp>
+        <p:nvSpPr>
+          <p:cNvPr id="51" name="テキスト ボックス 50">
+            <a:extLst>
+              <a:ext uri="{FF2B5EF4-FFF2-40B4-BE49-F238E27FC236}">
+                <a16:creationId xmlns:a16="http://schemas.microsoft.com/office/drawing/2014/main" id="{40C625FA-C726-A94B-65DE-F4C0A88BBF2F}"/>
+              </a:ext>
+            </a:extLst>
+          </p:cNvPr>
+          <p:cNvSpPr txBox="1"/>
+          <p:nvPr/>
+        </p:nvSpPr>
+        <p:spPr>
+          <a:xfrm>
+            <a:off x="4521047" y="7489191"/>
+            <a:ext cx="3026791" cy="523220"/>
+          </a:xfrm>
+          <a:prstGeom prst="rect">
+            <a:avLst/>
+          </a:prstGeom>
+          <a:noFill/>
+        </p:spPr>
+        <p:txBody>
+          <a:bodyPr wrap="none" rtlCol="0">
+            <a:spAutoFit/>
+          </a:bodyPr>
+          <a:lstStyle/>
+          <a:p>
+            <a:r>
+              <a:rPr kumimoji="1" lang="ja-JP" altLang="en-US" sz="2800">
+                <a:highlight>
+                  <a:srgbClr val="AFC5D9"/>
+                </a:highlight>
+              </a:rPr>
+              <a:t>それ以外：ログイン</a:t>
+            </a:r>
+          </a:p>
+        </p:txBody>
+      </p:sp>
+    </p:spTree>
+    <p:extLst>
+      <p:ext uri="{BB962C8B-B14F-4D97-AF65-F5344CB8AC3E}">
+        <p14:creationId xmlns:p14="http://schemas.microsoft.com/office/powerpoint/2010/main" val="2560638179"/>
+      </p:ext>
+    </p:extLst>
+  </p:cSld>
+  <p:clrMapOvr>
+    <a:masterClrMapping/>
+  </p:clrMapOvr>
+</p:sld>
+</file>
+
+<file path=ppt/slides/slide7.xml><?xml version="1.0" encoding="utf-8"?>
+<p:sld xmlns:a="http://schemas.openxmlformats.org/drawingml/2006/main" xmlns:r="http://schemas.openxmlformats.org/officeDocument/2006/relationships" xmlns:p="http://schemas.openxmlformats.org/presentationml/2006/main">
+  <p:cSld>
+    <p:spTree>
+      <p:nvGrpSpPr>
+        <p:cNvPr id="1" name="">
+          <a:extLst>
+            <a:ext uri="{FF2B5EF4-FFF2-40B4-BE49-F238E27FC236}">
+              <a16:creationId xmlns:a16="http://schemas.microsoft.com/office/drawing/2014/main" id="{DED91C90-7D4C-EF57-6AE4-EA87FA6A60BA}"/>
+            </a:ext>
+          </a:extLst>
+        </p:cNvPr>
+        <p:cNvGrpSpPr/>
+        <p:nvPr/>
+      </p:nvGrpSpPr>
+      <p:grpSpPr>
+        <a:xfrm>
+          <a:off x="0" y="0"/>
+          <a:ext cx="0" cy="0"/>
+          <a:chOff x="0" y="0"/>
+          <a:chExt cx="0" cy="0"/>
+        </a:xfrm>
+      </p:grpSpPr>
+      <p:sp>
+        <p:nvSpPr>
+          <p:cNvPr id="2" name="AutoShape 2">
+            <a:extLst>
+              <a:ext uri="{FF2B5EF4-FFF2-40B4-BE49-F238E27FC236}">
+                <a16:creationId xmlns:a16="http://schemas.microsoft.com/office/drawing/2014/main" id="{4CFE05DD-6881-8F6A-5262-AE46961B82A9}"/>
+              </a:ext>
+            </a:extLst>
+          </p:cNvPr>
+          <p:cNvSpPr/>
+          <p:nvPr/>
+        </p:nvSpPr>
+        <p:spPr>
+          <a:xfrm>
+            <a:off x="857250" y="2361305"/>
+            <a:ext cx="16573500" cy="0"/>
+          </a:xfrm>
+          <a:prstGeom prst="line">
+            <a:avLst/>
+          </a:prstGeom>
+          <a:ln w="19050" cap="flat">
+            <a:solidFill>
+              <a:srgbClr val="1B1B1B"/>
+            </a:solidFill>
+            <a:prstDash val="solid"/>
+            <a:headEnd type="none" w="sm" len="sm"/>
+            <a:tailEnd type="none" w="sm" len="sm"/>
+          </a:ln>
+        </p:spPr>
+        <p:txBody>
+          <a:bodyPr/>
+          <a:lstStyle/>
+          <a:p>
+            <a:endParaRPr lang="ja-JP" altLang="en-US">
+              <a:latin typeface="Yu Gothic" panose="020B0400000000000000" pitchFamily="34" charset="-128"/>
+              <a:ea typeface="Yu Gothic" panose="020B0400000000000000" pitchFamily="34" charset="-128"/>
+            </a:endParaRPr>
+          </a:p>
+        </p:txBody>
+      </p:sp>
+      <p:sp>
+        <p:nvSpPr>
+          <p:cNvPr id="3" name="AutoShape 3">
+            <a:extLst>
+              <a:ext uri="{FF2B5EF4-FFF2-40B4-BE49-F238E27FC236}">
+                <a16:creationId xmlns:a16="http://schemas.microsoft.com/office/drawing/2014/main" id="{F867551D-156B-4723-0277-CF29232F1851}"/>
+              </a:ext>
+            </a:extLst>
+          </p:cNvPr>
+          <p:cNvSpPr/>
+          <p:nvPr/>
+        </p:nvSpPr>
+        <p:spPr>
+          <a:xfrm>
+            <a:off x="857250" y="1047750"/>
+            <a:ext cx="16573459" cy="0"/>
+          </a:xfrm>
+          <a:prstGeom prst="line">
+            <a:avLst/>
+          </a:prstGeom>
+          <a:ln w="19050" cap="flat">
+            <a:solidFill>
+              <a:srgbClr val="1B1B1B"/>
+            </a:solidFill>
+            <a:prstDash val="solid"/>
+            <a:headEnd type="none" w="sm" len="sm"/>
+            <a:tailEnd type="none" w="sm" len="sm"/>
+          </a:ln>
+        </p:spPr>
+        <p:txBody>
+          <a:bodyPr/>
+          <a:lstStyle/>
+          <a:p>
+            <a:endParaRPr lang="ja-JP" altLang="en-US">
+              <a:latin typeface="Yu Gothic" panose="020B0400000000000000" pitchFamily="34" charset="-128"/>
+              <a:ea typeface="Yu Gothic" panose="020B0400000000000000" pitchFamily="34" charset="-128"/>
+            </a:endParaRPr>
+          </a:p>
+        </p:txBody>
+      </p:sp>
+      <p:sp>
+        <p:nvSpPr>
+          <p:cNvPr id="4" name="AutoShape 4">
+            <a:extLst>
+              <a:ext uri="{FF2B5EF4-FFF2-40B4-BE49-F238E27FC236}">
+                <a16:creationId xmlns:a16="http://schemas.microsoft.com/office/drawing/2014/main" id="{E5AF61E1-CC73-B4D8-D1B6-C06BC0AAFCCD}"/>
+              </a:ext>
+            </a:extLst>
+          </p:cNvPr>
+          <p:cNvSpPr/>
+          <p:nvPr/>
+        </p:nvSpPr>
+        <p:spPr>
+          <a:xfrm flipV="1">
+            <a:off x="856856" y="904405"/>
+            <a:ext cx="16574288" cy="0"/>
+          </a:xfrm>
+          <a:prstGeom prst="line">
+            <a:avLst/>
+          </a:prstGeom>
+          <a:ln w="57150" cap="flat">
+            <a:solidFill>
+              <a:srgbClr val="1B1B1B"/>
+            </a:solidFill>
+            <a:prstDash val="solid"/>
+            <a:headEnd type="none" w="sm" len="sm"/>
+            <a:tailEnd type="none" w="sm" len="sm"/>
+          </a:ln>
+        </p:spPr>
+        <p:txBody>
+          <a:bodyPr/>
+          <a:lstStyle/>
+          <a:p>
+            <a:endParaRPr lang="ja-JP" altLang="en-US">
+              <a:latin typeface="Yu Gothic" panose="020B0400000000000000" pitchFamily="34" charset="-128"/>
+              <a:ea typeface="Yu Gothic" panose="020B0400000000000000" pitchFamily="34" charset="-128"/>
+            </a:endParaRPr>
+          </a:p>
+        </p:txBody>
+      </p:sp>
+      <p:sp>
+        <p:nvSpPr>
+          <p:cNvPr id="5" name="AutoShape 5">
+            <a:extLst>
+              <a:ext uri="{FF2B5EF4-FFF2-40B4-BE49-F238E27FC236}">
+                <a16:creationId xmlns:a16="http://schemas.microsoft.com/office/drawing/2014/main" id="{4E5409A1-7E79-AC41-33AE-D1A4D93719E8}"/>
+              </a:ext>
+            </a:extLst>
+          </p:cNvPr>
+          <p:cNvSpPr/>
+          <p:nvPr/>
+        </p:nvSpPr>
+        <p:spPr>
+          <a:xfrm>
+            <a:off x="857250" y="9382595"/>
+            <a:ext cx="16573500" cy="0"/>
+          </a:xfrm>
+          <a:prstGeom prst="line">
+            <a:avLst/>
+          </a:prstGeom>
+          <a:ln w="57150" cap="flat">
+            <a:solidFill>
+              <a:srgbClr val="1B1B1B"/>
+            </a:solidFill>
+            <a:prstDash val="solid"/>
+            <a:headEnd type="none" w="sm" len="sm"/>
+            <a:tailEnd type="none" w="sm" len="sm"/>
+          </a:ln>
+        </p:spPr>
+        <p:txBody>
+          <a:bodyPr/>
+          <a:lstStyle/>
+          <a:p>
+            <a:endParaRPr lang="ja-JP" altLang="en-US">
+              <a:latin typeface="Yu Gothic" panose="020B0400000000000000" pitchFamily="34" charset="-128"/>
+              <a:ea typeface="Yu Gothic" panose="020B0400000000000000" pitchFamily="34" charset="-128"/>
+            </a:endParaRPr>
+          </a:p>
+        </p:txBody>
+      </p:sp>
+      <p:sp>
+        <p:nvSpPr>
+          <p:cNvPr id="6" name="AutoShape 6">
+            <a:extLst>
+              <a:ext uri="{FF2B5EF4-FFF2-40B4-BE49-F238E27FC236}">
+                <a16:creationId xmlns:a16="http://schemas.microsoft.com/office/drawing/2014/main" id="{9A76C129-5CF6-65C9-2946-21B986EF4D32}"/>
+              </a:ext>
+            </a:extLst>
+          </p:cNvPr>
+          <p:cNvSpPr/>
+          <p:nvPr/>
+        </p:nvSpPr>
+        <p:spPr>
+          <a:xfrm>
+            <a:off x="857250" y="9239250"/>
+            <a:ext cx="16573500" cy="0"/>
+          </a:xfrm>
+          <a:prstGeom prst="line">
+            <a:avLst/>
+          </a:prstGeom>
+          <a:ln w="19050" cap="flat">
+            <a:solidFill>
+              <a:srgbClr val="1B1B1B"/>
+            </a:solidFill>
+            <a:prstDash val="solid"/>
+            <a:headEnd type="none" w="sm" len="sm"/>
+            <a:tailEnd type="none" w="sm" len="sm"/>
+          </a:ln>
+        </p:spPr>
+        <p:txBody>
+          <a:bodyPr/>
+          <a:lstStyle/>
+          <a:p>
+            <a:endParaRPr lang="ja-JP" altLang="en-US">
+              <a:latin typeface="Yu Gothic" panose="020B0400000000000000" pitchFamily="34" charset="-128"/>
+              <a:ea typeface="Yu Gothic" panose="020B0400000000000000" pitchFamily="34" charset="-128"/>
+            </a:endParaRPr>
+          </a:p>
+        </p:txBody>
+      </p:sp>
+      <p:grpSp>
+        <p:nvGrpSpPr>
+          <p:cNvPr id="7" name="Group 7">
+            <a:extLst>
+              <a:ext uri="{FF2B5EF4-FFF2-40B4-BE49-F238E27FC236}">
+                <a16:creationId xmlns:a16="http://schemas.microsoft.com/office/drawing/2014/main" id="{8FB21BAB-BEC5-BDBF-EABD-A80AA3D7C902}"/>
+              </a:ext>
+            </a:extLst>
+          </p:cNvPr>
+          <p:cNvGrpSpPr/>
+          <p:nvPr/>
+        </p:nvGrpSpPr>
+        <p:grpSpPr>
+          <a:xfrm>
+            <a:off x="1282599" y="650625"/>
+            <a:ext cx="1213487" cy="1720205"/>
+            <a:chOff x="0" y="0"/>
+            <a:chExt cx="319601" cy="453058"/>
+          </a:xfrm>
+        </p:grpSpPr>
+        <p:sp>
+          <p:nvSpPr>
+            <p:cNvPr id="8" name="Freeform 8">
+              <a:extLst>
+                <a:ext uri="{FF2B5EF4-FFF2-40B4-BE49-F238E27FC236}">
+                  <a16:creationId xmlns:a16="http://schemas.microsoft.com/office/drawing/2014/main" id="{CB5C96CA-4F8E-E054-FF40-A98324D96CFC}"/>
+                </a:ext>
+              </a:extLst>
+            </p:cNvPr>
+            <p:cNvSpPr/>
+            <p:nvPr/>
+          </p:nvSpPr>
+          <p:spPr>
+            <a:xfrm>
+              <a:off x="0" y="0"/>
+              <a:ext cx="319601" cy="453058"/>
+            </a:xfrm>
+            <a:custGeom>
+              <a:avLst/>
+              <a:gdLst/>
+              <a:ahLst/>
+              <a:cxnLst/>
+              <a:rect l="l" t="t" r="r" b="b"/>
+              <a:pathLst>
+                <a:path w="319601" h="453058">
+                  <a:moveTo>
+                    <a:pt x="0" y="0"/>
+                  </a:moveTo>
+                  <a:lnTo>
+                    <a:pt x="319601" y="0"/>
+                  </a:lnTo>
+                  <a:lnTo>
+                    <a:pt x="319601" y="453058"/>
+                  </a:lnTo>
+                  <a:lnTo>
+                    <a:pt x="0" y="453058"/>
+                  </a:lnTo>
+                  <a:close/>
+                </a:path>
+              </a:pathLst>
+            </a:custGeom>
+            <a:solidFill>
+              <a:srgbClr val="1B1B1B"/>
+            </a:solidFill>
+          </p:spPr>
+          <p:txBody>
+            <a:bodyPr/>
+            <a:lstStyle/>
+            <a:p>
+              <a:endParaRPr lang="ja-JP" altLang="en-US">
+                <a:latin typeface="Yu Gothic" panose="020B0400000000000000" pitchFamily="34" charset="-128"/>
+                <a:ea typeface="Yu Gothic" panose="020B0400000000000000" pitchFamily="34" charset="-128"/>
+              </a:endParaRPr>
+            </a:p>
+          </p:txBody>
+        </p:sp>
+        <p:sp>
+          <p:nvSpPr>
+            <p:cNvPr id="9" name="TextBox 9">
+              <a:extLst>
+                <a:ext uri="{FF2B5EF4-FFF2-40B4-BE49-F238E27FC236}">
+                  <a16:creationId xmlns:a16="http://schemas.microsoft.com/office/drawing/2014/main" id="{79934A64-345F-E115-F767-B66CC9179CA1}"/>
+                </a:ext>
+              </a:extLst>
+            </p:cNvPr>
+            <p:cNvSpPr txBox="1"/>
+            <p:nvPr/>
+          </p:nvSpPr>
+          <p:spPr>
+            <a:xfrm>
+              <a:off x="0" y="-47625"/>
+              <a:ext cx="319601" cy="500683"/>
+            </a:xfrm>
+            <a:prstGeom prst="rect">
+              <a:avLst/>
+            </a:prstGeom>
+          </p:spPr>
+          <p:txBody>
+            <a:bodyPr lIns="50800" tIns="50800" rIns="50800" bIns="50800" rtlCol="0" anchor="ctr"/>
+            <a:lstStyle/>
+            <a:p>
+              <a:pPr algn="ctr">
+                <a:lnSpc>
+                  <a:spcPts val="3359"/>
+                </a:lnSpc>
+              </a:pPr>
+              <a:endParaRPr>
+                <a:latin typeface="Yu Gothic" panose="020B0400000000000000" pitchFamily="34" charset="-128"/>
+                <a:ea typeface="Yu Gothic" panose="020B0400000000000000" pitchFamily="34" charset="-128"/>
+              </a:endParaRPr>
+            </a:p>
+          </p:txBody>
+        </p:sp>
+      </p:grpSp>
+      <p:sp>
+        <p:nvSpPr>
+          <p:cNvPr id="12" name="TextBox 12">
+            <a:extLst>
+              <a:ext uri="{FF2B5EF4-FFF2-40B4-BE49-F238E27FC236}">
+                <a16:creationId xmlns:a16="http://schemas.microsoft.com/office/drawing/2014/main" id="{FD24C120-6518-DD65-43D5-63D21D09BD1C}"/>
+              </a:ext>
+            </a:extLst>
+          </p:cNvPr>
+          <p:cNvSpPr txBox="1"/>
+          <p:nvPr/>
+        </p:nvSpPr>
+        <p:spPr>
+          <a:xfrm>
+            <a:off x="2949343" y="1371153"/>
+            <a:ext cx="14309957" cy="596317"/>
+          </a:xfrm>
+          <a:prstGeom prst="rect">
+            <a:avLst/>
+          </a:prstGeom>
+        </p:spPr>
+        <p:txBody>
+          <a:bodyPr lIns="0" tIns="0" rIns="0" bIns="0" rtlCol="0" anchor="t">
+            <a:spAutoFit/>
+          </a:bodyPr>
+          <a:lstStyle/>
+          <a:p>
+            <a:pPr algn="l">
+              <a:lnSpc>
+                <a:spcPts val="4900"/>
+              </a:lnSpc>
+            </a:pPr>
+            <a:r>
+              <a:rPr lang="ja-JP" altLang="en-US" sz="3500" b="1" spc="175">
+                <a:solidFill>
+                  <a:srgbClr val="1B1B1B"/>
+                </a:solidFill>
+                <a:latin typeface="Yu Gothic" panose="020B0400000000000000" pitchFamily="34" charset="-128"/>
+                <a:ea typeface="Yu Gothic" panose="020B0400000000000000" pitchFamily="34" charset="-128"/>
+                <a:cs typeface="Noto Sans JP Heavy"/>
+                <a:sym typeface="Noto Sans JP Heavy"/>
+              </a:rPr>
+              <a:t>ユーザーアクション</a:t>
+            </a:r>
+            <a:r>
+              <a:rPr lang="en-US" altLang="ja-JP" sz="3500" b="1" spc="175" dirty="0">
+                <a:solidFill>
+                  <a:srgbClr val="1B1B1B"/>
+                </a:solidFill>
+                <a:latin typeface="Yu Gothic" panose="020B0400000000000000" pitchFamily="34" charset="-128"/>
+                <a:ea typeface="Yu Gothic" panose="020B0400000000000000" pitchFamily="34" charset="-128"/>
+                <a:cs typeface="Noto Sans JP Heavy"/>
+                <a:sym typeface="Noto Sans JP Heavy"/>
+              </a:rPr>
+              <a:t> – </a:t>
+            </a:r>
+            <a:r>
+              <a:rPr lang="ja-JP" altLang="en-US" sz="3500" b="1" spc="175">
+                <a:solidFill>
+                  <a:srgbClr val="1B1B1B"/>
+                </a:solidFill>
+                <a:latin typeface="Yu Gothic" panose="020B0400000000000000" pitchFamily="34" charset="-128"/>
+                <a:ea typeface="Yu Gothic" panose="020B0400000000000000" pitchFamily="34" charset="-128"/>
+                <a:cs typeface="Noto Sans JP Heavy"/>
+                <a:sym typeface="Noto Sans JP Heavy"/>
+              </a:rPr>
+              <a:t>アカウント作成・ログイン</a:t>
+            </a:r>
+            <a:endParaRPr lang="en-US" sz="3500" b="1" spc="175" dirty="0">
+              <a:solidFill>
+                <a:srgbClr val="1B1B1B"/>
+              </a:solidFill>
+              <a:latin typeface="Yu Gothic" panose="020B0400000000000000" pitchFamily="34" charset="-128"/>
+              <a:ea typeface="Yu Gothic" panose="020B0400000000000000" pitchFamily="34" charset="-128"/>
+              <a:cs typeface="Noto Sans JP Heavy"/>
+              <a:sym typeface="Noto Sans JP Heavy"/>
+            </a:endParaRPr>
+          </a:p>
+        </p:txBody>
+      </p:sp>
+      <p:sp>
+        <p:nvSpPr>
+          <p:cNvPr id="13" name="TextBox 13">
+            <a:extLst>
+              <a:ext uri="{FF2B5EF4-FFF2-40B4-BE49-F238E27FC236}">
+                <a16:creationId xmlns:a16="http://schemas.microsoft.com/office/drawing/2014/main" id="{908673EB-7A79-4F8D-254B-699B45C5443D}"/>
+              </a:ext>
+            </a:extLst>
+          </p:cNvPr>
+          <p:cNvSpPr txBox="1"/>
+          <p:nvPr/>
+        </p:nvSpPr>
+        <p:spPr>
+          <a:xfrm>
+            <a:off x="1461953" y="1228278"/>
+            <a:ext cx="854779" cy="733425"/>
+          </a:xfrm>
+          <a:prstGeom prst="rect">
+            <a:avLst/>
+          </a:prstGeom>
+        </p:spPr>
+        <p:txBody>
+          <a:bodyPr lIns="0" tIns="0" rIns="0" bIns="0" rtlCol="0" anchor="t">
+            <a:spAutoFit/>
+          </a:bodyPr>
+          <a:lstStyle/>
+          <a:p>
+            <a:pPr marL="0" lvl="0" indent="0" algn="ctr">
+              <a:lnSpc>
+                <a:spcPts val="6300"/>
+              </a:lnSpc>
+              <a:spcBef>
+                <a:spcPct val="0"/>
+              </a:spcBef>
+            </a:pPr>
+            <a:r>
+              <a:rPr lang="en-US" sz="3500" b="1" u="none" strike="noStrike" dirty="0">
+                <a:solidFill>
+                  <a:srgbClr val="FAFAFA"/>
+                </a:solidFill>
+                <a:latin typeface="Yu Gothic" panose="020B0400000000000000" pitchFamily="34" charset="-128"/>
+                <a:ea typeface="Yu Gothic" panose="020B0400000000000000" pitchFamily="34" charset="-128"/>
+                <a:cs typeface="Open Sans Bold"/>
+                <a:sym typeface="Open Sans Bold"/>
+              </a:rPr>
+              <a:t>04</a:t>
+            </a:r>
+          </a:p>
+        </p:txBody>
+      </p:sp>
+      <p:pic>
+        <p:nvPicPr>
+          <p:cNvPr id="21" name="図 20" descr="グラフィカル ユーザー インターフェイス, アプリケーション&#10;&#10;AI 生成コンテンツは誤りを含む可能性があります。">
+            <a:extLst>
+              <a:ext uri="{FF2B5EF4-FFF2-40B4-BE49-F238E27FC236}">
+                <a16:creationId xmlns:a16="http://schemas.microsoft.com/office/drawing/2014/main" id="{FF2E787F-AB32-26E8-1BFA-BCC619618611}"/>
+              </a:ext>
+            </a:extLst>
+          </p:cNvPr>
+          <p:cNvPicPr>
+            <a:picLocks noChangeAspect="1"/>
+          </p:cNvPicPr>
+          <p:nvPr/>
+        </p:nvPicPr>
+        <p:blipFill>
+          <a:blip r:embed="rId3">
+            <a:extLst>
+              <a:ext uri="{28A0092B-C50C-407E-A947-70E740481C1C}">
+                <a14:useLocalDpi xmlns:a14="http://schemas.microsoft.com/office/drawing/2010/main" val="0"/>
+              </a:ext>
+            </a:extLst>
+          </a:blip>
+          <a:srcRect l="26095" t="5613" r="26095" b="33250"/>
+          <a:stretch>
+            <a:fillRect/>
+          </a:stretch>
+        </p:blipFill>
+        <p:spPr>
+          <a:xfrm>
+            <a:off x="7570754" y="2523700"/>
+            <a:ext cx="3935446" cy="3000797"/>
+          </a:xfrm>
+          <a:prstGeom prst="rect">
+            <a:avLst/>
+          </a:prstGeom>
+          <a:ln>
+            <a:solidFill>
+              <a:schemeClr val="tx1"/>
+            </a:solidFill>
+          </a:ln>
+        </p:spPr>
+      </p:pic>
+      <p:pic>
+        <p:nvPicPr>
+          <p:cNvPr id="23" name="図 22" descr="グラフィカル ユーザー インターフェイス, アプリケーション&#10;&#10;AI 生成コンテンツは誤りを含む可能性があります。">
+            <a:extLst>
+              <a:ext uri="{FF2B5EF4-FFF2-40B4-BE49-F238E27FC236}">
+                <a16:creationId xmlns:a16="http://schemas.microsoft.com/office/drawing/2014/main" id="{A0331605-3EFD-4B38-D7AA-3C56FBC7B5D7}"/>
+              </a:ext>
+            </a:extLst>
+          </p:cNvPr>
+          <p:cNvPicPr>
+            <a:picLocks noChangeAspect="1"/>
+          </p:cNvPicPr>
+          <p:nvPr/>
+        </p:nvPicPr>
+        <p:blipFill>
+          <a:blip r:embed="rId4">
+            <a:extLst>
+              <a:ext uri="{28A0092B-C50C-407E-A947-70E740481C1C}">
+                <a14:useLocalDpi xmlns:a14="http://schemas.microsoft.com/office/drawing/2010/main" val="0"/>
+              </a:ext>
+            </a:extLst>
+          </a:blip>
+          <a:srcRect l="21688" r="21777" b="35953"/>
+          <a:stretch>
+            <a:fillRect/>
+          </a:stretch>
+        </p:blipFill>
+        <p:spPr>
+          <a:xfrm>
+            <a:off x="12801600" y="4105582"/>
+            <a:ext cx="5108001" cy="3276285"/>
+          </a:xfrm>
+          <a:prstGeom prst="rect">
+            <a:avLst/>
+          </a:prstGeom>
+          <a:ln>
+            <a:solidFill>
+              <a:schemeClr val="tx1"/>
+            </a:solidFill>
+          </a:ln>
+        </p:spPr>
+      </p:pic>
+      <p:pic>
+        <p:nvPicPr>
+          <p:cNvPr id="25" name="図 24" descr="グラフィカル ユーザー インターフェイス, アプリケーション&#10;&#10;AI 生成コンテンツは誤りを含む可能性があります。">
+            <a:extLst>
+              <a:ext uri="{FF2B5EF4-FFF2-40B4-BE49-F238E27FC236}">
+                <a16:creationId xmlns:a16="http://schemas.microsoft.com/office/drawing/2014/main" id="{4562BECF-EEE8-C59D-8702-25608496C03B}"/>
+              </a:ext>
+            </a:extLst>
+          </p:cNvPr>
+          <p:cNvPicPr>
+            <a:picLocks noChangeAspect="1"/>
+          </p:cNvPicPr>
+          <p:nvPr/>
+        </p:nvPicPr>
+        <p:blipFill>
+          <a:blip r:embed="rId5">
+            <a:extLst>
+              <a:ext uri="{28A0092B-C50C-407E-A947-70E740481C1C}">
+                <a14:useLocalDpi xmlns:a14="http://schemas.microsoft.com/office/drawing/2010/main" val="0"/>
+              </a:ext>
+            </a:extLst>
+          </a:blip>
+          <a:srcRect l="26874" r="25228" b="45325"/>
+          <a:stretch>
+            <a:fillRect/>
+          </a:stretch>
+        </p:blipFill>
+        <p:spPr>
+          <a:xfrm>
+            <a:off x="1461953" y="4105574"/>
+            <a:ext cx="5108001" cy="3276293"/>
+          </a:xfrm>
+          <a:prstGeom prst="rect">
+            <a:avLst/>
+          </a:prstGeom>
+          <a:ln>
+            <a:solidFill>
+              <a:schemeClr val="tx1"/>
+            </a:solidFill>
+          </a:ln>
+        </p:spPr>
+      </p:pic>
+      <p:pic>
+        <p:nvPicPr>
+          <p:cNvPr id="29" name="図 28" descr="グラフィカル ユーザー インターフェイス, アプリケーション&#10;&#10;AI 生成コンテンツは誤りを含む可能性があります。">
+            <a:extLst>
+              <a:ext uri="{FF2B5EF4-FFF2-40B4-BE49-F238E27FC236}">
+                <a16:creationId xmlns:a16="http://schemas.microsoft.com/office/drawing/2014/main" id="{1D4BED2D-EBAA-EECD-8585-CDB1BEBF080C}"/>
+              </a:ext>
+            </a:extLst>
+          </p:cNvPr>
+          <p:cNvPicPr>
+            <a:picLocks noChangeAspect="1"/>
+          </p:cNvPicPr>
+          <p:nvPr/>
+        </p:nvPicPr>
+        <p:blipFill>
+          <a:blip r:embed="rId6">
+            <a:extLst>
+              <a:ext uri="{28A0092B-C50C-407E-A947-70E740481C1C}">
+                <a14:useLocalDpi xmlns:a14="http://schemas.microsoft.com/office/drawing/2010/main" val="0"/>
+              </a:ext>
+            </a:extLst>
+          </a:blip>
+          <a:srcRect l="24492" r="24875" b="25072"/>
+          <a:stretch>
+            <a:fillRect/>
+          </a:stretch>
+        </p:blipFill>
+        <p:spPr>
+          <a:xfrm>
+            <a:off x="7570754" y="5819622"/>
+            <a:ext cx="3935446" cy="3276284"/>
+          </a:xfrm>
+          <a:prstGeom prst="rect">
+            <a:avLst/>
+          </a:prstGeom>
+          <a:ln>
+            <a:solidFill>
+              <a:schemeClr val="tx1"/>
+            </a:solidFill>
+          </a:ln>
+        </p:spPr>
+      </p:pic>
       <p:cxnSp>
         <p:nvCxnSpPr>
-          <p:cNvPr id="21" name="直線矢印コネクタ 20">
-            <a:extLst>
-              <a:ext uri="{FF2B5EF4-FFF2-40B4-BE49-F238E27FC236}">
-                <a16:creationId xmlns:a16="http://schemas.microsoft.com/office/drawing/2014/main" id="{AD0785E0-C73D-AC0A-8E89-FDF39811FB1D}"/>
+          <p:cNvPr id="31" name="直線矢印コネクタ 30">
+            <a:extLst>
+              <a:ext uri="{FF2B5EF4-FFF2-40B4-BE49-F238E27FC236}">
+                <a16:creationId xmlns:a16="http://schemas.microsoft.com/office/drawing/2014/main" id="{6BBEA3F9-BA74-1B7C-E26A-3023D2676331}"/>
               </a:ext>
             </a:extLst>
           </p:cNvPr>
           <p:cNvCxnSpPr>
             <a:cxnSpLocks/>
+            <a:endCxn id="21" idx="1"/>
           </p:cNvCxnSpPr>
           <p:nvPr/>
         </p:nvCxnSpPr>
         <p:spPr>
-          <a:xfrm>
-            <a:off x="3191965" y="3633228"/>
-            <a:ext cx="2255693" cy="0"/>
+          <a:xfrm flipV="1">
+            <a:off x="4953000" y="4024099"/>
+            <a:ext cx="2617754" cy="1652179"/>
           </a:xfrm>
           <a:prstGeom prst="straightConnector1">
             <a:avLst/>
           </a:prstGeom>
-          <a:ln w="57150">
+          <a:ln w="76200">
             <a:solidFill>
               <a:schemeClr val="tx1"/>
             </a:solidFill>
@@ -13242,400 +15597,12 @@
           </a:fontRef>
         </p:style>
       </p:cxnSp>
-      <p:pic>
-        <p:nvPicPr>
-          <p:cNvPr id="22" name="グラフィックス 21" descr="コメント: ハート 単色塗りつぶし">
-            <a:extLst>
-              <a:ext uri="{FF2B5EF4-FFF2-40B4-BE49-F238E27FC236}">
-                <a16:creationId xmlns:a16="http://schemas.microsoft.com/office/drawing/2014/main" id="{B88F2DFF-E4E2-61DB-05E6-32C0F63C5BF1}"/>
-              </a:ext>
-            </a:extLst>
-          </p:cNvPr>
-          <p:cNvPicPr>
-            <a:picLocks noChangeAspect="1"/>
-          </p:cNvPicPr>
-          <p:nvPr/>
-        </p:nvPicPr>
-        <p:blipFill>
-          <a:blip r:embed="rId7">
-            <a:extLst>
-              <a:ext uri="{96DAC541-7B7A-43D3-8B79-37D633B846F1}">
-                <asvg:svgBlip xmlns:asvg="http://schemas.microsoft.com/office/drawing/2016/SVG/main" r:embed="rId8"/>
-              </a:ext>
-            </a:extLst>
-          </a:blip>
-          <a:stretch>
-            <a:fillRect/>
-          </a:stretch>
-        </p:blipFill>
-        <p:spPr>
-          <a:xfrm>
-            <a:off x="3897774" y="3129872"/>
-            <a:ext cx="821125" cy="821125"/>
-          </a:xfrm>
-          <a:prstGeom prst="rect">
-            <a:avLst/>
-          </a:prstGeom>
-        </p:spPr>
-      </p:pic>
-      <p:grpSp>
-        <p:nvGrpSpPr>
-          <p:cNvPr id="25" name="グループ化 24">
-            <a:extLst>
-              <a:ext uri="{FF2B5EF4-FFF2-40B4-BE49-F238E27FC236}">
-                <a16:creationId xmlns:a16="http://schemas.microsoft.com/office/drawing/2014/main" id="{4EBCFBFC-6885-A848-172A-FD3F28BFB899}"/>
-              </a:ext>
-            </a:extLst>
-          </p:cNvPr>
-          <p:cNvGrpSpPr/>
-          <p:nvPr/>
-        </p:nvGrpSpPr>
-        <p:grpSpPr>
-          <a:xfrm>
-            <a:off x="3157427" y="6447252"/>
-            <a:ext cx="1162383" cy="1776969"/>
-            <a:chOff x="2197288" y="6628760"/>
-            <a:chExt cx="1278614" cy="1734867"/>
-          </a:xfrm>
-        </p:grpSpPr>
-        <p:sp>
-          <p:nvSpPr>
-            <p:cNvPr id="26" name="Freeform 21">
-              <a:extLst>
-                <a:ext uri="{FF2B5EF4-FFF2-40B4-BE49-F238E27FC236}">
-                  <a16:creationId xmlns:a16="http://schemas.microsoft.com/office/drawing/2014/main" id="{C9067BB2-953E-C7DB-7BDC-3D2B69585094}"/>
-                </a:ext>
-              </a:extLst>
-            </p:cNvPr>
-            <p:cNvSpPr>
-              <a:spLocks noChangeAspect="1"/>
-            </p:cNvSpPr>
-            <p:nvPr/>
-          </p:nvSpPr>
-          <p:spPr>
-            <a:xfrm>
-              <a:off x="2256042" y="6628760"/>
-              <a:ext cx="1219860" cy="1247938"/>
-            </a:xfrm>
-            <a:custGeom>
-              <a:avLst/>
-              <a:gdLst/>
-              <a:ahLst/>
-              <a:cxnLst/>
-              <a:rect l="l" t="t" r="r" b="b"/>
-              <a:pathLst>
-                <a:path w="1341162" h="1372032">
-                  <a:moveTo>
-                    <a:pt x="0" y="0"/>
-                  </a:moveTo>
-                  <a:lnTo>
-                    <a:pt x="1341162" y="0"/>
-                  </a:lnTo>
-                  <a:lnTo>
-                    <a:pt x="1341162" y="1372032"/>
-                  </a:lnTo>
-                  <a:lnTo>
-                    <a:pt x="0" y="1372032"/>
-                  </a:lnTo>
-                  <a:lnTo>
-                    <a:pt x="0" y="0"/>
-                  </a:lnTo>
-                  <a:close/>
-                </a:path>
-              </a:pathLst>
-            </a:custGeom>
-            <a:blipFill>
-              <a:blip r:embed="rId9">
-                <a:extLst>
-                  <a:ext uri="{96DAC541-7B7A-43D3-8B79-37D633B846F1}">
-                    <asvg:svgBlip xmlns:asvg="http://schemas.microsoft.com/office/drawing/2016/SVG/main" r:embed="rId10"/>
-                  </a:ext>
-                </a:extLst>
-              </a:blip>
-              <a:stretch>
-                <a:fillRect/>
-              </a:stretch>
-            </a:blipFill>
-          </p:spPr>
-          <p:txBody>
-            <a:bodyPr/>
-            <a:lstStyle/>
-            <a:p>
-              <a:endParaRPr lang="ja-JP" altLang="en-US">
-                <a:latin typeface="Yu Gothic" panose="020B0400000000000000" pitchFamily="34" charset="-128"/>
-                <a:ea typeface="Yu Gothic" panose="020B0400000000000000" pitchFamily="34" charset="-128"/>
-              </a:endParaRPr>
-            </a:p>
-          </p:txBody>
-        </p:sp>
-        <p:sp>
-          <p:nvSpPr>
-            <p:cNvPr id="27" name="テキスト ボックス 26">
-              <a:extLst>
-                <a:ext uri="{FF2B5EF4-FFF2-40B4-BE49-F238E27FC236}">
-                  <a16:creationId xmlns:a16="http://schemas.microsoft.com/office/drawing/2014/main" id="{6DCD1096-08D3-BB85-72AE-3DDFC9ADF815}"/>
-                </a:ext>
-              </a:extLst>
-            </p:cNvPr>
-            <p:cNvSpPr txBox="1"/>
-            <p:nvPr/>
-          </p:nvSpPr>
-          <p:spPr>
-            <a:xfrm>
-              <a:off x="2197288" y="7901962"/>
-              <a:ext cx="1250663" cy="461665"/>
-            </a:xfrm>
-            <a:prstGeom prst="rect">
-              <a:avLst/>
-            </a:prstGeom>
-            <a:noFill/>
-          </p:spPr>
-          <p:txBody>
-            <a:bodyPr wrap="none" rtlCol="0">
-              <a:spAutoFit/>
-            </a:bodyPr>
-            <a:lstStyle/>
-            <a:p>
-              <a:r>
-                <a:rPr kumimoji="1" lang="en-US" altLang="ja-JP" sz="2400" b="1" dirty="0">
-                  <a:solidFill>
-                    <a:schemeClr val="tx2">
-                      <a:lumMod val="75000"/>
-                    </a:schemeClr>
-                  </a:solidFill>
-                  <a:latin typeface="Yu Gothic" panose="020B0400000000000000" pitchFamily="34" charset="-128"/>
-                  <a:ea typeface="Yu Gothic" panose="020B0400000000000000" pitchFamily="34" charset="-128"/>
-                </a:rPr>
-                <a:t>Django</a:t>
-              </a:r>
-              <a:endParaRPr kumimoji="1" lang="ja-JP" altLang="en-US" sz="2400" b="1">
-                <a:solidFill>
-                  <a:schemeClr val="tx2">
-                    <a:lumMod val="75000"/>
-                  </a:schemeClr>
-                </a:solidFill>
-                <a:latin typeface="Yu Gothic" panose="020B0400000000000000" pitchFamily="34" charset="-128"/>
-                <a:ea typeface="Yu Gothic" panose="020B0400000000000000" pitchFamily="34" charset="-128"/>
-              </a:endParaRPr>
-            </a:p>
-          </p:txBody>
-        </p:sp>
-      </p:grpSp>
-      <p:grpSp>
-        <p:nvGrpSpPr>
-          <p:cNvPr id="29" name="グループ化 28">
-            <a:extLst>
-              <a:ext uri="{FF2B5EF4-FFF2-40B4-BE49-F238E27FC236}">
-                <a16:creationId xmlns:a16="http://schemas.microsoft.com/office/drawing/2014/main" id="{713099CA-D63C-1982-8136-953F0BAAA39C}"/>
-              </a:ext>
-            </a:extLst>
-          </p:cNvPr>
-          <p:cNvGrpSpPr/>
-          <p:nvPr/>
-        </p:nvGrpSpPr>
-        <p:grpSpPr>
-          <a:xfrm>
-            <a:off x="383958" y="6283725"/>
-            <a:ext cx="1296468" cy="1956129"/>
-            <a:chOff x="7173083" y="6753785"/>
-            <a:chExt cx="1426106" cy="1909783"/>
-          </a:xfrm>
-        </p:grpSpPr>
-        <p:pic>
-          <p:nvPicPr>
-            <p:cNvPr id="30" name="グラフィックス 29" descr="データベース 枠線">
-              <a:extLst>
-                <a:ext uri="{FF2B5EF4-FFF2-40B4-BE49-F238E27FC236}">
-                  <a16:creationId xmlns:a16="http://schemas.microsoft.com/office/drawing/2014/main" id="{C4E79F0B-3B02-099E-989F-0C9C609D3877}"/>
-                </a:ext>
-              </a:extLst>
-            </p:cNvPr>
-            <p:cNvPicPr>
-              <a:picLocks noChangeAspect="1"/>
-            </p:cNvPicPr>
-            <p:nvPr/>
-          </p:nvPicPr>
-          <p:blipFill>
-            <a:blip r:embed="rId3">
-              <a:extLst>
-                <a:ext uri="{96DAC541-7B7A-43D3-8B79-37D633B846F1}">
-                  <asvg:svgBlip xmlns:asvg="http://schemas.microsoft.com/office/drawing/2016/SVG/main" r:embed="rId4"/>
-                </a:ext>
-              </a:extLst>
-            </a:blip>
-            <a:stretch>
-              <a:fillRect/>
-            </a:stretch>
-          </p:blipFill>
-          <p:spPr>
-            <a:xfrm>
-              <a:off x="7173083" y="6753785"/>
-              <a:ext cx="1426106" cy="1426106"/>
-            </a:xfrm>
-            <a:prstGeom prst="rect">
-              <a:avLst/>
-            </a:prstGeom>
-          </p:spPr>
-        </p:pic>
-        <p:sp>
-          <p:nvSpPr>
-            <p:cNvPr id="32" name="テキスト ボックス 31">
-              <a:extLst>
-                <a:ext uri="{FF2B5EF4-FFF2-40B4-BE49-F238E27FC236}">
-                  <a16:creationId xmlns:a16="http://schemas.microsoft.com/office/drawing/2014/main" id="{8A5C68BB-0E56-4751-4CCA-B60DA2295282}"/>
-                </a:ext>
-              </a:extLst>
-            </p:cNvPr>
-            <p:cNvSpPr txBox="1"/>
-            <p:nvPr/>
-          </p:nvSpPr>
-          <p:spPr>
-            <a:xfrm>
-              <a:off x="7284849" y="8201903"/>
-              <a:ext cx="1202573" cy="461665"/>
-            </a:xfrm>
-            <a:prstGeom prst="rect">
-              <a:avLst/>
-            </a:prstGeom>
-            <a:noFill/>
-          </p:spPr>
-          <p:txBody>
-            <a:bodyPr wrap="none" rtlCol="0">
-              <a:spAutoFit/>
-            </a:bodyPr>
-            <a:lstStyle/>
-            <a:p>
-              <a:r>
-                <a:rPr kumimoji="1" lang="en-US" altLang="ja-JP" sz="2400" b="1" dirty="0">
-                  <a:solidFill>
-                    <a:schemeClr val="tx2">
-                      <a:lumMod val="75000"/>
-                    </a:schemeClr>
-                  </a:solidFill>
-                  <a:latin typeface="Yu Gothic" panose="020B0400000000000000" pitchFamily="34" charset="-128"/>
-                  <a:ea typeface="Yu Gothic" panose="020B0400000000000000" pitchFamily="34" charset="-128"/>
-                </a:rPr>
-                <a:t>SQLite</a:t>
-              </a:r>
-              <a:endParaRPr kumimoji="1" lang="ja-JP" altLang="en-US" sz="2400" b="1">
-                <a:solidFill>
-                  <a:schemeClr val="tx2">
-                    <a:lumMod val="75000"/>
-                  </a:schemeClr>
-                </a:solidFill>
-                <a:latin typeface="Yu Gothic" panose="020B0400000000000000" pitchFamily="34" charset="-128"/>
-                <a:ea typeface="Yu Gothic" panose="020B0400000000000000" pitchFamily="34" charset="-128"/>
-              </a:endParaRPr>
-            </a:p>
-          </p:txBody>
-        </p:sp>
-      </p:grpSp>
-      <p:grpSp>
-        <p:nvGrpSpPr>
-          <p:cNvPr id="33" name="グループ化 32">
-            <a:extLst>
-              <a:ext uri="{FF2B5EF4-FFF2-40B4-BE49-F238E27FC236}">
-                <a16:creationId xmlns:a16="http://schemas.microsoft.com/office/drawing/2014/main" id="{104F69F2-7D08-CA33-568A-FD6FD7C51B71}"/>
-              </a:ext>
-            </a:extLst>
-          </p:cNvPr>
-          <p:cNvGrpSpPr/>
-          <p:nvPr/>
-        </p:nvGrpSpPr>
-        <p:grpSpPr>
-          <a:xfrm>
-            <a:off x="6150174" y="6299613"/>
-            <a:ext cx="1523990" cy="1940241"/>
-            <a:chOff x="14518479" y="5789880"/>
-            <a:chExt cx="1676379" cy="1894271"/>
-          </a:xfrm>
-        </p:grpSpPr>
-        <p:pic>
-          <p:nvPicPr>
-            <p:cNvPr id="34" name="グラフィックス 33" descr="男性のプロフィール 枠線">
-              <a:extLst>
-                <a:ext uri="{FF2B5EF4-FFF2-40B4-BE49-F238E27FC236}">
-                  <a16:creationId xmlns:a16="http://schemas.microsoft.com/office/drawing/2014/main" id="{2B76B076-0064-B991-87A5-C9B9ED83810F}"/>
-                </a:ext>
-              </a:extLst>
-            </p:cNvPr>
-            <p:cNvPicPr>
-              <a:picLocks noChangeAspect="1"/>
-            </p:cNvPicPr>
-            <p:nvPr/>
-          </p:nvPicPr>
-          <p:blipFill>
-            <a:blip r:embed="rId11">
-              <a:extLst>
-                <a:ext uri="{96DAC541-7B7A-43D3-8B79-37D633B846F1}">
-                  <asvg:svgBlip xmlns:asvg="http://schemas.microsoft.com/office/drawing/2016/SVG/main" r:embed="rId12"/>
-                </a:ext>
-              </a:extLst>
-            </a:blip>
-            <a:stretch>
-              <a:fillRect/>
-            </a:stretch>
-          </p:blipFill>
-          <p:spPr>
-            <a:xfrm>
-              <a:off x="14518479" y="5789880"/>
-              <a:ext cx="1676379" cy="1676379"/>
-            </a:xfrm>
-            <a:prstGeom prst="rect">
-              <a:avLst/>
-            </a:prstGeom>
-          </p:spPr>
-        </p:pic>
-        <p:sp>
-          <p:nvSpPr>
-            <p:cNvPr id="35" name="テキスト ボックス 34">
-              <a:extLst>
-                <a:ext uri="{FF2B5EF4-FFF2-40B4-BE49-F238E27FC236}">
-                  <a16:creationId xmlns:a16="http://schemas.microsoft.com/office/drawing/2014/main" id="{6E245590-2FB6-2A12-72A2-10441819AB93}"/>
-                </a:ext>
-              </a:extLst>
-            </p:cNvPr>
-            <p:cNvSpPr txBox="1"/>
-            <p:nvPr/>
-          </p:nvSpPr>
-          <p:spPr>
-            <a:xfrm>
-              <a:off x="14648782" y="7222486"/>
-              <a:ext cx="1415772" cy="461665"/>
-            </a:xfrm>
-            <a:prstGeom prst="rect">
-              <a:avLst/>
-            </a:prstGeom>
-            <a:noFill/>
-          </p:spPr>
-          <p:txBody>
-            <a:bodyPr wrap="none" rtlCol="0">
-              <a:spAutoFit/>
-            </a:bodyPr>
-            <a:lstStyle/>
-            <a:p>
-              <a:r>
-                <a:rPr kumimoji="1" lang="ja-JP" altLang="en-US" sz="2400" b="1">
-                  <a:solidFill>
-                    <a:schemeClr val="tx2">
-                      <a:lumMod val="75000"/>
-                    </a:schemeClr>
-                  </a:solidFill>
-                  <a:latin typeface="Yu Gothic" panose="020B0400000000000000" pitchFamily="34" charset="-128"/>
-                  <a:ea typeface="Yu Gothic" panose="020B0400000000000000" pitchFamily="34" charset="-128"/>
-                </a:rPr>
-                <a:t>ユーザー</a:t>
-              </a:r>
-            </a:p>
-          </p:txBody>
-        </p:sp>
-      </p:grpSp>
       <p:cxnSp>
         <p:nvCxnSpPr>
-          <p:cNvPr id="36" name="直線矢印コネクタ 35">
-            <a:extLst>
-              <a:ext uri="{FF2B5EF4-FFF2-40B4-BE49-F238E27FC236}">
-                <a16:creationId xmlns:a16="http://schemas.microsoft.com/office/drawing/2014/main" id="{A60EE49F-2CEF-1609-0E7C-E66B44AD6CD1}"/>
+          <p:cNvPr id="32" name="直線矢印コネクタ 31">
+            <a:extLst>
+              <a:ext uri="{FF2B5EF4-FFF2-40B4-BE49-F238E27FC236}">
+                <a16:creationId xmlns:a16="http://schemas.microsoft.com/office/drawing/2014/main" id="{B7E76434-93E9-E258-63A3-9D6EE406F70B}"/>
               </a:ext>
             </a:extLst>
           </p:cNvPr>
@@ -13646,13 +15613,13 @@
         </p:nvCxnSpPr>
         <p:spPr>
           <a:xfrm>
-            <a:off x="1586631" y="7108125"/>
-            <a:ext cx="1413461" cy="0"/>
+            <a:off x="4953000" y="5971403"/>
+            <a:ext cx="2617754" cy="1588956"/>
           </a:xfrm>
           <a:prstGeom prst="straightConnector1">
             <a:avLst/>
           </a:prstGeom>
-          <a:ln w="57150">
+          <a:ln w="76200">
             <a:solidFill>
               <a:schemeClr val="tx1"/>
             </a:solidFill>
@@ -13674,65 +15641,31 @@
           </a:fontRef>
         </p:style>
       </p:cxnSp>
-      <p:pic>
-        <p:nvPicPr>
-          <p:cNvPr id="45" name="グラフィックス 44" descr="コメント: ハート 単色塗りつぶし">
-            <a:extLst>
-              <a:ext uri="{FF2B5EF4-FFF2-40B4-BE49-F238E27FC236}">
-                <a16:creationId xmlns:a16="http://schemas.microsoft.com/office/drawing/2014/main" id="{2DFAEF9F-6478-4B99-E154-6ACC2D198808}"/>
-              </a:ext>
-            </a:extLst>
-          </p:cNvPr>
-          <p:cNvPicPr>
-            <a:picLocks noChangeAspect="1"/>
-          </p:cNvPicPr>
-          <p:nvPr/>
-        </p:nvPicPr>
-        <p:blipFill>
-          <a:blip r:embed="rId7">
-            <a:extLst>
-              <a:ext uri="{96DAC541-7B7A-43D3-8B79-37D633B846F1}">
-                <asvg:svgBlip xmlns:asvg="http://schemas.microsoft.com/office/drawing/2016/SVG/main" r:embed="rId13"/>
-              </a:ext>
-            </a:extLst>
-          </a:blip>
-          <a:stretch>
-            <a:fillRect/>
-          </a:stretch>
-        </p:blipFill>
-        <p:spPr>
-          <a:xfrm>
-            <a:off x="1727181" y="6591300"/>
-            <a:ext cx="841052" cy="841052"/>
-          </a:xfrm>
-          <a:prstGeom prst="rect">
-            <a:avLst/>
-          </a:prstGeom>
-        </p:spPr>
-      </p:pic>
       <p:cxnSp>
         <p:nvCxnSpPr>
-          <p:cNvPr id="49" name="直線矢印コネクタ 48">
-            <a:extLst>
-              <a:ext uri="{FF2B5EF4-FFF2-40B4-BE49-F238E27FC236}">
-                <a16:creationId xmlns:a16="http://schemas.microsoft.com/office/drawing/2014/main" id="{EF54170A-ABF0-3A56-CF2D-565007252B48}"/>
+          <p:cNvPr id="34" name="直線矢印コネクタ 33">
+            <a:extLst>
+              <a:ext uri="{FF2B5EF4-FFF2-40B4-BE49-F238E27FC236}">
+                <a16:creationId xmlns:a16="http://schemas.microsoft.com/office/drawing/2014/main" id="{705255AF-CA92-C236-AEA8-DE51202750BA}"/>
               </a:ext>
             </a:extLst>
           </p:cNvPr>
           <p:cNvCxnSpPr>
             <a:cxnSpLocks/>
+            <a:stCxn id="29" idx="3"/>
+            <a:endCxn id="23" idx="1"/>
           </p:cNvCxnSpPr>
           <p:nvPr/>
         </p:nvCxnSpPr>
         <p:spPr>
-          <a:xfrm>
-            <a:off x="4658301" y="7127077"/>
-            <a:ext cx="1413461" cy="0"/>
+          <a:xfrm flipV="1">
+            <a:off x="11506200" y="5743725"/>
+            <a:ext cx="1295400" cy="1714039"/>
           </a:xfrm>
           <a:prstGeom prst="straightConnector1">
             <a:avLst/>
           </a:prstGeom>
-          <a:ln w="57150">
+          <a:ln w="76200">
             <a:solidFill>
               <a:schemeClr val="tx1"/>
             </a:solidFill>
@@ -13754,46 +15687,56 @@
           </a:fontRef>
         </p:style>
       </p:cxnSp>
-      <p:pic>
-        <p:nvPicPr>
-          <p:cNvPr id="50" name="グラフィックス 49" descr="コメント: ハート 単色塗りつぶし">
-            <a:extLst>
-              <a:ext uri="{FF2B5EF4-FFF2-40B4-BE49-F238E27FC236}">
-                <a16:creationId xmlns:a16="http://schemas.microsoft.com/office/drawing/2014/main" id="{D37516AF-3AA1-3637-3457-E28F067917CD}"/>
-              </a:ext>
-            </a:extLst>
-          </p:cNvPr>
-          <p:cNvPicPr>
-            <a:picLocks noChangeAspect="1"/>
-          </p:cNvPicPr>
+      <p:cxnSp>
+        <p:nvCxnSpPr>
+          <p:cNvPr id="37" name="直線矢印コネクタ 36">
+            <a:extLst>
+              <a:ext uri="{FF2B5EF4-FFF2-40B4-BE49-F238E27FC236}">
+                <a16:creationId xmlns:a16="http://schemas.microsoft.com/office/drawing/2014/main" id="{33550B55-2A80-D58A-1DA4-9E053657DB56}"/>
+              </a:ext>
+            </a:extLst>
+          </p:cNvPr>
+          <p:cNvCxnSpPr>
+            <a:cxnSpLocks/>
+            <a:stCxn id="21" idx="3"/>
+            <a:endCxn id="23" idx="1"/>
+          </p:cNvCxnSpPr>
           <p:nvPr/>
-        </p:nvPicPr>
-        <p:blipFill>
-          <a:blip r:embed="rId7">
-            <a:extLst>
-              <a:ext uri="{96DAC541-7B7A-43D3-8B79-37D633B846F1}">
-                <asvg:svgBlip xmlns:asvg="http://schemas.microsoft.com/office/drawing/2016/SVG/main" r:embed="rId13"/>
-              </a:ext>
-            </a:extLst>
-          </a:blip>
-          <a:stretch>
-            <a:fillRect/>
-          </a:stretch>
-        </p:blipFill>
+        </p:nvCxnSpPr>
         <p:spPr>
           <a:xfrm>
-            <a:off x="4798851" y="6591300"/>
-            <a:ext cx="841052" cy="841052"/>
-          </a:xfrm>
-          <a:prstGeom prst="rect">
+            <a:off x="11506200" y="4024099"/>
+            <a:ext cx="1295400" cy="1719626"/>
+          </a:xfrm>
+          <a:prstGeom prst="straightConnector1">
             <a:avLst/>
           </a:prstGeom>
+          <a:ln w="76200">
+            <a:solidFill>
+              <a:schemeClr val="tx1"/>
+            </a:solidFill>
+            <a:tailEnd type="triangle"/>
+          </a:ln>
         </p:spPr>
-      </p:pic>
+        <p:style>
+          <a:lnRef idx="1">
+            <a:schemeClr val="accent1"/>
+          </a:lnRef>
+          <a:fillRef idx="0">
+            <a:schemeClr val="accent1"/>
+          </a:fillRef>
+          <a:effectRef idx="0">
+            <a:schemeClr val="accent1"/>
+          </a:effectRef>
+          <a:fontRef idx="minor">
+            <a:schemeClr val="tx1"/>
+          </a:fontRef>
+        </p:style>
+      </p:cxnSp>
     </p:spTree>
     <p:extLst>
       <p:ext uri="{BB962C8B-B14F-4D97-AF65-F5344CB8AC3E}">
-        <p14:creationId xmlns:p14="http://schemas.microsoft.com/office/powerpoint/2010/main" val="3390428225"/>
+        <p14:creationId xmlns:p14="http://schemas.microsoft.com/office/powerpoint/2010/main" val="2648025193"/>
       </p:ext>
     </p:extLst>
   </p:cSld>

--- a/docs/ミーティング/発表資料/25_0725_進捗.pptx
+++ b/docs/ミーティング/発表資料/25_0725_進捗.pptx
@@ -5,7 +5,7 @@
     <p:sldMasterId id="2147483648" r:id="rId1"/>
   </p:sldMasterIdLst>
   <p:notesMasterIdLst>
-    <p:notesMasterId r:id="rId9"/>
+    <p:notesMasterId r:id="rId10"/>
   </p:notesMasterIdLst>
   <p:sldIdLst>
     <p:sldId id="256" r:id="rId2"/>
@@ -15,19 +15,20 @@
     <p:sldId id="305" r:id="rId6"/>
     <p:sldId id="306" r:id="rId7"/>
     <p:sldId id="307" r:id="rId8"/>
+    <p:sldId id="308" r:id="rId9"/>
   </p:sldIdLst>
   <p:sldSz cx="18288000" cy="10287000"/>
   <p:notesSz cx="6858000" cy="9144000"/>
   <p:embeddedFontLst>
     <p:embeddedFont>
       <p:font typeface="游ゴシック" panose="020B0400000000000000" pitchFamily="34" charset="-128"/>
-      <p:regular r:id="rId10"/>
-      <p:bold r:id="rId11"/>
+      <p:regular r:id="rId11"/>
+      <p:bold r:id="rId12"/>
     </p:embeddedFont>
     <p:embeddedFont>
       <p:font typeface="游ゴシック" panose="020B0400000000000000" pitchFamily="34" charset="-128"/>
-      <p:regular r:id="rId10"/>
-      <p:bold r:id="rId11"/>
+      <p:regular r:id="rId11"/>
+      <p:bold r:id="rId12"/>
     </p:embeddedFont>
   </p:embeddedFontLst>
   <p:defaultTextStyle>
@@ -1085,7 +1086,7 @@
         <p:cNvPr id="1" name="">
           <a:extLst>
             <a:ext uri="{FF2B5EF4-FFF2-40B4-BE49-F238E27FC236}">
-              <a16:creationId xmlns:a16="http://schemas.microsoft.com/office/drawing/2014/main" id="{7CC3A886-A44A-7147-A1D4-0759394AFAEC}"/>
+              <a16:creationId xmlns:a16="http://schemas.microsoft.com/office/drawing/2014/main" id="{62B5CCEC-99D1-7C0B-D336-5130014621AF}"/>
             </a:ext>
           </a:extLst>
         </p:cNvPr>
@@ -1105,7 +1106,7 @@
           <p:cNvPr id="2" name="スライド イメージ プレースホルダー 1">
             <a:extLst>
               <a:ext uri="{FF2B5EF4-FFF2-40B4-BE49-F238E27FC236}">
-                <a16:creationId xmlns:a16="http://schemas.microsoft.com/office/drawing/2014/main" id="{F92B4848-3863-EE23-5589-83DAC98714F9}"/>
+                <a16:creationId xmlns:a16="http://schemas.microsoft.com/office/drawing/2014/main" id="{F89B1F36-B6E7-7E18-D8BE-E4A073AD8CE5}"/>
               </a:ext>
             </a:extLst>
           </p:cNvPr>
@@ -1123,7 +1124,7 @@
           <p:cNvPr id="3" name="ノート プレースホルダー 2">
             <a:extLst>
               <a:ext uri="{FF2B5EF4-FFF2-40B4-BE49-F238E27FC236}">
-                <a16:creationId xmlns:a16="http://schemas.microsoft.com/office/drawing/2014/main" id="{3A1F8F12-D6F5-5920-394E-B09750FD5EE0}"/>
+                <a16:creationId xmlns:a16="http://schemas.microsoft.com/office/drawing/2014/main" id="{0469A689-1AA0-809F-286A-E6781BA39C64}"/>
               </a:ext>
             </a:extLst>
           </p:cNvPr>
@@ -1150,7 +1151,7 @@
           <p:cNvPr id="4" name="スライド番号プレースホルダー 3">
             <a:extLst>
               <a:ext uri="{FF2B5EF4-FFF2-40B4-BE49-F238E27FC236}">
-                <a16:creationId xmlns:a16="http://schemas.microsoft.com/office/drawing/2014/main" id="{161D3A13-4AFC-18F1-4649-0EC0DA3C6A20}"/>
+                <a16:creationId xmlns:a16="http://schemas.microsoft.com/office/drawing/2014/main" id="{A257BD2A-ED47-46D9-1CC4-33A19CBF8F0D}"/>
               </a:ext>
             </a:extLst>
           </p:cNvPr>
@@ -1177,7 +1178,117 @@
     </p:spTree>
     <p:extLst>
       <p:ext uri="{BB962C8B-B14F-4D97-AF65-F5344CB8AC3E}">
-        <p14:creationId xmlns:p14="http://schemas.microsoft.com/office/powerpoint/2010/main" val="504557220"/>
+        <p14:creationId xmlns:p14="http://schemas.microsoft.com/office/powerpoint/2010/main" val="2069844945"/>
+      </p:ext>
+    </p:extLst>
+  </p:cSld>
+  <p:clrMapOvr>
+    <a:masterClrMapping/>
+  </p:clrMapOvr>
+</p:notes>
+</file>
+
+<file path=ppt/notesSlides/notesSlide7.xml><?xml version="1.0" encoding="utf-8"?>
+<p:notes xmlns:a="http://schemas.openxmlformats.org/drawingml/2006/main" xmlns:r="http://schemas.openxmlformats.org/officeDocument/2006/relationships" xmlns:p="http://schemas.openxmlformats.org/presentationml/2006/main">
+  <p:cSld>
+    <p:spTree>
+      <p:nvGrpSpPr>
+        <p:cNvPr id="1" name="">
+          <a:extLst>
+            <a:ext uri="{FF2B5EF4-FFF2-40B4-BE49-F238E27FC236}">
+              <a16:creationId xmlns:a16="http://schemas.microsoft.com/office/drawing/2014/main" id="{2435AB4F-3DFD-1B8B-65D5-3124EF809190}"/>
+            </a:ext>
+          </a:extLst>
+        </p:cNvPr>
+        <p:cNvGrpSpPr/>
+        <p:nvPr/>
+      </p:nvGrpSpPr>
+      <p:grpSpPr>
+        <a:xfrm>
+          <a:off x="0" y="0"/>
+          <a:ext cx="0" cy="0"/>
+          <a:chOff x="0" y="0"/>
+          <a:chExt cx="0" cy="0"/>
+        </a:xfrm>
+      </p:grpSpPr>
+      <p:sp>
+        <p:nvSpPr>
+          <p:cNvPr id="2" name="スライド イメージ プレースホルダー 1">
+            <a:extLst>
+              <a:ext uri="{FF2B5EF4-FFF2-40B4-BE49-F238E27FC236}">
+                <a16:creationId xmlns:a16="http://schemas.microsoft.com/office/drawing/2014/main" id="{4F53943A-6B0F-576A-0497-D13E573DBAFD}"/>
+              </a:ext>
+            </a:extLst>
+          </p:cNvPr>
+          <p:cNvSpPr>
+            <a:spLocks noGrp="1" noRot="1" noChangeAspect="1"/>
+          </p:cNvSpPr>
+          <p:nvPr>
+            <p:ph type="sldImg"/>
+          </p:nvPr>
+        </p:nvSpPr>
+        <p:spPr/>
+      </p:sp>
+      <p:sp>
+        <p:nvSpPr>
+          <p:cNvPr id="3" name="ノート プレースホルダー 2">
+            <a:extLst>
+              <a:ext uri="{FF2B5EF4-FFF2-40B4-BE49-F238E27FC236}">
+                <a16:creationId xmlns:a16="http://schemas.microsoft.com/office/drawing/2014/main" id="{2087B539-53CA-5071-9957-638A2875741B}"/>
+              </a:ext>
+            </a:extLst>
+          </p:cNvPr>
+          <p:cNvSpPr>
+            <a:spLocks noGrp="1"/>
+          </p:cNvSpPr>
+          <p:nvPr>
+            <p:ph type="body" idx="1"/>
+          </p:nvPr>
+        </p:nvSpPr>
+        <p:spPr/>
+        <p:txBody>
+          <a:bodyPr/>
+          <a:lstStyle/>
+          <a:p>
+            <a:endParaRPr lang="ja-JP" altLang="en-US">
+              <a:effectLst/>
+            </a:endParaRPr>
+          </a:p>
+        </p:txBody>
+      </p:sp>
+      <p:sp>
+        <p:nvSpPr>
+          <p:cNvPr id="4" name="スライド番号プレースホルダー 3">
+            <a:extLst>
+              <a:ext uri="{FF2B5EF4-FFF2-40B4-BE49-F238E27FC236}">
+                <a16:creationId xmlns:a16="http://schemas.microsoft.com/office/drawing/2014/main" id="{C39E77DF-C764-4107-69A1-C2B1BC7F7BE2}"/>
+              </a:ext>
+            </a:extLst>
+          </p:cNvPr>
+          <p:cNvSpPr>
+            <a:spLocks noGrp="1"/>
+          </p:cNvSpPr>
+          <p:nvPr>
+            <p:ph type="sldNum" sz="quarter" idx="5"/>
+          </p:nvPr>
+        </p:nvSpPr>
+        <p:spPr/>
+        <p:txBody>
+          <a:bodyPr/>
+          <a:lstStyle/>
+          <a:p>
+            <a:fld id="{423E85BE-9FAD-764D-B84A-7C70829A20A9}" type="slidenum">
+              <a:rPr kumimoji="1" lang="ja-JP" altLang="en-US" smtClean="0"/>
+              <a:t>8</a:t>
+            </a:fld>
+            <a:endParaRPr kumimoji="1" lang="ja-JP" altLang="en-US"/>
+          </a:p>
+        </p:txBody>
+      </p:sp>
+    </p:spTree>
+    <p:extLst>
+      <p:ext uri="{BB962C8B-B14F-4D97-AF65-F5344CB8AC3E}">
+        <p14:creationId xmlns:p14="http://schemas.microsoft.com/office/powerpoint/2010/main" val="4119038065"/>
       </p:ext>
     </p:extLst>
   </p:cSld>
@@ -14880,7 +14991,7 @@
         <p:spPr>
           <a:xfrm>
             <a:off x="4521047" y="7489191"/>
-            <a:ext cx="3026791" cy="523220"/>
+            <a:ext cx="3054041" cy="523220"/>
           </a:xfrm>
           <a:prstGeom prst="rect">
             <a:avLst/>
@@ -14899,7 +15010,7 @@
                   <a:srgbClr val="AFC5D9"/>
                 </a:highlight>
               </a:rPr>
-              <a:t>それ以外：ログイン</a:t>
+              <a:t>初回以降：ログイン</a:t>
             </a:r>
           </a:p>
         </p:txBody>
@@ -14925,7 +15036,7 @@
         <p:cNvPr id="1" name="">
           <a:extLst>
             <a:ext uri="{FF2B5EF4-FFF2-40B4-BE49-F238E27FC236}">
-              <a16:creationId xmlns:a16="http://schemas.microsoft.com/office/drawing/2014/main" id="{DED91C90-7D4C-EF57-6AE4-EA87FA6A60BA}"/>
+              <a16:creationId xmlns:a16="http://schemas.microsoft.com/office/drawing/2014/main" id="{29E719E2-88C4-32A9-482B-C29DAD826CB7}"/>
             </a:ext>
           </a:extLst>
         </p:cNvPr>
@@ -14945,7 +15056,7 @@
           <p:cNvPr id="2" name="AutoShape 2">
             <a:extLst>
               <a:ext uri="{FF2B5EF4-FFF2-40B4-BE49-F238E27FC236}">
-                <a16:creationId xmlns:a16="http://schemas.microsoft.com/office/drawing/2014/main" id="{4CFE05DD-6881-8F6A-5262-AE46961B82A9}"/>
+                <a16:creationId xmlns:a16="http://schemas.microsoft.com/office/drawing/2014/main" id="{A9FCE7B6-268C-18B5-50E8-86A5D8AF9280}"/>
               </a:ext>
             </a:extLst>
           </p:cNvPr>
@@ -14985,7 +15096,7 @@
           <p:cNvPr id="3" name="AutoShape 3">
             <a:extLst>
               <a:ext uri="{FF2B5EF4-FFF2-40B4-BE49-F238E27FC236}">
-                <a16:creationId xmlns:a16="http://schemas.microsoft.com/office/drawing/2014/main" id="{F867551D-156B-4723-0277-CF29232F1851}"/>
+                <a16:creationId xmlns:a16="http://schemas.microsoft.com/office/drawing/2014/main" id="{F263E431-678B-3638-BB4C-653E574C88C4}"/>
               </a:ext>
             </a:extLst>
           </p:cNvPr>
@@ -15025,7 +15136,7 @@
           <p:cNvPr id="4" name="AutoShape 4">
             <a:extLst>
               <a:ext uri="{FF2B5EF4-FFF2-40B4-BE49-F238E27FC236}">
-                <a16:creationId xmlns:a16="http://schemas.microsoft.com/office/drawing/2014/main" id="{E5AF61E1-CC73-B4D8-D1B6-C06BC0AAFCCD}"/>
+                <a16:creationId xmlns:a16="http://schemas.microsoft.com/office/drawing/2014/main" id="{238F061B-C69A-1D3F-F2BF-701304CADBB6}"/>
               </a:ext>
             </a:extLst>
           </p:cNvPr>
@@ -15065,7 +15176,7 @@
           <p:cNvPr id="5" name="AutoShape 5">
             <a:extLst>
               <a:ext uri="{FF2B5EF4-FFF2-40B4-BE49-F238E27FC236}">
-                <a16:creationId xmlns:a16="http://schemas.microsoft.com/office/drawing/2014/main" id="{4E5409A1-7E79-AC41-33AE-D1A4D93719E8}"/>
+                <a16:creationId xmlns:a16="http://schemas.microsoft.com/office/drawing/2014/main" id="{AE93A3A6-5C30-A162-449D-B5531DE51C26}"/>
               </a:ext>
             </a:extLst>
           </p:cNvPr>
@@ -15105,7 +15216,7 @@
           <p:cNvPr id="6" name="AutoShape 6">
             <a:extLst>
               <a:ext uri="{FF2B5EF4-FFF2-40B4-BE49-F238E27FC236}">
-                <a16:creationId xmlns:a16="http://schemas.microsoft.com/office/drawing/2014/main" id="{9A76C129-5CF6-65C9-2946-21B986EF4D32}"/>
+                <a16:creationId xmlns:a16="http://schemas.microsoft.com/office/drawing/2014/main" id="{62FB3F49-7888-6954-4EF1-F43D6EB60595}"/>
               </a:ext>
             </a:extLst>
           </p:cNvPr>
@@ -15145,7 +15256,7 @@
           <p:cNvPr id="7" name="Group 7">
             <a:extLst>
               <a:ext uri="{FF2B5EF4-FFF2-40B4-BE49-F238E27FC236}">
-                <a16:creationId xmlns:a16="http://schemas.microsoft.com/office/drawing/2014/main" id="{8FB21BAB-BEC5-BDBF-EABD-A80AA3D7C902}"/>
+                <a16:creationId xmlns:a16="http://schemas.microsoft.com/office/drawing/2014/main" id="{15E2B92C-4DAD-EC22-A6DD-3A42E30B3A90}"/>
               </a:ext>
             </a:extLst>
           </p:cNvPr>
@@ -15165,7 +15276,7 @@
             <p:cNvPr id="8" name="Freeform 8">
               <a:extLst>
                 <a:ext uri="{FF2B5EF4-FFF2-40B4-BE49-F238E27FC236}">
-                  <a16:creationId xmlns:a16="http://schemas.microsoft.com/office/drawing/2014/main" id="{CB5C96CA-4F8E-E054-FF40-A98324D96CFC}"/>
+                  <a16:creationId xmlns:a16="http://schemas.microsoft.com/office/drawing/2014/main" id="{41999DAA-71A0-FC2C-816B-4BCE629BA608}"/>
                 </a:ext>
               </a:extLst>
             </p:cNvPr>
@@ -15221,7 +15332,7 @@
             <p:cNvPr id="9" name="TextBox 9">
               <a:extLst>
                 <a:ext uri="{FF2B5EF4-FFF2-40B4-BE49-F238E27FC236}">
-                  <a16:creationId xmlns:a16="http://schemas.microsoft.com/office/drawing/2014/main" id="{79934A64-345F-E115-F767-B66CC9179CA1}"/>
+                  <a16:creationId xmlns:a16="http://schemas.microsoft.com/office/drawing/2014/main" id="{B3E55F59-B376-E70D-5CC7-39BE8EA5E96A}"/>
                 </a:ext>
               </a:extLst>
             </p:cNvPr>
@@ -15259,7 +15370,7 @@
           <p:cNvPr id="12" name="TextBox 12">
             <a:extLst>
               <a:ext uri="{FF2B5EF4-FFF2-40B4-BE49-F238E27FC236}">
-                <a16:creationId xmlns:a16="http://schemas.microsoft.com/office/drawing/2014/main" id="{FD24C120-6518-DD65-43D5-63D21D09BD1C}"/>
+                <a16:creationId xmlns:a16="http://schemas.microsoft.com/office/drawing/2014/main" id="{A45B9969-583A-7B5C-2C0E-4E3CD6DE3651}"/>
               </a:ext>
             </a:extLst>
           </p:cNvPr>
@@ -15320,7 +15431,7 @@
                 <a:cs typeface="Noto Sans JP Heavy"/>
                 <a:sym typeface="Noto Sans JP Heavy"/>
               </a:rPr>
-              <a:t>アカウント作成・ログイン</a:t>
+              <a:t>録音</a:t>
             </a:r>
             <a:endParaRPr lang="en-US" sz="3500" b="1" spc="175" dirty="0">
               <a:solidFill>
@@ -15339,7 +15450,7 @@
           <p:cNvPr id="13" name="TextBox 13">
             <a:extLst>
               <a:ext uri="{FF2B5EF4-FFF2-40B4-BE49-F238E27FC236}">
-                <a16:creationId xmlns:a16="http://schemas.microsoft.com/office/drawing/2014/main" id="{908673EB-7A79-4F8D-254B-699B45C5443D}"/>
+                <a16:creationId xmlns:a16="http://schemas.microsoft.com/office/drawing/2014/main" id="{F6F1DA9D-8846-D312-1ECE-8AFDAD080582}"/>
               </a:ext>
             </a:extLst>
           </p:cNvPr>
@@ -15384,359 +15495,568 @@
           </a:p>
         </p:txBody>
       </p:sp>
-      <p:pic>
-        <p:nvPicPr>
-          <p:cNvPr id="21" name="図 20" descr="グラフィカル ユーザー インターフェイス, アプリケーション&#10;&#10;AI 生成コンテンツは誤りを含む可能性があります。">
-            <a:extLst>
-              <a:ext uri="{FF2B5EF4-FFF2-40B4-BE49-F238E27FC236}">
-                <a16:creationId xmlns:a16="http://schemas.microsoft.com/office/drawing/2014/main" id="{FF2E787F-AB32-26E8-1BFA-BCC619618611}"/>
-              </a:ext>
-            </a:extLst>
-          </p:cNvPr>
-          <p:cNvPicPr>
-            <a:picLocks noChangeAspect="1"/>
-          </p:cNvPicPr>
+      <p:sp>
+        <p:nvSpPr>
+          <p:cNvPr id="10" name="テキスト ボックス 9">
+            <a:extLst>
+              <a:ext uri="{FF2B5EF4-FFF2-40B4-BE49-F238E27FC236}">
+                <a16:creationId xmlns:a16="http://schemas.microsoft.com/office/drawing/2014/main" id="{F8DA5290-255B-FA72-C661-A63C5A3F8CC0}"/>
+              </a:ext>
+            </a:extLst>
+          </p:cNvPr>
+          <p:cNvSpPr txBox="1"/>
           <p:nvPr/>
-        </p:nvPicPr>
-        <p:blipFill>
-          <a:blip r:embed="rId3">
-            <a:extLst>
-              <a:ext uri="{28A0092B-C50C-407E-A947-70E740481C1C}">
-                <a14:useLocalDpi xmlns:a14="http://schemas.microsoft.com/office/drawing/2010/main" val="0"/>
-              </a:ext>
-            </a:extLst>
-          </a:blip>
-          <a:srcRect l="26095" t="5613" r="26095" b="33250"/>
-          <a:stretch>
-            <a:fillRect/>
-          </a:stretch>
-        </p:blipFill>
+        </p:nvSpPr>
         <p:spPr>
           <a:xfrm>
-            <a:off x="7570754" y="2523700"/>
-            <a:ext cx="3935446" cy="3000797"/>
+            <a:off x="6698887" y="4931267"/>
+            <a:ext cx="3416320" cy="1015663"/>
           </a:xfrm>
           <a:prstGeom prst="rect">
             <a:avLst/>
           </a:prstGeom>
-          <a:ln>
+          <a:noFill/>
+        </p:spPr>
+        <p:txBody>
+          <a:bodyPr wrap="none" rtlCol="0">
+            <a:spAutoFit/>
+          </a:bodyPr>
+          <a:lstStyle/>
+          <a:p>
+            <a:r>
+              <a:rPr kumimoji="1" lang="ja-JP" altLang="en-US" sz="6000">
+                <a:highlight>
+                  <a:srgbClr val="FFFF00"/>
+                </a:highlight>
+              </a:rPr>
+              <a:t>あとでかく</a:t>
+            </a:r>
+          </a:p>
+        </p:txBody>
+      </p:sp>
+    </p:spTree>
+    <p:extLst>
+      <p:ext uri="{BB962C8B-B14F-4D97-AF65-F5344CB8AC3E}">
+        <p14:creationId xmlns:p14="http://schemas.microsoft.com/office/powerpoint/2010/main" val="1476022028"/>
+      </p:ext>
+    </p:extLst>
+  </p:cSld>
+  <p:clrMapOvr>
+    <a:masterClrMapping/>
+  </p:clrMapOvr>
+</p:sld>
+</file>
+
+<file path=ppt/slides/slide8.xml><?xml version="1.0" encoding="utf-8"?>
+<p:sld xmlns:a="http://schemas.openxmlformats.org/drawingml/2006/main" xmlns:r="http://schemas.openxmlformats.org/officeDocument/2006/relationships" xmlns:p="http://schemas.openxmlformats.org/presentationml/2006/main">
+  <p:cSld>
+    <p:spTree>
+      <p:nvGrpSpPr>
+        <p:cNvPr id="1" name="">
+          <a:extLst>
+            <a:ext uri="{FF2B5EF4-FFF2-40B4-BE49-F238E27FC236}">
+              <a16:creationId xmlns:a16="http://schemas.microsoft.com/office/drawing/2014/main" id="{4A8648CB-8C07-088B-F856-7C552C642AC7}"/>
+            </a:ext>
+          </a:extLst>
+        </p:cNvPr>
+        <p:cNvGrpSpPr/>
+        <p:nvPr/>
+      </p:nvGrpSpPr>
+      <p:grpSpPr>
+        <a:xfrm>
+          <a:off x="0" y="0"/>
+          <a:ext cx="0" cy="0"/>
+          <a:chOff x="0" y="0"/>
+          <a:chExt cx="0" cy="0"/>
+        </a:xfrm>
+      </p:grpSpPr>
+      <p:sp>
+        <p:nvSpPr>
+          <p:cNvPr id="2" name="AutoShape 2">
+            <a:extLst>
+              <a:ext uri="{FF2B5EF4-FFF2-40B4-BE49-F238E27FC236}">
+                <a16:creationId xmlns:a16="http://schemas.microsoft.com/office/drawing/2014/main" id="{E1798DF8-A7D8-D37C-6BC4-6FC541F7E6B3}"/>
+              </a:ext>
+            </a:extLst>
+          </p:cNvPr>
+          <p:cNvSpPr/>
+          <p:nvPr/>
+        </p:nvSpPr>
+        <p:spPr>
+          <a:xfrm>
+            <a:off x="857250" y="2361305"/>
+            <a:ext cx="16573500" cy="0"/>
+          </a:xfrm>
+          <a:prstGeom prst="line">
+            <a:avLst/>
+          </a:prstGeom>
+          <a:ln w="19050" cap="flat">
             <a:solidFill>
-              <a:schemeClr val="tx1"/>
+              <a:srgbClr val="1B1B1B"/>
             </a:solidFill>
+            <a:prstDash val="solid"/>
+            <a:headEnd type="none" w="sm" len="sm"/>
+            <a:tailEnd type="none" w="sm" len="sm"/>
           </a:ln>
         </p:spPr>
-      </p:pic>
-      <p:pic>
-        <p:nvPicPr>
-          <p:cNvPr id="23" name="図 22" descr="グラフィカル ユーザー インターフェイス, アプリケーション&#10;&#10;AI 生成コンテンツは誤りを含む可能性があります。">
-            <a:extLst>
-              <a:ext uri="{FF2B5EF4-FFF2-40B4-BE49-F238E27FC236}">
-                <a16:creationId xmlns:a16="http://schemas.microsoft.com/office/drawing/2014/main" id="{A0331605-3EFD-4B38-D7AA-3C56FBC7B5D7}"/>
-              </a:ext>
-            </a:extLst>
-          </p:cNvPr>
-          <p:cNvPicPr>
-            <a:picLocks noChangeAspect="1"/>
-          </p:cNvPicPr>
+        <p:txBody>
+          <a:bodyPr/>
+          <a:lstStyle/>
+          <a:p>
+            <a:endParaRPr lang="ja-JP" altLang="en-US">
+              <a:latin typeface="Yu Gothic" panose="020B0400000000000000" pitchFamily="34" charset="-128"/>
+              <a:ea typeface="Yu Gothic" panose="020B0400000000000000" pitchFamily="34" charset="-128"/>
+            </a:endParaRPr>
+          </a:p>
+        </p:txBody>
+      </p:sp>
+      <p:sp>
+        <p:nvSpPr>
+          <p:cNvPr id="3" name="AutoShape 3">
+            <a:extLst>
+              <a:ext uri="{FF2B5EF4-FFF2-40B4-BE49-F238E27FC236}">
+                <a16:creationId xmlns:a16="http://schemas.microsoft.com/office/drawing/2014/main" id="{BD09E11A-B2C5-B7F0-7CF5-D9BCBC7B4758}"/>
+              </a:ext>
+            </a:extLst>
+          </p:cNvPr>
+          <p:cNvSpPr/>
           <p:nvPr/>
-        </p:nvPicPr>
-        <p:blipFill>
-          <a:blip r:embed="rId4">
-            <a:extLst>
-              <a:ext uri="{28A0092B-C50C-407E-A947-70E740481C1C}">
-                <a14:useLocalDpi xmlns:a14="http://schemas.microsoft.com/office/drawing/2010/main" val="0"/>
-              </a:ext>
-            </a:extLst>
-          </a:blip>
-          <a:srcRect l="21688" r="21777" b="35953"/>
-          <a:stretch>
-            <a:fillRect/>
-          </a:stretch>
-        </p:blipFill>
+        </p:nvSpPr>
         <p:spPr>
           <a:xfrm>
-            <a:off x="12801600" y="4105582"/>
-            <a:ext cx="5108001" cy="3276285"/>
+            <a:off x="857250" y="1047750"/>
+            <a:ext cx="16573459" cy="0"/>
+          </a:xfrm>
+          <a:prstGeom prst="line">
+            <a:avLst/>
+          </a:prstGeom>
+          <a:ln w="19050" cap="flat">
+            <a:solidFill>
+              <a:srgbClr val="1B1B1B"/>
+            </a:solidFill>
+            <a:prstDash val="solid"/>
+            <a:headEnd type="none" w="sm" len="sm"/>
+            <a:tailEnd type="none" w="sm" len="sm"/>
+          </a:ln>
+        </p:spPr>
+        <p:txBody>
+          <a:bodyPr/>
+          <a:lstStyle/>
+          <a:p>
+            <a:endParaRPr lang="ja-JP" altLang="en-US">
+              <a:latin typeface="Yu Gothic" panose="020B0400000000000000" pitchFamily="34" charset="-128"/>
+              <a:ea typeface="Yu Gothic" panose="020B0400000000000000" pitchFamily="34" charset="-128"/>
+            </a:endParaRPr>
+          </a:p>
+        </p:txBody>
+      </p:sp>
+      <p:sp>
+        <p:nvSpPr>
+          <p:cNvPr id="4" name="AutoShape 4">
+            <a:extLst>
+              <a:ext uri="{FF2B5EF4-FFF2-40B4-BE49-F238E27FC236}">
+                <a16:creationId xmlns:a16="http://schemas.microsoft.com/office/drawing/2014/main" id="{E856B690-EEEF-B48A-B5A0-34E8CBC93F19}"/>
+              </a:ext>
+            </a:extLst>
+          </p:cNvPr>
+          <p:cNvSpPr/>
+          <p:nvPr/>
+        </p:nvSpPr>
+        <p:spPr>
+          <a:xfrm flipV="1">
+            <a:off x="856856" y="904405"/>
+            <a:ext cx="16574288" cy="0"/>
+          </a:xfrm>
+          <a:prstGeom prst="line">
+            <a:avLst/>
+          </a:prstGeom>
+          <a:ln w="57150" cap="flat">
+            <a:solidFill>
+              <a:srgbClr val="1B1B1B"/>
+            </a:solidFill>
+            <a:prstDash val="solid"/>
+            <a:headEnd type="none" w="sm" len="sm"/>
+            <a:tailEnd type="none" w="sm" len="sm"/>
+          </a:ln>
+        </p:spPr>
+        <p:txBody>
+          <a:bodyPr/>
+          <a:lstStyle/>
+          <a:p>
+            <a:endParaRPr lang="ja-JP" altLang="en-US">
+              <a:latin typeface="Yu Gothic" panose="020B0400000000000000" pitchFamily="34" charset="-128"/>
+              <a:ea typeface="Yu Gothic" panose="020B0400000000000000" pitchFamily="34" charset="-128"/>
+            </a:endParaRPr>
+          </a:p>
+        </p:txBody>
+      </p:sp>
+      <p:sp>
+        <p:nvSpPr>
+          <p:cNvPr id="5" name="AutoShape 5">
+            <a:extLst>
+              <a:ext uri="{FF2B5EF4-FFF2-40B4-BE49-F238E27FC236}">
+                <a16:creationId xmlns:a16="http://schemas.microsoft.com/office/drawing/2014/main" id="{DD06C8D9-B1BC-0926-D7B3-682389007FB2}"/>
+              </a:ext>
+            </a:extLst>
+          </p:cNvPr>
+          <p:cNvSpPr/>
+          <p:nvPr/>
+        </p:nvSpPr>
+        <p:spPr>
+          <a:xfrm>
+            <a:off x="857250" y="9382595"/>
+            <a:ext cx="16573500" cy="0"/>
+          </a:xfrm>
+          <a:prstGeom prst="line">
+            <a:avLst/>
+          </a:prstGeom>
+          <a:ln w="57150" cap="flat">
+            <a:solidFill>
+              <a:srgbClr val="1B1B1B"/>
+            </a:solidFill>
+            <a:prstDash val="solid"/>
+            <a:headEnd type="none" w="sm" len="sm"/>
+            <a:tailEnd type="none" w="sm" len="sm"/>
+          </a:ln>
+        </p:spPr>
+        <p:txBody>
+          <a:bodyPr/>
+          <a:lstStyle/>
+          <a:p>
+            <a:endParaRPr lang="ja-JP" altLang="en-US">
+              <a:latin typeface="Yu Gothic" panose="020B0400000000000000" pitchFamily="34" charset="-128"/>
+              <a:ea typeface="Yu Gothic" panose="020B0400000000000000" pitchFamily="34" charset="-128"/>
+            </a:endParaRPr>
+          </a:p>
+        </p:txBody>
+      </p:sp>
+      <p:sp>
+        <p:nvSpPr>
+          <p:cNvPr id="6" name="AutoShape 6">
+            <a:extLst>
+              <a:ext uri="{FF2B5EF4-FFF2-40B4-BE49-F238E27FC236}">
+                <a16:creationId xmlns:a16="http://schemas.microsoft.com/office/drawing/2014/main" id="{338BD1D2-FB05-CC02-B8FC-7F69ECA0FD79}"/>
+              </a:ext>
+            </a:extLst>
+          </p:cNvPr>
+          <p:cNvSpPr/>
+          <p:nvPr/>
+        </p:nvSpPr>
+        <p:spPr>
+          <a:xfrm>
+            <a:off x="857250" y="9239250"/>
+            <a:ext cx="16573500" cy="0"/>
+          </a:xfrm>
+          <a:prstGeom prst="line">
+            <a:avLst/>
+          </a:prstGeom>
+          <a:ln w="19050" cap="flat">
+            <a:solidFill>
+              <a:srgbClr val="1B1B1B"/>
+            </a:solidFill>
+            <a:prstDash val="solid"/>
+            <a:headEnd type="none" w="sm" len="sm"/>
+            <a:tailEnd type="none" w="sm" len="sm"/>
+          </a:ln>
+        </p:spPr>
+        <p:txBody>
+          <a:bodyPr/>
+          <a:lstStyle/>
+          <a:p>
+            <a:endParaRPr lang="ja-JP" altLang="en-US">
+              <a:latin typeface="Yu Gothic" panose="020B0400000000000000" pitchFamily="34" charset="-128"/>
+              <a:ea typeface="Yu Gothic" panose="020B0400000000000000" pitchFamily="34" charset="-128"/>
+            </a:endParaRPr>
+          </a:p>
+        </p:txBody>
+      </p:sp>
+      <p:grpSp>
+        <p:nvGrpSpPr>
+          <p:cNvPr id="7" name="Group 7">
+            <a:extLst>
+              <a:ext uri="{FF2B5EF4-FFF2-40B4-BE49-F238E27FC236}">
+                <a16:creationId xmlns:a16="http://schemas.microsoft.com/office/drawing/2014/main" id="{B6D54C10-4133-CE15-0D6B-48DF3A199B18}"/>
+              </a:ext>
+            </a:extLst>
+          </p:cNvPr>
+          <p:cNvGrpSpPr/>
+          <p:nvPr/>
+        </p:nvGrpSpPr>
+        <p:grpSpPr>
+          <a:xfrm>
+            <a:off x="1282599" y="650625"/>
+            <a:ext cx="1213487" cy="1720205"/>
+            <a:chOff x="0" y="0"/>
+            <a:chExt cx="319601" cy="453058"/>
+          </a:xfrm>
+        </p:grpSpPr>
+        <p:sp>
+          <p:nvSpPr>
+            <p:cNvPr id="8" name="Freeform 8">
+              <a:extLst>
+                <a:ext uri="{FF2B5EF4-FFF2-40B4-BE49-F238E27FC236}">
+                  <a16:creationId xmlns:a16="http://schemas.microsoft.com/office/drawing/2014/main" id="{52C59789-4807-9FF0-89D3-0C1ADD1E2830}"/>
+                </a:ext>
+              </a:extLst>
+            </p:cNvPr>
+            <p:cNvSpPr/>
+            <p:nvPr/>
+          </p:nvSpPr>
+          <p:spPr>
+            <a:xfrm>
+              <a:off x="0" y="0"/>
+              <a:ext cx="319601" cy="453058"/>
+            </a:xfrm>
+            <a:custGeom>
+              <a:avLst/>
+              <a:gdLst/>
+              <a:ahLst/>
+              <a:cxnLst/>
+              <a:rect l="l" t="t" r="r" b="b"/>
+              <a:pathLst>
+                <a:path w="319601" h="453058">
+                  <a:moveTo>
+                    <a:pt x="0" y="0"/>
+                  </a:moveTo>
+                  <a:lnTo>
+                    <a:pt x="319601" y="0"/>
+                  </a:lnTo>
+                  <a:lnTo>
+                    <a:pt x="319601" y="453058"/>
+                  </a:lnTo>
+                  <a:lnTo>
+                    <a:pt x="0" y="453058"/>
+                  </a:lnTo>
+                  <a:close/>
+                </a:path>
+              </a:pathLst>
+            </a:custGeom>
+            <a:solidFill>
+              <a:srgbClr val="1B1B1B"/>
+            </a:solidFill>
+          </p:spPr>
+          <p:txBody>
+            <a:bodyPr/>
+            <a:lstStyle/>
+            <a:p>
+              <a:endParaRPr lang="ja-JP" altLang="en-US">
+                <a:latin typeface="Yu Gothic" panose="020B0400000000000000" pitchFamily="34" charset="-128"/>
+                <a:ea typeface="Yu Gothic" panose="020B0400000000000000" pitchFamily="34" charset="-128"/>
+              </a:endParaRPr>
+            </a:p>
+          </p:txBody>
+        </p:sp>
+        <p:sp>
+          <p:nvSpPr>
+            <p:cNvPr id="9" name="TextBox 9">
+              <a:extLst>
+                <a:ext uri="{FF2B5EF4-FFF2-40B4-BE49-F238E27FC236}">
+                  <a16:creationId xmlns:a16="http://schemas.microsoft.com/office/drawing/2014/main" id="{95775310-D832-2E09-24CD-6AEB005C885A}"/>
+                </a:ext>
+              </a:extLst>
+            </p:cNvPr>
+            <p:cNvSpPr txBox="1"/>
+            <p:nvPr/>
+          </p:nvSpPr>
+          <p:spPr>
+            <a:xfrm>
+              <a:off x="0" y="-47625"/>
+              <a:ext cx="319601" cy="500683"/>
+            </a:xfrm>
+            <a:prstGeom prst="rect">
+              <a:avLst/>
+            </a:prstGeom>
+          </p:spPr>
+          <p:txBody>
+            <a:bodyPr lIns="50800" tIns="50800" rIns="50800" bIns="50800" rtlCol="0" anchor="ctr"/>
+            <a:lstStyle/>
+            <a:p>
+              <a:pPr algn="ctr">
+                <a:lnSpc>
+                  <a:spcPts val="3359"/>
+                </a:lnSpc>
+              </a:pPr>
+              <a:endParaRPr>
+                <a:latin typeface="Yu Gothic" panose="020B0400000000000000" pitchFamily="34" charset="-128"/>
+                <a:ea typeface="Yu Gothic" panose="020B0400000000000000" pitchFamily="34" charset="-128"/>
+              </a:endParaRPr>
+            </a:p>
+          </p:txBody>
+        </p:sp>
+      </p:grpSp>
+      <p:sp>
+        <p:nvSpPr>
+          <p:cNvPr id="12" name="TextBox 12">
+            <a:extLst>
+              <a:ext uri="{FF2B5EF4-FFF2-40B4-BE49-F238E27FC236}">
+                <a16:creationId xmlns:a16="http://schemas.microsoft.com/office/drawing/2014/main" id="{6A4C04EF-4C53-AAE8-C4BE-8AB35F619B14}"/>
+              </a:ext>
+            </a:extLst>
+          </p:cNvPr>
+          <p:cNvSpPr txBox="1"/>
+          <p:nvPr/>
+        </p:nvSpPr>
+        <p:spPr>
+          <a:xfrm>
+            <a:off x="2949343" y="1371153"/>
+            <a:ext cx="14309957" cy="596317"/>
           </a:xfrm>
           <a:prstGeom prst="rect">
             <a:avLst/>
           </a:prstGeom>
-          <a:ln>
-            <a:solidFill>
-              <a:schemeClr val="tx1"/>
-            </a:solidFill>
-          </a:ln>
         </p:spPr>
-      </p:pic>
-      <p:pic>
-        <p:nvPicPr>
-          <p:cNvPr id="25" name="図 24" descr="グラフィカル ユーザー インターフェイス, アプリケーション&#10;&#10;AI 生成コンテンツは誤りを含む可能性があります。">
-            <a:extLst>
-              <a:ext uri="{FF2B5EF4-FFF2-40B4-BE49-F238E27FC236}">
-                <a16:creationId xmlns:a16="http://schemas.microsoft.com/office/drawing/2014/main" id="{4562BECF-EEE8-C59D-8702-25608496C03B}"/>
-              </a:ext>
-            </a:extLst>
-          </p:cNvPr>
-          <p:cNvPicPr>
-            <a:picLocks noChangeAspect="1"/>
-          </p:cNvPicPr>
+        <p:txBody>
+          <a:bodyPr lIns="0" tIns="0" rIns="0" bIns="0" rtlCol="0" anchor="t">
+            <a:spAutoFit/>
+          </a:bodyPr>
+          <a:lstStyle/>
+          <a:p>
+            <a:pPr algn="l">
+              <a:lnSpc>
+                <a:spcPts val="4900"/>
+              </a:lnSpc>
+            </a:pPr>
+            <a:r>
+              <a:rPr lang="ja-JP" altLang="en-US" sz="3500" b="1" spc="175">
+                <a:solidFill>
+                  <a:srgbClr val="1B1B1B"/>
+                </a:solidFill>
+                <a:latin typeface="Yu Gothic" panose="020B0400000000000000" pitchFamily="34" charset="-128"/>
+                <a:ea typeface="Yu Gothic" panose="020B0400000000000000" pitchFamily="34" charset="-128"/>
+                <a:cs typeface="Noto Sans JP Heavy"/>
+                <a:sym typeface="Noto Sans JP Heavy"/>
+              </a:rPr>
+              <a:t>ユーザーアクション</a:t>
+            </a:r>
+            <a:r>
+              <a:rPr lang="en-US" altLang="ja-JP" sz="3500" b="1" spc="175" dirty="0">
+                <a:solidFill>
+                  <a:srgbClr val="1B1B1B"/>
+                </a:solidFill>
+                <a:latin typeface="Yu Gothic" panose="020B0400000000000000" pitchFamily="34" charset="-128"/>
+                <a:ea typeface="Yu Gothic" panose="020B0400000000000000" pitchFamily="34" charset="-128"/>
+                <a:cs typeface="Noto Sans JP Heavy"/>
+                <a:sym typeface="Noto Sans JP Heavy"/>
+              </a:rPr>
+              <a:t> – </a:t>
+            </a:r>
+            <a:r>
+              <a:rPr lang="ja-JP" altLang="en-US" sz="3500" b="1" spc="175">
+                <a:solidFill>
+                  <a:srgbClr val="1B1B1B"/>
+                </a:solidFill>
+                <a:latin typeface="Yu Gothic" panose="020B0400000000000000" pitchFamily="34" charset="-128"/>
+                <a:ea typeface="Yu Gothic" panose="020B0400000000000000" pitchFamily="34" charset="-128"/>
+                <a:cs typeface="Noto Sans JP Heavy"/>
+                <a:sym typeface="Noto Sans JP Heavy"/>
+              </a:rPr>
+              <a:t>マッチング</a:t>
+            </a:r>
+            <a:endParaRPr lang="en-US" sz="3500" b="1" spc="175" dirty="0">
+              <a:solidFill>
+                <a:srgbClr val="1B1B1B"/>
+              </a:solidFill>
+              <a:latin typeface="Yu Gothic" panose="020B0400000000000000" pitchFamily="34" charset="-128"/>
+              <a:ea typeface="Yu Gothic" panose="020B0400000000000000" pitchFamily="34" charset="-128"/>
+              <a:cs typeface="Noto Sans JP Heavy"/>
+              <a:sym typeface="Noto Sans JP Heavy"/>
+            </a:endParaRPr>
+          </a:p>
+        </p:txBody>
+      </p:sp>
+      <p:sp>
+        <p:nvSpPr>
+          <p:cNvPr id="13" name="TextBox 13">
+            <a:extLst>
+              <a:ext uri="{FF2B5EF4-FFF2-40B4-BE49-F238E27FC236}">
+                <a16:creationId xmlns:a16="http://schemas.microsoft.com/office/drawing/2014/main" id="{F5D53381-3C5C-441A-E0DF-0277C4974B01}"/>
+              </a:ext>
+            </a:extLst>
+          </p:cNvPr>
+          <p:cNvSpPr txBox="1"/>
           <p:nvPr/>
-        </p:nvPicPr>
-        <p:blipFill>
-          <a:blip r:embed="rId5">
-            <a:extLst>
-              <a:ext uri="{28A0092B-C50C-407E-A947-70E740481C1C}">
-                <a14:useLocalDpi xmlns:a14="http://schemas.microsoft.com/office/drawing/2010/main" val="0"/>
-              </a:ext>
-            </a:extLst>
-          </a:blip>
-          <a:srcRect l="26874" r="25228" b="45325"/>
-          <a:stretch>
-            <a:fillRect/>
-          </a:stretch>
-        </p:blipFill>
+        </p:nvSpPr>
         <p:spPr>
           <a:xfrm>
-            <a:off x="1461953" y="4105574"/>
-            <a:ext cx="5108001" cy="3276293"/>
+            <a:off x="1461953" y="1228278"/>
+            <a:ext cx="854779" cy="733425"/>
           </a:xfrm>
           <a:prstGeom prst="rect">
             <a:avLst/>
           </a:prstGeom>
-          <a:ln>
-            <a:solidFill>
-              <a:schemeClr val="tx1"/>
-            </a:solidFill>
-          </a:ln>
         </p:spPr>
-      </p:pic>
-      <p:pic>
-        <p:nvPicPr>
-          <p:cNvPr id="29" name="図 28" descr="グラフィカル ユーザー インターフェイス, アプリケーション&#10;&#10;AI 生成コンテンツは誤りを含む可能性があります。">
-            <a:extLst>
-              <a:ext uri="{FF2B5EF4-FFF2-40B4-BE49-F238E27FC236}">
-                <a16:creationId xmlns:a16="http://schemas.microsoft.com/office/drawing/2014/main" id="{1D4BED2D-EBAA-EECD-8585-CDB1BEBF080C}"/>
-              </a:ext>
-            </a:extLst>
-          </p:cNvPr>
-          <p:cNvPicPr>
-            <a:picLocks noChangeAspect="1"/>
-          </p:cNvPicPr>
+        <p:txBody>
+          <a:bodyPr lIns="0" tIns="0" rIns="0" bIns="0" rtlCol="0" anchor="t">
+            <a:spAutoFit/>
+          </a:bodyPr>
+          <a:lstStyle/>
+          <a:p>
+            <a:pPr marL="0" lvl="0" indent="0" algn="ctr">
+              <a:lnSpc>
+                <a:spcPts val="6300"/>
+              </a:lnSpc>
+              <a:spcBef>
+                <a:spcPct val="0"/>
+              </a:spcBef>
+            </a:pPr>
+            <a:r>
+              <a:rPr lang="en-US" sz="3500" b="1" u="none" strike="noStrike" dirty="0">
+                <a:solidFill>
+                  <a:srgbClr val="FAFAFA"/>
+                </a:solidFill>
+                <a:latin typeface="Yu Gothic" panose="020B0400000000000000" pitchFamily="34" charset="-128"/>
+                <a:ea typeface="Yu Gothic" panose="020B0400000000000000" pitchFamily="34" charset="-128"/>
+                <a:cs typeface="Open Sans Bold"/>
+                <a:sym typeface="Open Sans Bold"/>
+              </a:rPr>
+              <a:t>04</a:t>
+            </a:r>
+          </a:p>
+        </p:txBody>
+      </p:sp>
+      <p:sp>
+        <p:nvSpPr>
+          <p:cNvPr id="10" name="テキスト ボックス 9">
+            <a:extLst>
+              <a:ext uri="{FF2B5EF4-FFF2-40B4-BE49-F238E27FC236}">
+                <a16:creationId xmlns:a16="http://schemas.microsoft.com/office/drawing/2014/main" id="{F41F76B9-2DD7-C940-7C40-75CA5C27DF7E}"/>
+              </a:ext>
+            </a:extLst>
+          </p:cNvPr>
+          <p:cNvSpPr txBox="1"/>
           <p:nvPr/>
-        </p:nvPicPr>
-        <p:blipFill>
-          <a:blip r:embed="rId6">
-            <a:extLst>
-              <a:ext uri="{28A0092B-C50C-407E-A947-70E740481C1C}">
-                <a14:useLocalDpi xmlns:a14="http://schemas.microsoft.com/office/drawing/2010/main" val="0"/>
-              </a:ext>
-            </a:extLst>
-          </a:blip>
-          <a:srcRect l="24492" r="24875" b="25072"/>
-          <a:stretch>
-            <a:fillRect/>
-          </a:stretch>
-        </p:blipFill>
+        </p:nvSpPr>
         <p:spPr>
           <a:xfrm>
-            <a:off x="7570754" y="5819622"/>
-            <a:ext cx="3935446" cy="3276284"/>
+            <a:off x="6698887" y="4931267"/>
+            <a:ext cx="3416320" cy="1015663"/>
           </a:xfrm>
           <a:prstGeom prst="rect">
             <a:avLst/>
           </a:prstGeom>
-          <a:ln>
-            <a:solidFill>
-              <a:schemeClr val="tx1"/>
-            </a:solidFill>
-          </a:ln>
+          <a:noFill/>
         </p:spPr>
-      </p:pic>
-      <p:cxnSp>
-        <p:nvCxnSpPr>
-          <p:cNvPr id="31" name="直線矢印コネクタ 30">
-            <a:extLst>
-              <a:ext uri="{FF2B5EF4-FFF2-40B4-BE49-F238E27FC236}">
-                <a16:creationId xmlns:a16="http://schemas.microsoft.com/office/drawing/2014/main" id="{6BBEA3F9-BA74-1B7C-E26A-3023D2676331}"/>
-              </a:ext>
-            </a:extLst>
-          </p:cNvPr>
-          <p:cNvCxnSpPr>
-            <a:cxnSpLocks/>
-            <a:endCxn id="21" idx="1"/>
-          </p:cNvCxnSpPr>
-          <p:nvPr/>
-        </p:nvCxnSpPr>
-        <p:spPr>
-          <a:xfrm flipV="1">
-            <a:off x="4953000" y="4024099"/>
-            <a:ext cx="2617754" cy="1652179"/>
-          </a:xfrm>
-          <a:prstGeom prst="straightConnector1">
-            <a:avLst/>
-          </a:prstGeom>
-          <a:ln w="76200">
-            <a:solidFill>
-              <a:schemeClr val="tx1"/>
-            </a:solidFill>
-            <a:tailEnd type="triangle"/>
-          </a:ln>
-        </p:spPr>
-        <p:style>
-          <a:lnRef idx="1">
-            <a:schemeClr val="accent1"/>
-          </a:lnRef>
-          <a:fillRef idx="0">
-            <a:schemeClr val="accent1"/>
-          </a:fillRef>
-          <a:effectRef idx="0">
-            <a:schemeClr val="accent1"/>
-          </a:effectRef>
-          <a:fontRef idx="minor">
-            <a:schemeClr val="tx1"/>
-          </a:fontRef>
-        </p:style>
-      </p:cxnSp>
-      <p:cxnSp>
-        <p:nvCxnSpPr>
-          <p:cNvPr id="32" name="直線矢印コネクタ 31">
-            <a:extLst>
-              <a:ext uri="{FF2B5EF4-FFF2-40B4-BE49-F238E27FC236}">
-                <a16:creationId xmlns:a16="http://schemas.microsoft.com/office/drawing/2014/main" id="{B7E76434-93E9-E258-63A3-9D6EE406F70B}"/>
-              </a:ext>
-            </a:extLst>
-          </p:cNvPr>
-          <p:cNvCxnSpPr>
-            <a:cxnSpLocks/>
-          </p:cNvCxnSpPr>
-          <p:nvPr/>
-        </p:nvCxnSpPr>
-        <p:spPr>
-          <a:xfrm>
-            <a:off x="4953000" y="5971403"/>
-            <a:ext cx="2617754" cy="1588956"/>
-          </a:xfrm>
-          <a:prstGeom prst="straightConnector1">
-            <a:avLst/>
-          </a:prstGeom>
-          <a:ln w="76200">
-            <a:solidFill>
-              <a:schemeClr val="tx1"/>
-            </a:solidFill>
-            <a:tailEnd type="triangle"/>
-          </a:ln>
-        </p:spPr>
-        <p:style>
-          <a:lnRef idx="1">
-            <a:schemeClr val="accent1"/>
-          </a:lnRef>
-          <a:fillRef idx="0">
-            <a:schemeClr val="accent1"/>
-          </a:fillRef>
-          <a:effectRef idx="0">
-            <a:schemeClr val="accent1"/>
-          </a:effectRef>
-          <a:fontRef idx="minor">
-            <a:schemeClr val="tx1"/>
-          </a:fontRef>
-        </p:style>
-      </p:cxnSp>
-      <p:cxnSp>
-        <p:nvCxnSpPr>
-          <p:cNvPr id="34" name="直線矢印コネクタ 33">
-            <a:extLst>
-              <a:ext uri="{FF2B5EF4-FFF2-40B4-BE49-F238E27FC236}">
-                <a16:creationId xmlns:a16="http://schemas.microsoft.com/office/drawing/2014/main" id="{705255AF-CA92-C236-AEA8-DE51202750BA}"/>
-              </a:ext>
-            </a:extLst>
-          </p:cNvPr>
-          <p:cNvCxnSpPr>
-            <a:cxnSpLocks/>
-            <a:stCxn id="29" idx="3"/>
-            <a:endCxn id="23" idx="1"/>
-          </p:cNvCxnSpPr>
-          <p:nvPr/>
-        </p:nvCxnSpPr>
-        <p:spPr>
-          <a:xfrm flipV="1">
-            <a:off x="11506200" y="5743725"/>
-            <a:ext cx="1295400" cy="1714039"/>
-          </a:xfrm>
-          <a:prstGeom prst="straightConnector1">
-            <a:avLst/>
-          </a:prstGeom>
-          <a:ln w="76200">
-            <a:solidFill>
-              <a:schemeClr val="tx1"/>
-            </a:solidFill>
-            <a:tailEnd type="triangle"/>
-          </a:ln>
-        </p:spPr>
-        <p:style>
-          <a:lnRef idx="1">
-            <a:schemeClr val="accent1"/>
-          </a:lnRef>
-          <a:fillRef idx="0">
-            <a:schemeClr val="accent1"/>
-          </a:fillRef>
-          <a:effectRef idx="0">
-            <a:schemeClr val="accent1"/>
-          </a:effectRef>
-          <a:fontRef idx="minor">
-            <a:schemeClr val="tx1"/>
-          </a:fontRef>
-        </p:style>
-      </p:cxnSp>
-      <p:cxnSp>
-        <p:nvCxnSpPr>
-          <p:cNvPr id="37" name="直線矢印コネクタ 36">
-            <a:extLst>
-              <a:ext uri="{FF2B5EF4-FFF2-40B4-BE49-F238E27FC236}">
-                <a16:creationId xmlns:a16="http://schemas.microsoft.com/office/drawing/2014/main" id="{33550B55-2A80-D58A-1DA4-9E053657DB56}"/>
-              </a:ext>
-            </a:extLst>
-          </p:cNvPr>
-          <p:cNvCxnSpPr>
-            <a:cxnSpLocks/>
-            <a:stCxn id="21" idx="3"/>
-            <a:endCxn id="23" idx="1"/>
-          </p:cNvCxnSpPr>
-          <p:nvPr/>
-        </p:nvCxnSpPr>
-        <p:spPr>
-          <a:xfrm>
-            <a:off x="11506200" y="4024099"/>
-            <a:ext cx="1295400" cy="1719626"/>
-          </a:xfrm>
-          <a:prstGeom prst="straightConnector1">
-            <a:avLst/>
-          </a:prstGeom>
-          <a:ln w="76200">
-            <a:solidFill>
-              <a:schemeClr val="tx1"/>
-            </a:solidFill>
-            <a:tailEnd type="triangle"/>
-          </a:ln>
-        </p:spPr>
-        <p:style>
-          <a:lnRef idx="1">
-            <a:schemeClr val="accent1"/>
-          </a:lnRef>
-          <a:fillRef idx="0">
-            <a:schemeClr val="accent1"/>
-          </a:fillRef>
-          <a:effectRef idx="0">
-            <a:schemeClr val="accent1"/>
-          </a:effectRef>
-          <a:fontRef idx="minor">
-            <a:schemeClr val="tx1"/>
-          </a:fontRef>
-        </p:style>
-      </p:cxnSp>
+        <p:txBody>
+          <a:bodyPr wrap="none" rtlCol="0">
+            <a:spAutoFit/>
+          </a:bodyPr>
+          <a:lstStyle/>
+          <a:p>
+            <a:r>
+              <a:rPr kumimoji="1" lang="ja-JP" altLang="en-US" sz="6000">
+                <a:highlight>
+                  <a:srgbClr val="FFFF00"/>
+                </a:highlight>
+              </a:rPr>
+              <a:t>あとでかく</a:t>
+            </a:r>
+          </a:p>
+        </p:txBody>
+      </p:sp>
     </p:spTree>
     <p:extLst>
       <p:ext uri="{BB962C8B-B14F-4D97-AF65-F5344CB8AC3E}">
-        <p14:creationId xmlns:p14="http://schemas.microsoft.com/office/powerpoint/2010/main" val="2648025193"/>
+        <p14:creationId xmlns:p14="http://schemas.microsoft.com/office/powerpoint/2010/main" val="2574859237"/>
       </p:ext>
     </p:extLst>
   </p:cSld>

--- a/docs/ミーティング/発表資料/25_0725_進捗.pptx
+++ b/docs/ミーティング/発表資料/25_0725_進捗.pptx
@@ -29,6 +29,10 @@
       <p:font typeface="游ゴシック" panose="020B0400000000000000" pitchFamily="34" charset="-128"/>
       <p:regular r:id="rId11"/>
       <p:bold r:id="rId12"/>
+    </p:embeddedFont>
+    <p:embeddedFont>
+      <p:font typeface="Cambria Math" panose="02040503050406030204" pitchFamily="18" charset="0"/>
+      <p:regular r:id="rId13"/>
     </p:embeddedFont>
   </p:embeddedFontLst>
   <p:defaultTextStyle>
@@ -227,7 +231,7 @@
           <a:p>
             <a:fld id="{5315D7B3-D8F9-DB42-9752-C640A49B89F2}" type="datetimeFigureOut">
               <a:rPr kumimoji="1" lang="ja-JP" altLang="en-US" smtClean="0"/>
-              <a:t>2025/7/21</a:t>
+              <a:t>2025/7/22</a:t>
             </a:fld>
             <a:endParaRPr kumimoji="1" lang="ja-JP" altLang="en-US"/>
           </a:p>
@@ -1478,7 +1482,7 @@
             <a:fld id="{1D8BD707-D9CF-40AE-B4C6-C98DA3205C09}" type="datetimeFigureOut">
               <a:rPr lang="en-US" smtClean="0"/>
               <a:pPr/>
-              <a:t>7/21/25</a:t>
+              <a:t>7/22/25</a:t>
             </a:fld>
             <a:endParaRPr lang="en-US"/>
           </a:p>
@@ -1643,7 +1647,7 @@
             <a:fld id="{1D8BD707-D9CF-40AE-B4C6-C98DA3205C09}" type="datetimeFigureOut">
               <a:rPr lang="en-US" smtClean="0"/>
               <a:pPr/>
-              <a:t>7/21/25</a:t>
+              <a:t>7/22/25</a:t>
             </a:fld>
             <a:endParaRPr lang="en-US"/>
           </a:p>
@@ -1818,7 +1822,7 @@
             <a:fld id="{1D8BD707-D9CF-40AE-B4C6-C98DA3205C09}" type="datetimeFigureOut">
               <a:rPr lang="en-US" smtClean="0"/>
               <a:pPr/>
-              <a:t>7/21/25</a:t>
+              <a:t>7/22/25</a:t>
             </a:fld>
             <a:endParaRPr lang="en-US"/>
           </a:p>
@@ -1983,7 +1987,7 @@
             <a:fld id="{1D8BD707-D9CF-40AE-B4C6-C98DA3205C09}" type="datetimeFigureOut">
               <a:rPr lang="en-US" smtClean="0"/>
               <a:pPr/>
-              <a:t>7/21/25</a:t>
+              <a:t>7/22/25</a:t>
             </a:fld>
             <a:endParaRPr lang="en-US"/>
           </a:p>
@@ -2225,7 +2229,7 @@
             <a:fld id="{1D8BD707-D9CF-40AE-B4C6-C98DA3205C09}" type="datetimeFigureOut">
               <a:rPr lang="en-US" smtClean="0"/>
               <a:pPr/>
-              <a:t>7/21/25</a:t>
+              <a:t>7/22/25</a:t>
             </a:fld>
             <a:endParaRPr lang="en-US"/>
           </a:p>
@@ -2507,7 +2511,7 @@
             <a:fld id="{1D8BD707-D9CF-40AE-B4C6-C98DA3205C09}" type="datetimeFigureOut">
               <a:rPr lang="en-US" smtClean="0"/>
               <a:pPr/>
-              <a:t>7/21/25</a:t>
+              <a:t>7/22/25</a:t>
             </a:fld>
             <a:endParaRPr lang="en-US"/>
           </a:p>
@@ -2923,7 +2927,7 @@
             <a:fld id="{1D8BD707-D9CF-40AE-B4C6-C98DA3205C09}" type="datetimeFigureOut">
               <a:rPr lang="en-US" smtClean="0"/>
               <a:pPr/>
-              <a:t>7/21/25</a:t>
+              <a:t>7/22/25</a:t>
             </a:fld>
             <a:endParaRPr lang="en-US"/>
           </a:p>
@@ -3037,7 +3041,7 @@
             <a:fld id="{1D8BD707-D9CF-40AE-B4C6-C98DA3205C09}" type="datetimeFigureOut">
               <a:rPr lang="en-US" smtClean="0"/>
               <a:pPr/>
-              <a:t>7/21/25</a:t>
+              <a:t>7/22/25</a:t>
             </a:fld>
             <a:endParaRPr lang="en-US"/>
           </a:p>
@@ -3129,7 +3133,7 @@
             <a:fld id="{1D8BD707-D9CF-40AE-B4C6-C98DA3205C09}" type="datetimeFigureOut">
               <a:rPr lang="en-US" smtClean="0"/>
               <a:pPr/>
-              <a:t>7/21/25</a:t>
+              <a:t>7/22/25</a:t>
             </a:fld>
             <a:endParaRPr lang="en-US"/>
           </a:p>
@@ -3401,7 +3405,7 @@
             <a:fld id="{1D8BD707-D9CF-40AE-B4C6-C98DA3205C09}" type="datetimeFigureOut">
               <a:rPr lang="en-US" smtClean="0"/>
               <a:pPr/>
-              <a:t>7/21/25</a:t>
+              <a:t>7/22/25</a:t>
             </a:fld>
             <a:endParaRPr lang="en-US"/>
           </a:p>
@@ -3650,7 +3654,7 @@
             <a:fld id="{1D8BD707-D9CF-40AE-B4C6-C98DA3205C09}" type="datetimeFigureOut">
               <a:rPr lang="en-US" smtClean="0"/>
               <a:pPr/>
-              <a:t>7/21/25</a:t>
+              <a:t>7/22/25</a:t>
             </a:fld>
             <a:endParaRPr lang="en-US"/>
           </a:p>
@@ -3858,7 +3862,7 @@
             <a:fld id="{1D8BD707-D9CF-40AE-B4C6-C98DA3205C09}" type="datetimeFigureOut">
               <a:rPr lang="en-US" smtClean="0"/>
               <a:pPr/>
-              <a:t>7/21/25</a:t>
+              <a:t>7/22/25</a:t>
             </a:fld>
             <a:endParaRPr lang="en-US"/>
           </a:p>
@@ -8911,8 +8915,8 @@
               <a:r>
                 <a:rPr kumimoji="1" lang="en-US" altLang="ja-JP" sz="2400" b="1" dirty="0">
                   <a:solidFill>
-                    <a:schemeClr val="tx2">
-                      <a:lumMod val="75000"/>
+                    <a:schemeClr val="bg1">
+                      <a:lumMod val="85000"/>
                     </a:schemeClr>
                   </a:solidFill>
                   <a:latin typeface="Yu Gothic" panose="020B0400000000000000" pitchFamily="34" charset="-128"/>
@@ -8922,8 +8926,8 @@
               </a:r>
               <a:endParaRPr kumimoji="1" lang="ja-JP" altLang="en-US" sz="2400" b="1">
                 <a:solidFill>
-                  <a:schemeClr val="tx2">
-                    <a:lumMod val="75000"/>
+                  <a:schemeClr val="bg1">
+                    <a:lumMod val="85000"/>
                   </a:schemeClr>
                 </a:solidFill>
                 <a:latin typeface="Yu Gothic" panose="020B0400000000000000" pitchFamily="34" charset="-128"/>
@@ -9020,8 +9024,8 @@
               <a:r>
                 <a:rPr kumimoji="1" lang="en-US" altLang="ja-JP" sz="2400" b="1" dirty="0">
                   <a:solidFill>
-                    <a:schemeClr val="tx2">
-                      <a:lumMod val="75000"/>
+                    <a:schemeClr val="bg1">
+                      <a:lumMod val="85000"/>
                     </a:schemeClr>
                   </a:solidFill>
                   <a:latin typeface="Yu Gothic" panose="020B0400000000000000" pitchFamily="34" charset="-128"/>
@@ -9031,8 +9035,8 @@
               </a:r>
               <a:endParaRPr kumimoji="1" lang="ja-JP" altLang="en-US" sz="2400" b="1">
                 <a:solidFill>
-                  <a:schemeClr val="tx2">
-                    <a:lumMod val="75000"/>
+                  <a:schemeClr val="bg1">
+                    <a:lumMod val="85000"/>
                   </a:schemeClr>
                 </a:solidFill>
                 <a:latin typeface="Yu Gothic" panose="020B0400000000000000" pitchFamily="34" charset="-128"/>
@@ -9784,8 +9788,8 @@
               <a:r>
                 <a:rPr kumimoji="1" lang="ja-JP" altLang="en-US" sz="2400" b="1">
                   <a:solidFill>
-                    <a:schemeClr val="tx2">
-                      <a:lumMod val="75000"/>
+                    <a:schemeClr val="bg1">
+                      <a:lumMod val="85000"/>
                     </a:schemeClr>
                   </a:solidFill>
                   <a:latin typeface="Yu Gothic" panose="020B0400000000000000" pitchFamily="34" charset="-128"/>
@@ -11584,6 +11588,61 @@
           </a:p>
         </p:txBody>
       </p:sp>
+      <p:sp>
+        <p:nvSpPr>
+          <p:cNvPr id="11" name="テキスト ボックス 10">
+            <a:extLst>
+              <a:ext uri="{FF2B5EF4-FFF2-40B4-BE49-F238E27FC236}">
+                <a16:creationId xmlns:a16="http://schemas.microsoft.com/office/drawing/2014/main" id="{0949330A-C774-ADA9-546F-B13EC16A428A}"/>
+              </a:ext>
+            </a:extLst>
+          </p:cNvPr>
+          <p:cNvSpPr txBox="1"/>
+          <p:nvPr/>
+        </p:nvSpPr>
+        <p:spPr>
+          <a:xfrm>
+            <a:off x="10129721" y="5241761"/>
+            <a:ext cx="3341236" cy="400110"/>
+          </a:xfrm>
+          <a:prstGeom prst="rect">
+            <a:avLst/>
+          </a:prstGeom>
+          <a:noFill/>
+        </p:spPr>
+        <p:txBody>
+          <a:bodyPr wrap="none" rtlCol="0">
+            <a:spAutoFit/>
+          </a:bodyPr>
+          <a:lstStyle/>
+          <a:p>
+            <a:r>
+              <a:rPr kumimoji="1" lang="ja-JP" altLang="en-US" sz="2000">
+                <a:highlight>
+                  <a:srgbClr val="FFF3B9"/>
+                </a:highlight>
+              </a:rPr>
+              <a:t>全体を</a:t>
+            </a:r>
+            <a:r>
+              <a:rPr kumimoji="1" lang="en-US" altLang="ja-JP" sz="2000" dirty="0">
+                <a:highlight>
+                  <a:srgbClr val="FFF3B9"/>
+                </a:highlight>
+              </a:rPr>
+              <a:t>Web</a:t>
+            </a:r>
+            <a:r>
+              <a:rPr kumimoji="1" lang="ja-JP" altLang="en-US" sz="2000">
+                <a:highlight>
+                  <a:srgbClr val="FFF3B9"/>
+                </a:highlight>
+              </a:rPr>
+              <a:t>ページに表示する</a:t>
+            </a:r>
+          </a:p>
+        </p:txBody>
+      </p:sp>
     </p:spTree>
     <p:extLst>
       <p:ext uri="{BB962C8B-B14F-4D97-AF65-F5344CB8AC3E}">
@@ -12749,8 +12808,8 @@
             </a:p>
           </p:txBody>
         </p:sp>
-        <mc:AlternateContent xmlns:mc="http://schemas.openxmlformats.org/markup-compatibility/2006">
-          <mc:Choice xmlns:a14="http://schemas.microsoft.com/office/drawing/2010/main" Requires="a14">
+        <mc:AlternateContent xmlns:mc="http://schemas.openxmlformats.org/markup-compatibility/2006" xmlns:a14="http://schemas.microsoft.com/office/drawing/2010/main">
+          <mc:Choice Requires="a14">
             <p:sp>
               <p:nvSpPr>
                 <p:cNvPr id="16" name="テキスト ボックス 15">
@@ -12795,6 +12854,7 @@
                   </a:endParaRPr>
                 </a:p>
                 <a:p>
+                  <a:pPr/>
                   <a14:m>
                     <m:oMathPara xmlns:m="http://schemas.openxmlformats.org/officeDocument/2006/math">
                       <m:oMathParaPr>
@@ -12805,7 +12865,7 @@
                           <m:funcPr>
                             <m:ctrlPr>
                               <a:rPr kumimoji="1" lang="en-US" altLang="ja-JP" sz="3600" i="1" smtClean="0">
-                                <a:latin typeface="+mn-ea"/>
+                                <a:latin typeface="Cambria Math" panose="02040503050406030204" pitchFamily="18" charset="0"/>
                               </a:rPr>
                             </m:ctrlPr>
                           </m:funcPr>
@@ -12814,7 +12874,7 @@
                               <m:limLowPr>
                                 <m:ctrlPr>
                                   <a:rPr kumimoji="1" lang="en-US" altLang="ja-JP" sz="3600" i="1" smtClean="0">
-                                    <a:latin typeface="+mn-ea"/>
+                                    <a:latin typeface="Cambria Math" panose="02040503050406030204" pitchFamily="18" charset="0"/>
                                   </a:rPr>
                                 </m:ctrlPr>
                               </m:limLowPr>
@@ -12824,7 +12884,7 @@
                                     <m:sty m:val="p"/>
                                   </m:rPr>
                                   <a:rPr kumimoji="1" lang="en-US" altLang="ja-JP" sz="3600" i="0" smtClean="0">
-                                    <a:latin typeface="+mn-ea"/>
+                                    <a:latin typeface="Cambria Math" panose="02040503050406030204" pitchFamily="18" charset="0"/>
                                   </a:rPr>
                                   <m:t>max</m:t>
                                 </m:r>
@@ -12832,19 +12892,19 @@
                               <m:lim>
                                 <m:r>
                                   <a:rPr kumimoji="1" lang="en-US" altLang="ja-JP" sz="3600" b="0" i="1" smtClean="0">
-                                    <a:latin typeface="+mn-ea"/>
+                                    <a:latin typeface="Cambria Math" panose="02040503050406030204" pitchFamily="18" charset="0"/>
                                   </a:rPr>
                                   <m:t>𝑖</m:t>
                                 </m:r>
                                 <m:r>
                                   <a:rPr kumimoji="1" lang="en-US" altLang="ja-JP" sz="3600" b="0" i="1" smtClean="0">
-                                    <a:latin typeface="+mn-ea"/>
+                                    <a:latin typeface="Cambria Math" panose="02040503050406030204" pitchFamily="18" charset="0"/>
                                   </a:rPr>
                                   <m:t>,</m:t>
                                 </m:r>
                                 <m:r>
                                   <a:rPr kumimoji="1" lang="en-US" altLang="ja-JP" sz="3600" b="0" i="1" smtClean="0">
-                                    <a:latin typeface="+mn-ea"/>
+                                    <a:latin typeface="Cambria Math" panose="02040503050406030204" pitchFamily="18" charset="0"/>
                                   </a:rPr>
                                   <m:t>𝑗</m:t>
                                 </m:r>
@@ -12856,14 +12916,14 @@
                               <m:sSubPr>
                                 <m:ctrlPr>
                                   <a:rPr kumimoji="1" lang="en-US" altLang="ja-JP" sz="3600" i="1">
-                                    <a:latin typeface="+mn-ea"/>
+                                    <a:latin typeface="Cambria Math" panose="02040503050406030204" pitchFamily="18" charset="0"/>
                                   </a:rPr>
                                 </m:ctrlPr>
                               </m:sSubPr>
                               <m:e>
                                 <m:r>
                                   <a:rPr kumimoji="1" lang="en-US" altLang="ja-JP" sz="3600" b="0" i="1" smtClean="0">
-                                    <a:latin typeface="+mn-ea"/>
+                                    <a:latin typeface="Cambria Math" panose="02040503050406030204" pitchFamily="18" charset="0"/>
                                   </a:rPr>
                                   <m:t> </m:t>
                                 </m:r>
@@ -12872,7 +12932,7 @@
                                     <m:sty m:val="p"/>
                                   </m:rPr>
                                   <a:rPr kumimoji="1" lang="el-GR" altLang="ja-JP" sz="3600" i="1">
-                                    <a:latin typeface="+mn-ea"/>
+                                    <a:latin typeface="Cambria Math" panose="02040503050406030204" pitchFamily="18" charset="0"/>
                                   </a:rPr>
                                   <m:t>Σ</m:t>
                                 </m:r>
@@ -12880,19 +12940,19 @@
                               <m:sub>
                                 <m:r>
                                   <a:rPr kumimoji="1" lang="en-US" altLang="ja-JP" sz="3600" i="1">
-                                    <a:latin typeface="+mn-ea"/>
+                                    <a:latin typeface="Cambria Math" panose="02040503050406030204" pitchFamily="18" charset="0"/>
                                   </a:rPr>
                                   <m:t>𝑖</m:t>
                                 </m:r>
                                 <m:r>
                                   <a:rPr kumimoji="1" lang="en-US" altLang="ja-JP" sz="3600" i="1">
-                                    <a:latin typeface="+mn-ea"/>
+                                    <a:latin typeface="Cambria Math" panose="02040503050406030204" pitchFamily="18" charset="0"/>
                                   </a:rPr>
                                   <m:t>,</m:t>
                                 </m:r>
                                 <m:r>
                                   <a:rPr kumimoji="1" lang="en-US" altLang="ja-JP" sz="3600" i="1">
-                                    <a:latin typeface="+mn-ea"/>
+                                    <a:latin typeface="Cambria Math" panose="02040503050406030204" pitchFamily="18" charset="0"/>
                                   </a:rPr>
                                   <m:t>𝑗</m:t>
                                 </m:r>
@@ -12902,7 +12962,7 @@
                               <m:sSubPr>
                                 <m:ctrlPr>
                                   <a:rPr kumimoji="1" lang="en-US" altLang="ja-JP" sz="3600" i="1">
-                                    <a:latin typeface="+mn-ea"/>
+                                    <a:latin typeface="Cambria Math" panose="02040503050406030204" pitchFamily="18" charset="0"/>
                                   </a:rPr>
                                 </m:ctrlPr>
                               </m:sSubPr>
@@ -12912,7 +12972,7 @@
                                     <m:sty m:val="p"/>
                                   </m:rPr>
                                   <a:rPr kumimoji="1" lang="en-US" altLang="ja-JP" sz="3600" i="1">
-                                    <a:latin typeface="+mn-ea"/>
+                                    <a:latin typeface="Cambria Math" panose="02040503050406030204" pitchFamily="18" charset="0"/>
                                   </a:rPr>
                                   <m:t>Σ</m:t>
                                 </m:r>
@@ -12920,7 +12980,7 @@
                               <m:sub>
                                 <m:r>
                                   <a:rPr kumimoji="1" lang="en-US" altLang="ja-JP" sz="3600" i="1">
-                                    <a:latin typeface="+mn-ea"/>
+                                    <a:latin typeface="Cambria Math" panose="02040503050406030204" pitchFamily="18" charset="0"/>
                                   </a:rPr>
                                   <m:t>𝑙</m:t>
                                 </m:r>
@@ -12930,14 +12990,14 @@
                               <m:sSubPr>
                                 <m:ctrlPr>
                                   <a:rPr kumimoji="1" lang="en-US" altLang="ja-JP" sz="3600" i="1">
-                                    <a:latin typeface="+mn-ea"/>
+                                    <a:latin typeface="Cambria Math" panose="02040503050406030204" pitchFamily="18" charset="0"/>
                                   </a:rPr>
                                 </m:ctrlPr>
                               </m:sSubPr>
                               <m:e>
                                 <m:r>
                                   <a:rPr kumimoji="1" lang="en-US" altLang="ja-JP" sz="3600" i="1">
-                                    <a:latin typeface="+mn-ea"/>
+                                    <a:latin typeface="Cambria Math" panose="02040503050406030204" pitchFamily="18" charset="0"/>
                                   </a:rPr>
                                   <m:t>𝑄</m:t>
                                 </m:r>
@@ -12945,7 +13005,7 @@
                               <m:sub>
                                 <m:r>
                                   <a:rPr kumimoji="1" lang="en-US" altLang="ja-JP" sz="3600" i="1">
-                                    <a:latin typeface="+mn-ea"/>
+                                    <a:latin typeface="Cambria Math" panose="02040503050406030204" pitchFamily="18" charset="0"/>
                                   </a:rPr>
                                   <m:t>𝑖𝑗</m:t>
                                 </m:r>
@@ -12955,14 +13015,14 @@
                               <m:sSubPr>
                                 <m:ctrlPr>
                                   <a:rPr kumimoji="1" lang="en-US" altLang="ja-JP" sz="3600" i="1">
-                                    <a:latin typeface="+mn-ea"/>
+                                    <a:latin typeface="Cambria Math" panose="02040503050406030204" pitchFamily="18" charset="0"/>
                                   </a:rPr>
                                 </m:ctrlPr>
                               </m:sSubPr>
                               <m:e>
                                 <m:r>
                                   <a:rPr kumimoji="1" lang="en-US" altLang="ja-JP" sz="3600" i="1">
-                                    <a:latin typeface="+mn-ea"/>
+                                    <a:latin typeface="Cambria Math" panose="02040503050406030204" pitchFamily="18" charset="0"/>
                                   </a:rPr>
                                   <m:t>𝑥</m:t>
                                 </m:r>
@@ -12970,7 +13030,7 @@
                               <m:sub>
                                 <m:r>
                                   <a:rPr kumimoji="1" lang="en-US" altLang="ja-JP" sz="3600" i="1">
-                                    <a:latin typeface="+mn-ea"/>
+                                    <a:latin typeface="Cambria Math" panose="02040503050406030204" pitchFamily="18" charset="0"/>
                                   </a:rPr>
                                   <m:t>𝑖𝑙</m:t>
                                 </m:r>
@@ -12980,14 +13040,14 @@
                               <m:sSubPr>
                                 <m:ctrlPr>
                                   <a:rPr kumimoji="1" lang="en-US" altLang="ja-JP" sz="3600" i="1">
-                                    <a:latin typeface="+mn-ea"/>
+                                    <a:latin typeface="Cambria Math" panose="02040503050406030204" pitchFamily="18" charset="0"/>
                                   </a:rPr>
                                 </m:ctrlPr>
                               </m:sSubPr>
                               <m:e>
                                 <m:r>
                                   <a:rPr kumimoji="1" lang="en-US" altLang="ja-JP" sz="3600" i="1">
-                                    <a:latin typeface="+mn-ea"/>
+                                    <a:latin typeface="Cambria Math" panose="02040503050406030204" pitchFamily="18" charset="0"/>
                                   </a:rPr>
                                   <m:t>𝑥</m:t>
                                 </m:r>
@@ -12995,7 +13055,7 @@
                               <m:sub>
                                 <m:r>
                                   <a:rPr kumimoji="1" lang="en-US" altLang="ja-JP" sz="3600" i="1">
-                                    <a:latin typeface="+mn-ea"/>
+                                    <a:latin typeface="Cambria Math" panose="02040503050406030204" pitchFamily="18" charset="0"/>
                                   </a:rPr>
                                   <m:t>𝑗𝑙</m:t>
                                 </m:r>
@@ -13003,13 +13063,13 @@
                             </m:sSub>
                             <m:r>
                               <a:rPr kumimoji="1" lang="en-US" altLang="ja-JP" sz="3600">
-                                <a:latin typeface="+mn-ea"/>
+                                <a:latin typeface="Cambria Math" panose="02040503050406030204" pitchFamily="18" charset="0"/>
                               </a:rPr>
                               <m:t>−</m:t>
                             </m:r>
                             <m:r>
                               <a:rPr kumimoji="1" lang="en-US" altLang="ja-JP" sz="3600" i="1">
-                                <a:latin typeface="+mn-ea"/>
+                                <a:latin typeface="Cambria Math" panose="02040503050406030204" pitchFamily="18" charset="0"/>
                               </a:rPr>
                               <m:t>𝜆</m:t>
                             </m:r>
@@ -13017,7 +13077,7 @@
                               <m:sSubPr>
                                 <m:ctrlPr>
                                   <a:rPr kumimoji="1" lang="en-US" altLang="ja-JP" sz="3600" i="1">
-                                    <a:latin typeface="+mn-ea"/>
+                                    <a:latin typeface="Cambria Math" panose="02040503050406030204" pitchFamily="18" charset="0"/>
                                   </a:rPr>
                                 </m:ctrlPr>
                               </m:sSubPr>
@@ -13027,7 +13087,7 @@
                                     <m:sty m:val="p"/>
                                   </m:rPr>
                                   <a:rPr kumimoji="1" lang="el-GR" altLang="ja-JP" sz="3600" i="1">
-                                    <a:latin typeface="+mn-ea"/>
+                                    <a:latin typeface="Cambria Math" panose="02040503050406030204" pitchFamily="18" charset="0"/>
                                   </a:rPr>
                                   <m:t>Σ</m:t>
                                 </m:r>
@@ -13035,7 +13095,7 @@
                               <m:sub>
                                 <m:r>
                                   <a:rPr kumimoji="1" lang="en-US" altLang="ja-JP" sz="3600" i="1">
-                                    <a:latin typeface="+mn-ea"/>
+                                    <a:latin typeface="Cambria Math" panose="02040503050406030204" pitchFamily="18" charset="0"/>
                                   </a:rPr>
                                   <m:t>𝑖</m:t>
                                 </m:r>
@@ -13045,14 +13105,14 @@
                               <m:sSupPr>
                                 <m:ctrlPr>
                                   <a:rPr kumimoji="1" lang="en-US" altLang="ja-JP" sz="3600" i="1">
-                                    <a:latin typeface="+mn-ea"/>
+                                    <a:latin typeface="Cambria Math" panose="02040503050406030204" pitchFamily="18" charset="0"/>
                                   </a:rPr>
                                 </m:ctrlPr>
                               </m:sSupPr>
                               <m:e>
                                 <m:r>
                                   <a:rPr kumimoji="1" lang="en-US" altLang="ja-JP" sz="3600" i="1">
-                                    <a:latin typeface="+mn-ea"/>
+                                    <a:latin typeface="Cambria Math" panose="02040503050406030204" pitchFamily="18" charset="0"/>
                                   </a:rPr>
                                   <m:t>(</m:t>
                                 </m:r>
@@ -13060,7 +13120,7 @@
                                   <m:sSubPr>
                                     <m:ctrlPr>
                                       <a:rPr kumimoji="1" lang="en-US" altLang="ja-JP" sz="3600" i="1">
-                                        <a:latin typeface="+mn-ea"/>
+                                        <a:latin typeface="Cambria Math" panose="02040503050406030204" pitchFamily="18" charset="0"/>
                                       </a:rPr>
                                     </m:ctrlPr>
                                   </m:sSubPr>
@@ -13070,7 +13130,7 @@
                                         <m:sty m:val="p"/>
                                       </m:rPr>
                                       <a:rPr kumimoji="1" lang="el-GR" altLang="ja-JP" sz="3600" i="1">
-                                        <a:latin typeface="+mn-ea"/>
+                                        <a:latin typeface="Cambria Math" panose="02040503050406030204" pitchFamily="18" charset="0"/>
                                       </a:rPr>
                                       <m:t>Σ</m:t>
                                     </m:r>
@@ -13078,7 +13138,7 @@
                                   <m:sub>
                                     <m:r>
                                       <a:rPr kumimoji="1" lang="en-US" altLang="ja-JP" sz="3600" i="1">
-                                        <a:latin typeface="+mn-ea"/>
+                                        <a:latin typeface="Cambria Math" panose="02040503050406030204" pitchFamily="18" charset="0"/>
                                       </a:rPr>
                                       <m:t>𝑙</m:t>
                                     </m:r>
@@ -13088,14 +13148,14 @@
                                   <m:sSubPr>
                                     <m:ctrlPr>
                                       <a:rPr kumimoji="1" lang="en-US" altLang="ja-JP" sz="3600" i="1">
-                                        <a:latin typeface="+mn-ea"/>
+                                        <a:latin typeface="Cambria Math" panose="02040503050406030204" pitchFamily="18" charset="0"/>
                                       </a:rPr>
                                     </m:ctrlPr>
                                   </m:sSubPr>
                                   <m:e>
                                     <m:r>
                                       <a:rPr kumimoji="1" lang="en-US" altLang="ja-JP" sz="3600" i="1">
-                                        <a:latin typeface="+mn-ea"/>
+                                        <a:latin typeface="Cambria Math" panose="02040503050406030204" pitchFamily="18" charset="0"/>
                                       </a:rPr>
                                       <m:t>𝑥</m:t>
                                     </m:r>
@@ -13103,7 +13163,7 @@
                                   <m:sub>
                                     <m:r>
                                       <a:rPr kumimoji="1" lang="en-US" altLang="ja-JP" sz="3600" i="1">
-                                        <a:latin typeface="+mn-ea"/>
+                                        <a:latin typeface="Cambria Math" panose="02040503050406030204" pitchFamily="18" charset="0"/>
                                       </a:rPr>
                                       <m:t>𝑖𝑙</m:t>
                                     </m:r>
@@ -13111,7 +13171,7 @@
                                 </m:sSub>
                                 <m:r>
                                   <a:rPr kumimoji="1" lang="en-US" altLang="ja-JP" sz="3600" i="1">
-                                    <a:latin typeface="+mn-ea"/>
+                                    <a:latin typeface="Cambria Math" panose="02040503050406030204" pitchFamily="18" charset="0"/>
                                   </a:rPr>
                                   <m:t>−1)</m:t>
                                 </m:r>
@@ -13119,7 +13179,7 @@
                               <m:sup>
                                 <m:r>
                                   <a:rPr kumimoji="1" lang="en-US" altLang="ja-JP" sz="3600" i="1">
-                                    <a:latin typeface="+mn-ea"/>
+                                    <a:latin typeface="Cambria Math" panose="02040503050406030204" pitchFamily="18" charset="0"/>
                                   </a:rPr>
                                   <m:t>2</m:t>
                                 </m:r>
@@ -13165,14 +13225,14 @@
                         <m:sSubPr>
                           <m:ctrlPr>
                             <a:rPr kumimoji="1" lang="en-US" altLang="ja-JP" sz="2800" i="1" smtClean="0">
-                              <a:latin typeface="+mn-ea"/>
+                              <a:latin typeface="Cambria Math" panose="02040503050406030204" pitchFamily="18" charset="0"/>
                             </a:rPr>
                           </m:ctrlPr>
                         </m:sSubPr>
                         <m:e>
                           <m:r>
                             <a:rPr kumimoji="1" lang="en-US" altLang="ja-JP" sz="2800" b="0" i="1" smtClean="0">
-                              <a:latin typeface="+mn-ea"/>
+                              <a:latin typeface="Cambria Math" panose="02040503050406030204" pitchFamily="18" charset="0"/>
                             </a:rPr>
                             <m:t>𝑄</m:t>
                           </m:r>
@@ -13180,7 +13240,7 @@
                         <m:sub>
                           <m:r>
                             <a:rPr kumimoji="1" lang="en-US" altLang="ja-JP" sz="2800" b="0" i="1" smtClean="0">
-                              <a:latin typeface="+mn-ea"/>
+                              <a:latin typeface="Cambria Math" panose="02040503050406030204" pitchFamily="18" charset="0"/>
                             </a:rPr>
                             <m:t>𝑖𝑗</m:t>
                           </m:r>
@@ -13188,7 +13248,7 @@
                       </m:sSub>
                       <m:r>
                         <a:rPr kumimoji="1" lang="en-US" altLang="ja-JP" sz="2800" b="0" i="1" smtClean="0">
-                          <a:latin typeface="+mn-ea"/>
+                          <a:latin typeface="Cambria Math" panose="02040503050406030204" pitchFamily="18" charset="0"/>
                         </a:rPr>
                         <m:t>=</m:t>
                       </m:r>
@@ -13196,7 +13256,7 @@
                         <m:sSubPr>
                           <m:ctrlPr>
                             <a:rPr kumimoji="1" lang="el-GR" altLang="ja-JP" sz="2800" b="0" i="1" smtClean="0">
-                              <a:latin typeface="+mn-ea"/>
+                              <a:latin typeface="Cambria Math" panose="02040503050406030204" pitchFamily="18" charset="0"/>
                             </a:rPr>
                           </m:ctrlPr>
                         </m:sSubPr>
@@ -13206,7 +13266,7 @@
                               <m:sty m:val="p"/>
                             </m:rPr>
                             <a:rPr kumimoji="1" lang="el-GR" altLang="ja-JP" sz="2800" i="1">
-                              <a:latin typeface="+mn-ea"/>
+                              <a:latin typeface="Cambria Math" panose="02040503050406030204" pitchFamily="18" charset="0"/>
                             </a:rPr>
                             <m:t>Σ</m:t>
                           </m:r>
@@ -13214,7 +13274,7 @@
                         <m:sub>
                           <m:r>
                             <a:rPr kumimoji="1" lang="en-US" altLang="ja-JP" sz="2800" b="0" i="1" smtClean="0">
-                              <a:latin typeface="+mn-ea"/>
+                              <a:latin typeface="Cambria Math" panose="02040503050406030204" pitchFamily="18" charset="0"/>
                             </a:rPr>
                             <m:t>𝑘</m:t>
                           </m:r>
@@ -13224,14 +13284,14 @@
                         <m:sSubPr>
                           <m:ctrlPr>
                             <a:rPr kumimoji="1" lang="el-GR" altLang="ja-JP" sz="2800" b="0" i="1" smtClean="0">
-                              <a:latin typeface="+mn-ea"/>
+                              <a:latin typeface="Cambria Math" panose="02040503050406030204" pitchFamily="18" charset="0"/>
                             </a:rPr>
                           </m:ctrlPr>
                         </m:sSubPr>
                         <m:e>
                           <m:r>
                             <a:rPr kumimoji="1" lang="en-US" altLang="ja-JP" sz="2800" b="0" i="1" smtClean="0">
-                              <a:latin typeface="+mn-ea"/>
+                              <a:latin typeface="Cambria Math" panose="02040503050406030204" pitchFamily="18" charset="0"/>
                             </a:rPr>
                             <m:t>𝑍</m:t>
                           </m:r>
@@ -13239,7 +13299,7 @@
                         <m:sub>
                           <m:r>
                             <a:rPr kumimoji="1" lang="en-US" altLang="ja-JP" sz="2800" b="0" i="1" smtClean="0">
-                              <a:latin typeface="+mn-ea"/>
+                              <a:latin typeface="Cambria Math" panose="02040503050406030204" pitchFamily="18" charset="0"/>
                             </a:rPr>
                             <m:t>𝑖𝑘</m:t>
                           </m:r>
@@ -13249,14 +13309,14 @@
                         <m:sSubPr>
                           <m:ctrlPr>
                             <a:rPr kumimoji="1" lang="el-GR" altLang="ja-JP" sz="2800" b="0" i="1" smtClean="0">
-                              <a:latin typeface="+mn-ea"/>
+                              <a:latin typeface="Cambria Math" panose="02040503050406030204" pitchFamily="18" charset="0"/>
                             </a:rPr>
                           </m:ctrlPr>
                         </m:sSubPr>
                         <m:e>
                           <m:r>
                             <a:rPr kumimoji="1" lang="en-US" altLang="ja-JP" sz="2800" b="0" i="1" smtClean="0">
-                              <a:latin typeface="+mn-ea"/>
+                              <a:latin typeface="Cambria Math" panose="02040503050406030204" pitchFamily="18" charset="0"/>
                             </a:rPr>
                             <m:t>𝑍</m:t>
                           </m:r>
@@ -13264,7 +13324,7 @@
                         <m:sub>
                           <m:r>
                             <a:rPr kumimoji="1" lang="en-US" altLang="ja-JP" sz="2800" b="0" i="1" smtClean="0">
-                              <a:latin typeface="+mn-ea"/>
+                              <a:latin typeface="Cambria Math" panose="02040503050406030204" pitchFamily="18" charset="0"/>
                             </a:rPr>
                             <m:t>𝑗𝑘</m:t>
                           </m:r>
@@ -13284,7 +13344,7 @@
                         <m:sSubPr>
                           <m:ctrlPr>
                             <a:rPr kumimoji="1" lang="en-US" altLang="ja-JP" sz="2000" i="1" smtClean="0">
-                              <a:latin typeface="+mn-ea"/>
+                              <a:latin typeface="Cambria Math" panose="02040503050406030204" pitchFamily="18" charset="0"/>
                             </a:rPr>
                           </m:ctrlPr>
                         </m:sSubPr>
@@ -13294,7 +13354,7 @@
                               <m:sty m:val="p"/>
                             </m:rPr>
                             <a:rPr kumimoji="1" lang="en-US" altLang="ja-JP" sz="2000" i="1">
-                              <a:latin typeface="+mn-ea"/>
+                              <a:latin typeface="Cambria Math" panose="02040503050406030204" pitchFamily="18" charset="0"/>
                             </a:rPr>
                             <m:t>Z</m:t>
                           </m:r>
@@ -13302,13 +13362,13 @@
                         <m:sub>
                           <m:r>
                             <a:rPr kumimoji="1" lang="en-US" altLang="ja-JP" sz="2000" b="0" i="1" smtClean="0">
-                              <a:latin typeface="+mn-ea"/>
+                              <a:latin typeface="Cambria Math" panose="02040503050406030204" pitchFamily="18" charset="0"/>
                             </a:rPr>
                             <m:t>∗</m:t>
                           </m:r>
                           <m:r>
                             <a:rPr kumimoji="1" lang="en-US" altLang="ja-JP" sz="2000" b="0" i="1" smtClean="0">
-                              <a:latin typeface="+mn-ea"/>
+                              <a:latin typeface="Cambria Math" panose="02040503050406030204" pitchFamily="18" charset="0"/>
                             </a:rPr>
                             <m:t>𝑘</m:t>
                           </m:r>
@@ -13362,7 +13422,7 @@
                         <m:sSubPr>
                           <m:ctrlPr>
                             <a:rPr kumimoji="1" lang="en-US" altLang="ja-JP" sz="2800" i="1" smtClean="0">
-                              <a:latin typeface="+mn-ea"/>
+                              <a:latin typeface="Cambria Math" panose="02040503050406030204" pitchFamily="18" charset="0"/>
                             </a:rPr>
                           </m:ctrlPr>
                         </m:sSubPr>
@@ -13372,7 +13432,7 @@
                               <m:sty m:val="p"/>
                             </m:rPr>
                             <a:rPr kumimoji="1" lang="en-US" altLang="ja-JP" sz="2800" i="1">
-                              <a:latin typeface="+mn-ea"/>
+                              <a:latin typeface="Cambria Math" panose="02040503050406030204" pitchFamily="18" charset="0"/>
                             </a:rPr>
                             <m:t>Σ</m:t>
                           </m:r>
@@ -13380,7 +13440,7 @@
                         <m:sub>
                           <m:r>
                             <a:rPr kumimoji="1" lang="en-US" altLang="ja-JP" sz="2800" b="0" i="1" smtClean="0">
-                              <a:latin typeface="+mn-ea"/>
+                              <a:latin typeface="Cambria Math" panose="02040503050406030204" pitchFamily="18" charset="0"/>
                             </a:rPr>
                             <m:t>𝑙</m:t>
                           </m:r>
@@ -13390,14 +13450,14 @@
                         <m:sSubPr>
                           <m:ctrlPr>
                             <a:rPr kumimoji="1" lang="en-US" altLang="ja-JP" sz="2800" i="1" smtClean="0">
-                              <a:latin typeface="+mn-ea"/>
+                              <a:latin typeface="Cambria Math" panose="02040503050406030204" pitchFamily="18" charset="0"/>
                             </a:rPr>
                           </m:ctrlPr>
                         </m:sSubPr>
                         <m:e>
                           <m:r>
                             <a:rPr kumimoji="1" lang="en-US" altLang="ja-JP" sz="2800" b="0" i="1" smtClean="0">
-                              <a:latin typeface="+mn-ea"/>
+                              <a:latin typeface="Cambria Math" panose="02040503050406030204" pitchFamily="18" charset="0"/>
                             </a:rPr>
                             <m:t>𝑄</m:t>
                           </m:r>
@@ -13405,7 +13465,7 @@
                         <m:sub>
                           <m:r>
                             <a:rPr kumimoji="1" lang="en-US" altLang="ja-JP" sz="2800" b="0" i="1" smtClean="0">
-                              <a:latin typeface="+mn-ea"/>
+                              <a:latin typeface="Cambria Math" panose="02040503050406030204" pitchFamily="18" charset="0"/>
                             </a:rPr>
                             <m:t>𝑖𝑗</m:t>
                           </m:r>
@@ -13415,14 +13475,14 @@
                         <m:sSubPr>
                           <m:ctrlPr>
                             <a:rPr kumimoji="1" lang="en-US" altLang="ja-JP" sz="2800" i="1" smtClean="0">
-                              <a:latin typeface="+mn-ea"/>
+                              <a:latin typeface="Cambria Math" panose="02040503050406030204" pitchFamily="18" charset="0"/>
                             </a:rPr>
                           </m:ctrlPr>
                         </m:sSubPr>
                         <m:e>
                           <m:r>
                             <a:rPr kumimoji="1" lang="en-US" altLang="ja-JP" sz="2800" b="0" i="1" smtClean="0">
-                              <a:latin typeface="+mn-ea"/>
+                              <a:latin typeface="Cambria Math" panose="02040503050406030204" pitchFamily="18" charset="0"/>
                             </a:rPr>
                             <m:t>𝑥</m:t>
                           </m:r>
@@ -13430,7 +13490,7 @@
                         <m:sub>
                           <m:r>
                             <a:rPr kumimoji="1" lang="en-US" altLang="ja-JP" sz="2800" b="0" i="1" smtClean="0">
-                              <a:latin typeface="+mn-ea"/>
+                              <a:latin typeface="Cambria Math" panose="02040503050406030204" pitchFamily="18" charset="0"/>
                             </a:rPr>
                             <m:t>𝑖𝑙</m:t>
                           </m:r>
@@ -13440,14 +13500,14 @@
                         <m:sSubPr>
                           <m:ctrlPr>
                             <a:rPr kumimoji="1" lang="en-US" altLang="ja-JP" sz="2800" i="1" smtClean="0">
-                              <a:latin typeface="+mn-ea"/>
+                              <a:latin typeface="Cambria Math" panose="02040503050406030204" pitchFamily="18" charset="0"/>
                             </a:rPr>
                           </m:ctrlPr>
                         </m:sSubPr>
                         <m:e>
                           <m:r>
                             <a:rPr kumimoji="1" lang="en-US" altLang="ja-JP" sz="2800" b="0" i="1" smtClean="0">
-                              <a:latin typeface="+mn-ea"/>
+                              <a:latin typeface="Cambria Math" panose="02040503050406030204" pitchFamily="18" charset="0"/>
                             </a:rPr>
                             <m:t>𝑥</m:t>
                           </m:r>
@@ -13455,7 +13515,7 @@
                         <m:sub>
                           <m:r>
                             <a:rPr kumimoji="1" lang="en-US" altLang="ja-JP" sz="2800" b="0" i="1" smtClean="0">
-                              <a:latin typeface="+mn-ea"/>
+                              <a:latin typeface="Cambria Math" panose="02040503050406030204" pitchFamily="18" charset="0"/>
                             </a:rPr>
                             <m:t>𝑗𝑙</m:t>
                           </m:r>
@@ -13481,14 +13541,14 @@
                         <m:sSubPr>
                           <m:ctrlPr>
                             <a:rPr kumimoji="1" lang="en-US" altLang="ja-JP" sz="2000" i="1" smtClean="0">
-                              <a:latin typeface="+mn-ea"/>
+                              <a:latin typeface="Cambria Math" panose="02040503050406030204" pitchFamily="18" charset="0"/>
                             </a:rPr>
                           </m:ctrlPr>
                         </m:sSubPr>
                         <m:e>
                           <m:r>
                             <a:rPr kumimoji="1" lang="en-US" altLang="ja-JP" sz="2000" b="0" i="1" smtClean="0">
-                              <a:latin typeface="+mn-ea"/>
+                              <a:latin typeface="Cambria Math" panose="02040503050406030204" pitchFamily="18" charset="0"/>
                             </a:rPr>
                             <m:t>𝑥</m:t>
                           </m:r>
@@ -13496,13 +13556,13 @@
                         <m:sub>
                           <m:r>
                             <a:rPr kumimoji="1" lang="en-US" altLang="ja-JP" sz="2000" b="0" i="1" smtClean="0">
-                              <a:latin typeface="+mn-ea"/>
+                              <a:latin typeface="Cambria Math" panose="02040503050406030204" pitchFamily="18" charset="0"/>
                             </a:rPr>
                             <m:t>∗</m:t>
                           </m:r>
                           <m:r>
                             <a:rPr kumimoji="1" lang="en-US" altLang="ja-JP" sz="2000" b="0" i="1" smtClean="0">
-                              <a:latin typeface="+mn-ea"/>
+                              <a:latin typeface="Cambria Math" panose="02040503050406030204" pitchFamily="18" charset="0"/>
                             </a:rPr>
                             <m:t>𝑙</m:t>
                           </m:r>
@@ -13510,7 +13570,7 @@
                       </m:sSub>
                       <m:r>
                         <a:rPr kumimoji="1" lang="en-US" altLang="ja-JP" sz="2000" b="0" i="0" smtClean="0">
-                          <a:latin typeface="+mn-ea"/>
+                          <a:latin typeface="Cambria Math" panose="02040503050406030204" pitchFamily="18" charset="0"/>
                         </a:rPr>
                         <m:t>:</m:t>
                       </m:r>
@@ -13526,7 +13586,7 @@
                     <m:oMath xmlns:m="http://schemas.openxmlformats.org/officeDocument/2006/math">
                       <m:r>
                         <a:rPr kumimoji="1" lang="en-US" altLang="ja-JP" sz="2000" b="0" i="1" smtClean="0">
-                          <a:latin typeface="+mn-ea"/>
+                          <a:latin typeface="Cambria Math" panose="02040503050406030204" pitchFamily="18" charset="0"/>
                         </a:rPr>
                         <m:t>𝑙</m:t>
                       </m:r>
@@ -13575,7 +13635,7 @@
                         <m:sSubPr>
                           <m:ctrlPr>
                             <a:rPr kumimoji="1" lang="en-US" altLang="ja-JP" sz="2800" i="1" smtClean="0">
-                              <a:latin typeface="+mn-ea"/>
+                              <a:latin typeface="Cambria Math" panose="02040503050406030204" pitchFamily="18" charset="0"/>
                             </a:rPr>
                           </m:ctrlPr>
                         </m:sSubPr>
@@ -13585,7 +13645,7 @@
                               <m:sty m:val="p"/>
                             </m:rPr>
                             <a:rPr kumimoji="1" lang="el-GR" altLang="ja-JP" sz="2800" i="1" smtClean="0">
-                              <a:latin typeface="+mn-ea"/>
+                              <a:latin typeface="Cambria Math" panose="02040503050406030204" pitchFamily="18" charset="0"/>
                             </a:rPr>
                             <m:t>Σ</m:t>
                           </m:r>
@@ -13593,19 +13653,19 @@
                         <m:sub>
                           <m:r>
                             <a:rPr kumimoji="1" lang="en-US" altLang="ja-JP" sz="2800" b="0" i="1" smtClean="0">
-                              <a:latin typeface="+mn-ea"/>
+                              <a:latin typeface="Cambria Math" panose="02040503050406030204" pitchFamily="18" charset="0"/>
                             </a:rPr>
                             <m:t>𝑖</m:t>
                           </m:r>
                           <m:r>
                             <a:rPr kumimoji="1" lang="en-US" altLang="ja-JP" sz="2800" b="0" i="1" smtClean="0">
-                              <a:latin typeface="+mn-ea"/>
+                              <a:latin typeface="Cambria Math" panose="02040503050406030204" pitchFamily="18" charset="0"/>
                             </a:rPr>
                             <m:t>,</m:t>
                           </m:r>
                           <m:r>
                             <a:rPr kumimoji="1" lang="en-US" altLang="ja-JP" sz="2800" b="0" i="1" smtClean="0">
-                              <a:latin typeface="+mn-ea"/>
+                              <a:latin typeface="Cambria Math" panose="02040503050406030204" pitchFamily="18" charset="0"/>
                             </a:rPr>
                             <m:t>𝑗</m:t>
                           </m:r>
@@ -13615,7 +13675,7 @@
                         <m:sSubPr>
                           <m:ctrlPr>
                             <a:rPr kumimoji="1" lang="en-US" altLang="ja-JP" sz="2800" i="1">
-                              <a:latin typeface="+mn-ea"/>
+                              <a:latin typeface="Cambria Math" panose="02040503050406030204" pitchFamily="18" charset="0"/>
                             </a:rPr>
                           </m:ctrlPr>
                         </m:sSubPr>
@@ -13625,7 +13685,7 @@
                               <m:sty m:val="p"/>
                             </m:rPr>
                             <a:rPr kumimoji="1" lang="en-US" altLang="ja-JP" sz="2800" i="1">
-                              <a:latin typeface="+mn-ea"/>
+                              <a:latin typeface="Cambria Math" panose="02040503050406030204" pitchFamily="18" charset="0"/>
                             </a:rPr>
                             <m:t>Σ</m:t>
                           </m:r>
@@ -13633,7 +13693,7 @@
                         <m:sub>
                           <m:r>
                             <a:rPr kumimoji="1" lang="en-US" altLang="ja-JP" sz="2800" i="1">
-                              <a:latin typeface="+mn-ea"/>
+                              <a:latin typeface="Cambria Math" panose="02040503050406030204" pitchFamily="18" charset="0"/>
                             </a:rPr>
                             <m:t>𝑙</m:t>
                           </m:r>
@@ -13643,14 +13703,14 @@
                         <m:sSubPr>
                           <m:ctrlPr>
                             <a:rPr kumimoji="1" lang="en-US" altLang="ja-JP" sz="2800" i="1">
-                              <a:latin typeface="+mn-ea"/>
+                              <a:latin typeface="Cambria Math" panose="02040503050406030204" pitchFamily="18" charset="0"/>
                             </a:rPr>
                           </m:ctrlPr>
                         </m:sSubPr>
                         <m:e>
                           <m:r>
                             <a:rPr kumimoji="1" lang="en-US" altLang="ja-JP" sz="2800" i="1">
-                              <a:latin typeface="+mn-ea"/>
+                              <a:latin typeface="Cambria Math" panose="02040503050406030204" pitchFamily="18" charset="0"/>
                             </a:rPr>
                             <m:t>𝑄</m:t>
                           </m:r>
@@ -13658,7 +13718,7 @@
                         <m:sub>
                           <m:r>
                             <a:rPr kumimoji="1" lang="en-US" altLang="ja-JP" sz="2800" i="1">
-                              <a:latin typeface="+mn-ea"/>
+                              <a:latin typeface="Cambria Math" panose="02040503050406030204" pitchFamily="18" charset="0"/>
                             </a:rPr>
                             <m:t>𝑖𝑗</m:t>
                           </m:r>
@@ -13668,14 +13728,14 @@
                         <m:sSubPr>
                           <m:ctrlPr>
                             <a:rPr kumimoji="1" lang="en-US" altLang="ja-JP" sz="2800" i="1">
-                              <a:latin typeface="+mn-ea"/>
+                              <a:latin typeface="Cambria Math" panose="02040503050406030204" pitchFamily="18" charset="0"/>
                             </a:rPr>
                           </m:ctrlPr>
                         </m:sSubPr>
                         <m:e>
                           <m:r>
                             <a:rPr kumimoji="1" lang="en-US" altLang="ja-JP" sz="2800" i="1">
-                              <a:latin typeface="+mn-ea"/>
+                              <a:latin typeface="Cambria Math" panose="02040503050406030204" pitchFamily="18" charset="0"/>
                             </a:rPr>
                             <m:t>𝑥</m:t>
                           </m:r>
@@ -13683,7 +13743,7 @@
                         <m:sub>
                           <m:r>
                             <a:rPr kumimoji="1" lang="en-US" altLang="ja-JP" sz="2800" i="1">
-                              <a:latin typeface="+mn-ea"/>
+                              <a:latin typeface="Cambria Math" panose="02040503050406030204" pitchFamily="18" charset="0"/>
                             </a:rPr>
                             <m:t>𝑖𝑙</m:t>
                           </m:r>
@@ -13693,14 +13753,14 @@
                         <m:sSubPr>
                           <m:ctrlPr>
                             <a:rPr kumimoji="1" lang="en-US" altLang="ja-JP" sz="2800" i="1">
-                              <a:latin typeface="+mn-ea"/>
+                              <a:latin typeface="Cambria Math" panose="02040503050406030204" pitchFamily="18" charset="0"/>
                             </a:rPr>
                           </m:ctrlPr>
                         </m:sSubPr>
                         <m:e>
                           <m:r>
                             <a:rPr kumimoji="1" lang="en-US" altLang="ja-JP" sz="2800" i="1">
-                              <a:latin typeface="+mn-ea"/>
+                              <a:latin typeface="Cambria Math" panose="02040503050406030204" pitchFamily="18" charset="0"/>
                             </a:rPr>
                             <m:t>𝑥</m:t>
                           </m:r>
@@ -13708,7 +13768,7 @@
                         <m:sub>
                           <m:r>
                             <a:rPr kumimoji="1" lang="en-US" altLang="ja-JP" sz="2800" i="1">
-                              <a:latin typeface="+mn-ea"/>
+                              <a:latin typeface="Cambria Math" panose="02040503050406030204" pitchFamily="18" charset="0"/>
                             </a:rPr>
                             <m:t>𝑗𝑙</m:t>
                           </m:r>
@@ -13738,19 +13798,19 @@
                     <m:oMath xmlns:m="http://schemas.openxmlformats.org/officeDocument/2006/math">
                       <m:r>
                         <a:rPr kumimoji="1" lang="en-US" altLang="ja-JP" sz="2000" b="0" i="1" smtClean="0">
-                          <a:latin typeface="+mn-ea"/>
+                          <a:latin typeface="Cambria Math" panose="02040503050406030204" pitchFamily="18" charset="0"/>
                         </a:rPr>
                         <m:t>𝑖</m:t>
                       </m:r>
                       <m:r>
                         <a:rPr kumimoji="1" lang="en-US" altLang="ja-JP" sz="2000" b="0" i="1" smtClean="0">
-                          <a:latin typeface="+mn-ea"/>
+                          <a:latin typeface="Cambria Math" panose="02040503050406030204" pitchFamily="18" charset="0"/>
                         </a:rPr>
                         <m:t>,</m:t>
                       </m:r>
                       <m:r>
                         <a:rPr kumimoji="1" lang="en-US" altLang="ja-JP" sz="2000" b="0" i="1" smtClean="0">
-                          <a:latin typeface="+mn-ea"/>
+                          <a:latin typeface="Cambria Math" panose="02040503050406030204" pitchFamily="18" charset="0"/>
                         </a:rPr>
                         <m:t>𝑗</m:t>
                       </m:r>
@@ -13766,7 +13826,7 @@
                     <m:oMath xmlns:m="http://schemas.openxmlformats.org/officeDocument/2006/math">
                       <m:r>
                         <a:rPr kumimoji="1" lang="en-US" altLang="ja-JP" sz="2000" b="0" i="1" dirty="0" smtClean="0">
-                          <a:latin typeface="+mn-ea"/>
+                          <a:latin typeface="Cambria Math" panose="02040503050406030204" pitchFamily="18" charset="0"/>
                         </a:rPr>
                         <m:t>𝑙</m:t>
                       </m:r>
@@ -13798,7 +13858,7 @@
                     <m:oMath xmlns:m="http://schemas.openxmlformats.org/officeDocument/2006/math">
                       <m:r>
                         <a:rPr kumimoji="1" lang="en-US" altLang="ja-JP" sz="2800" i="1" smtClean="0">
-                          <a:latin typeface="+mn-ea"/>
+                          <a:latin typeface="Cambria Math" panose="02040503050406030204" pitchFamily="18" charset="0"/>
                         </a:rPr>
                         <m:t>𝜆</m:t>
                       </m:r>
@@ -13806,7 +13866,7 @@
                         <m:sSubPr>
                           <m:ctrlPr>
                             <a:rPr kumimoji="1" lang="en-US" altLang="ja-JP" sz="2800" i="1" smtClean="0">
-                              <a:latin typeface="+mn-ea"/>
+                              <a:latin typeface="Cambria Math" panose="02040503050406030204" pitchFamily="18" charset="0"/>
                             </a:rPr>
                           </m:ctrlPr>
                         </m:sSubPr>
@@ -13816,7 +13876,7 @@
                               <m:sty m:val="p"/>
                             </m:rPr>
                             <a:rPr kumimoji="1" lang="el-GR" altLang="ja-JP" sz="2800" i="1" smtClean="0">
-                              <a:latin typeface="+mn-ea"/>
+                              <a:latin typeface="Cambria Math" panose="02040503050406030204" pitchFamily="18" charset="0"/>
                             </a:rPr>
                             <m:t>Σ</m:t>
                           </m:r>
@@ -13824,7 +13884,7 @@
                         <m:sub>
                           <m:r>
                             <a:rPr kumimoji="1" lang="en-US" altLang="ja-JP" sz="2800" b="0" i="1" smtClean="0">
-                              <a:latin typeface="+mn-ea"/>
+                              <a:latin typeface="Cambria Math" panose="02040503050406030204" pitchFamily="18" charset="0"/>
                             </a:rPr>
                             <m:t>𝑖</m:t>
                           </m:r>
@@ -13834,14 +13894,14 @@
                         <m:sSupPr>
                           <m:ctrlPr>
                             <a:rPr kumimoji="1" lang="en-US" altLang="ja-JP" sz="2800" i="1" smtClean="0">
-                              <a:latin typeface="+mn-ea"/>
+                              <a:latin typeface="Cambria Math" panose="02040503050406030204" pitchFamily="18" charset="0"/>
                             </a:rPr>
                           </m:ctrlPr>
                         </m:sSupPr>
                         <m:e>
                           <m:r>
                             <a:rPr kumimoji="1" lang="en-US" altLang="ja-JP" sz="2800" i="1">
-                              <a:latin typeface="+mn-ea"/>
+                              <a:latin typeface="Cambria Math" panose="02040503050406030204" pitchFamily="18" charset="0"/>
                             </a:rPr>
                             <m:t>(</m:t>
                           </m:r>
@@ -13849,7 +13909,7 @@
                             <m:sSubPr>
                               <m:ctrlPr>
                                 <a:rPr kumimoji="1" lang="en-US" altLang="ja-JP" sz="2800" i="1">
-                                  <a:latin typeface="+mn-ea"/>
+                                  <a:latin typeface="Cambria Math" panose="02040503050406030204" pitchFamily="18" charset="0"/>
                                 </a:rPr>
                               </m:ctrlPr>
                             </m:sSubPr>
@@ -13859,7 +13919,7 @@
                                   <m:sty m:val="p"/>
                                 </m:rPr>
                                 <a:rPr kumimoji="1" lang="el-GR" altLang="ja-JP" sz="2800" i="1">
-                                  <a:latin typeface="+mn-ea"/>
+                                  <a:latin typeface="Cambria Math" panose="02040503050406030204" pitchFamily="18" charset="0"/>
                                 </a:rPr>
                                 <m:t>Σ</m:t>
                               </m:r>
@@ -13867,7 +13927,7 @@
                             <m:sub>
                               <m:r>
                                 <a:rPr kumimoji="1" lang="en-US" altLang="ja-JP" sz="2800" i="1">
-                                  <a:latin typeface="+mn-ea"/>
+                                  <a:latin typeface="Cambria Math" panose="02040503050406030204" pitchFamily="18" charset="0"/>
                                 </a:rPr>
                                 <m:t>𝑙</m:t>
                               </m:r>
@@ -13877,14 +13937,14 @@
                             <m:sSubPr>
                               <m:ctrlPr>
                                 <a:rPr kumimoji="1" lang="en-US" altLang="ja-JP" sz="2800" i="1">
-                                  <a:latin typeface="+mn-ea"/>
+                                  <a:latin typeface="Cambria Math" panose="02040503050406030204" pitchFamily="18" charset="0"/>
                                 </a:rPr>
                               </m:ctrlPr>
                             </m:sSubPr>
                             <m:e>
                               <m:r>
                                 <a:rPr kumimoji="1" lang="en-US" altLang="ja-JP" sz="2800" i="1">
-                                  <a:latin typeface="+mn-ea"/>
+                                  <a:latin typeface="Cambria Math" panose="02040503050406030204" pitchFamily="18" charset="0"/>
                                 </a:rPr>
                                 <m:t>𝑥</m:t>
                               </m:r>
@@ -13892,7 +13952,7 @@
                             <m:sub>
                               <m:r>
                                 <a:rPr kumimoji="1" lang="en-US" altLang="ja-JP" sz="2800" i="1">
-                                  <a:latin typeface="+mn-ea"/>
+                                  <a:latin typeface="Cambria Math" panose="02040503050406030204" pitchFamily="18" charset="0"/>
                                 </a:rPr>
                                 <m:t>𝑖𝑙</m:t>
                               </m:r>
@@ -13900,7 +13960,7 @@
                           </m:sSub>
                           <m:r>
                             <a:rPr kumimoji="1" lang="en-US" altLang="ja-JP" sz="2800" i="1">
-                              <a:latin typeface="+mn-ea"/>
+                              <a:latin typeface="Cambria Math" panose="02040503050406030204" pitchFamily="18" charset="0"/>
                             </a:rPr>
                             <m:t>−1)</m:t>
                           </m:r>
@@ -13908,7 +13968,7 @@
                         <m:sup>
                           <m:r>
                             <a:rPr kumimoji="1" lang="en-US" altLang="ja-JP" sz="2800" b="0" i="1" smtClean="0">
-                              <a:latin typeface="+mn-ea"/>
+                              <a:latin typeface="Cambria Math" panose="02040503050406030204" pitchFamily="18" charset="0"/>
                             </a:rPr>
                             <m:t>2</m:t>
                           </m:r>
@@ -13987,7 +14047,7 @@
               </p:txBody>
             </p:sp>
           </mc:Choice>
-          <mc:Fallback>
+          <mc:Fallback xmlns="">
             <p:sp>
               <p:nvSpPr>
                 <p:cNvPr id="16" name="テキスト ボックス 15">
@@ -14061,7 +14121,13 @@
             <a:lstStyle/>
             <a:p>
               <a:r>
-                <a:rPr kumimoji="1" lang="ja-JP" altLang="en-US"/>
+                <a:rPr kumimoji="1" lang="ja-JP" altLang="en-US">
+                  <a:solidFill>
+                    <a:schemeClr val="accent6">
+                      <a:lumMod val="75000"/>
+                    </a:schemeClr>
+                  </a:solidFill>
+                </a:rPr>
                 <a:t>値をより大きく</a:t>
               </a:r>
             </a:p>
@@ -14096,7 +14162,13 @@
             <a:lstStyle/>
             <a:p>
               <a:r>
-                <a:rPr kumimoji="1" lang="ja-JP" altLang="en-US"/>
+                <a:rPr kumimoji="1" lang="ja-JP" altLang="en-US">
+                  <a:solidFill>
+                    <a:schemeClr val="accent5">
+                      <a:lumMod val="75000"/>
+                    </a:schemeClr>
+                  </a:solidFill>
+                </a:rPr>
                 <a:t>値をより小さく</a:t>
               </a:r>
             </a:p>
@@ -14754,10 +14826,10 @@
       </p:pic>
       <p:pic>
         <p:nvPicPr>
-          <p:cNvPr id="23" name="図 22" descr="グラフィカル ユーザー インターフェイス, アプリケーション&#10;&#10;AI 生成コンテンツは誤りを含む可能性があります。">
-            <a:extLst>
-              <a:ext uri="{FF2B5EF4-FFF2-40B4-BE49-F238E27FC236}">
-                <a16:creationId xmlns:a16="http://schemas.microsoft.com/office/drawing/2014/main" id="{7DF70B79-6AD4-C642-4F78-35D09A076C78}"/>
+          <p:cNvPr id="25" name="図 24" descr="グラフィカル ユーザー インターフェイス, アプリケーション&#10;&#10;AI 生成コンテンツは誤りを含む可能性があります。">
+            <a:extLst>
+              <a:ext uri="{FF2B5EF4-FFF2-40B4-BE49-F238E27FC236}">
+                <a16:creationId xmlns:a16="http://schemas.microsoft.com/office/drawing/2014/main" id="{94834A43-9E96-B395-B381-893BB8E651A9}"/>
               </a:ext>
             </a:extLst>
           </p:cNvPr>
@@ -14768,48 +14840,6 @@
         </p:nvPicPr>
         <p:blipFill>
           <a:blip r:embed="rId4">
-            <a:extLst>
-              <a:ext uri="{28A0092B-C50C-407E-A947-70E740481C1C}">
-                <a14:useLocalDpi xmlns:a14="http://schemas.microsoft.com/office/drawing/2010/main" val="0"/>
-              </a:ext>
-            </a:extLst>
-          </a:blip>
-          <a:srcRect l="25582" r="26866" b="35953"/>
-          <a:stretch>
-            <a:fillRect/>
-          </a:stretch>
-        </p:blipFill>
-        <p:spPr>
-          <a:xfrm>
-            <a:off x="12954000" y="4013338"/>
-            <a:ext cx="4296366" cy="3276285"/>
-          </a:xfrm>
-          <a:prstGeom prst="rect">
-            <a:avLst/>
-          </a:prstGeom>
-          <a:ln>
-            <a:solidFill>
-              <a:schemeClr val="tx1"/>
-            </a:solidFill>
-          </a:ln>
-        </p:spPr>
-      </p:pic>
-      <p:pic>
-        <p:nvPicPr>
-          <p:cNvPr id="25" name="図 24" descr="グラフィカル ユーザー インターフェイス, アプリケーション&#10;&#10;AI 生成コンテンツは誤りを含む可能性があります。">
-            <a:extLst>
-              <a:ext uri="{FF2B5EF4-FFF2-40B4-BE49-F238E27FC236}">
-                <a16:creationId xmlns:a16="http://schemas.microsoft.com/office/drawing/2014/main" id="{94834A43-9E96-B395-B381-893BB8E651A9}"/>
-              </a:ext>
-            </a:extLst>
-          </p:cNvPr>
-          <p:cNvPicPr>
-            <a:picLocks noChangeAspect="1"/>
-          </p:cNvPicPr>
-          <p:nvPr/>
-        </p:nvPicPr>
-        <p:blipFill>
-          <a:blip r:embed="rId5">
             <a:extLst>
               <a:ext uri="{28A0092B-C50C-407E-A947-70E740481C1C}">
                 <a14:useLocalDpi xmlns:a14="http://schemas.microsoft.com/office/drawing/2010/main" val="0"/>
@@ -14910,7 +14940,7 @@
           <p:nvPr/>
         </p:nvPicPr>
         <p:blipFill>
-          <a:blip r:embed="rId6">
+          <a:blip r:embed="rId5">
             <a:extLst>
               <a:ext uri="{28A0092B-C50C-407E-A947-70E740481C1C}">
                 <a14:useLocalDpi xmlns:a14="http://schemas.microsoft.com/office/drawing/2010/main" val="0"/>
@@ -15015,6 +15045,48 @@
           </a:p>
         </p:txBody>
       </p:sp>
+      <p:pic>
+        <p:nvPicPr>
+          <p:cNvPr id="11" name="図 10" descr="グラフィカル ユーザー インターフェイス, アプリケーション, Web サイト&#10;&#10;AI 生成コンテンツは誤りを含む可能性があります。">
+            <a:extLst>
+              <a:ext uri="{FF2B5EF4-FFF2-40B4-BE49-F238E27FC236}">
+                <a16:creationId xmlns:a16="http://schemas.microsoft.com/office/drawing/2014/main" id="{63D02843-4095-1E7B-0CD9-A9FCF31FEFBA}"/>
+              </a:ext>
+            </a:extLst>
+          </p:cNvPr>
+          <p:cNvPicPr>
+            <a:picLocks noChangeAspect="1"/>
+          </p:cNvPicPr>
+          <p:nvPr/>
+        </p:nvPicPr>
+        <p:blipFill>
+          <a:blip r:embed="rId6">
+            <a:extLst>
+              <a:ext uri="{28A0092B-C50C-407E-A947-70E740481C1C}">
+                <a14:useLocalDpi xmlns:a14="http://schemas.microsoft.com/office/drawing/2010/main" val="0"/>
+              </a:ext>
+            </a:extLst>
+          </a:blip>
+          <a:srcRect l="11983" t="10846" r="22304" b="14504"/>
+          <a:stretch>
+            <a:fillRect/>
+          </a:stretch>
+        </p:blipFill>
+        <p:spPr>
+          <a:xfrm>
+            <a:off x="12951856" y="4013338"/>
+            <a:ext cx="5107544" cy="3276000"/>
+          </a:xfrm>
+          <a:prstGeom prst="rect">
+            <a:avLst/>
+          </a:prstGeom>
+          <a:ln>
+            <a:solidFill>
+              <a:schemeClr val="tx1"/>
+            </a:solidFill>
+          </a:ln>
+        </p:spPr>
+      </p:pic>
     </p:spTree>
     <p:extLst>
       <p:ext uri="{BB962C8B-B14F-4D97-AF65-F5344CB8AC3E}">

--- a/docs/ミーティング/発表資料/25_0725_進捗.pptx
+++ b/docs/ミーティング/発表資料/25_0725_進捗.pptx
@@ -5,7 +5,7 @@
     <p:sldMasterId id="2147483648" r:id="rId1"/>
   </p:sldMasterIdLst>
   <p:notesMasterIdLst>
-    <p:notesMasterId r:id="rId10"/>
+    <p:notesMasterId r:id="rId7"/>
   </p:notesMasterIdLst>
   <p:sldIdLst>
     <p:sldId id="256" r:id="rId2"/>
@@ -13,26 +13,23 @@
     <p:sldId id="302" r:id="rId4"/>
     <p:sldId id="304" r:id="rId5"/>
     <p:sldId id="305" r:id="rId6"/>
-    <p:sldId id="306" r:id="rId7"/>
-    <p:sldId id="307" r:id="rId8"/>
-    <p:sldId id="308" r:id="rId9"/>
   </p:sldIdLst>
   <p:sldSz cx="18288000" cy="10287000"/>
   <p:notesSz cx="6858000" cy="9144000"/>
   <p:embeddedFontLst>
     <p:embeddedFont>
-      <p:font typeface="游ゴシック" panose="020B0400000000000000" pitchFamily="34" charset="-128"/>
-      <p:regular r:id="rId11"/>
-      <p:bold r:id="rId12"/>
+      <p:font typeface="Cambria Math" panose="02040503050406030204" pitchFamily="18" charset="0"/>
+      <p:regular r:id="rId8"/>
     </p:embeddedFont>
     <p:embeddedFont>
       <p:font typeface="游ゴシック" panose="020B0400000000000000" pitchFamily="34" charset="-128"/>
-      <p:regular r:id="rId11"/>
-      <p:bold r:id="rId12"/>
+      <p:regular r:id="rId9"/>
+      <p:bold r:id="rId10"/>
     </p:embeddedFont>
     <p:embeddedFont>
-      <p:font typeface="Cambria Math" panose="02040503050406030204" pitchFamily="18" charset="0"/>
-      <p:regular r:id="rId13"/>
+      <p:font typeface="游ゴシック" panose="020B0400000000000000" pitchFamily="34" charset="-128"/>
+      <p:regular r:id="rId9"/>
+      <p:bold r:id="rId10"/>
     </p:embeddedFont>
   </p:embeddedFontLst>
   <p:defaultTextStyle>
@@ -231,7 +228,7 @@
           <a:p>
             <a:fld id="{5315D7B3-D8F9-DB42-9752-C640A49B89F2}" type="datetimeFigureOut">
               <a:rPr kumimoji="1" lang="ja-JP" altLang="en-US" smtClean="0"/>
-              <a:t>2025/7/22</a:t>
+              <a:t>2025/7/24</a:t>
             </a:fld>
             <a:endParaRPr kumimoji="1" lang="ja-JP" altLang="en-US"/>
           </a:p>
@@ -972,336 +969,6 @@
 </p:notes>
 </file>
 
-<file path=ppt/notesSlides/notesSlide5.xml><?xml version="1.0" encoding="utf-8"?>
-<p:notes xmlns:a="http://schemas.openxmlformats.org/drawingml/2006/main" xmlns:r="http://schemas.openxmlformats.org/officeDocument/2006/relationships" xmlns:p="http://schemas.openxmlformats.org/presentationml/2006/main">
-  <p:cSld>
-    <p:spTree>
-      <p:nvGrpSpPr>
-        <p:cNvPr id="1" name="">
-          <a:extLst>
-            <a:ext uri="{FF2B5EF4-FFF2-40B4-BE49-F238E27FC236}">
-              <a16:creationId xmlns:a16="http://schemas.microsoft.com/office/drawing/2014/main" id="{62DE9656-0CB5-5EFF-B5D4-0C5317A8FD19}"/>
-            </a:ext>
-          </a:extLst>
-        </p:cNvPr>
-        <p:cNvGrpSpPr/>
-        <p:nvPr/>
-      </p:nvGrpSpPr>
-      <p:grpSpPr>
-        <a:xfrm>
-          <a:off x="0" y="0"/>
-          <a:ext cx="0" cy="0"/>
-          <a:chOff x="0" y="0"/>
-          <a:chExt cx="0" cy="0"/>
-        </a:xfrm>
-      </p:grpSpPr>
-      <p:sp>
-        <p:nvSpPr>
-          <p:cNvPr id="2" name="スライド イメージ プレースホルダー 1">
-            <a:extLst>
-              <a:ext uri="{FF2B5EF4-FFF2-40B4-BE49-F238E27FC236}">
-                <a16:creationId xmlns:a16="http://schemas.microsoft.com/office/drawing/2014/main" id="{3F9E3708-409D-A420-6B36-895298A83225}"/>
-              </a:ext>
-            </a:extLst>
-          </p:cNvPr>
-          <p:cNvSpPr>
-            <a:spLocks noGrp="1" noRot="1" noChangeAspect="1"/>
-          </p:cNvSpPr>
-          <p:nvPr>
-            <p:ph type="sldImg"/>
-          </p:nvPr>
-        </p:nvSpPr>
-        <p:spPr/>
-      </p:sp>
-      <p:sp>
-        <p:nvSpPr>
-          <p:cNvPr id="3" name="ノート プレースホルダー 2">
-            <a:extLst>
-              <a:ext uri="{FF2B5EF4-FFF2-40B4-BE49-F238E27FC236}">
-                <a16:creationId xmlns:a16="http://schemas.microsoft.com/office/drawing/2014/main" id="{1A37DBF2-13AB-113E-39DA-6162FEA0414F}"/>
-              </a:ext>
-            </a:extLst>
-          </p:cNvPr>
-          <p:cNvSpPr>
-            <a:spLocks noGrp="1"/>
-          </p:cNvSpPr>
-          <p:nvPr>
-            <p:ph type="body" idx="1"/>
-          </p:nvPr>
-        </p:nvSpPr>
-        <p:spPr/>
-        <p:txBody>
-          <a:bodyPr/>
-          <a:lstStyle/>
-          <a:p>
-            <a:endParaRPr lang="ja-JP" altLang="en-US">
-              <a:effectLst/>
-            </a:endParaRPr>
-          </a:p>
-        </p:txBody>
-      </p:sp>
-      <p:sp>
-        <p:nvSpPr>
-          <p:cNvPr id="4" name="スライド番号プレースホルダー 3">
-            <a:extLst>
-              <a:ext uri="{FF2B5EF4-FFF2-40B4-BE49-F238E27FC236}">
-                <a16:creationId xmlns:a16="http://schemas.microsoft.com/office/drawing/2014/main" id="{56F7B8E7-3E84-144B-090E-038EA384E8F0}"/>
-              </a:ext>
-            </a:extLst>
-          </p:cNvPr>
-          <p:cNvSpPr>
-            <a:spLocks noGrp="1"/>
-          </p:cNvSpPr>
-          <p:nvPr>
-            <p:ph type="sldNum" sz="quarter" idx="5"/>
-          </p:nvPr>
-        </p:nvSpPr>
-        <p:spPr/>
-        <p:txBody>
-          <a:bodyPr/>
-          <a:lstStyle/>
-          <a:p>
-            <a:fld id="{423E85BE-9FAD-764D-B84A-7C70829A20A9}" type="slidenum">
-              <a:rPr kumimoji="1" lang="ja-JP" altLang="en-US" smtClean="0"/>
-              <a:t>6</a:t>
-            </a:fld>
-            <a:endParaRPr kumimoji="1" lang="ja-JP" altLang="en-US"/>
-          </a:p>
-        </p:txBody>
-      </p:sp>
-    </p:spTree>
-    <p:extLst>
-      <p:ext uri="{BB962C8B-B14F-4D97-AF65-F5344CB8AC3E}">
-        <p14:creationId xmlns:p14="http://schemas.microsoft.com/office/powerpoint/2010/main" val="1991656455"/>
-      </p:ext>
-    </p:extLst>
-  </p:cSld>
-  <p:clrMapOvr>
-    <a:masterClrMapping/>
-  </p:clrMapOvr>
-</p:notes>
-</file>
-
-<file path=ppt/notesSlides/notesSlide6.xml><?xml version="1.0" encoding="utf-8"?>
-<p:notes xmlns:a="http://schemas.openxmlformats.org/drawingml/2006/main" xmlns:r="http://schemas.openxmlformats.org/officeDocument/2006/relationships" xmlns:p="http://schemas.openxmlformats.org/presentationml/2006/main">
-  <p:cSld>
-    <p:spTree>
-      <p:nvGrpSpPr>
-        <p:cNvPr id="1" name="">
-          <a:extLst>
-            <a:ext uri="{FF2B5EF4-FFF2-40B4-BE49-F238E27FC236}">
-              <a16:creationId xmlns:a16="http://schemas.microsoft.com/office/drawing/2014/main" id="{62B5CCEC-99D1-7C0B-D336-5130014621AF}"/>
-            </a:ext>
-          </a:extLst>
-        </p:cNvPr>
-        <p:cNvGrpSpPr/>
-        <p:nvPr/>
-      </p:nvGrpSpPr>
-      <p:grpSpPr>
-        <a:xfrm>
-          <a:off x="0" y="0"/>
-          <a:ext cx="0" cy="0"/>
-          <a:chOff x="0" y="0"/>
-          <a:chExt cx="0" cy="0"/>
-        </a:xfrm>
-      </p:grpSpPr>
-      <p:sp>
-        <p:nvSpPr>
-          <p:cNvPr id="2" name="スライド イメージ プレースホルダー 1">
-            <a:extLst>
-              <a:ext uri="{FF2B5EF4-FFF2-40B4-BE49-F238E27FC236}">
-                <a16:creationId xmlns:a16="http://schemas.microsoft.com/office/drawing/2014/main" id="{F89B1F36-B6E7-7E18-D8BE-E4A073AD8CE5}"/>
-              </a:ext>
-            </a:extLst>
-          </p:cNvPr>
-          <p:cNvSpPr>
-            <a:spLocks noGrp="1" noRot="1" noChangeAspect="1"/>
-          </p:cNvSpPr>
-          <p:nvPr>
-            <p:ph type="sldImg"/>
-          </p:nvPr>
-        </p:nvSpPr>
-        <p:spPr/>
-      </p:sp>
-      <p:sp>
-        <p:nvSpPr>
-          <p:cNvPr id="3" name="ノート プレースホルダー 2">
-            <a:extLst>
-              <a:ext uri="{FF2B5EF4-FFF2-40B4-BE49-F238E27FC236}">
-                <a16:creationId xmlns:a16="http://schemas.microsoft.com/office/drawing/2014/main" id="{0469A689-1AA0-809F-286A-E6781BA39C64}"/>
-              </a:ext>
-            </a:extLst>
-          </p:cNvPr>
-          <p:cNvSpPr>
-            <a:spLocks noGrp="1"/>
-          </p:cNvSpPr>
-          <p:nvPr>
-            <p:ph type="body" idx="1"/>
-          </p:nvPr>
-        </p:nvSpPr>
-        <p:spPr/>
-        <p:txBody>
-          <a:bodyPr/>
-          <a:lstStyle/>
-          <a:p>
-            <a:endParaRPr lang="ja-JP" altLang="en-US">
-              <a:effectLst/>
-            </a:endParaRPr>
-          </a:p>
-        </p:txBody>
-      </p:sp>
-      <p:sp>
-        <p:nvSpPr>
-          <p:cNvPr id="4" name="スライド番号プレースホルダー 3">
-            <a:extLst>
-              <a:ext uri="{FF2B5EF4-FFF2-40B4-BE49-F238E27FC236}">
-                <a16:creationId xmlns:a16="http://schemas.microsoft.com/office/drawing/2014/main" id="{A257BD2A-ED47-46D9-1CC4-33A19CBF8F0D}"/>
-              </a:ext>
-            </a:extLst>
-          </p:cNvPr>
-          <p:cNvSpPr>
-            <a:spLocks noGrp="1"/>
-          </p:cNvSpPr>
-          <p:nvPr>
-            <p:ph type="sldNum" sz="quarter" idx="5"/>
-          </p:nvPr>
-        </p:nvSpPr>
-        <p:spPr/>
-        <p:txBody>
-          <a:bodyPr/>
-          <a:lstStyle/>
-          <a:p>
-            <a:fld id="{423E85BE-9FAD-764D-B84A-7C70829A20A9}" type="slidenum">
-              <a:rPr kumimoji="1" lang="ja-JP" altLang="en-US" smtClean="0"/>
-              <a:t>7</a:t>
-            </a:fld>
-            <a:endParaRPr kumimoji="1" lang="ja-JP" altLang="en-US"/>
-          </a:p>
-        </p:txBody>
-      </p:sp>
-    </p:spTree>
-    <p:extLst>
-      <p:ext uri="{BB962C8B-B14F-4D97-AF65-F5344CB8AC3E}">
-        <p14:creationId xmlns:p14="http://schemas.microsoft.com/office/powerpoint/2010/main" val="2069844945"/>
-      </p:ext>
-    </p:extLst>
-  </p:cSld>
-  <p:clrMapOvr>
-    <a:masterClrMapping/>
-  </p:clrMapOvr>
-</p:notes>
-</file>
-
-<file path=ppt/notesSlides/notesSlide7.xml><?xml version="1.0" encoding="utf-8"?>
-<p:notes xmlns:a="http://schemas.openxmlformats.org/drawingml/2006/main" xmlns:r="http://schemas.openxmlformats.org/officeDocument/2006/relationships" xmlns:p="http://schemas.openxmlformats.org/presentationml/2006/main">
-  <p:cSld>
-    <p:spTree>
-      <p:nvGrpSpPr>
-        <p:cNvPr id="1" name="">
-          <a:extLst>
-            <a:ext uri="{FF2B5EF4-FFF2-40B4-BE49-F238E27FC236}">
-              <a16:creationId xmlns:a16="http://schemas.microsoft.com/office/drawing/2014/main" id="{2435AB4F-3DFD-1B8B-65D5-3124EF809190}"/>
-            </a:ext>
-          </a:extLst>
-        </p:cNvPr>
-        <p:cNvGrpSpPr/>
-        <p:nvPr/>
-      </p:nvGrpSpPr>
-      <p:grpSpPr>
-        <a:xfrm>
-          <a:off x="0" y="0"/>
-          <a:ext cx="0" cy="0"/>
-          <a:chOff x="0" y="0"/>
-          <a:chExt cx="0" cy="0"/>
-        </a:xfrm>
-      </p:grpSpPr>
-      <p:sp>
-        <p:nvSpPr>
-          <p:cNvPr id="2" name="スライド イメージ プレースホルダー 1">
-            <a:extLst>
-              <a:ext uri="{FF2B5EF4-FFF2-40B4-BE49-F238E27FC236}">
-                <a16:creationId xmlns:a16="http://schemas.microsoft.com/office/drawing/2014/main" id="{4F53943A-6B0F-576A-0497-D13E573DBAFD}"/>
-              </a:ext>
-            </a:extLst>
-          </p:cNvPr>
-          <p:cNvSpPr>
-            <a:spLocks noGrp="1" noRot="1" noChangeAspect="1"/>
-          </p:cNvSpPr>
-          <p:nvPr>
-            <p:ph type="sldImg"/>
-          </p:nvPr>
-        </p:nvSpPr>
-        <p:spPr/>
-      </p:sp>
-      <p:sp>
-        <p:nvSpPr>
-          <p:cNvPr id="3" name="ノート プレースホルダー 2">
-            <a:extLst>
-              <a:ext uri="{FF2B5EF4-FFF2-40B4-BE49-F238E27FC236}">
-                <a16:creationId xmlns:a16="http://schemas.microsoft.com/office/drawing/2014/main" id="{2087B539-53CA-5071-9957-638A2875741B}"/>
-              </a:ext>
-            </a:extLst>
-          </p:cNvPr>
-          <p:cNvSpPr>
-            <a:spLocks noGrp="1"/>
-          </p:cNvSpPr>
-          <p:nvPr>
-            <p:ph type="body" idx="1"/>
-          </p:nvPr>
-        </p:nvSpPr>
-        <p:spPr/>
-        <p:txBody>
-          <a:bodyPr/>
-          <a:lstStyle/>
-          <a:p>
-            <a:endParaRPr lang="ja-JP" altLang="en-US">
-              <a:effectLst/>
-            </a:endParaRPr>
-          </a:p>
-        </p:txBody>
-      </p:sp>
-      <p:sp>
-        <p:nvSpPr>
-          <p:cNvPr id="4" name="スライド番号プレースホルダー 3">
-            <a:extLst>
-              <a:ext uri="{FF2B5EF4-FFF2-40B4-BE49-F238E27FC236}">
-                <a16:creationId xmlns:a16="http://schemas.microsoft.com/office/drawing/2014/main" id="{C39E77DF-C764-4107-69A1-C2B1BC7F7BE2}"/>
-              </a:ext>
-            </a:extLst>
-          </p:cNvPr>
-          <p:cNvSpPr>
-            <a:spLocks noGrp="1"/>
-          </p:cNvSpPr>
-          <p:nvPr>
-            <p:ph type="sldNum" sz="quarter" idx="5"/>
-          </p:nvPr>
-        </p:nvSpPr>
-        <p:spPr/>
-        <p:txBody>
-          <a:bodyPr/>
-          <a:lstStyle/>
-          <a:p>
-            <a:fld id="{423E85BE-9FAD-764D-B84A-7C70829A20A9}" type="slidenum">
-              <a:rPr kumimoji="1" lang="ja-JP" altLang="en-US" smtClean="0"/>
-              <a:t>8</a:t>
-            </a:fld>
-            <a:endParaRPr kumimoji="1" lang="ja-JP" altLang="en-US"/>
-          </a:p>
-        </p:txBody>
-      </p:sp>
-    </p:spTree>
-    <p:extLst>
-      <p:ext uri="{BB962C8B-B14F-4D97-AF65-F5344CB8AC3E}">
-        <p14:creationId xmlns:p14="http://schemas.microsoft.com/office/powerpoint/2010/main" val="4119038065"/>
-      </p:ext>
-    </p:extLst>
-  </p:cSld>
-  <p:clrMapOvr>
-    <a:masterClrMapping/>
-  </p:clrMapOvr>
-</p:notes>
-</file>
-
 <file path=ppt/slideLayouts/slideLayout1.xml><?xml version="1.0" encoding="utf-8"?>
 <p:sldLayout xmlns:a="http://schemas.openxmlformats.org/drawingml/2006/main" xmlns:r="http://schemas.openxmlformats.org/officeDocument/2006/relationships" xmlns:p="http://schemas.openxmlformats.org/presentationml/2006/main" type="title" preserve="1">
   <p:cSld name="Title Slide">
@@ -1482,7 +1149,7 @@
             <a:fld id="{1D8BD707-D9CF-40AE-B4C6-C98DA3205C09}" type="datetimeFigureOut">
               <a:rPr lang="en-US" smtClean="0"/>
               <a:pPr/>
-              <a:t>7/22/25</a:t>
+              <a:t>7/24/25</a:t>
             </a:fld>
             <a:endParaRPr lang="en-US"/>
           </a:p>
@@ -1647,7 +1314,7 @@
             <a:fld id="{1D8BD707-D9CF-40AE-B4C6-C98DA3205C09}" type="datetimeFigureOut">
               <a:rPr lang="en-US" smtClean="0"/>
               <a:pPr/>
-              <a:t>7/22/25</a:t>
+              <a:t>7/24/25</a:t>
             </a:fld>
             <a:endParaRPr lang="en-US"/>
           </a:p>
@@ -1822,7 +1489,7 @@
             <a:fld id="{1D8BD707-D9CF-40AE-B4C6-C98DA3205C09}" type="datetimeFigureOut">
               <a:rPr lang="en-US" smtClean="0"/>
               <a:pPr/>
-              <a:t>7/22/25</a:t>
+              <a:t>7/24/25</a:t>
             </a:fld>
             <a:endParaRPr lang="en-US"/>
           </a:p>
@@ -1987,7 +1654,7 @@
             <a:fld id="{1D8BD707-D9CF-40AE-B4C6-C98DA3205C09}" type="datetimeFigureOut">
               <a:rPr lang="en-US" smtClean="0"/>
               <a:pPr/>
-              <a:t>7/22/25</a:t>
+              <a:t>7/24/25</a:t>
             </a:fld>
             <a:endParaRPr lang="en-US"/>
           </a:p>
@@ -2229,7 +1896,7 @@
             <a:fld id="{1D8BD707-D9CF-40AE-B4C6-C98DA3205C09}" type="datetimeFigureOut">
               <a:rPr lang="en-US" smtClean="0"/>
               <a:pPr/>
-              <a:t>7/22/25</a:t>
+              <a:t>7/24/25</a:t>
             </a:fld>
             <a:endParaRPr lang="en-US"/>
           </a:p>
@@ -2511,7 +2178,7 @@
             <a:fld id="{1D8BD707-D9CF-40AE-B4C6-C98DA3205C09}" type="datetimeFigureOut">
               <a:rPr lang="en-US" smtClean="0"/>
               <a:pPr/>
-              <a:t>7/22/25</a:t>
+              <a:t>7/24/25</a:t>
             </a:fld>
             <a:endParaRPr lang="en-US"/>
           </a:p>
@@ -2927,7 +2594,7 @@
             <a:fld id="{1D8BD707-D9CF-40AE-B4C6-C98DA3205C09}" type="datetimeFigureOut">
               <a:rPr lang="en-US" smtClean="0"/>
               <a:pPr/>
-              <a:t>7/22/25</a:t>
+              <a:t>7/24/25</a:t>
             </a:fld>
             <a:endParaRPr lang="en-US"/>
           </a:p>
@@ -3041,7 +2708,7 @@
             <a:fld id="{1D8BD707-D9CF-40AE-B4C6-C98DA3205C09}" type="datetimeFigureOut">
               <a:rPr lang="en-US" smtClean="0"/>
               <a:pPr/>
-              <a:t>7/22/25</a:t>
+              <a:t>7/24/25</a:t>
             </a:fld>
             <a:endParaRPr lang="en-US"/>
           </a:p>
@@ -3133,7 +2800,7 @@
             <a:fld id="{1D8BD707-D9CF-40AE-B4C6-C98DA3205C09}" type="datetimeFigureOut">
               <a:rPr lang="en-US" smtClean="0"/>
               <a:pPr/>
-              <a:t>7/22/25</a:t>
+              <a:t>7/24/25</a:t>
             </a:fld>
             <a:endParaRPr lang="en-US"/>
           </a:p>
@@ -3405,7 +3072,7 @@
             <a:fld id="{1D8BD707-D9CF-40AE-B4C6-C98DA3205C09}" type="datetimeFigureOut">
               <a:rPr lang="en-US" smtClean="0"/>
               <a:pPr/>
-              <a:t>7/22/25</a:t>
+              <a:t>7/24/25</a:t>
             </a:fld>
             <a:endParaRPr lang="en-US"/>
           </a:p>
@@ -3654,7 +3321,7 @@
             <a:fld id="{1D8BD707-D9CF-40AE-B4C6-C98DA3205C09}" type="datetimeFigureOut">
               <a:rPr lang="en-US" smtClean="0"/>
               <a:pPr/>
-              <a:t>7/22/25</a:t>
+              <a:t>7/24/25</a:t>
             </a:fld>
             <a:endParaRPr lang="en-US"/>
           </a:p>
@@ -3862,7 +3529,7 @@
             <a:fld id="{1D8BD707-D9CF-40AE-B4C6-C98DA3205C09}" type="datetimeFigureOut">
               <a:rPr lang="en-US" smtClean="0"/>
               <a:pPr/>
-              <a:t>7/22/25</a:t>
+              <a:t>7/24/25</a:t>
             </a:fld>
             <a:endParaRPr lang="en-US"/>
           </a:p>
@@ -14256,1888 +13923,6 @@
 </p:sld>
 </file>
 
-<file path=ppt/slides/slide6.xml><?xml version="1.0" encoding="utf-8"?>
-<p:sld xmlns:a="http://schemas.openxmlformats.org/drawingml/2006/main" xmlns:r="http://schemas.openxmlformats.org/officeDocument/2006/relationships" xmlns:p="http://schemas.openxmlformats.org/presentationml/2006/main">
-  <p:cSld>
-    <p:spTree>
-      <p:nvGrpSpPr>
-        <p:cNvPr id="1" name="">
-          <a:extLst>
-            <a:ext uri="{FF2B5EF4-FFF2-40B4-BE49-F238E27FC236}">
-              <a16:creationId xmlns:a16="http://schemas.microsoft.com/office/drawing/2014/main" id="{FD5891FF-5866-6299-6DDD-D720216644C9}"/>
-            </a:ext>
-          </a:extLst>
-        </p:cNvPr>
-        <p:cNvGrpSpPr/>
-        <p:nvPr/>
-      </p:nvGrpSpPr>
-      <p:grpSpPr>
-        <a:xfrm>
-          <a:off x="0" y="0"/>
-          <a:ext cx="0" cy="0"/>
-          <a:chOff x="0" y="0"/>
-          <a:chExt cx="0" cy="0"/>
-        </a:xfrm>
-      </p:grpSpPr>
-      <p:sp>
-        <p:nvSpPr>
-          <p:cNvPr id="2" name="AutoShape 2">
-            <a:extLst>
-              <a:ext uri="{FF2B5EF4-FFF2-40B4-BE49-F238E27FC236}">
-                <a16:creationId xmlns:a16="http://schemas.microsoft.com/office/drawing/2014/main" id="{BD6C82D5-8C5C-20A4-6DE0-2BFE8EC7643C}"/>
-              </a:ext>
-            </a:extLst>
-          </p:cNvPr>
-          <p:cNvSpPr/>
-          <p:nvPr/>
-        </p:nvSpPr>
-        <p:spPr>
-          <a:xfrm>
-            <a:off x="857250" y="2361305"/>
-            <a:ext cx="16573500" cy="0"/>
-          </a:xfrm>
-          <a:prstGeom prst="line">
-            <a:avLst/>
-          </a:prstGeom>
-          <a:ln w="19050" cap="flat">
-            <a:solidFill>
-              <a:srgbClr val="1B1B1B"/>
-            </a:solidFill>
-            <a:prstDash val="solid"/>
-            <a:headEnd type="none" w="sm" len="sm"/>
-            <a:tailEnd type="none" w="sm" len="sm"/>
-          </a:ln>
-        </p:spPr>
-        <p:txBody>
-          <a:bodyPr/>
-          <a:lstStyle/>
-          <a:p>
-            <a:endParaRPr lang="ja-JP" altLang="en-US">
-              <a:latin typeface="Yu Gothic" panose="020B0400000000000000" pitchFamily="34" charset="-128"/>
-              <a:ea typeface="Yu Gothic" panose="020B0400000000000000" pitchFamily="34" charset="-128"/>
-            </a:endParaRPr>
-          </a:p>
-        </p:txBody>
-      </p:sp>
-      <p:sp>
-        <p:nvSpPr>
-          <p:cNvPr id="3" name="AutoShape 3">
-            <a:extLst>
-              <a:ext uri="{FF2B5EF4-FFF2-40B4-BE49-F238E27FC236}">
-                <a16:creationId xmlns:a16="http://schemas.microsoft.com/office/drawing/2014/main" id="{A7452E47-124A-D5F0-CE1C-0366DD0D5EA0}"/>
-              </a:ext>
-            </a:extLst>
-          </p:cNvPr>
-          <p:cNvSpPr/>
-          <p:nvPr/>
-        </p:nvSpPr>
-        <p:spPr>
-          <a:xfrm>
-            <a:off x="857250" y="1047750"/>
-            <a:ext cx="16573459" cy="0"/>
-          </a:xfrm>
-          <a:prstGeom prst="line">
-            <a:avLst/>
-          </a:prstGeom>
-          <a:ln w="19050" cap="flat">
-            <a:solidFill>
-              <a:srgbClr val="1B1B1B"/>
-            </a:solidFill>
-            <a:prstDash val="solid"/>
-            <a:headEnd type="none" w="sm" len="sm"/>
-            <a:tailEnd type="none" w="sm" len="sm"/>
-          </a:ln>
-        </p:spPr>
-        <p:txBody>
-          <a:bodyPr/>
-          <a:lstStyle/>
-          <a:p>
-            <a:endParaRPr lang="ja-JP" altLang="en-US">
-              <a:latin typeface="Yu Gothic" panose="020B0400000000000000" pitchFamily="34" charset="-128"/>
-              <a:ea typeface="Yu Gothic" panose="020B0400000000000000" pitchFamily="34" charset="-128"/>
-            </a:endParaRPr>
-          </a:p>
-        </p:txBody>
-      </p:sp>
-      <p:sp>
-        <p:nvSpPr>
-          <p:cNvPr id="4" name="AutoShape 4">
-            <a:extLst>
-              <a:ext uri="{FF2B5EF4-FFF2-40B4-BE49-F238E27FC236}">
-                <a16:creationId xmlns:a16="http://schemas.microsoft.com/office/drawing/2014/main" id="{BE931CFB-B526-B416-6C43-8A9D95FEE0BC}"/>
-              </a:ext>
-            </a:extLst>
-          </p:cNvPr>
-          <p:cNvSpPr/>
-          <p:nvPr/>
-        </p:nvSpPr>
-        <p:spPr>
-          <a:xfrm flipV="1">
-            <a:off x="856856" y="904405"/>
-            <a:ext cx="16574288" cy="0"/>
-          </a:xfrm>
-          <a:prstGeom prst="line">
-            <a:avLst/>
-          </a:prstGeom>
-          <a:ln w="57150" cap="flat">
-            <a:solidFill>
-              <a:srgbClr val="1B1B1B"/>
-            </a:solidFill>
-            <a:prstDash val="solid"/>
-            <a:headEnd type="none" w="sm" len="sm"/>
-            <a:tailEnd type="none" w="sm" len="sm"/>
-          </a:ln>
-        </p:spPr>
-        <p:txBody>
-          <a:bodyPr/>
-          <a:lstStyle/>
-          <a:p>
-            <a:endParaRPr lang="ja-JP" altLang="en-US">
-              <a:latin typeface="Yu Gothic" panose="020B0400000000000000" pitchFamily="34" charset="-128"/>
-              <a:ea typeface="Yu Gothic" panose="020B0400000000000000" pitchFamily="34" charset="-128"/>
-            </a:endParaRPr>
-          </a:p>
-        </p:txBody>
-      </p:sp>
-      <p:sp>
-        <p:nvSpPr>
-          <p:cNvPr id="5" name="AutoShape 5">
-            <a:extLst>
-              <a:ext uri="{FF2B5EF4-FFF2-40B4-BE49-F238E27FC236}">
-                <a16:creationId xmlns:a16="http://schemas.microsoft.com/office/drawing/2014/main" id="{137934B2-67B4-2D33-DB69-1E7DE3EB3159}"/>
-              </a:ext>
-            </a:extLst>
-          </p:cNvPr>
-          <p:cNvSpPr/>
-          <p:nvPr/>
-        </p:nvSpPr>
-        <p:spPr>
-          <a:xfrm>
-            <a:off x="857250" y="9382595"/>
-            <a:ext cx="16573500" cy="0"/>
-          </a:xfrm>
-          <a:prstGeom prst="line">
-            <a:avLst/>
-          </a:prstGeom>
-          <a:ln w="57150" cap="flat">
-            <a:solidFill>
-              <a:srgbClr val="1B1B1B"/>
-            </a:solidFill>
-            <a:prstDash val="solid"/>
-            <a:headEnd type="none" w="sm" len="sm"/>
-            <a:tailEnd type="none" w="sm" len="sm"/>
-          </a:ln>
-        </p:spPr>
-        <p:txBody>
-          <a:bodyPr/>
-          <a:lstStyle/>
-          <a:p>
-            <a:endParaRPr lang="ja-JP" altLang="en-US">
-              <a:latin typeface="Yu Gothic" panose="020B0400000000000000" pitchFamily="34" charset="-128"/>
-              <a:ea typeface="Yu Gothic" panose="020B0400000000000000" pitchFamily="34" charset="-128"/>
-            </a:endParaRPr>
-          </a:p>
-        </p:txBody>
-      </p:sp>
-      <p:sp>
-        <p:nvSpPr>
-          <p:cNvPr id="6" name="AutoShape 6">
-            <a:extLst>
-              <a:ext uri="{FF2B5EF4-FFF2-40B4-BE49-F238E27FC236}">
-                <a16:creationId xmlns:a16="http://schemas.microsoft.com/office/drawing/2014/main" id="{56F18E94-4A95-1434-5FD9-91C9244C99C5}"/>
-              </a:ext>
-            </a:extLst>
-          </p:cNvPr>
-          <p:cNvSpPr/>
-          <p:nvPr/>
-        </p:nvSpPr>
-        <p:spPr>
-          <a:xfrm>
-            <a:off x="857250" y="9239250"/>
-            <a:ext cx="16573500" cy="0"/>
-          </a:xfrm>
-          <a:prstGeom prst="line">
-            <a:avLst/>
-          </a:prstGeom>
-          <a:ln w="19050" cap="flat">
-            <a:solidFill>
-              <a:srgbClr val="1B1B1B"/>
-            </a:solidFill>
-            <a:prstDash val="solid"/>
-            <a:headEnd type="none" w="sm" len="sm"/>
-            <a:tailEnd type="none" w="sm" len="sm"/>
-          </a:ln>
-        </p:spPr>
-        <p:txBody>
-          <a:bodyPr/>
-          <a:lstStyle/>
-          <a:p>
-            <a:endParaRPr lang="ja-JP" altLang="en-US">
-              <a:latin typeface="Yu Gothic" panose="020B0400000000000000" pitchFamily="34" charset="-128"/>
-              <a:ea typeface="Yu Gothic" panose="020B0400000000000000" pitchFamily="34" charset="-128"/>
-            </a:endParaRPr>
-          </a:p>
-        </p:txBody>
-      </p:sp>
-      <p:grpSp>
-        <p:nvGrpSpPr>
-          <p:cNvPr id="7" name="Group 7">
-            <a:extLst>
-              <a:ext uri="{FF2B5EF4-FFF2-40B4-BE49-F238E27FC236}">
-                <a16:creationId xmlns:a16="http://schemas.microsoft.com/office/drawing/2014/main" id="{FA1F6B92-0446-59D0-CF7B-26E7C664BB01}"/>
-              </a:ext>
-            </a:extLst>
-          </p:cNvPr>
-          <p:cNvGrpSpPr/>
-          <p:nvPr/>
-        </p:nvGrpSpPr>
-        <p:grpSpPr>
-          <a:xfrm>
-            <a:off x="1282599" y="650625"/>
-            <a:ext cx="1213487" cy="1720205"/>
-            <a:chOff x="0" y="0"/>
-            <a:chExt cx="319601" cy="453058"/>
-          </a:xfrm>
-        </p:grpSpPr>
-        <p:sp>
-          <p:nvSpPr>
-            <p:cNvPr id="8" name="Freeform 8">
-              <a:extLst>
-                <a:ext uri="{FF2B5EF4-FFF2-40B4-BE49-F238E27FC236}">
-                  <a16:creationId xmlns:a16="http://schemas.microsoft.com/office/drawing/2014/main" id="{6895D817-783A-134A-FF98-2414D9C20E69}"/>
-                </a:ext>
-              </a:extLst>
-            </p:cNvPr>
-            <p:cNvSpPr/>
-            <p:nvPr/>
-          </p:nvSpPr>
-          <p:spPr>
-            <a:xfrm>
-              <a:off x="0" y="0"/>
-              <a:ext cx="319601" cy="453058"/>
-            </a:xfrm>
-            <a:custGeom>
-              <a:avLst/>
-              <a:gdLst/>
-              <a:ahLst/>
-              <a:cxnLst/>
-              <a:rect l="l" t="t" r="r" b="b"/>
-              <a:pathLst>
-                <a:path w="319601" h="453058">
-                  <a:moveTo>
-                    <a:pt x="0" y="0"/>
-                  </a:moveTo>
-                  <a:lnTo>
-                    <a:pt x="319601" y="0"/>
-                  </a:lnTo>
-                  <a:lnTo>
-                    <a:pt x="319601" y="453058"/>
-                  </a:lnTo>
-                  <a:lnTo>
-                    <a:pt x="0" y="453058"/>
-                  </a:lnTo>
-                  <a:close/>
-                </a:path>
-              </a:pathLst>
-            </a:custGeom>
-            <a:solidFill>
-              <a:srgbClr val="1B1B1B"/>
-            </a:solidFill>
-          </p:spPr>
-          <p:txBody>
-            <a:bodyPr/>
-            <a:lstStyle/>
-            <a:p>
-              <a:endParaRPr lang="ja-JP" altLang="en-US">
-                <a:latin typeface="Yu Gothic" panose="020B0400000000000000" pitchFamily="34" charset="-128"/>
-                <a:ea typeface="Yu Gothic" panose="020B0400000000000000" pitchFamily="34" charset="-128"/>
-              </a:endParaRPr>
-            </a:p>
-          </p:txBody>
-        </p:sp>
-        <p:sp>
-          <p:nvSpPr>
-            <p:cNvPr id="9" name="TextBox 9">
-              <a:extLst>
-                <a:ext uri="{FF2B5EF4-FFF2-40B4-BE49-F238E27FC236}">
-                  <a16:creationId xmlns:a16="http://schemas.microsoft.com/office/drawing/2014/main" id="{BA81D070-1858-B24C-F7DC-4D675B0E4FDA}"/>
-                </a:ext>
-              </a:extLst>
-            </p:cNvPr>
-            <p:cNvSpPr txBox="1"/>
-            <p:nvPr/>
-          </p:nvSpPr>
-          <p:spPr>
-            <a:xfrm>
-              <a:off x="0" y="-47625"/>
-              <a:ext cx="319601" cy="500683"/>
-            </a:xfrm>
-            <a:prstGeom prst="rect">
-              <a:avLst/>
-            </a:prstGeom>
-          </p:spPr>
-          <p:txBody>
-            <a:bodyPr lIns="50800" tIns="50800" rIns="50800" bIns="50800" rtlCol="0" anchor="ctr"/>
-            <a:lstStyle/>
-            <a:p>
-              <a:pPr algn="ctr">
-                <a:lnSpc>
-                  <a:spcPts val="3359"/>
-                </a:lnSpc>
-              </a:pPr>
-              <a:endParaRPr>
-                <a:latin typeface="Yu Gothic" panose="020B0400000000000000" pitchFamily="34" charset="-128"/>
-                <a:ea typeface="Yu Gothic" panose="020B0400000000000000" pitchFamily="34" charset="-128"/>
-              </a:endParaRPr>
-            </a:p>
-          </p:txBody>
-        </p:sp>
-      </p:grpSp>
-      <p:sp>
-        <p:nvSpPr>
-          <p:cNvPr id="12" name="TextBox 12">
-            <a:extLst>
-              <a:ext uri="{FF2B5EF4-FFF2-40B4-BE49-F238E27FC236}">
-                <a16:creationId xmlns:a16="http://schemas.microsoft.com/office/drawing/2014/main" id="{B1824D78-0DD3-2CFA-FF91-AFC0713ED34C}"/>
-              </a:ext>
-            </a:extLst>
-          </p:cNvPr>
-          <p:cNvSpPr txBox="1"/>
-          <p:nvPr/>
-        </p:nvSpPr>
-        <p:spPr>
-          <a:xfrm>
-            <a:off x="2949343" y="1371153"/>
-            <a:ext cx="14309957" cy="596317"/>
-          </a:xfrm>
-          <a:prstGeom prst="rect">
-            <a:avLst/>
-          </a:prstGeom>
-        </p:spPr>
-        <p:txBody>
-          <a:bodyPr lIns="0" tIns="0" rIns="0" bIns="0" rtlCol="0" anchor="t">
-            <a:spAutoFit/>
-          </a:bodyPr>
-          <a:lstStyle/>
-          <a:p>
-            <a:pPr algn="l">
-              <a:lnSpc>
-                <a:spcPts val="4900"/>
-              </a:lnSpc>
-            </a:pPr>
-            <a:r>
-              <a:rPr lang="ja-JP" altLang="en-US" sz="3500" b="1" spc="175">
-                <a:solidFill>
-                  <a:srgbClr val="1B1B1B"/>
-                </a:solidFill>
-                <a:latin typeface="Yu Gothic" panose="020B0400000000000000" pitchFamily="34" charset="-128"/>
-                <a:ea typeface="Yu Gothic" panose="020B0400000000000000" pitchFamily="34" charset="-128"/>
-                <a:cs typeface="Noto Sans JP Heavy"/>
-                <a:sym typeface="Noto Sans JP Heavy"/>
-              </a:rPr>
-              <a:t>ユーザーアクション</a:t>
-            </a:r>
-            <a:r>
-              <a:rPr lang="en-US" altLang="ja-JP" sz="3500" b="1" spc="175" dirty="0">
-                <a:solidFill>
-                  <a:srgbClr val="1B1B1B"/>
-                </a:solidFill>
-                <a:latin typeface="Yu Gothic" panose="020B0400000000000000" pitchFamily="34" charset="-128"/>
-                <a:ea typeface="Yu Gothic" panose="020B0400000000000000" pitchFamily="34" charset="-128"/>
-                <a:cs typeface="Noto Sans JP Heavy"/>
-                <a:sym typeface="Noto Sans JP Heavy"/>
-              </a:rPr>
-              <a:t> – </a:t>
-            </a:r>
-            <a:r>
-              <a:rPr lang="ja-JP" altLang="en-US" sz="3500" b="1" spc="175">
-                <a:solidFill>
-                  <a:srgbClr val="1B1B1B"/>
-                </a:solidFill>
-                <a:latin typeface="Yu Gothic" panose="020B0400000000000000" pitchFamily="34" charset="-128"/>
-                <a:ea typeface="Yu Gothic" panose="020B0400000000000000" pitchFamily="34" charset="-128"/>
-                <a:cs typeface="Noto Sans JP Heavy"/>
-                <a:sym typeface="Noto Sans JP Heavy"/>
-              </a:rPr>
-              <a:t>アカウント作成・ログイン</a:t>
-            </a:r>
-            <a:endParaRPr lang="en-US" sz="3500" b="1" spc="175" dirty="0">
-              <a:solidFill>
-                <a:srgbClr val="1B1B1B"/>
-              </a:solidFill>
-              <a:latin typeface="Yu Gothic" panose="020B0400000000000000" pitchFamily="34" charset="-128"/>
-              <a:ea typeface="Yu Gothic" panose="020B0400000000000000" pitchFamily="34" charset="-128"/>
-              <a:cs typeface="Noto Sans JP Heavy"/>
-              <a:sym typeface="Noto Sans JP Heavy"/>
-            </a:endParaRPr>
-          </a:p>
-        </p:txBody>
-      </p:sp>
-      <p:sp>
-        <p:nvSpPr>
-          <p:cNvPr id="13" name="TextBox 13">
-            <a:extLst>
-              <a:ext uri="{FF2B5EF4-FFF2-40B4-BE49-F238E27FC236}">
-                <a16:creationId xmlns:a16="http://schemas.microsoft.com/office/drawing/2014/main" id="{70AF47E0-22D5-F1D7-AE25-77F145284C4F}"/>
-              </a:ext>
-            </a:extLst>
-          </p:cNvPr>
-          <p:cNvSpPr txBox="1"/>
-          <p:nvPr/>
-        </p:nvSpPr>
-        <p:spPr>
-          <a:xfrm>
-            <a:off x="1461953" y="1228278"/>
-            <a:ext cx="854779" cy="733425"/>
-          </a:xfrm>
-          <a:prstGeom prst="rect">
-            <a:avLst/>
-          </a:prstGeom>
-        </p:spPr>
-        <p:txBody>
-          <a:bodyPr lIns="0" tIns="0" rIns="0" bIns="0" rtlCol="0" anchor="t">
-            <a:spAutoFit/>
-          </a:bodyPr>
-          <a:lstStyle/>
-          <a:p>
-            <a:pPr marL="0" lvl="0" indent="0" algn="ctr">
-              <a:lnSpc>
-                <a:spcPts val="6300"/>
-              </a:lnSpc>
-              <a:spcBef>
-                <a:spcPct val="0"/>
-              </a:spcBef>
-            </a:pPr>
-            <a:r>
-              <a:rPr lang="en-US" sz="3500" b="1" u="none" strike="noStrike" dirty="0">
-                <a:solidFill>
-                  <a:srgbClr val="FAFAFA"/>
-                </a:solidFill>
-                <a:latin typeface="Yu Gothic" panose="020B0400000000000000" pitchFamily="34" charset="-128"/>
-                <a:ea typeface="Yu Gothic" panose="020B0400000000000000" pitchFamily="34" charset="-128"/>
-                <a:cs typeface="Open Sans Bold"/>
-                <a:sym typeface="Open Sans Bold"/>
-              </a:rPr>
-              <a:t>04</a:t>
-            </a:r>
-          </a:p>
-        </p:txBody>
-      </p:sp>
-      <p:sp>
-        <p:nvSpPr>
-          <p:cNvPr id="47" name="右矢印 46">
-            <a:extLst>
-              <a:ext uri="{FF2B5EF4-FFF2-40B4-BE49-F238E27FC236}">
-                <a16:creationId xmlns:a16="http://schemas.microsoft.com/office/drawing/2014/main" id="{331266CA-75C3-4838-C9DD-CBCE2F48091E}"/>
-              </a:ext>
-            </a:extLst>
-          </p:cNvPr>
-          <p:cNvSpPr/>
-          <p:nvPr/>
-        </p:nvSpPr>
-        <p:spPr>
-          <a:xfrm>
-            <a:off x="6687436" y="4013338"/>
-            <a:ext cx="6237398" cy="1393104"/>
-          </a:xfrm>
-          <a:prstGeom prst="rightArrow">
-            <a:avLst>
-              <a:gd name="adj1" fmla="val 50000"/>
-              <a:gd name="adj2" fmla="val 44620"/>
-            </a:avLst>
-          </a:prstGeom>
-          <a:solidFill>
-            <a:srgbClr val="C0D8C3"/>
-          </a:solidFill>
-          <a:ln>
-            <a:solidFill>
-              <a:schemeClr val="accent3">
-                <a:lumMod val="50000"/>
-              </a:schemeClr>
-            </a:solidFill>
-          </a:ln>
-        </p:spPr>
-        <p:style>
-          <a:lnRef idx="2">
-            <a:schemeClr val="accent1">
-              <a:shade val="15000"/>
-            </a:schemeClr>
-          </a:lnRef>
-          <a:fillRef idx="1">
-            <a:schemeClr val="accent1"/>
-          </a:fillRef>
-          <a:effectRef idx="0">
-            <a:schemeClr val="accent1"/>
-          </a:effectRef>
-          <a:fontRef idx="minor">
-            <a:schemeClr val="lt1"/>
-          </a:fontRef>
-        </p:style>
-        <p:txBody>
-          <a:bodyPr rtlCol="0" anchor="ctr"/>
-          <a:lstStyle/>
-          <a:p>
-            <a:pPr algn="ctr"/>
-            <a:endParaRPr kumimoji="1" lang="ja-JP" altLang="en-US"/>
-          </a:p>
-        </p:txBody>
-      </p:sp>
-      <p:pic>
-        <p:nvPicPr>
-          <p:cNvPr id="21" name="図 20" descr="グラフィカル ユーザー インターフェイス, アプリケーション&#10;&#10;AI 生成コンテンツは誤りを含む可能性があります。">
-            <a:extLst>
-              <a:ext uri="{FF2B5EF4-FFF2-40B4-BE49-F238E27FC236}">
-                <a16:creationId xmlns:a16="http://schemas.microsoft.com/office/drawing/2014/main" id="{CCA6F439-C5BB-F39A-2F47-FD70234E1C22}"/>
-              </a:ext>
-            </a:extLst>
-          </p:cNvPr>
-          <p:cNvPicPr>
-            <a:picLocks noChangeAspect="1"/>
-          </p:cNvPicPr>
-          <p:nvPr/>
-        </p:nvPicPr>
-        <p:blipFill>
-          <a:blip r:embed="rId3">
-            <a:extLst>
-              <a:ext uri="{28A0092B-C50C-407E-A947-70E740481C1C}">
-                <a14:useLocalDpi xmlns:a14="http://schemas.microsoft.com/office/drawing/2010/main" val="0"/>
-              </a:ext>
-            </a:extLst>
-          </a:blip>
-          <a:srcRect l="26095" t="5613" r="26095" b="33250"/>
-          <a:stretch>
-            <a:fillRect/>
-          </a:stretch>
-        </p:blipFill>
-        <p:spPr>
-          <a:xfrm>
-            <a:off x="7657952" y="2559105"/>
-            <a:ext cx="3747600" cy="2857563"/>
-          </a:xfrm>
-          <a:prstGeom prst="rect">
-            <a:avLst/>
-          </a:prstGeom>
-          <a:ln>
-            <a:solidFill>
-              <a:schemeClr val="tx1"/>
-            </a:solidFill>
-          </a:ln>
-        </p:spPr>
-      </p:pic>
-      <p:pic>
-        <p:nvPicPr>
-          <p:cNvPr id="25" name="図 24" descr="グラフィカル ユーザー インターフェイス, アプリケーション&#10;&#10;AI 生成コンテンツは誤りを含む可能性があります。">
-            <a:extLst>
-              <a:ext uri="{FF2B5EF4-FFF2-40B4-BE49-F238E27FC236}">
-                <a16:creationId xmlns:a16="http://schemas.microsoft.com/office/drawing/2014/main" id="{94834A43-9E96-B395-B381-893BB8E651A9}"/>
-              </a:ext>
-            </a:extLst>
-          </p:cNvPr>
-          <p:cNvPicPr>
-            <a:picLocks noChangeAspect="1"/>
-          </p:cNvPicPr>
-          <p:nvPr/>
-        </p:nvPicPr>
-        <p:blipFill>
-          <a:blip r:embed="rId4">
-            <a:extLst>
-              <a:ext uri="{28A0092B-C50C-407E-A947-70E740481C1C}">
-                <a14:useLocalDpi xmlns:a14="http://schemas.microsoft.com/office/drawing/2010/main" val="0"/>
-              </a:ext>
-            </a:extLst>
-          </a:blip>
-          <a:srcRect l="26874" r="25228" b="45325"/>
-          <a:stretch>
-            <a:fillRect/>
-          </a:stretch>
-        </p:blipFill>
-        <p:spPr>
-          <a:xfrm>
-            <a:off x="1579892" y="4013338"/>
-            <a:ext cx="5107544" cy="3276000"/>
-          </a:xfrm>
-          <a:prstGeom prst="rect">
-            <a:avLst/>
-          </a:prstGeom>
-          <a:ln>
-            <a:solidFill>
-              <a:schemeClr val="tx1"/>
-            </a:solidFill>
-          </a:ln>
-        </p:spPr>
-      </p:pic>
-      <p:sp>
-        <p:nvSpPr>
-          <p:cNvPr id="49" name="右矢印 48">
-            <a:extLst>
-              <a:ext uri="{FF2B5EF4-FFF2-40B4-BE49-F238E27FC236}">
-                <a16:creationId xmlns:a16="http://schemas.microsoft.com/office/drawing/2014/main" id="{46149983-3E69-8699-AB25-0A2B28E25A81}"/>
-              </a:ext>
-            </a:extLst>
-          </p:cNvPr>
-          <p:cNvSpPr/>
-          <p:nvPr/>
-        </p:nvSpPr>
-        <p:spPr>
-          <a:xfrm>
-            <a:off x="6687436" y="6039578"/>
-            <a:ext cx="6237398" cy="1393104"/>
-          </a:xfrm>
-          <a:prstGeom prst="rightArrow">
-            <a:avLst>
-              <a:gd name="adj1" fmla="val 50000"/>
-              <a:gd name="adj2" fmla="val 44620"/>
-            </a:avLst>
-          </a:prstGeom>
-          <a:solidFill>
-            <a:srgbClr val="AFC5D9"/>
-          </a:solidFill>
-          <a:ln>
-            <a:solidFill>
-              <a:schemeClr val="tx2">
-                <a:lumMod val="50000"/>
-              </a:schemeClr>
-            </a:solidFill>
-          </a:ln>
-        </p:spPr>
-        <p:style>
-          <a:lnRef idx="2">
-            <a:schemeClr val="accent1">
-              <a:shade val="15000"/>
-            </a:schemeClr>
-          </a:lnRef>
-          <a:fillRef idx="1">
-            <a:schemeClr val="accent1"/>
-          </a:fillRef>
-          <a:effectRef idx="0">
-            <a:schemeClr val="accent1"/>
-          </a:effectRef>
-          <a:fontRef idx="minor">
-            <a:schemeClr val="lt1"/>
-          </a:fontRef>
-        </p:style>
-        <p:txBody>
-          <a:bodyPr rtlCol="0" anchor="ctr"/>
-          <a:lstStyle/>
-          <a:p>
-            <a:pPr algn="ctr"/>
-            <a:endParaRPr kumimoji="1" lang="ja-JP" altLang="en-US"/>
-          </a:p>
-        </p:txBody>
-      </p:sp>
-      <p:pic>
-        <p:nvPicPr>
-          <p:cNvPr id="48" name="図 47" descr="グラフィカル ユーザー インターフェイス, アプリケーション&#10;&#10;AI 生成コンテンツは誤りを含む可能性があります。">
-            <a:extLst>
-              <a:ext uri="{FF2B5EF4-FFF2-40B4-BE49-F238E27FC236}">
-                <a16:creationId xmlns:a16="http://schemas.microsoft.com/office/drawing/2014/main" id="{D1B97C1D-68D4-F239-DBFE-D1327F997049}"/>
-              </a:ext>
-            </a:extLst>
-          </p:cNvPr>
-          <p:cNvPicPr>
-            <a:picLocks noChangeAspect="1"/>
-          </p:cNvPicPr>
-          <p:nvPr/>
-        </p:nvPicPr>
-        <p:blipFill>
-          <a:blip r:embed="rId5">
-            <a:extLst>
-              <a:ext uri="{28A0092B-C50C-407E-A947-70E740481C1C}">
-                <a14:useLocalDpi xmlns:a14="http://schemas.microsoft.com/office/drawing/2010/main" val="0"/>
-              </a:ext>
-            </a:extLst>
-          </a:blip>
-          <a:srcRect l="24492" r="24875" b="25072"/>
-          <a:stretch>
-            <a:fillRect/>
-          </a:stretch>
-        </p:blipFill>
-        <p:spPr>
-          <a:xfrm>
-            <a:off x="7657148" y="5933043"/>
-            <a:ext cx="3748404" cy="3120570"/>
-          </a:xfrm>
-          <a:prstGeom prst="rect">
-            <a:avLst/>
-          </a:prstGeom>
-          <a:ln>
-            <a:solidFill>
-              <a:schemeClr val="tx1"/>
-            </a:solidFill>
-          </a:ln>
-        </p:spPr>
-      </p:pic>
-      <p:sp>
-        <p:nvSpPr>
-          <p:cNvPr id="50" name="テキスト ボックス 49">
-            <a:extLst>
-              <a:ext uri="{FF2B5EF4-FFF2-40B4-BE49-F238E27FC236}">
-                <a16:creationId xmlns:a16="http://schemas.microsoft.com/office/drawing/2014/main" id="{49EF1D6B-ABD7-2545-1533-5CA8A920FDC2}"/>
-              </a:ext>
-            </a:extLst>
-          </p:cNvPr>
-          <p:cNvSpPr txBox="1"/>
-          <p:nvPr/>
-        </p:nvSpPr>
-        <p:spPr>
-          <a:xfrm>
-            <a:off x="5029200" y="3380202"/>
-            <a:ext cx="2563522" cy="523220"/>
-          </a:xfrm>
-          <a:prstGeom prst="rect">
-            <a:avLst/>
-          </a:prstGeom>
-          <a:noFill/>
-        </p:spPr>
-        <p:txBody>
-          <a:bodyPr wrap="none" rtlCol="0">
-            <a:spAutoFit/>
-          </a:bodyPr>
-          <a:lstStyle/>
-          <a:p>
-            <a:r>
-              <a:rPr kumimoji="1" lang="ja-JP" altLang="en-US" sz="2800">
-                <a:highlight>
-                  <a:srgbClr val="C0D8C3"/>
-                </a:highlight>
-              </a:rPr>
-              <a:t>初回：新規登録</a:t>
-            </a:r>
-          </a:p>
-        </p:txBody>
-      </p:sp>
-      <p:sp>
-        <p:nvSpPr>
-          <p:cNvPr id="51" name="テキスト ボックス 50">
-            <a:extLst>
-              <a:ext uri="{FF2B5EF4-FFF2-40B4-BE49-F238E27FC236}">
-                <a16:creationId xmlns:a16="http://schemas.microsoft.com/office/drawing/2014/main" id="{40C625FA-C726-A94B-65DE-F4C0A88BBF2F}"/>
-              </a:ext>
-            </a:extLst>
-          </p:cNvPr>
-          <p:cNvSpPr txBox="1"/>
-          <p:nvPr/>
-        </p:nvSpPr>
-        <p:spPr>
-          <a:xfrm>
-            <a:off x="4521047" y="7489191"/>
-            <a:ext cx="3054041" cy="523220"/>
-          </a:xfrm>
-          <a:prstGeom prst="rect">
-            <a:avLst/>
-          </a:prstGeom>
-          <a:noFill/>
-        </p:spPr>
-        <p:txBody>
-          <a:bodyPr wrap="none" rtlCol="0">
-            <a:spAutoFit/>
-          </a:bodyPr>
-          <a:lstStyle/>
-          <a:p>
-            <a:r>
-              <a:rPr kumimoji="1" lang="ja-JP" altLang="en-US" sz="2800">
-                <a:highlight>
-                  <a:srgbClr val="AFC5D9"/>
-                </a:highlight>
-              </a:rPr>
-              <a:t>初回以降：ログイン</a:t>
-            </a:r>
-          </a:p>
-        </p:txBody>
-      </p:sp>
-      <p:pic>
-        <p:nvPicPr>
-          <p:cNvPr id="11" name="図 10" descr="グラフィカル ユーザー インターフェイス, アプリケーション, Web サイト&#10;&#10;AI 生成コンテンツは誤りを含む可能性があります。">
-            <a:extLst>
-              <a:ext uri="{FF2B5EF4-FFF2-40B4-BE49-F238E27FC236}">
-                <a16:creationId xmlns:a16="http://schemas.microsoft.com/office/drawing/2014/main" id="{63D02843-4095-1E7B-0CD9-A9FCF31FEFBA}"/>
-              </a:ext>
-            </a:extLst>
-          </p:cNvPr>
-          <p:cNvPicPr>
-            <a:picLocks noChangeAspect="1"/>
-          </p:cNvPicPr>
-          <p:nvPr/>
-        </p:nvPicPr>
-        <p:blipFill>
-          <a:blip r:embed="rId6">
-            <a:extLst>
-              <a:ext uri="{28A0092B-C50C-407E-A947-70E740481C1C}">
-                <a14:useLocalDpi xmlns:a14="http://schemas.microsoft.com/office/drawing/2010/main" val="0"/>
-              </a:ext>
-            </a:extLst>
-          </a:blip>
-          <a:srcRect l="11983" t="10846" r="22304" b="14504"/>
-          <a:stretch>
-            <a:fillRect/>
-          </a:stretch>
-        </p:blipFill>
-        <p:spPr>
-          <a:xfrm>
-            <a:off x="12951856" y="4013338"/>
-            <a:ext cx="5107544" cy="3276000"/>
-          </a:xfrm>
-          <a:prstGeom prst="rect">
-            <a:avLst/>
-          </a:prstGeom>
-          <a:ln>
-            <a:solidFill>
-              <a:schemeClr val="tx1"/>
-            </a:solidFill>
-          </a:ln>
-        </p:spPr>
-      </p:pic>
-    </p:spTree>
-    <p:extLst>
-      <p:ext uri="{BB962C8B-B14F-4D97-AF65-F5344CB8AC3E}">
-        <p14:creationId xmlns:p14="http://schemas.microsoft.com/office/powerpoint/2010/main" val="2560638179"/>
-      </p:ext>
-    </p:extLst>
-  </p:cSld>
-  <p:clrMapOvr>
-    <a:masterClrMapping/>
-  </p:clrMapOvr>
-</p:sld>
-</file>
-
-<file path=ppt/slides/slide7.xml><?xml version="1.0" encoding="utf-8"?>
-<p:sld xmlns:a="http://schemas.openxmlformats.org/drawingml/2006/main" xmlns:r="http://schemas.openxmlformats.org/officeDocument/2006/relationships" xmlns:p="http://schemas.openxmlformats.org/presentationml/2006/main">
-  <p:cSld>
-    <p:spTree>
-      <p:nvGrpSpPr>
-        <p:cNvPr id="1" name="">
-          <a:extLst>
-            <a:ext uri="{FF2B5EF4-FFF2-40B4-BE49-F238E27FC236}">
-              <a16:creationId xmlns:a16="http://schemas.microsoft.com/office/drawing/2014/main" id="{29E719E2-88C4-32A9-482B-C29DAD826CB7}"/>
-            </a:ext>
-          </a:extLst>
-        </p:cNvPr>
-        <p:cNvGrpSpPr/>
-        <p:nvPr/>
-      </p:nvGrpSpPr>
-      <p:grpSpPr>
-        <a:xfrm>
-          <a:off x="0" y="0"/>
-          <a:ext cx="0" cy="0"/>
-          <a:chOff x="0" y="0"/>
-          <a:chExt cx="0" cy="0"/>
-        </a:xfrm>
-      </p:grpSpPr>
-      <p:sp>
-        <p:nvSpPr>
-          <p:cNvPr id="2" name="AutoShape 2">
-            <a:extLst>
-              <a:ext uri="{FF2B5EF4-FFF2-40B4-BE49-F238E27FC236}">
-                <a16:creationId xmlns:a16="http://schemas.microsoft.com/office/drawing/2014/main" id="{A9FCE7B6-268C-18B5-50E8-86A5D8AF9280}"/>
-              </a:ext>
-            </a:extLst>
-          </p:cNvPr>
-          <p:cNvSpPr/>
-          <p:nvPr/>
-        </p:nvSpPr>
-        <p:spPr>
-          <a:xfrm>
-            <a:off x="857250" y="2361305"/>
-            <a:ext cx="16573500" cy="0"/>
-          </a:xfrm>
-          <a:prstGeom prst="line">
-            <a:avLst/>
-          </a:prstGeom>
-          <a:ln w="19050" cap="flat">
-            <a:solidFill>
-              <a:srgbClr val="1B1B1B"/>
-            </a:solidFill>
-            <a:prstDash val="solid"/>
-            <a:headEnd type="none" w="sm" len="sm"/>
-            <a:tailEnd type="none" w="sm" len="sm"/>
-          </a:ln>
-        </p:spPr>
-        <p:txBody>
-          <a:bodyPr/>
-          <a:lstStyle/>
-          <a:p>
-            <a:endParaRPr lang="ja-JP" altLang="en-US">
-              <a:latin typeface="Yu Gothic" panose="020B0400000000000000" pitchFamily="34" charset="-128"/>
-              <a:ea typeface="Yu Gothic" panose="020B0400000000000000" pitchFamily="34" charset="-128"/>
-            </a:endParaRPr>
-          </a:p>
-        </p:txBody>
-      </p:sp>
-      <p:sp>
-        <p:nvSpPr>
-          <p:cNvPr id="3" name="AutoShape 3">
-            <a:extLst>
-              <a:ext uri="{FF2B5EF4-FFF2-40B4-BE49-F238E27FC236}">
-                <a16:creationId xmlns:a16="http://schemas.microsoft.com/office/drawing/2014/main" id="{F263E431-678B-3638-BB4C-653E574C88C4}"/>
-              </a:ext>
-            </a:extLst>
-          </p:cNvPr>
-          <p:cNvSpPr/>
-          <p:nvPr/>
-        </p:nvSpPr>
-        <p:spPr>
-          <a:xfrm>
-            <a:off x="857250" y="1047750"/>
-            <a:ext cx="16573459" cy="0"/>
-          </a:xfrm>
-          <a:prstGeom prst="line">
-            <a:avLst/>
-          </a:prstGeom>
-          <a:ln w="19050" cap="flat">
-            <a:solidFill>
-              <a:srgbClr val="1B1B1B"/>
-            </a:solidFill>
-            <a:prstDash val="solid"/>
-            <a:headEnd type="none" w="sm" len="sm"/>
-            <a:tailEnd type="none" w="sm" len="sm"/>
-          </a:ln>
-        </p:spPr>
-        <p:txBody>
-          <a:bodyPr/>
-          <a:lstStyle/>
-          <a:p>
-            <a:endParaRPr lang="ja-JP" altLang="en-US">
-              <a:latin typeface="Yu Gothic" panose="020B0400000000000000" pitchFamily="34" charset="-128"/>
-              <a:ea typeface="Yu Gothic" panose="020B0400000000000000" pitchFamily="34" charset="-128"/>
-            </a:endParaRPr>
-          </a:p>
-        </p:txBody>
-      </p:sp>
-      <p:sp>
-        <p:nvSpPr>
-          <p:cNvPr id="4" name="AutoShape 4">
-            <a:extLst>
-              <a:ext uri="{FF2B5EF4-FFF2-40B4-BE49-F238E27FC236}">
-                <a16:creationId xmlns:a16="http://schemas.microsoft.com/office/drawing/2014/main" id="{238F061B-C69A-1D3F-F2BF-701304CADBB6}"/>
-              </a:ext>
-            </a:extLst>
-          </p:cNvPr>
-          <p:cNvSpPr/>
-          <p:nvPr/>
-        </p:nvSpPr>
-        <p:spPr>
-          <a:xfrm flipV="1">
-            <a:off x="856856" y="904405"/>
-            <a:ext cx="16574288" cy="0"/>
-          </a:xfrm>
-          <a:prstGeom prst="line">
-            <a:avLst/>
-          </a:prstGeom>
-          <a:ln w="57150" cap="flat">
-            <a:solidFill>
-              <a:srgbClr val="1B1B1B"/>
-            </a:solidFill>
-            <a:prstDash val="solid"/>
-            <a:headEnd type="none" w="sm" len="sm"/>
-            <a:tailEnd type="none" w="sm" len="sm"/>
-          </a:ln>
-        </p:spPr>
-        <p:txBody>
-          <a:bodyPr/>
-          <a:lstStyle/>
-          <a:p>
-            <a:endParaRPr lang="ja-JP" altLang="en-US">
-              <a:latin typeface="Yu Gothic" panose="020B0400000000000000" pitchFamily="34" charset="-128"/>
-              <a:ea typeface="Yu Gothic" panose="020B0400000000000000" pitchFamily="34" charset="-128"/>
-            </a:endParaRPr>
-          </a:p>
-        </p:txBody>
-      </p:sp>
-      <p:sp>
-        <p:nvSpPr>
-          <p:cNvPr id="5" name="AutoShape 5">
-            <a:extLst>
-              <a:ext uri="{FF2B5EF4-FFF2-40B4-BE49-F238E27FC236}">
-                <a16:creationId xmlns:a16="http://schemas.microsoft.com/office/drawing/2014/main" id="{AE93A3A6-5C30-A162-449D-B5531DE51C26}"/>
-              </a:ext>
-            </a:extLst>
-          </p:cNvPr>
-          <p:cNvSpPr/>
-          <p:nvPr/>
-        </p:nvSpPr>
-        <p:spPr>
-          <a:xfrm>
-            <a:off x="857250" y="9382595"/>
-            <a:ext cx="16573500" cy="0"/>
-          </a:xfrm>
-          <a:prstGeom prst="line">
-            <a:avLst/>
-          </a:prstGeom>
-          <a:ln w="57150" cap="flat">
-            <a:solidFill>
-              <a:srgbClr val="1B1B1B"/>
-            </a:solidFill>
-            <a:prstDash val="solid"/>
-            <a:headEnd type="none" w="sm" len="sm"/>
-            <a:tailEnd type="none" w="sm" len="sm"/>
-          </a:ln>
-        </p:spPr>
-        <p:txBody>
-          <a:bodyPr/>
-          <a:lstStyle/>
-          <a:p>
-            <a:endParaRPr lang="ja-JP" altLang="en-US">
-              <a:latin typeface="Yu Gothic" panose="020B0400000000000000" pitchFamily="34" charset="-128"/>
-              <a:ea typeface="Yu Gothic" panose="020B0400000000000000" pitchFamily="34" charset="-128"/>
-            </a:endParaRPr>
-          </a:p>
-        </p:txBody>
-      </p:sp>
-      <p:sp>
-        <p:nvSpPr>
-          <p:cNvPr id="6" name="AutoShape 6">
-            <a:extLst>
-              <a:ext uri="{FF2B5EF4-FFF2-40B4-BE49-F238E27FC236}">
-                <a16:creationId xmlns:a16="http://schemas.microsoft.com/office/drawing/2014/main" id="{62FB3F49-7888-6954-4EF1-F43D6EB60595}"/>
-              </a:ext>
-            </a:extLst>
-          </p:cNvPr>
-          <p:cNvSpPr/>
-          <p:nvPr/>
-        </p:nvSpPr>
-        <p:spPr>
-          <a:xfrm>
-            <a:off x="857250" y="9239250"/>
-            <a:ext cx="16573500" cy="0"/>
-          </a:xfrm>
-          <a:prstGeom prst="line">
-            <a:avLst/>
-          </a:prstGeom>
-          <a:ln w="19050" cap="flat">
-            <a:solidFill>
-              <a:srgbClr val="1B1B1B"/>
-            </a:solidFill>
-            <a:prstDash val="solid"/>
-            <a:headEnd type="none" w="sm" len="sm"/>
-            <a:tailEnd type="none" w="sm" len="sm"/>
-          </a:ln>
-        </p:spPr>
-        <p:txBody>
-          <a:bodyPr/>
-          <a:lstStyle/>
-          <a:p>
-            <a:endParaRPr lang="ja-JP" altLang="en-US">
-              <a:latin typeface="Yu Gothic" panose="020B0400000000000000" pitchFamily="34" charset="-128"/>
-              <a:ea typeface="Yu Gothic" panose="020B0400000000000000" pitchFamily="34" charset="-128"/>
-            </a:endParaRPr>
-          </a:p>
-        </p:txBody>
-      </p:sp>
-      <p:grpSp>
-        <p:nvGrpSpPr>
-          <p:cNvPr id="7" name="Group 7">
-            <a:extLst>
-              <a:ext uri="{FF2B5EF4-FFF2-40B4-BE49-F238E27FC236}">
-                <a16:creationId xmlns:a16="http://schemas.microsoft.com/office/drawing/2014/main" id="{15E2B92C-4DAD-EC22-A6DD-3A42E30B3A90}"/>
-              </a:ext>
-            </a:extLst>
-          </p:cNvPr>
-          <p:cNvGrpSpPr/>
-          <p:nvPr/>
-        </p:nvGrpSpPr>
-        <p:grpSpPr>
-          <a:xfrm>
-            <a:off x="1282599" y="650625"/>
-            <a:ext cx="1213487" cy="1720205"/>
-            <a:chOff x="0" y="0"/>
-            <a:chExt cx="319601" cy="453058"/>
-          </a:xfrm>
-        </p:grpSpPr>
-        <p:sp>
-          <p:nvSpPr>
-            <p:cNvPr id="8" name="Freeform 8">
-              <a:extLst>
-                <a:ext uri="{FF2B5EF4-FFF2-40B4-BE49-F238E27FC236}">
-                  <a16:creationId xmlns:a16="http://schemas.microsoft.com/office/drawing/2014/main" id="{41999DAA-71A0-FC2C-816B-4BCE629BA608}"/>
-                </a:ext>
-              </a:extLst>
-            </p:cNvPr>
-            <p:cNvSpPr/>
-            <p:nvPr/>
-          </p:nvSpPr>
-          <p:spPr>
-            <a:xfrm>
-              <a:off x="0" y="0"/>
-              <a:ext cx="319601" cy="453058"/>
-            </a:xfrm>
-            <a:custGeom>
-              <a:avLst/>
-              <a:gdLst/>
-              <a:ahLst/>
-              <a:cxnLst/>
-              <a:rect l="l" t="t" r="r" b="b"/>
-              <a:pathLst>
-                <a:path w="319601" h="453058">
-                  <a:moveTo>
-                    <a:pt x="0" y="0"/>
-                  </a:moveTo>
-                  <a:lnTo>
-                    <a:pt x="319601" y="0"/>
-                  </a:lnTo>
-                  <a:lnTo>
-                    <a:pt x="319601" y="453058"/>
-                  </a:lnTo>
-                  <a:lnTo>
-                    <a:pt x="0" y="453058"/>
-                  </a:lnTo>
-                  <a:close/>
-                </a:path>
-              </a:pathLst>
-            </a:custGeom>
-            <a:solidFill>
-              <a:srgbClr val="1B1B1B"/>
-            </a:solidFill>
-          </p:spPr>
-          <p:txBody>
-            <a:bodyPr/>
-            <a:lstStyle/>
-            <a:p>
-              <a:endParaRPr lang="ja-JP" altLang="en-US">
-                <a:latin typeface="Yu Gothic" panose="020B0400000000000000" pitchFamily="34" charset="-128"/>
-                <a:ea typeface="Yu Gothic" panose="020B0400000000000000" pitchFamily="34" charset="-128"/>
-              </a:endParaRPr>
-            </a:p>
-          </p:txBody>
-        </p:sp>
-        <p:sp>
-          <p:nvSpPr>
-            <p:cNvPr id="9" name="TextBox 9">
-              <a:extLst>
-                <a:ext uri="{FF2B5EF4-FFF2-40B4-BE49-F238E27FC236}">
-                  <a16:creationId xmlns:a16="http://schemas.microsoft.com/office/drawing/2014/main" id="{B3E55F59-B376-E70D-5CC7-39BE8EA5E96A}"/>
-                </a:ext>
-              </a:extLst>
-            </p:cNvPr>
-            <p:cNvSpPr txBox="1"/>
-            <p:nvPr/>
-          </p:nvSpPr>
-          <p:spPr>
-            <a:xfrm>
-              <a:off x="0" y="-47625"/>
-              <a:ext cx="319601" cy="500683"/>
-            </a:xfrm>
-            <a:prstGeom prst="rect">
-              <a:avLst/>
-            </a:prstGeom>
-          </p:spPr>
-          <p:txBody>
-            <a:bodyPr lIns="50800" tIns="50800" rIns="50800" bIns="50800" rtlCol="0" anchor="ctr"/>
-            <a:lstStyle/>
-            <a:p>
-              <a:pPr algn="ctr">
-                <a:lnSpc>
-                  <a:spcPts val="3359"/>
-                </a:lnSpc>
-              </a:pPr>
-              <a:endParaRPr>
-                <a:latin typeface="Yu Gothic" panose="020B0400000000000000" pitchFamily="34" charset="-128"/>
-                <a:ea typeface="Yu Gothic" panose="020B0400000000000000" pitchFamily="34" charset="-128"/>
-              </a:endParaRPr>
-            </a:p>
-          </p:txBody>
-        </p:sp>
-      </p:grpSp>
-      <p:sp>
-        <p:nvSpPr>
-          <p:cNvPr id="12" name="TextBox 12">
-            <a:extLst>
-              <a:ext uri="{FF2B5EF4-FFF2-40B4-BE49-F238E27FC236}">
-                <a16:creationId xmlns:a16="http://schemas.microsoft.com/office/drawing/2014/main" id="{A45B9969-583A-7B5C-2C0E-4E3CD6DE3651}"/>
-              </a:ext>
-            </a:extLst>
-          </p:cNvPr>
-          <p:cNvSpPr txBox="1"/>
-          <p:nvPr/>
-        </p:nvSpPr>
-        <p:spPr>
-          <a:xfrm>
-            <a:off x="2949343" y="1371153"/>
-            <a:ext cx="14309957" cy="596317"/>
-          </a:xfrm>
-          <a:prstGeom prst="rect">
-            <a:avLst/>
-          </a:prstGeom>
-        </p:spPr>
-        <p:txBody>
-          <a:bodyPr lIns="0" tIns="0" rIns="0" bIns="0" rtlCol="0" anchor="t">
-            <a:spAutoFit/>
-          </a:bodyPr>
-          <a:lstStyle/>
-          <a:p>
-            <a:pPr algn="l">
-              <a:lnSpc>
-                <a:spcPts val="4900"/>
-              </a:lnSpc>
-            </a:pPr>
-            <a:r>
-              <a:rPr lang="ja-JP" altLang="en-US" sz="3500" b="1" spc="175">
-                <a:solidFill>
-                  <a:srgbClr val="1B1B1B"/>
-                </a:solidFill>
-                <a:latin typeface="Yu Gothic" panose="020B0400000000000000" pitchFamily="34" charset="-128"/>
-                <a:ea typeface="Yu Gothic" panose="020B0400000000000000" pitchFamily="34" charset="-128"/>
-                <a:cs typeface="Noto Sans JP Heavy"/>
-                <a:sym typeface="Noto Sans JP Heavy"/>
-              </a:rPr>
-              <a:t>ユーザーアクション</a:t>
-            </a:r>
-            <a:r>
-              <a:rPr lang="en-US" altLang="ja-JP" sz="3500" b="1" spc="175" dirty="0">
-                <a:solidFill>
-                  <a:srgbClr val="1B1B1B"/>
-                </a:solidFill>
-                <a:latin typeface="Yu Gothic" panose="020B0400000000000000" pitchFamily="34" charset="-128"/>
-                <a:ea typeface="Yu Gothic" panose="020B0400000000000000" pitchFamily="34" charset="-128"/>
-                <a:cs typeface="Noto Sans JP Heavy"/>
-                <a:sym typeface="Noto Sans JP Heavy"/>
-              </a:rPr>
-              <a:t> – </a:t>
-            </a:r>
-            <a:r>
-              <a:rPr lang="ja-JP" altLang="en-US" sz="3500" b="1" spc="175">
-                <a:solidFill>
-                  <a:srgbClr val="1B1B1B"/>
-                </a:solidFill>
-                <a:latin typeface="Yu Gothic" panose="020B0400000000000000" pitchFamily="34" charset="-128"/>
-                <a:ea typeface="Yu Gothic" panose="020B0400000000000000" pitchFamily="34" charset="-128"/>
-                <a:cs typeface="Noto Sans JP Heavy"/>
-                <a:sym typeface="Noto Sans JP Heavy"/>
-              </a:rPr>
-              <a:t>録音</a:t>
-            </a:r>
-            <a:endParaRPr lang="en-US" sz="3500" b="1" spc="175" dirty="0">
-              <a:solidFill>
-                <a:srgbClr val="1B1B1B"/>
-              </a:solidFill>
-              <a:latin typeface="Yu Gothic" panose="020B0400000000000000" pitchFamily="34" charset="-128"/>
-              <a:ea typeface="Yu Gothic" panose="020B0400000000000000" pitchFamily="34" charset="-128"/>
-              <a:cs typeface="Noto Sans JP Heavy"/>
-              <a:sym typeface="Noto Sans JP Heavy"/>
-            </a:endParaRPr>
-          </a:p>
-        </p:txBody>
-      </p:sp>
-      <p:sp>
-        <p:nvSpPr>
-          <p:cNvPr id="13" name="TextBox 13">
-            <a:extLst>
-              <a:ext uri="{FF2B5EF4-FFF2-40B4-BE49-F238E27FC236}">
-                <a16:creationId xmlns:a16="http://schemas.microsoft.com/office/drawing/2014/main" id="{F6F1DA9D-8846-D312-1ECE-8AFDAD080582}"/>
-              </a:ext>
-            </a:extLst>
-          </p:cNvPr>
-          <p:cNvSpPr txBox="1"/>
-          <p:nvPr/>
-        </p:nvSpPr>
-        <p:spPr>
-          <a:xfrm>
-            <a:off x="1461953" y="1228278"/>
-            <a:ext cx="854779" cy="733425"/>
-          </a:xfrm>
-          <a:prstGeom prst="rect">
-            <a:avLst/>
-          </a:prstGeom>
-        </p:spPr>
-        <p:txBody>
-          <a:bodyPr lIns="0" tIns="0" rIns="0" bIns="0" rtlCol="0" anchor="t">
-            <a:spAutoFit/>
-          </a:bodyPr>
-          <a:lstStyle/>
-          <a:p>
-            <a:pPr marL="0" lvl="0" indent="0" algn="ctr">
-              <a:lnSpc>
-                <a:spcPts val="6300"/>
-              </a:lnSpc>
-              <a:spcBef>
-                <a:spcPct val="0"/>
-              </a:spcBef>
-            </a:pPr>
-            <a:r>
-              <a:rPr lang="en-US" sz="3500" b="1" u="none" strike="noStrike" dirty="0">
-                <a:solidFill>
-                  <a:srgbClr val="FAFAFA"/>
-                </a:solidFill>
-                <a:latin typeface="Yu Gothic" panose="020B0400000000000000" pitchFamily="34" charset="-128"/>
-                <a:ea typeface="Yu Gothic" panose="020B0400000000000000" pitchFamily="34" charset="-128"/>
-                <a:cs typeface="Open Sans Bold"/>
-                <a:sym typeface="Open Sans Bold"/>
-              </a:rPr>
-              <a:t>04</a:t>
-            </a:r>
-          </a:p>
-        </p:txBody>
-      </p:sp>
-      <p:sp>
-        <p:nvSpPr>
-          <p:cNvPr id="10" name="テキスト ボックス 9">
-            <a:extLst>
-              <a:ext uri="{FF2B5EF4-FFF2-40B4-BE49-F238E27FC236}">
-                <a16:creationId xmlns:a16="http://schemas.microsoft.com/office/drawing/2014/main" id="{F8DA5290-255B-FA72-C661-A63C5A3F8CC0}"/>
-              </a:ext>
-            </a:extLst>
-          </p:cNvPr>
-          <p:cNvSpPr txBox="1"/>
-          <p:nvPr/>
-        </p:nvSpPr>
-        <p:spPr>
-          <a:xfrm>
-            <a:off x="6698887" y="4931267"/>
-            <a:ext cx="3416320" cy="1015663"/>
-          </a:xfrm>
-          <a:prstGeom prst="rect">
-            <a:avLst/>
-          </a:prstGeom>
-          <a:noFill/>
-        </p:spPr>
-        <p:txBody>
-          <a:bodyPr wrap="none" rtlCol="0">
-            <a:spAutoFit/>
-          </a:bodyPr>
-          <a:lstStyle/>
-          <a:p>
-            <a:r>
-              <a:rPr kumimoji="1" lang="ja-JP" altLang="en-US" sz="6000">
-                <a:highlight>
-                  <a:srgbClr val="FFFF00"/>
-                </a:highlight>
-              </a:rPr>
-              <a:t>あとでかく</a:t>
-            </a:r>
-          </a:p>
-        </p:txBody>
-      </p:sp>
-    </p:spTree>
-    <p:extLst>
-      <p:ext uri="{BB962C8B-B14F-4D97-AF65-F5344CB8AC3E}">
-        <p14:creationId xmlns:p14="http://schemas.microsoft.com/office/powerpoint/2010/main" val="1476022028"/>
-      </p:ext>
-    </p:extLst>
-  </p:cSld>
-  <p:clrMapOvr>
-    <a:masterClrMapping/>
-  </p:clrMapOvr>
-</p:sld>
-</file>
-
-<file path=ppt/slides/slide8.xml><?xml version="1.0" encoding="utf-8"?>
-<p:sld xmlns:a="http://schemas.openxmlformats.org/drawingml/2006/main" xmlns:r="http://schemas.openxmlformats.org/officeDocument/2006/relationships" xmlns:p="http://schemas.openxmlformats.org/presentationml/2006/main">
-  <p:cSld>
-    <p:spTree>
-      <p:nvGrpSpPr>
-        <p:cNvPr id="1" name="">
-          <a:extLst>
-            <a:ext uri="{FF2B5EF4-FFF2-40B4-BE49-F238E27FC236}">
-              <a16:creationId xmlns:a16="http://schemas.microsoft.com/office/drawing/2014/main" id="{4A8648CB-8C07-088B-F856-7C552C642AC7}"/>
-            </a:ext>
-          </a:extLst>
-        </p:cNvPr>
-        <p:cNvGrpSpPr/>
-        <p:nvPr/>
-      </p:nvGrpSpPr>
-      <p:grpSpPr>
-        <a:xfrm>
-          <a:off x="0" y="0"/>
-          <a:ext cx="0" cy="0"/>
-          <a:chOff x="0" y="0"/>
-          <a:chExt cx="0" cy="0"/>
-        </a:xfrm>
-      </p:grpSpPr>
-      <p:sp>
-        <p:nvSpPr>
-          <p:cNvPr id="2" name="AutoShape 2">
-            <a:extLst>
-              <a:ext uri="{FF2B5EF4-FFF2-40B4-BE49-F238E27FC236}">
-                <a16:creationId xmlns:a16="http://schemas.microsoft.com/office/drawing/2014/main" id="{E1798DF8-A7D8-D37C-6BC4-6FC541F7E6B3}"/>
-              </a:ext>
-            </a:extLst>
-          </p:cNvPr>
-          <p:cNvSpPr/>
-          <p:nvPr/>
-        </p:nvSpPr>
-        <p:spPr>
-          <a:xfrm>
-            <a:off x="857250" y="2361305"/>
-            <a:ext cx="16573500" cy="0"/>
-          </a:xfrm>
-          <a:prstGeom prst="line">
-            <a:avLst/>
-          </a:prstGeom>
-          <a:ln w="19050" cap="flat">
-            <a:solidFill>
-              <a:srgbClr val="1B1B1B"/>
-            </a:solidFill>
-            <a:prstDash val="solid"/>
-            <a:headEnd type="none" w="sm" len="sm"/>
-            <a:tailEnd type="none" w="sm" len="sm"/>
-          </a:ln>
-        </p:spPr>
-        <p:txBody>
-          <a:bodyPr/>
-          <a:lstStyle/>
-          <a:p>
-            <a:endParaRPr lang="ja-JP" altLang="en-US">
-              <a:latin typeface="Yu Gothic" panose="020B0400000000000000" pitchFamily="34" charset="-128"/>
-              <a:ea typeface="Yu Gothic" panose="020B0400000000000000" pitchFamily="34" charset="-128"/>
-            </a:endParaRPr>
-          </a:p>
-        </p:txBody>
-      </p:sp>
-      <p:sp>
-        <p:nvSpPr>
-          <p:cNvPr id="3" name="AutoShape 3">
-            <a:extLst>
-              <a:ext uri="{FF2B5EF4-FFF2-40B4-BE49-F238E27FC236}">
-                <a16:creationId xmlns:a16="http://schemas.microsoft.com/office/drawing/2014/main" id="{BD09E11A-B2C5-B7F0-7CF5-D9BCBC7B4758}"/>
-              </a:ext>
-            </a:extLst>
-          </p:cNvPr>
-          <p:cNvSpPr/>
-          <p:nvPr/>
-        </p:nvSpPr>
-        <p:spPr>
-          <a:xfrm>
-            <a:off x="857250" y="1047750"/>
-            <a:ext cx="16573459" cy="0"/>
-          </a:xfrm>
-          <a:prstGeom prst="line">
-            <a:avLst/>
-          </a:prstGeom>
-          <a:ln w="19050" cap="flat">
-            <a:solidFill>
-              <a:srgbClr val="1B1B1B"/>
-            </a:solidFill>
-            <a:prstDash val="solid"/>
-            <a:headEnd type="none" w="sm" len="sm"/>
-            <a:tailEnd type="none" w="sm" len="sm"/>
-          </a:ln>
-        </p:spPr>
-        <p:txBody>
-          <a:bodyPr/>
-          <a:lstStyle/>
-          <a:p>
-            <a:endParaRPr lang="ja-JP" altLang="en-US">
-              <a:latin typeface="Yu Gothic" panose="020B0400000000000000" pitchFamily="34" charset="-128"/>
-              <a:ea typeface="Yu Gothic" panose="020B0400000000000000" pitchFamily="34" charset="-128"/>
-            </a:endParaRPr>
-          </a:p>
-        </p:txBody>
-      </p:sp>
-      <p:sp>
-        <p:nvSpPr>
-          <p:cNvPr id="4" name="AutoShape 4">
-            <a:extLst>
-              <a:ext uri="{FF2B5EF4-FFF2-40B4-BE49-F238E27FC236}">
-                <a16:creationId xmlns:a16="http://schemas.microsoft.com/office/drawing/2014/main" id="{E856B690-EEEF-B48A-B5A0-34E8CBC93F19}"/>
-              </a:ext>
-            </a:extLst>
-          </p:cNvPr>
-          <p:cNvSpPr/>
-          <p:nvPr/>
-        </p:nvSpPr>
-        <p:spPr>
-          <a:xfrm flipV="1">
-            <a:off x="856856" y="904405"/>
-            <a:ext cx="16574288" cy="0"/>
-          </a:xfrm>
-          <a:prstGeom prst="line">
-            <a:avLst/>
-          </a:prstGeom>
-          <a:ln w="57150" cap="flat">
-            <a:solidFill>
-              <a:srgbClr val="1B1B1B"/>
-            </a:solidFill>
-            <a:prstDash val="solid"/>
-            <a:headEnd type="none" w="sm" len="sm"/>
-            <a:tailEnd type="none" w="sm" len="sm"/>
-          </a:ln>
-        </p:spPr>
-        <p:txBody>
-          <a:bodyPr/>
-          <a:lstStyle/>
-          <a:p>
-            <a:endParaRPr lang="ja-JP" altLang="en-US">
-              <a:latin typeface="Yu Gothic" panose="020B0400000000000000" pitchFamily="34" charset="-128"/>
-              <a:ea typeface="Yu Gothic" panose="020B0400000000000000" pitchFamily="34" charset="-128"/>
-            </a:endParaRPr>
-          </a:p>
-        </p:txBody>
-      </p:sp>
-      <p:sp>
-        <p:nvSpPr>
-          <p:cNvPr id="5" name="AutoShape 5">
-            <a:extLst>
-              <a:ext uri="{FF2B5EF4-FFF2-40B4-BE49-F238E27FC236}">
-                <a16:creationId xmlns:a16="http://schemas.microsoft.com/office/drawing/2014/main" id="{DD06C8D9-B1BC-0926-D7B3-682389007FB2}"/>
-              </a:ext>
-            </a:extLst>
-          </p:cNvPr>
-          <p:cNvSpPr/>
-          <p:nvPr/>
-        </p:nvSpPr>
-        <p:spPr>
-          <a:xfrm>
-            <a:off x="857250" y="9382595"/>
-            <a:ext cx="16573500" cy="0"/>
-          </a:xfrm>
-          <a:prstGeom prst="line">
-            <a:avLst/>
-          </a:prstGeom>
-          <a:ln w="57150" cap="flat">
-            <a:solidFill>
-              <a:srgbClr val="1B1B1B"/>
-            </a:solidFill>
-            <a:prstDash val="solid"/>
-            <a:headEnd type="none" w="sm" len="sm"/>
-            <a:tailEnd type="none" w="sm" len="sm"/>
-          </a:ln>
-        </p:spPr>
-        <p:txBody>
-          <a:bodyPr/>
-          <a:lstStyle/>
-          <a:p>
-            <a:endParaRPr lang="ja-JP" altLang="en-US">
-              <a:latin typeface="Yu Gothic" panose="020B0400000000000000" pitchFamily="34" charset="-128"/>
-              <a:ea typeface="Yu Gothic" panose="020B0400000000000000" pitchFamily="34" charset="-128"/>
-            </a:endParaRPr>
-          </a:p>
-        </p:txBody>
-      </p:sp>
-      <p:sp>
-        <p:nvSpPr>
-          <p:cNvPr id="6" name="AutoShape 6">
-            <a:extLst>
-              <a:ext uri="{FF2B5EF4-FFF2-40B4-BE49-F238E27FC236}">
-                <a16:creationId xmlns:a16="http://schemas.microsoft.com/office/drawing/2014/main" id="{338BD1D2-FB05-CC02-B8FC-7F69ECA0FD79}"/>
-              </a:ext>
-            </a:extLst>
-          </p:cNvPr>
-          <p:cNvSpPr/>
-          <p:nvPr/>
-        </p:nvSpPr>
-        <p:spPr>
-          <a:xfrm>
-            <a:off x="857250" y="9239250"/>
-            <a:ext cx="16573500" cy="0"/>
-          </a:xfrm>
-          <a:prstGeom prst="line">
-            <a:avLst/>
-          </a:prstGeom>
-          <a:ln w="19050" cap="flat">
-            <a:solidFill>
-              <a:srgbClr val="1B1B1B"/>
-            </a:solidFill>
-            <a:prstDash val="solid"/>
-            <a:headEnd type="none" w="sm" len="sm"/>
-            <a:tailEnd type="none" w="sm" len="sm"/>
-          </a:ln>
-        </p:spPr>
-        <p:txBody>
-          <a:bodyPr/>
-          <a:lstStyle/>
-          <a:p>
-            <a:endParaRPr lang="ja-JP" altLang="en-US">
-              <a:latin typeface="Yu Gothic" panose="020B0400000000000000" pitchFamily="34" charset="-128"/>
-              <a:ea typeface="Yu Gothic" panose="020B0400000000000000" pitchFamily="34" charset="-128"/>
-            </a:endParaRPr>
-          </a:p>
-        </p:txBody>
-      </p:sp>
-      <p:grpSp>
-        <p:nvGrpSpPr>
-          <p:cNvPr id="7" name="Group 7">
-            <a:extLst>
-              <a:ext uri="{FF2B5EF4-FFF2-40B4-BE49-F238E27FC236}">
-                <a16:creationId xmlns:a16="http://schemas.microsoft.com/office/drawing/2014/main" id="{B6D54C10-4133-CE15-0D6B-48DF3A199B18}"/>
-              </a:ext>
-            </a:extLst>
-          </p:cNvPr>
-          <p:cNvGrpSpPr/>
-          <p:nvPr/>
-        </p:nvGrpSpPr>
-        <p:grpSpPr>
-          <a:xfrm>
-            <a:off x="1282599" y="650625"/>
-            <a:ext cx="1213487" cy="1720205"/>
-            <a:chOff x="0" y="0"/>
-            <a:chExt cx="319601" cy="453058"/>
-          </a:xfrm>
-        </p:grpSpPr>
-        <p:sp>
-          <p:nvSpPr>
-            <p:cNvPr id="8" name="Freeform 8">
-              <a:extLst>
-                <a:ext uri="{FF2B5EF4-FFF2-40B4-BE49-F238E27FC236}">
-                  <a16:creationId xmlns:a16="http://schemas.microsoft.com/office/drawing/2014/main" id="{52C59789-4807-9FF0-89D3-0C1ADD1E2830}"/>
-                </a:ext>
-              </a:extLst>
-            </p:cNvPr>
-            <p:cNvSpPr/>
-            <p:nvPr/>
-          </p:nvSpPr>
-          <p:spPr>
-            <a:xfrm>
-              <a:off x="0" y="0"/>
-              <a:ext cx="319601" cy="453058"/>
-            </a:xfrm>
-            <a:custGeom>
-              <a:avLst/>
-              <a:gdLst/>
-              <a:ahLst/>
-              <a:cxnLst/>
-              <a:rect l="l" t="t" r="r" b="b"/>
-              <a:pathLst>
-                <a:path w="319601" h="453058">
-                  <a:moveTo>
-                    <a:pt x="0" y="0"/>
-                  </a:moveTo>
-                  <a:lnTo>
-                    <a:pt x="319601" y="0"/>
-                  </a:lnTo>
-                  <a:lnTo>
-                    <a:pt x="319601" y="453058"/>
-                  </a:lnTo>
-                  <a:lnTo>
-                    <a:pt x="0" y="453058"/>
-                  </a:lnTo>
-                  <a:close/>
-                </a:path>
-              </a:pathLst>
-            </a:custGeom>
-            <a:solidFill>
-              <a:srgbClr val="1B1B1B"/>
-            </a:solidFill>
-          </p:spPr>
-          <p:txBody>
-            <a:bodyPr/>
-            <a:lstStyle/>
-            <a:p>
-              <a:endParaRPr lang="ja-JP" altLang="en-US">
-                <a:latin typeface="Yu Gothic" panose="020B0400000000000000" pitchFamily="34" charset="-128"/>
-                <a:ea typeface="Yu Gothic" panose="020B0400000000000000" pitchFamily="34" charset="-128"/>
-              </a:endParaRPr>
-            </a:p>
-          </p:txBody>
-        </p:sp>
-        <p:sp>
-          <p:nvSpPr>
-            <p:cNvPr id="9" name="TextBox 9">
-              <a:extLst>
-                <a:ext uri="{FF2B5EF4-FFF2-40B4-BE49-F238E27FC236}">
-                  <a16:creationId xmlns:a16="http://schemas.microsoft.com/office/drawing/2014/main" id="{95775310-D832-2E09-24CD-6AEB005C885A}"/>
-                </a:ext>
-              </a:extLst>
-            </p:cNvPr>
-            <p:cNvSpPr txBox="1"/>
-            <p:nvPr/>
-          </p:nvSpPr>
-          <p:spPr>
-            <a:xfrm>
-              <a:off x="0" y="-47625"/>
-              <a:ext cx="319601" cy="500683"/>
-            </a:xfrm>
-            <a:prstGeom prst="rect">
-              <a:avLst/>
-            </a:prstGeom>
-          </p:spPr>
-          <p:txBody>
-            <a:bodyPr lIns="50800" tIns="50800" rIns="50800" bIns="50800" rtlCol="0" anchor="ctr"/>
-            <a:lstStyle/>
-            <a:p>
-              <a:pPr algn="ctr">
-                <a:lnSpc>
-                  <a:spcPts val="3359"/>
-                </a:lnSpc>
-              </a:pPr>
-              <a:endParaRPr>
-                <a:latin typeface="Yu Gothic" panose="020B0400000000000000" pitchFamily="34" charset="-128"/>
-                <a:ea typeface="Yu Gothic" panose="020B0400000000000000" pitchFamily="34" charset="-128"/>
-              </a:endParaRPr>
-            </a:p>
-          </p:txBody>
-        </p:sp>
-      </p:grpSp>
-      <p:sp>
-        <p:nvSpPr>
-          <p:cNvPr id="12" name="TextBox 12">
-            <a:extLst>
-              <a:ext uri="{FF2B5EF4-FFF2-40B4-BE49-F238E27FC236}">
-                <a16:creationId xmlns:a16="http://schemas.microsoft.com/office/drawing/2014/main" id="{6A4C04EF-4C53-AAE8-C4BE-8AB35F619B14}"/>
-              </a:ext>
-            </a:extLst>
-          </p:cNvPr>
-          <p:cNvSpPr txBox="1"/>
-          <p:nvPr/>
-        </p:nvSpPr>
-        <p:spPr>
-          <a:xfrm>
-            <a:off x="2949343" y="1371153"/>
-            <a:ext cx="14309957" cy="596317"/>
-          </a:xfrm>
-          <a:prstGeom prst="rect">
-            <a:avLst/>
-          </a:prstGeom>
-        </p:spPr>
-        <p:txBody>
-          <a:bodyPr lIns="0" tIns="0" rIns="0" bIns="0" rtlCol="0" anchor="t">
-            <a:spAutoFit/>
-          </a:bodyPr>
-          <a:lstStyle/>
-          <a:p>
-            <a:pPr algn="l">
-              <a:lnSpc>
-                <a:spcPts val="4900"/>
-              </a:lnSpc>
-            </a:pPr>
-            <a:r>
-              <a:rPr lang="ja-JP" altLang="en-US" sz="3500" b="1" spc="175">
-                <a:solidFill>
-                  <a:srgbClr val="1B1B1B"/>
-                </a:solidFill>
-                <a:latin typeface="Yu Gothic" panose="020B0400000000000000" pitchFamily="34" charset="-128"/>
-                <a:ea typeface="Yu Gothic" panose="020B0400000000000000" pitchFamily="34" charset="-128"/>
-                <a:cs typeface="Noto Sans JP Heavy"/>
-                <a:sym typeface="Noto Sans JP Heavy"/>
-              </a:rPr>
-              <a:t>ユーザーアクション</a:t>
-            </a:r>
-            <a:r>
-              <a:rPr lang="en-US" altLang="ja-JP" sz="3500" b="1" spc="175" dirty="0">
-                <a:solidFill>
-                  <a:srgbClr val="1B1B1B"/>
-                </a:solidFill>
-                <a:latin typeface="Yu Gothic" panose="020B0400000000000000" pitchFamily="34" charset="-128"/>
-                <a:ea typeface="Yu Gothic" panose="020B0400000000000000" pitchFamily="34" charset="-128"/>
-                <a:cs typeface="Noto Sans JP Heavy"/>
-                <a:sym typeface="Noto Sans JP Heavy"/>
-              </a:rPr>
-              <a:t> – </a:t>
-            </a:r>
-            <a:r>
-              <a:rPr lang="ja-JP" altLang="en-US" sz="3500" b="1" spc="175">
-                <a:solidFill>
-                  <a:srgbClr val="1B1B1B"/>
-                </a:solidFill>
-                <a:latin typeface="Yu Gothic" panose="020B0400000000000000" pitchFamily="34" charset="-128"/>
-                <a:ea typeface="Yu Gothic" panose="020B0400000000000000" pitchFamily="34" charset="-128"/>
-                <a:cs typeface="Noto Sans JP Heavy"/>
-                <a:sym typeface="Noto Sans JP Heavy"/>
-              </a:rPr>
-              <a:t>マッチング</a:t>
-            </a:r>
-            <a:endParaRPr lang="en-US" sz="3500" b="1" spc="175" dirty="0">
-              <a:solidFill>
-                <a:srgbClr val="1B1B1B"/>
-              </a:solidFill>
-              <a:latin typeface="Yu Gothic" panose="020B0400000000000000" pitchFamily="34" charset="-128"/>
-              <a:ea typeface="Yu Gothic" panose="020B0400000000000000" pitchFamily="34" charset="-128"/>
-              <a:cs typeface="Noto Sans JP Heavy"/>
-              <a:sym typeface="Noto Sans JP Heavy"/>
-            </a:endParaRPr>
-          </a:p>
-        </p:txBody>
-      </p:sp>
-      <p:sp>
-        <p:nvSpPr>
-          <p:cNvPr id="13" name="TextBox 13">
-            <a:extLst>
-              <a:ext uri="{FF2B5EF4-FFF2-40B4-BE49-F238E27FC236}">
-                <a16:creationId xmlns:a16="http://schemas.microsoft.com/office/drawing/2014/main" id="{F5D53381-3C5C-441A-E0DF-0277C4974B01}"/>
-              </a:ext>
-            </a:extLst>
-          </p:cNvPr>
-          <p:cNvSpPr txBox="1"/>
-          <p:nvPr/>
-        </p:nvSpPr>
-        <p:spPr>
-          <a:xfrm>
-            <a:off x="1461953" y="1228278"/>
-            <a:ext cx="854779" cy="733425"/>
-          </a:xfrm>
-          <a:prstGeom prst="rect">
-            <a:avLst/>
-          </a:prstGeom>
-        </p:spPr>
-        <p:txBody>
-          <a:bodyPr lIns="0" tIns="0" rIns="0" bIns="0" rtlCol="0" anchor="t">
-            <a:spAutoFit/>
-          </a:bodyPr>
-          <a:lstStyle/>
-          <a:p>
-            <a:pPr marL="0" lvl="0" indent="0" algn="ctr">
-              <a:lnSpc>
-                <a:spcPts val="6300"/>
-              </a:lnSpc>
-              <a:spcBef>
-                <a:spcPct val="0"/>
-              </a:spcBef>
-            </a:pPr>
-            <a:r>
-              <a:rPr lang="en-US" sz="3500" b="1" u="none" strike="noStrike" dirty="0">
-                <a:solidFill>
-                  <a:srgbClr val="FAFAFA"/>
-                </a:solidFill>
-                <a:latin typeface="Yu Gothic" panose="020B0400000000000000" pitchFamily="34" charset="-128"/>
-                <a:ea typeface="Yu Gothic" panose="020B0400000000000000" pitchFamily="34" charset="-128"/>
-                <a:cs typeface="Open Sans Bold"/>
-                <a:sym typeface="Open Sans Bold"/>
-              </a:rPr>
-              <a:t>04</a:t>
-            </a:r>
-          </a:p>
-        </p:txBody>
-      </p:sp>
-      <p:sp>
-        <p:nvSpPr>
-          <p:cNvPr id="10" name="テキスト ボックス 9">
-            <a:extLst>
-              <a:ext uri="{FF2B5EF4-FFF2-40B4-BE49-F238E27FC236}">
-                <a16:creationId xmlns:a16="http://schemas.microsoft.com/office/drawing/2014/main" id="{F41F76B9-2DD7-C940-7C40-75CA5C27DF7E}"/>
-              </a:ext>
-            </a:extLst>
-          </p:cNvPr>
-          <p:cNvSpPr txBox="1"/>
-          <p:nvPr/>
-        </p:nvSpPr>
-        <p:spPr>
-          <a:xfrm>
-            <a:off x="6698887" y="4931267"/>
-            <a:ext cx="3416320" cy="1015663"/>
-          </a:xfrm>
-          <a:prstGeom prst="rect">
-            <a:avLst/>
-          </a:prstGeom>
-          <a:noFill/>
-        </p:spPr>
-        <p:txBody>
-          <a:bodyPr wrap="none" rtlCol="0">
-            <a:spAutoFit/>
-          </a:bodyPr>
-          <a:lstStyle/>
-          <a:p>
-            <a:r>
-              <a:rPr kumimoji="1" lang="ja-JP" altLang="en-US" sz="6000">
-                <a:highlight>
-                  <a:srgbClr val="FFFF00"/>
-                </a:highlight>
-              </a:rPr>
-              <a:t>あとでかく</a:t>
-            </a:r>
-          </a:p>
-        </p:txBody>
-      </p:sp>
-    </p:spTree>
-    <p:extLst>
-      <p:ext uri="{BB962C8B-B14F-4D97-AF65-F5344CB8AC3E}">
-        <p14:creationId xmlns:p14="http://schemas.microsoft.com/office/powerpoint/2010/main" val="2574859237"/>
-      </p:ext>
-    </p:extLst>
-  </p:cSld>
-  <p:clrMapOvr>
-    <a:masterClrMapping/>
-  </p:clrMapOvr>
-</p:sld>
-</file>
-
 <file path=ppt/theme/theme1.xml><?xml version="1.0" encoding="utf-8"?>
 <a:theme xmlns:a="http://schemas.openxmlformats.org/drawingml/2006/main" name="Office Theme">
   <a:themeElements>
